--- a/Presentation/Presentation.pptx
+++ b/Presentation/Presentation.pptx
@@ -19,6 +19,10 @@
     <p:sldId id="279" r:id="rId13"/>
     <p:sldId id="280" r:id="rId14"/>
     <p:sldId id="281" r:id="rId15"/>
+    <p:sldId id="282" r:id="rId16"/>
+    <p:sldId id="283" r:id="rId17"/>
+    <p:sldId id="284" r:id="rId18"/>
+    <p:sldId id="285" r:id="rId19"/>
   </p:sldIdLst>
   <p:sldSz cx="12192000" cy="6858000"/>
   <p:notesSz cx="6858000" cy="9144000"/>
@@ -272,7 +276,7 @@
           <a:p>
             <a:fld id="{971A37A0-98A2-4046-9ECD-FCF836B52C03}" type="datetimeFigureOut">
               <a:rPr lang="en-US" smtClean="0"/>
-              <a:t>7/12/2019</a:t>
+              <a:t>7/18/2019</a:t>
             </a:fld>
             <a:endParaRPr lang="en-US"/>
           </a:p>
@@ -470,7 +474,7 @@
           <a:p>
             <a:fld id="{971A37A0-98A2-4046-9ECD-FCF836B52C03}" type="datetimeFigureOut">
               <a:rPr lang="en-US" smtClean="0"/>
-              <a:t>7/12/2019</a:t>
+              <a:t>7/18/2019</a:t>
             </a:fld>
             <a:endParaRPr lang="en-US"/>
           </a:p>
@@ -678,7 +682,7 @@
           <a:p>
             <a:fld id="{971A37A0-98A2-4046-9ECD-FCF836B52C03}" type="datetimeFigureOut">
               <a:rPr lang="en-US" smtClean="0"/>
-              <a:t>7/12/2019</a:t>
+              <a:t>7/18/2019</a:t>
             </a:fld>
             <a:endParaRPr lang="en-US"/>
           </a:p>
@@ -876,7 +880,7 @@
           <a:p>
             <a:fld id="{971A37A0-98A2-4046-9ECD-FCF836B52C03}" type="datetimeFigureOut">
               <a:rPr lang="en-US" smtClean="0"/>
-              <a:t>7/12/2019</a:t>
+              <a:t>7/18/2019</a:t>
             </a:fld>
             <a:endParaRPr lang="en-US"/>
           </a:p>
@@ -1151,7 +1155,7 @@
           <a:p>
             <a:fld id="{971A37A0-98A2-4046-9ECD-FCF836B52C03}" type="datetimeFigureOut">
               <a:rPr lang="en-US" smtClean="0"/>
-              <a:t>7/12/2019</a:t>
+              <a:t>7/18/2019</a:t>
             </a:fld>
             <a:endParaRPr lang="en-US"/>
           </a:p>
@@ -1416,7 +1420,7 @@
           <a:p>
             <a:fld id="{971A37A0-98A2-4046-9ECD-FCF836B52C03}" type="datetimeFigureOut">
               <a:rPr lang="en-US" smtClean="0"/>
-              <a:t>7/12/2019</a:t>
+              <a:t>7/18/2019</a:t>
             </a:fld>
             <a:endParaRPr lang="en-US"/>
           </a:p>
@@ -1828,7 +1832,7 @@
           <a:p>
             <a:fld id="{971A37A0-98A2-4046-9ECD-FCF836B52C03}" type="datetimeFigureOut">
               <a:rPr lang="en-US" smtClean="0"/>
-              <a:t>7/12/2019</a:t>
+              <a:t>7/18/2019</a:t>
             </a:fld>
             <a:endParaRPr lang="en-US"/>
           </a:p>
@@ -1969,7 +1973,7 @@
           <a:p>
             <a:fld id="{971A37A0-98A2-4046-9ECD-FCF836B52C03}" type="datetimeFigureOut">
               <a:rPr lang="en-US" smtClean="0"/>
-              <a:t>7/12/2019</a:t>
+              <a:t>7/18/2019</a:t>
             </a:fld>
             <a:endParaRPr lang="en-US"/>
           </a:p>
@@ -2082,7 +2086,7 @@
           <a:p>
             <a:fld id="{971A37A0-98A2-4046-9ECD-FCF836B52C03}" type="datetimeFigureOut">
               <a:rPr lang="en-US" smtClean="0"/>
-              <a:t>7/12/2019</a:t>
+              <a:t>7/18/2019</a:t>
             </a:fld>
             <a:endParaRPr lang="en-US"/>
           </a:p>
@@ -2393,7 +2397,7 @@
           <a:p>
             <a:fld id="{971A37A0-98A2-4046-9ECD-FCF836B52C03}" type="datetimeFigureOut">
               <a:rPr lang="en-US" smtClean="0"/>
-              <a:t>7/12/2019</a:t>
+              <a:t>7/18/2019</a:t>
             </a:fld>
             <a:endParaRPr lang="en-US"/>
           </a:p>
@@ -2681,7 +2685,7 @@
           <a:p>
             <a:fld id="{971A37A0-98A2-4046-9ECD-FCF836B52C03}" type="datetimeFigureOut">
               <a:rPr lang="en-US" smtClean="0"/>
-              <a:t>7/12/2019</a:t>
+              <a:t>7/18/2019</a:t>
             </a:fld>
             <a:endParaRPr lang="en-US"/>
           </a:p>
@@ -2931,7 +2935,7 @@
           <a:p>
             <a:fld id="{971A37A0-98A2-4046-9ECD-FCF836B52C03}" type="datetimeFigureOut">
               <a:rPr lang="en-US" smtClean="0"/>
-              <a:t>7/12/2019</a:t>
+              <a:t>7/18/2019</a:t>
             </a:fld>
             <a:endParaRPr lang="en-US"/>
           </a:p>
@@ -8053,8 +8057,8 @@
         </p:nvSpPr>
         <p:spPr>
           <a:xfrm>
-            <a:off x="4087507" y="58411"/>
-            <a:ext cx="4523995" cy="769441"/>
+            <a:off x="5440443" y="58411"/>
+            <a:ext cx="1818126" cy="769441"/>
           </a:xfrm>
           <a:prstGeom prst="rect">
             <a:avLst/>
@@ -8076,7 +8080,7 @@
                 <a:latin typeface="Roboto" panose="02000000000000000000" pitchFamily="2" charset="0"/>
                 <a:ea typeface="Roboto" panose="02000000000000000000" pitchFamily="2" charset="0"/>
               </a:rPr>
-              <a:t>General Positions</a:t>
+              <a:t>Others</a:t>
             </a:r>
           </a:p>
         </p:txBody>
@@ -8096,13 +8100,4857 @@
           <p:nvPr>
             <p:extLst>
               <p:ext uri="{D42A27DB-BD31-4B8C-83A1-F6EECF244321}">
-                <p14:modId xmlns:p14="http://schemas.microsoft.com/office/powerpoint/2010/main" val="2475502047"/>
+                <p14:modId xmlns:p14="http://schemas.microsoft.com/office/powerpoint/2010/main" val="4125475490"/>
               </p:ext>
             </p:extLst>
           </p:nvPr>
         </p:nvGraphicFramePr>
         <p:xfrm>
-          <a:off x="928468" y="1774753"/>
+          <a:off x="928468" y="1915433"/>
+          <a:ext cx="10142807" cy="2957688"/>
+        </p:xfrm>
+        <a:graphic>
+          <a:graphicData uri="http://schemas.openxmlformats.org/drawingml/2006/table">
+            <a:tbl>
+              <a:tblPr firstRow="1" bandRow="1">
+                <a:tableStyleId>{5C22544A-7EE6-4342-B048-85BDC9FD1C3A}</a:tableStyleId>
+              </a:tblPr>
+              <a:tblGrid>
+                <a:gridCol w="2236763">
+                  <a:extLst>
+                    <a:ext uri="{9D8B030D-6E8A-4147-A177-3AD203B41FA5}">
+                      <a16:colId xmlns:a16="http://schemas.microsoft.com/office/drawing/2014/main" val="2497592185"/>
+                    </a:ext>
+                  </a:extLst>
+                </a:gridCol>
+                <a:gridCol w="1793053">
+                  <a:extLst>
+                    <a:ext uri="{9D8B030D-6E8A-4147-A177-3AD203B41FA5}">
+                      <a16:colId xmlns:a16="http://schemas.microsoft.com/office/drawing/2014/main" val="2784781616"/>
+                    </a:ext>
+                  </a:extLst>
+                </a:gridCol>
+                <a:gridCol w="1921279">
+                  <a:extLst>
+                    <a:ext uri="{9D8B030D-6E8A-4147-A177-3AD203B41FA5}">
+                      <a16:colId xmlns:a16="http://schemas.microsoft.com/office/drawing/2014/main" val="1258935152"/>
+                    </a:ext>
+                  </a:extLst>
+                </a:gridCol>
+                <a:gridCol w="2011219">
+                  <a:extLst>
+                    <a:ext uri="{9D8B030D-6E8A-4147-A177-3AD203B41FA5}">
+                      <a16:colId xmlns:a16="http://schemas.microsoft.com/office/drawing/2014/main" val="3251926524"/>
+                    </a:ext>
+                  </a:extLst>
+                </a:gridCol>
+                <a:gridCol w="2180493">
+                  <a:extLst>
+                    <a:ext uri="{9D8B030D-6E8A-4147-A177-3AD203B41FA5}">
+                      <a16:colId xmlns:a16="http://schemas.microsoft.com/office/drawing/2014/main" val="3188416064"/>
+                    </a:ext>
+                  </a:extLst>
+                </a:gridCol>
+              </a:tblGrid>
+              <a:tr h="369711">
+                <a:tc>
+                  <a:txBody>
+                    <a:bodyPr/>
+                    <a:lstStyle/>
+                    <a:p>
+                      <a:r>
+                        <a:rPr lang="en-US" dirty="0"/>
+                        <a:t>Job Positions</a:t>
+                      </a:r>
+                    </a:p>
+                  </a:txBody>
+                  <a:tcPr/>
+                </a:tc>
+                <a:tc>
+                  <a:txBody>
+                    <a:bodyPr/>
+                    <a:lstStyle/>
+                    <a:p>
+                      <a:r>
+                        <a:rPr lang="en-US" dirty="0"/>
+                        <a:t>New Graduate</a:t>
+                      </a:r>
+                    </a:p>
+                  </a:txBody>
+                  <a:tcPr/>
+                </a:tc>
+                <a:tc>
+                  <a:txBody>
+                    <a:bodyPr/>
+                    <a:lstStyle/>
+                    <a:p>
+                      <a:r>
+                        <a:rPr lang="en-US" dirty="0"/>
+                        <a:t>Exp. 1-3 years</a:t>
+                      </a:r>
+                    </a:p>
+                  </a:txBody>
+                  <a:tcPr/>
+                </a:tc>
+                <a:tc>
+                  <a:txBody>
+                    <a:bodyPr/>
+                    <a:lstStyle/>
+                    <a:p>
+                      <a:r>
+                        <a:rPr lang="en-US" dirty="0"/>
+                        <a:t>Exp. 4-6 years</a:t>
+                      </a:r>
+                    </a:p>
+                  </a:txBody>
+                  <a:tcPr/>
+                </a:tc>
+                <a:tc>
+                  <a:txBody>
+                    <a:bodyPr/>
+                    <a:lstStyle/>
+                    <a:p>
+                      <a:r>
+                        <a:rPr lang="en-US" dirty="0"/>
+                        <a:t>Exp. 7 years and up</a:t>
+                      </a:r>
+                    </a:p>
+                  </a:txBody>
+                  <a:tcPr/>
+                </a:tc>
+                <a:extLst>
+                  <a:ext uri="{0D108BD9-81ED-4DB2-BD59-A6C34878D82A}">
+                    <a16:rowId xmlns:a16="http://schemas.microsoft.com/office/drawing/2014/main" val="3617081155"/>
+                  </a:ext>
+                </a:extLst>
+              </a:tr>
+              <a:tr h="369711">
+                <a:tc>
+                  <a:txBody>
+                    <a:bodyPr/>
+                    <a:lstStyle/>
+                    <a:p>
+                      <a:r>
+                        <a:rPr lang="en-US" dirty="0"/>
+                        <a:t>Project Manager</a:t>
+                      </a:r>
+                    </a:p>
+                  </a:txBody>
+                  <a:tcPr/>
+                </a:tc>
+                <a:tc>
+                  <a:txBody>
+                    <a:bodyPr/>
+                    <a:lstStyle/>
+                    <a:p>
+                      <a:pPr algn="ctr" fontAlgn="b"/>
+                      <a:r>
+                        <a:rPr lang="en-US" sz="1800" b="0" i="0" u="none" strike="noStrike" dirty="0">
+                          <a:solidFill>
+                            <a:srgbClr val="000000"/>
+                          </a:solidFill>
+                          <a:effectLst/>
+                          <a:latin typeface="Arial" panose="020B0604020202020204" pitchFamily="34" charset="0"/>
+                        </a:rPr>
+                        <a:t>259</a:t>
+                      </a:r>
+                    </a:p>
+                  </a:txBody>
+                  <a:tcPr marL="9525" marR="9525" marT="9525" marB="0" anchor="b"/>
+                </a:tc>
+                <a:tc>
+                  <a:txBody>
+                    <a:bodyPr/>
+                    <a:lstStyle/>
+                    <a:p>
+                      <a:pPr algn="ctr" fontAlgn="b"/>
+                      <a:r>
+                        <a:rPr lang="en-US" sz="1800" b="0" i="0" u="none" strike="noStrike" dirty="0">
+                          <a:solidFill>
+                            <a:srgbClr val="000000"/>
+                          </a:solidFill>
+                          <a:effectLst/>
+                          <a:latin typeface="Arial" panose="020B0604020202020204" pitchFamily="34" charset="0"/>
+                        </a:rPr>
+                        <a:t>413</a:t>
+                      </a:r>
+                    </a:p>
+                  </a:txBody>
+                  <a:tcPr marL="9525" marR="9525" marT="9525" marB="0" anchor="b"/>
+                </a:tc>
+                <a:tc>
+                  <a:txBody>
+                    <a:bodyPr/>
+                    <a:lstStyle/>
+                    <a:p>
+                      <a:pPr algn="ctr" fontAlgn="b"/>
+                      <a:r>
+                        <a:rPr lang="en-US" sz="1800" b="0" i="0" u="none" strike="noStrike" dirty="0">
+                          <a:solidFill>
+                            <a:srgbClr val="000000"/>
+                          </a:solidFill>
+                          <a:effectLst/>
+                          <a:latin typeface="Arial" panose="020B0604020202020204" pitchFamily="34" charset="0"/>
+                        </a:rPr>
+                        <a:t>537</a:t>
+                      </a:r>
+                    </a:p>
+                  </a:txBody>
+                  <a:tcPr marL="9525" marR="9525" marT="9525" marB="0" anchor="b"/>
+                </a:tc>
+                <a:tc>
+                  <a:txBody>
+                    <a:bodyPr/>
+                    <a:lstStyle/>
+                    <a:p>
+                      <a:pPr algn="ctr" fontAlgn="b"/>
+                      <a:r>
+                        <a:rPr lang="en-US" sz="1800" b="0" i="0" u="none" strike="noStrike" dirty="0">
+                          <a:solidFill>
+                            <a:srgbClr val="000000"/>
+                          </a:solidFill>
+                          <a:effectLst/>
+                          <a:latin typeface="Arial" panose="020B0604020202020204" pitchFamily="34" charset="0"/>
+                        </a:rPr>
+                        <a:t>1186</a:t>
+                      </a:r>
+                    </a:p>
+                  </a:txBody>
+                  <a:tcPr marL="9525" marR="9525" marT="9525" marB="0" anchor="b"/>
+                </a:tc>
+                <a:extLst>
+                  <a:ext uri="{0D108BD9-81ED-4DB2-BD59-A6C34878D82A}">
+                    <a16:rowId xmlns:a16="http://schemas.microsoft.com/office/drawing/2014/main" val="1061743433"/>
+                  </a:ext>
+                </a:extLst>
+              </a:tr>
+              <a:tr h="369711">
+                <a:tc>
+                  <a:txBody>
+                    <a:bodyPr/>
+                    <a:lstStyle/>
+                    <a:p>
+                      <a:r>
+                        <a:rPr lang="en-US" dirty="0"/>
+                        <a:t>Sale Officer</a:t>
+                      </a:r>
+                    </a:p>
+                  </a:txBody>
+                  <a:tcPr/>
+                </a:tc>
+                <a:tc>
+                  <a:txBody>
+                    <a:bodyPr/>
+                    <a:lstStyle/>
+                    <a:p>
+                      <a:pPr algn="ctr" fontAlgn="b"/>
+                      <a:r>
+                        <a:rPr lang="en-US" sz="1800" b="0" i="0" u="none" strike="noStrike" dirty="0">
+                          <a:solidFill>
+                            <a:srgbClr val="000000"/>
+                          </a:solidFill>
+                          <a:effectLst/>
+                          <a:latin typeface="Arial" panose="020B0604020202020204" pitchFamily="34" charset="0"/>
+                        </a:rPr>
+                        <a:t>203</a:t>
+                      </a:r>
+                    </a:p>
+                  </a:txBody>
+                  <a:tcPr marL="9525" marR="9525" marT="9525" marB="0" anchor="b"/>
+                </a:tc>
+                <a:tc>
+                  <a:txBody>
+                    <a:bodyPr/>
+                    <a:lstStyle/>
+                    <a:p>
+                      <a:pPr algn="ctr" fontAlgn="b"/>
+                      <a:r>
+                        <a:rPr lang="en-US" sz="1800" b="0" i="0" u="none" strike="noStrike" dirty="0">
+                          <a:solidFill>
+                            <a:srgbClr val="000000"/>
+                          </a:solidFill>
+                          <a:effectLst/>
+                          <a:latin typeface="Arial" panose="020B0604020202020204" pitchFamily="34" charset="0"/>
+                        </a:rPr>
+                        <a:t>293</a:t>
+                      </a:r>
+                    </a:p>
+                  </a:txBody>
+                  <a:tcPr marL="9525" marR="9525" marT="9525" marB="0" anchor="b"/>
+                </a:tc>
+                <a:tc>
+                  <a:txBody>
+                    <a:bodyPr/>
+                    <a:lstStyle/>
+                    <a:p>
+                      <a:pPr algn="ctr" fontAlgn="b"/>
+                      <a:r>
+                        <a:rPr lang="en-US" sz="1800" b="0" i="0" u="none" strike="noStrike" dirty="0">
+                          <a:solidFill>
+                            <a:srgbClr val="000000"/>
+                          </a:solidFill>
+                          <a:effectLst/>
+                          <a:latin typeface="Arial" panose="020B0604020202020204" pitchFamily="34" charset="0"/>
+                        </a:rPr>
+                        <a:t>456</a:t>
+                      </a:r>
+                    </a:p>
+                  </a:txBody>
+                  <a:tcPr marL="9525" marR="9525" marT="9525" marB="0" anchor="b"/>
+                </a:tc>
+                <a:tc>
+                  <a:txBody>
+                    <a:bodyPr/>
+                    <a:lstStyle/>
+                    <a:p>
+                      <a:pPr algn="ctr" fontAlgn="b"/>
+                      <a:r>
+                        <a:rPr lang="en-US" sz="1800" b="0" i="0" u="none" strike="noStrike" dirty="0">
+                          <a:solidFill>
+                            <a:srgbClr val="000000"/>
+                          </a:solidFill>
+                          <a:effectLst/>
+                          <a:latin typeface="Arial" panose="020B0604020202020204" pitchFamily="34" charset="0"/>
+                        </a:rPr>
+                        <a:t>693</a:t>
+                      </a:r>
+                    </a:p>
+                  </a:txBody>
+                  <a:tcPr marL="9525" marR="9525" marT="9525" marB="0" anchor="b"/>
+                </a:tc>
+                <a:extLst>
+                  <a:ext uri="{0D108BD9-81ED-4DB2-BD59-A6C34878D82A}">
+                    <a16:rowId xmlns:a16="http://schemas.microsoft.com/office/drawing/2014/main" val="1149758969"/>
+                  </a:ext>
+                </a:extLst>
+              </a:tr>
+              <a:tr h="369711">
+                <a:tc>
+                  <a:txBody>
+                    <a:bodyPr/>
+                    <a:lstStyle/>
+                    <a:p>
+                      <a:r>
+                        <a:rPr lang="en-US" dirty="0"/>
+                        <a:t>Marketing Officer</a:t>
+                      </a:r>
+                    </a:p>
+                  </a:txBody>
+                  <a:tcPr/>
+                </a:tc>
+                <a:tc>
+                  <a:txBody>
+                    <a:bodyPr/>
+                    <a:lstStyle/>
+                    <a:p>
+                      <a:pPr algn="ctr" fontAlgn="b"/>
+                      <a:r>
+                        <a:rPr lang="en-US" sz="1800" b="0" i="0" u="none" strike="noStrike" dirty="0">
+                          <a:solidFill>
+                            <a:srgbClr val="000000"/>
+                          </a:solidFill>
+                          <a:effectLst/>
+                          <a:latin typeface="Arial" panose="020B0604020202020204" pitchFamily="34" charset="0"/>
+                        </a:rPr>
+                        <a:t>219</a:t>
+                      </a:r>
+                    </a:p>
+                  </a:txBody>
+                  <a:tcPr marL="9525" marR="9525" marT="9525" marB="0" anchor="b"/>
+                </a:tc>
+                <a:tc>
+                  <a:txBody>
+                    <a:bodyPr/>
+                    <a:lstStyle/>
+                    <a:p>
+                      <a:pPr algn="ctr" fontAlgn="b"/>
+                      <a:r>
+                        <a:rPr lang="en-US" sz="1800" b="0" i="0" u="none" strike="noStrike" dirty="0">
+                          <a:solidFill>
+                            <a:srgbClr val="000000"/>
+                          </a:solidFill>
+                          <a:effectLst/>
+                          <a:latin typeface="Arial" panose="020B0604020202020204" pitchFamily="34" charset="0"/>
+                        </a:rPr>
+                        <a:t>341</a:t>
+                      </a:r>
+                    </a:p>
+                  </a:txBody>
+                  <a:tcPr marL="9525" marR="9525" marT="9525" marB="0" anchor="b"/>
+                </a:tc>
+                <a:tc>
+                  <a:txBody>
+                    <a:bodyPr/>
+                    <a:lstStyle/>
+                    <a:p>
+                      <a:pPr algn="ctr" fontAlgn="b"/>
+                      <a:r>
+                        <a:rPr lang="en-US" sz="1800" b="0" i="0" u="none" strike="noStrike" dirty="0">
+                          <a:solidFill>
+                            <a:srgbClr val="000000"/>
+                          </a:solidFill>
+                          <a:effectLst/>
+                          <a:latin typeface="Arial" panose="020B0604020202020204" pitchFamily="34" charset="0"/>
+                        </a:rPr>
+                        <a:t>484</a:t>
+                      </a:r>
+                    </a:p>
+                  </a:txBody>
+                  <a:tcPr marL="9525" marR="9525" marT="9525" marB="0" anchor="b"/>
+                </a:tc>
+                <a:tc>
+                  <a:txBody>
+                    <a:bodyPr/>
+                    <a:lstStyle/>
+                    <a:p>
+                      <a:pPr algn="ctr" fontAlgn="b"/>
+                      <a:r>
+                        <a:rPr lang="en-US" sz="1800" b="0" i="0" u="none" strike="noStrike" dirty="0">
+                          <a:solidFill>
+                            <a:srgbClr val="000000"/>
+                          </a:solidFill>
+                          <a:effectLst/>
+                          <a:latin typeface="Arial" panose="020B0604020202020204" pitchFamily="34" charset="0"/>
+                        </a:rPr>
+                        <a:t>641</a:t>
+                      </a:r>
+                    </a:p>
+                  </a:txBody>
+                  <a:tcPr marL="9525" marR="9525" marT="9525" marB="0" anchor="b"/>
+                </a:tc>
+                <a:extLst>
+                  <a:ext uri="{0D108BD9-81ED-4DB2-BD59-A6C34878D82A}">
+                    <a16:rowId xmlns:a16="http://schemas.microsoft.com/office/drawing/2014/main" val="1823940534"/>
+                  </a:ext>
+                </a:extLst>
+              </a:tr>
+              <a:tr h="369711">
+                <a:tc>
+                  <a:txBody>
+                    <a:bodyPr/>
+                    <a:lstStyle/>
+                    <a:p>
+                      <a:r>
+                        <a:rPr lang="en-US" dirty="0"/>
+                        <a:t>HR</a:t>
+                      </a:r>
+                    </a:p>
+                  </a:txBody>
+                  <a:tcPr/>
+                </a:tc>
+                <a:tc>
+                  <a:txBody>
+                    <a:bodyPr/>
+                    <a:lstStyle/>
+                    <a:p>
+                      <a:pPr algn="ctr" fontAlgn="b"/>
+                      <a:r>
+                        <a:rPr lang="en-US" sz="1800" b="0" i="0" u="none" strike="noStrike" dirty="0">
+                          <a:solidFill>
+                            <a:srgbClr val="000000"/>
+                          </a:solidFill>
+                          <a:effectLst/>
+                          <a:latin typeface="Arial" panose="020B0604020202020204" pitchFamily="34" charset="0"/>
+                        </a:rPr>
+                        <a:t>241</a:t>
+                      </a:r>
+                    </a:p>
+                  </a:txBody>
+                  <a:tcPr marL="9525" marR="9525" marT="9525" marB="0" anchor="b"/>
+                </a:tc>
+                <a:tc>
+                  <a:txBody>
+                    <a:bodyPr/>
+                    <a:lstStyle/>
+                    <a:p>
+                      <a:pPr algn="ctr" fontAlgn="b"/>
+                      <a:r>
+                        <a:rPr lang="en-US" sz="1800" b="0" i="0" u="none" strike="noStrike" dirty="0">
+                          <a:solidFill>
+                            <a:srgbClr val="000000"/>
+                          </a:solidFill>
+                          <a:effectLst/>
+                          <a:latin typeface="Arial" panose="020B0604020202020204" pitchFamily="34" charset="0"/>
+                        </a:rPr>
+                        <a:t>341</a:t>
+                      </a:r>
+                    </a:p>
+                  </a:txBody>
+                  <a:tcPr marL="9525" marR="9525" marT="9525" marB="0" anchor="b"/>
+                </a:tc>
+                <a:tc>
+                  <a:txBody>
+                    <a:bodyPr/>
+                    <a:lstStyle/>
+                    <a:p>
+                      <a:pPr algn="ctr" fontAlgn="b"/>
+                      <a:r>
+                        <a:rPr lang="en-US" sz="1800" b="0" i="0" u="none" strike="noStrike" dirty="0">
+                          <a:solidFill>
+                            <a:srgbClr val="000000"/>
+                          </a:solidFill>
+                          <a:effectLst/>
+                          <a:latin typeface="Arial" panose="020B0604020202020204" pitchFamily="34" charset="0"/>
+                        </a:rPr>
+                        <a:t>480</a:t>
+                      </a:r>
+                    </a:p>
+                  </a:txBody>
+                  <a:tcPr marL="9525" marR="9525" marT="9525" marB="0" anchor="b"/>
+                </a:tc>
+                <a:tc>
+                  <a:txBody>
+                    <a:bodyPr/>
+                    <a:lstStyle/>
+                    <a:p>
+                      <a:pPr algn="ctr" fontAlgn="b"/>
+                      <a:r>
+                        <a:rPr lang="en-US" sz="1800" b="0" i="0" u="none" strike="noStrike" dirty="0">
+                          <a:solidFill>
+                            <a:srgbClr val="000000"/>
+                          </a:solidFill>
+                          <a:effectLst/>
+                          <a:latin typeface="Arial" panose="020B0604020202020204" pitchFamily="34" charset="0"/>
+                        </a:rPr>
+                        <a:t>649</a:t>
+                      </a:r>
+                    </a:p>
+                  </a:txBody>
+                  <a:tcPr marL="9525" marR="9525" marT="9525" marB="0" anchor="b"/>
+                </a:tc>
+                <a:extLst>
+                  <a:ext uri="{0D108BD9-81ED-4DB2-BD59-A6C34878D82A}">
+                    <a16:rowId xmlns:a16="http://schemas.microsoft.com/office/drawing/2014/main" val="3492520678"/>
+                  </a:ext>
+                </a:extLst>
+              </a:tr>
+              <a:tr h="369711">
+                <a:tc>
+                  <a:txBody>
+                    <a:bodyPr/>
+                    <a:lstStyle/>
+                    <a:p>
+                      <a:r>
+                        <a:rPr lang="en-US" dirty="0"/>
+                        <a:t>Finance Officer</a:t>
+                      </a:r>
+                    </a:p>
+                  </a:txBody>
+                  <a:tcPr/>
+                </a:tc>
+                <a:tc>
+                  <a:txBody>
+                    <a:bodyPr/>
+                    <a:lstStyle/>
+                    <a:p>
+                      <a:pPr algn="ctr" fontAlgn="b"/>
+                      <a:r>
+                        <a:rPr lang="en-US" sz="1800" b="0" i="0" u="none" strike="noStrike" dirty="0">
+                          <a:solidFill>
+                            <a:srgbClr val="000000"/>
+                          </a:solidFill>
+                          <a:effectLst/>
+                          <a:latin typeface="Arial" panose="020B0604020202020204" pitchFamily="34" charset="0"/>
+                        </a:rPr>
+                        <a:t>267</a:t>
+                      </a:r>
+                    </a:p>
+                  </a:txBody>
+                  <a:tcPr marL="9525" marR="9525" marT="9525" marB="0" anchor="b"/>
+                </a:tc>
+                <a:tc>
+                  <a:txBody>
+                    <a:bodyPr/>
+                    <a:lstStyle/>
+                    <a:p>
+                      <a:pPr algn="ctr" fontAlgn="b"/>
+                      <a:r>
+                        <a:rPr lang="en-US" sz="1800" b="0" i="0" u="none" strike="noStrike" dirty="0">
+                          <a:solidFill>
+                            <a:srgbClr val="000000"/>
+                          </a:solidFill>
+                          <a:effectLst/>
+                          <a:latin typeface="Arial" panose="020B0604020202020204" pitchFamily="34" charset="0"/>
+                        </a:rPr>
+                        <a:t>339</a:t>
+                      </a:r>
+                    </a:p>
+                  </a:txBody>
+                  <a:tcPr marL="9525" marR="9525" marT="9525" marB="0" anchor="b"/>
+                </a:tc>
+                <a:tc>
+                  <a:txBody>
+                    <a:bodyPr/>
+                    <a:lstStyle/>
+                    <a:p>
+                      <a:pPr algn="ctr" fontAlgn="b"/>
+                      <a:r>
+                        <a:rPr lang="en-US" sz="1800" b="0" i="0" u="none" strike="noStrike" dirty="0">
+                          <a:solidFill>
+                            <a:srgbClr val="000000"/>
+                          </a:solidFill>
+                          <a:effectLst/>
+                          <a:latin typeface="Arial" panose="020B0604020202020204" pitchFamily="34" charset="0"/>
+                        </a:rPr>
+                        <a:t>493</a:t>
+                      </a:r>
+                    </a:p>
+                  </a:txBody>
+                  <a:tcPr marL="9525" marR="9525" marT="9525" marB="0" anchor="b"/>
+                </a:tc>
+                <a:tc>
+                  <a:txBody>
+                    <a:bodyPr/>
+                    <a:lstStyle/>
+                    <a:p>
+                      <a:pPr algn="ctr" fontAlgn="b"/>
+                      <a:r>
+                        <a:rPr lang="en-US" sz="1800" b="0" i="0" u="none" strike="noStrike" dirty="0">
+                          <a:solidFill>
+                            <a:srgbClr val="000000"/>
+                          </a:solidFill>
+                          <a:effectLst/>
+                          <a:latin typeface="Arial" panose="020B0604020202020204" pitchFamily="34" charset="0"/>
+                        </a:rPr>
+                        <a:t>611</a:t>
+                      </a:r>
+                    </a:p>
+                  </a:txBody>
+                  <a:tcPr marL="9525" marR="9525" marT="9525" marB="0" anchor="b"/>
+                </a:tc>
+                <a:extLst>
+                  <a:ext uri="{0D108BD9-81ED-4DB2-BD59-A6C34878D82A}">
+                    <a16:rowId xmlns:a16="http://schemas.microsoft.com/office/drawing/2014/main" val="2023878511"/>
+                  </a:ext>
+                </a:extLst>
+              </a:tr>
+              <a:tr h="369711">
+                <a:tc>
+                  <a:txBody>
+                    <a:bodyPr/>
+                    <a:lstStyle/>
+                    <a:p>
+                      <a:r>
+                        <a:rPr lang="en-US" dirty="0"/>
+                        <a:t>IT Officer</a:t>
+                      </a:r>
+                    </a:p>
+                  </a:txBody>
+                  <a:tcPr/>
+                </a:tc>
+                <a:tc>
+                  <a:txBody>
+                    <a:bodyPr/>
+                    <a:lstStyle/>
+                    <a:p>
+                      <a:pPr algn="ctr" fontAlgn="b"/>
+                      <a:r>
+                        <a:rPr lang="en-US" sz="1800" b="0" i="0" u="none" strike="noStrike" dirty="0">
+                          <a:solidFill>
+                            <a:srgbClr val="000000"/>
+                          </a:solidFill>
+                          <a:effectLst/>
+                          <a:latin typeface="Arial" panose="020B0604020202020204" pitchFamily="34" charset="0"/>
+                        </a:rPr>
+                        <a:t>236</a:t>
+                      </a:r>
+                    </a:p>
+                  </a:txBody>
+                  <a:tcPr marL="9525" marR="9525" marT="9525" marB="0" anchor="b"/>
+                </a:tc>
+                <a:tc>
+                  <a:txBody>
+                    <a:bodyPr/>
+                    <a:lstStyle/>
+                    <a:p>
+                      <a:pPr algn="ctr" fontAlgn="b"/>
+                      <a:r>
+                        <a:rPr lang="en-US" sz="1800" b="0" i="0" u="none" strike="noStrike" dirty="0">
+                          <a:solidFill>
+                            <a:srgbClr val="000000"/>
+                          </a:solidFill>
+                          <a:effectLst/>
+                          <a:latin typeface="Arial" panose="020B0604020202020204" pitchFamily="34" charset="0"/>
+                        </a:rPr>
+                        <a:t>342</a:t>
+                      </a:r>
+                    </a:p>
+                  </a:txBody>
+                  <a:tcPr marL="9525" marR="9525" marT="9525" marB="0" anchor="b"/>
+                </a:tc>
+                <a:tc>
+                  <a:txBody>
+                    <a:bodyPr/>
+                    <a:lstStyle/>
+                    <a:p>
+                      <a:pPr algn="ctr" fontAlgn="b"/>
+                      <a:r>
+                        <a:rPr lang="en-US" sz="1800" b="0" i="0" u="none" strike="noStrike" dirty="0">
+                          <a:solidFill>
+                            <a:srgbClr val="000000"/>
+                          </a:solidFill>
+                          <a:effectLst/>
+                          <a:latin typeface="Arial" panose="020B0604020202020204" pitchFamily="34" charset="0"/>
+                        </a:rPr>
+                        <a:t>477</a:t>
+                      </a:r>
+                    </a:p>
+                  </a:txBody>
+                  <a:tcPr marL="9525" marR="9525" marT="9525" marB="0" anchor="b"/>
+                </a:tc>
+                <a:tc>
+                  <a:txBody>
+                    <a:bodyPr/>
+                    <a:lstStyle/>
+                    <a:p>
+                      <a:pPr algn="ctr" fontAlgn="b"/>
+                      <a:r>
+                        <a:rPr lang="en-US" sz="1800" b="0" i="0" u="none" strike="noStrike" dirty="0">
+                          <a:solidFill>
+                            <a:srgbClr val="000000"/>
+                          </a:solidFill>
+                          <a:effectLst/>
+                          <a:latin typeface="Arial" panose="020B0604020202020204" pitchFamily="34" charset="0"/>
+                        </a:rPr>
+                        <a:t>623</a:t>
+                      </a:r>
+                    </a:p>
+                  </a:txBody>
+                  <a:tcPr marL="9525" marR="9525" marT="9525" marB="0" anchor="b"/>
+                </a:tc>
+                <a:extLst>
+                  <a:ext uri="{0D108BD9-81ED-4DB2-BD59-A6C34878D82A}">
+                    <a16:rowId xmlns:a16="http://schemas.microsoft.com/office/drawing/2014/main" val="2771850426"/>
+                  </a:ext>
+                </a:extLst>
+              </a:tr>
+              <a:tr h="369711">
+                <a:tc>
+                  <a:txBody>
+                    <a:bodyPr/>
+                    <a:lstStyle/>
+                    <a:p>
+                      <a:r>
+                        <a:rPr lang="en-US" dirty="0"/>
+                        <a:t>Admin Officer</a:t>
+                      </a:r>
+                    </a:p>
+                  </a:txBody>
+                  <a:tcPr/>
+                </a:tc>
+                <a:tc>
+                  <a:txBody>
+                    <a:bodyPr/>
+                    <a:lstStyle/>
+                    <a:p>
+                      <a:pPr algn="ctr" fontAlgn="b"/>
+                      <a:r>
+                        <a:rPr lang="en-US" sz="1800" b="0" i="0" u="none" strike="noStrike" dirty="0">
+                          <a:solidFill>
+                            <a:srgbClr val="000000"/>
+                          </a:solidFill>
+                          <a:effectLst/>
+                          <a:latin typeface="Arial" panose="020B0604020202020204" pitchFamily="34" charset="0"/>
+                        </a:rPr>
+                        <a:t>237</a:t>
+                      </a:r>
+                    </a:p>
+                  </a:txBody>
+                  <a:tcPr marL="9525" marR="9525" marT="9525" marB="0" anchor="b"/>
+                </a:tc>
+                <a:tc>
+                  <a:txBody>
+                    <a:bodyPr/>
+                    <a:lstStyle/>
+                    <a:p>
+                      <a:pPr algn="ctr" fontAlgn="b"/>
+                      <a:r>
+                        <a:rPr lang="en-US" sz="1800" b="0" i="0" u="none" strike="noStrike" dirty="0">
+                          <a:solidFill>
+                            <a:srgbClr val="000000"/>
+                          </a:solidFill>
+                          <a:effectLst/>
+                          <a:latin typeface="Arial" panose="020B0604020202020204" pitchFamily="34" charset="0"/>
+                        </a:rPr>
+                        <a:t>338</a:t>
+                      </a:r>
+                    </a:p>
+                  </a:txBody>
+                  <a:tcPr marL="9525" marR="9525" marT="9525" marB="0" anchor="b"/>
+                </a:tc>
+                <a:tc>
+                  <a:txBody>
+                    <a:bodyPr/>
+                    <a:lstStyle/>
+                    <a:p>
+                      <a:pPr algn="ctr" fontAlgn="b"/>
+                      <a:r>
+                        <a:rPr lang="en-US" sz="1800" b="0" i="0" u="none" strike="noStrike" dirty="0">
+                          <a:solidFill>
+                            <a:srgbClr val="000000"/>
+                          </a:solidFill>
+                          <a:effectLst/>
+                          <a:latin typeface="Arial" panose="020B0604020202020204" pitchFamily="34" charset="0"/>
+                        </a:rPr>
+                        <a:t>479</a:t>
+                      </a:r>
+                    </a:p>
+                  </a:txBody>
+                  <a:tcPr marL="9525" marR="9525" marT="9525" marB="0" anchor="b"/>
+                </a:tc>
+                <a:tc>
+                  <a:txBody>
+                    <a:bodyPr/>
+                    <a:lstStyle/>
+                    <a:p>
+                      <a:pPr algn="ctr" fontAlgn="b"/>
+                      <a:r>
+                        <a:rPr lang="en-US" sz="1800" b="0" i="0" u="none" strike="noStrike" dirty="0">
+                          <a:solidFill>
+                            <a:srgbClr val="000000"/>
+                          </a:solidFill>
+                          <a:effectLst/>
+                          <a:latin typeface="Arial" panose="020B0604020202020204" pitchFamily="34" charset="0"/>
+                        </a:rPr>
+                        <a:t>638</a:t>
+                      </a:r>
+                    </a:p>
+                  </a:txBody>
+                  <a:tcPr marL="9525" marR="9525" marT="9525" marB="0" anchor="b"/>
+                </a:tc>
+                <a:extLst>
+                  <a:ext uri="{0D108BD9-81ED-4DB2-BD59-A6C34878D82A}">
+                    <a16:rowId xmlns:a16="http://schemas.microsoft.com/office/drawing/2014/main" val="1464438257"/>
+                  </a:ext>
+                </a:extLst>
+              </a:tr>
+            </a:tbl>
+          </a:graphicData>
+        </a:graphic>
+      </p:graphicFrame>
+    </p:spTree>
+    <p:extLst>
+      <p:ext uri="{BB962C8B-B14F-4D97-AF65-F5344CB8AC3E}">
+        <p14:creationId xmlns:p14="http://schemas.microsoft.com/office/powerpoint/2010/main" val="3914239066"/>
+      </p:ext>
+    </p:extLst>
+  </p:cSld>
+  <p:clrMapOvr>
+    <a:masterClrMapping/>
+  </p:clrMapOvr>
+</p:sld>
+</file>
+
+<file path=ppt/slides/slide15.xml><?xml version="1.0" encoding="utf-8"?>
+<p:sld xmlns:a="http://schemas.openxmlformats.org/drawingml/2006/main" xmlns:r="http://schemas.openxmlformats.org/officeDocument/2006/relationships" xmlns:p="http://schemas.openxmlformats.org/presentationml/2006/main">
+  <p:cSld>
+    <p:spTree>
+      <p:nvGrpSpPr>
+        <p:cNvPr id="1" name=""/>
+        <p:cNvGrpSpPr/>
+        <p:nvPr/>
+      </p:nvGrpSpPr>
+      <p:grpSpPr>
+        <a:xfrm>
+          <a:off x="0" y="0"/>
+          <a:ext cx="0" cy="0"/>
+          <a:chOff x="0" y="0"/>
+          <a:chExt cx="0" cy="0"/>
+        </a:xfrm>
+      </p:grpSpPr>
+      <p:sp>
+        <p:nvSpPr>
+          <p:cNvPr id="4" name="Rectangle 3">
+            <a:extLst>
+              <a:ext uri="{FF2B5EF4-FFF2-40B4-BE49-F238E27FC236}">
+                <a16:creationId xmlns:a16="http://schemas.microsoft.com/office/drawing/2014/main" id="{6E167D15-556D-4BCA-B6BE-DE301969366E}"/>
+              </a:ext>
+            </a:extLst>
+          </p:cNvPr>
+          <p:cNvSpPr/>
+          <p:nvPr/>
+        </p:nvSpPr>
+        <p:spPr>
+          <a:xfrm>
+            <a:off x="928468" y="0"/>
+            <a:ext cx="10100603" cy="886264"/>
+          </a:xfrm>
+          <a:prstGeom prst="rect">
+            <a:avLst/>
+          </a:prstGeom>
+        </p:spPr>
+        <p:style>
+          <a:lnRef idx="2">
+            <a:schemeClr val="accent1">
+              <a:shade val="50000"/>
+            </a:schemeClr>
+          </a:lnRef>
+          <a:fillRef idx="1">
+            <a:schemeClr val="accent1"/>
+          </a:fillRef>
+          <a:effectRef idx="0">
+            <a:schemeClr val="accent1"/>
+          </a:effectRef>
+          <a:fontRef idx="minor">
+            <a:schemeClr val="lt1"/>
+          </a:fontRef>
+        </p:style>
+        <p:txBody>
+          <a:bodyPr rtlCol="0" anchor="ctr"/>
+          <a:lstStyle/>
+          <a:p>
+            <a:pPr algn="ctr"/>
+            <a:endParaRPr lang="en-US"/>
+          </a:p>
+        </p:txBody>
+      </p:sp>
+      <p:sp>
+        <p:nvSpPr>
+          <p:cNvPr id="5" name="TextBox 4">
+            <a:extLst>
+              <a:ext uri="{FF2B5EF4-FFF2-40B4-BE49-F238E27FC236}">
+                <a16:creationId xmlns:a16="http://schemas.microsoft.com/office/drawing/2014/main" id="{A895F123-133F-4E0B-A890-87A48E29C7ED}"/>
+              </a:ext>
+            </a:extLst>
+          </p:cNvPr>
+          <p:cNvSpPr txBox="1"/>
+          <p:nvPr/>
+        </p:nvSpPr>
+        <p:spPr>
+          <a:xfrm>
+            <a:off x="4764782" y="58411"/>
+            <a:ext cx="3169458" cy="769441"/>
+          </a:xfrm>
+          <a:prstGeom prst="rect">
+            <a:avLst/>
+          </a:prstGeom>
+          <a:noFill/>
+        </p:spPr>
+        <p:txBody>
+          <a:bodyPr wrap="none" rtlCol="0">
+            <a:spAutoFit/>
+          </a:bodyPr>
+          <a:lstStyle/>
+          <a:p>
+            <a:pPr algn="ctr"/>
+            <a:r>
+              <a:rPr lang="en-US" sz="4400" b="1" dirty="0">
+                <a:solidFill>
+                  <a:schemeClr val="bg1"/>
+                </a:solidFill>
+                <a:latin typeface="Roboto" panose="02000000000000000000" pitchFamily="2" charset="0"/>
+                <a:ea typeface="Roboto" panose="02000000000000000000" pitchFamily="2" charset="0"/>
+              </a:rPr>
+              <a:t>All Together</a:t>
+            </a:r>
+          </a:p>
+        </p:txBody>
+      </p:sp>
+      <p:graphicFrame>
+        <p:nvGraphicFramePr>
+          <p:cNvPr id="6" name="Table 5">
+            <a:extLst>
+              <a:ext uri="{FF2B5EF4-FFF2-40B4-BE49-F238E27FC236}">
+                <a16:creationId xmlns:a16="http://schemas.microsoft.com/office/drawing/2014/main" id="{54EFA07A-658C-4CCF-B537-98AA5AF05EE1}"/>
+              </a:ext>
+            </a:extLst>
+          </p:cNvPr>
+          <p:cNvGraphicFramePr>
+            <a:graphicFrameLocks noGrp="1"/>
+          </p:cNvGraphicFramePr>
+          <p:nvPr>
+            <p:extLst>
+              <p:ext uri="{D42A27DB-BD31-4B8C-83A1-F6EECF244321}">
+                <p14:modId xmlns:p14="http://schemas.microsoft.com/office/powerpoint/2010/main" val="1759883737"/>
+              </p:ext>
+            </p:extLst>
+          </p:nvPr>
+        </p:nvGraphicFramePr>
+        <p:xfrm>
+          <a:off x="928468" y="1145414"/>
+          <a:ext cx="10142807" cy="4508217"/>
+        </p:xfrm>
+        <a:graphic>
+          <a:graphicData uri="http://schemas.openxmlformats.org/drawingml/2006/table">
+            <a:tbl>
+              <a:tblPr firstRow="1" bandRow="1">
+                <a:tableStyleId>{5C22544A-7EE6-4342-B048-85BDC9FD1C3A}</a:tableStyleId>
+              </a:tblPr>
+              <a:tblGrid>
+                <a:gridCol w="2236763">
+                  <a:extLst>
+                    <a:ext uri="{9D8B030D-6E8A-4147-A177-3AD203B41FA5}">
+                      <a16:colId xmlns:a16="http://schemas.microsoft.com/office/drawing/2014/main" val="2497592185"/>
+                    </a:ext>
+                  </a:extLst>
+                </a:gridCol>
+                <a:gridCol w="1793053">
+                  <a:extLst>
+                    <a:ext uri="{9D8B030D-6E8A-4147-A177-3AD203B41FA5}">
+                      <a16:colId xmlns:a16="http://schemas.microsoft.com/office/drawing/2014/main" val="2784781616"/>
+                    </a:ext>
+                  </a:extLst>
+                </a:gridCol>
+                <a:gridCol w="1921279">
+                  <a:extLst>
+                    <a:ext uri="{9D8B030D-6E8A-4147-A177-3AD203B41FA5}">
+                      <a16:colId xmlns:a16="http://schemas.microsoft.com/office/drawing/2014/main" val="1258935152"/>
+                    </a:ext>
+                  </a:extLst>
+                </a:gridCol>
+                <a:gridCol w="2011219">
+                  <a:extLst>
+                    <a:ext uri="{9D8B030D-6E8A-4147-A177-3AD203B41FA5}">
+                      <a16:colId xmlns:a16="http://schemas.microsoft.com/office/drawing/2014/main" val="3251926524"/>
+                    </a:ext>
+                  </a:extLst>
+                </a:gridCol>
+                <a:gridCol w="2180493">
+                  <a:extLst>
+                    <a:ext uri="{9D8B030D-6E8A-4147-A177-3AD203B41FA5}">
+                      <a16:colId xmlns:a16="http://schemas.microsoft.com/office/drawing/2014/main" val="3188416064"/>
+                    </a:ext>
+                  </a:extLst>
+                </a:gridCol>
+              </a:tblGrid>
+              <a:tr h="369711">
+                <a:tc>
+                  <a:txBody>
+                    <a:bodyPr/>
+                    <a:lstStyle/>
+                    <a:p>
+                      <a:r>
+                        <a:rPr lang="en-US" dirty="0"/>
+                        <a:t>Job Positions</a:t>
+                      </a:r>
+                    </a:p>
+                  </a:txBody>
+                  <a:tcPr/>
+                </a:tc>
+                <a:tc>
+                  <a:txBody>
+                    <a:bodyPr/>
+                    <a:lstStyle/>
+                    <a:p>
+                      <a:r>
+                        <a:rPr lang="en-US" dirty="0"/>
+                        <a:t>New Graduate</a:t>
+                      </a:r>
+                    </a:p>
+                  </a:txBody>
+                  <a:tcPr/>
+                </a:tc>
+                <a:tc>
+                  <a:txBody>
+                    <a:bodyPr/>
+                    <a:lstStyle/>
+                    <a:p>
+                      <a:r>
+                        <a:rPr lang="en-US" dirty="0"/>
+                        <a:t>Exp. 1-3 years</a:t>
+                      </a:r>
+                    </a:p>
+                  </a:txBody>
+                  <a:tcPr/>
+                </a:tc>
+                <a:tc>
+                  <a:txBody>
+                    <a:bodyPr/>
+                    <a:lstStyle/>
+                    <a:p>
+                      <a:r>
+                        <a:rPr lang="en-US" dirty="0"/>
+                        <a:t>Exp. 4-6 years</a:t>
+                      </a:r>
+                    </a:p>
+                  </a:txBody>
+                  <a:tcPr/>
+                </a:tc>
+                <a:tc>
+                  <a:txBody>
+                    <a:bodyPr/>
+                    <a:lstStyle/>
+                    <a:p>
+                      <a:r>
+                        <a:rPr lang="en-US" dirty="0"/>
+                        <a:t>Exp. 7 years and up</a:t>
+                      </a:r>
+                    </a:p>
+                  </a:txBody>
+                  <a:tcPr/>
+                </a:tc>
+                <a:extLst>
+                  <a:ext uri="{0D108BD9-81ED-4DB2-BD59-A6C34878D82A}">
+                    <a16:rowId xmlns:a16="http://schemas.microsoft.com/office/drawing/2014/main" val="3617081155"/>
+                  </a:ext>
+                </a:extLst>
+              </a:tr>
+              <a:tr h="369711">
+                <a:tc>
+                  <a:txBody>
+                    <a:bodyPr/>
+                    <a:lstStyle/>
+                    <a:p>
+                      <a:r>
+                        <a:rPr lang="en-US" dirty="0"/>
+                        <a:t>Project Manager</a:t>
+                      </a:r>
+                    </a:p>
+                  </a:txBody>
+                  <a:tcPr/>
+                </a:tc>
+                <a:tc>
+                  <a:txBody>
+                    <a:bodyPr/>
+                    <a:lstStyle/>
+                    <a:p>
+                      <a:pPr algn="ctr" fontAlgn="b"/>
+                      <a:r>
+                        <a:rPr lang="en-US" sz="1800" b="0" i="0" u="none" strike="noStrike" dirty="0">
+                          <a:solidFill>
+                            <a:srgbClr val="000000"/>
+                          </a:solidFill>
+                          <a:effectLst/>
+                          <a:latin typeface="Calibri" panose="020F0502020204030204" pitchFamily="34" charset="0"/>
+                        </a:rPr>
+                        <a:t>474</a:t>
+                      </a:r>
+                    </a:p>
+                  </a:txBody>
+                  <a:tcPr marL="9525" marR="9525" marT="9525" marB="0" anchor="b"/>
+                </a:tc>
+                <a:tc>
+                  <a:txBody>
+                    <a:bodyPr/>
+                    <a:lstStyle/>
+                    <a:p>
+                      <a:pPr algn="ctr" fontAlgn="b"/>
+                      <a:r>
+                        <a:rPr lang="en-US" sz="1800" b="0" i="0" u="none" strike="noStrike" dirty="0">
+                          <a:solidFill>
+                            <a:srgbClr val="000000"/>
+                          </a:solidFill>
+                          <a:effectLst/>
+                          <a:latin typeface="Calibri" panose="020F0502020204030204" pitchFamily="34" charset="0"/>
+                        </a:rPr>
+                        <a:t>655</a:t>
+                      </a:r>
+                    </a:p>
+                  </a:txBody>
+                  <a:tcPr marL="9525" marR="9525" marT="9525" marB="0" anchor="b"/>
+                </a:tc>
+                <a:tc>
+                  <a:txBody>
+                    <a:bodyPr/>
+                    <a:lstStyle/>
+                    <a:p>
+                      <a:pPr algn="ctr" fontAlgn="b"/>
+                      <a:r>
+                        <a:rPr lang="en-US" sz="1800" b="0" i="0" u="none" strike="noStrike" dirty="0">
+                          <a:solidFill>
+                            <a:srgbClr val="000000"/>
+                          </a:solidFill>
+                          <a:effectLst/>
+                          <a:latin typeface="Calibri" panose="020F0502020204030204" pitchFamily="34" charset="0"/>
+                        </a:rPr>
+                        <a:t>886</a:t>
+                      </a:r>
+                    </a:p>
+                  </a:txBody>
+                  <a:tcPr marL="9525" marR="9525" marT="9525" marB="0" anchor="b"/>
+                </a:tc>
+                <a:tc>
+                  <a:txBody>
+                    <a:bodyPr/>
+                    <a:lstStyle/>
+                    <a:p>
+                      <a:pPr algn="ctr" fontAlgn="b"/>
+                      <a:r>
+                        <a:rPr lang="en-US" sz="1800" b="0" i="0" u="none" strike="noStrike" dirty="0">
+                          <a:solidFill>
+                            <a:srgbClr val="000000"/>
+                          </a:solidFill>
+                          <a:effectLst/>
+                          <a:latin typeface="Calibri" panose="020F0502020204030204" pitchFamily="34" charset="0"/>
+                        </a:rPr>
+                        <a:t>1336</a:t>
+                      </a:r>
+                    </a:p>
+                  </a:txBody>
+                  <a:tcPr marL="9525" marR="9525" marT="9525" marB="0" anchor="b"/>
+                </a:tc>
+                <a:extLst>
+                  <a:ext uri="{0D108BD9-81ED-4DB2-BD59-A6C34878D82A}">
+                    <a16:rowId xmlns:a16="http://schemas.microsoft.com/office/drawing/2014/main" val="1061743433"/>
+                  </a:ext>
+                </a:extLst>
+              </a:tr>
+              <a:tr h="369711">
+                <a:tc>
+                  <a:txBody>
+                    <a:bodyPr/>
+                    <a:lstStyle/>
+                    <a:p>
+                      <a:r>
+                        <a:rPr lang="en-US" dirty="0"/>
+                        <a:t>Assistant Project Manager</a:t>
+                      </a:r>
+                    </a:p>
+                  </a:txBody>
+                  <a:tcPr/>
+                </a:tc>
+                <a:tc>
+                  <a:txBody>
+                    <a:bodyPr/>
+                    <a:lstStyle/>
+                    <a:p>
+                      <a:pPr algn="ctr" fontAlgn="b"/>
+                      <a:r>
+                        <a:rPr lang="en-US" sz="1800" b="0" i="0" u="none" strike="noStrike" dirty="0">
+                          <a:solidFill>
+                            <a:srgbClr val="000000"/>
+                          </a:solidFill>
+                          <a:effectLst/>
+                          <a:latin typeface="Calibri" panose="020F0502020204030204" pitchFamily="34" charset="0"/>
+                        </a:rPr>
+                        <a:t>400</a:t>
+                      </a:r>
+                    </a:p>
+                  </a:txBody>
+                  <a:tcPr marL="9525" marR="9525" marT="9525" marB="0" anchor="b"/>
+                </a:tc>
+                <a:tc>
+                  <a:txBody>
+                    <a:bodyPr/>
+                    <a:lstStyle/>
+                    <a:p>
+                      <a:pPr algn="ctr" fontAlgn="b"/>
+                      <a:r>
+                        <a:rPr lang="en-US" sz="1800" b="0" i="0" u="none" strike="noStrike" dirty="0">
+                          <a:solidFill>
+                            <a:srgbClr val="000000"/>
+                          </a:solidFill>
+                          <a:effectLst/>
+                          <a:latin typeface="Calibri" panose="020F0502020204030204" pitchFamily="34" charset="0"/>
+                        </a:rPr>
+                        <a:t>600</a:t>
+                      </a:r>
+                    </a:p>
+                  </a:txBody>
+                  <a:tcPr marL="9525" marR="9525" marT="9525" marB="0" anchor="b"/>
+                </a:tc>
+                <a:tc>
+                  <a:txBody>
+                    <a:bodyPr/>
+                    <a:lstStyle/>
+                    <a:p>
+                      <a:pPr algn="ctr" fontAlgn="b"/>
+                      <a:r>
+                        <a:rPr lang="en-US" sz="1800" b="0" i="0" u="none" strike="noStrike">
+                          <a:solidFill>
+                            <a:srgbClr val="000000"/>
+                          </a:solidFill>
+                          <a:effectLst/>
+                          <a:latin typeface="Calibri" panose="020F0502020204030204" pitchFamily="34" charset="0"/>
+                        </a:rPr>
+                        <a:t>800</a:t>
+                      </a:r>
+                    </a:p>
+                  </a:txBody>
+                  <a:tcPr marL="9525" marR="9525" marT="9525" marB="0" anchor="b"/>
+                </a:tc>
+                <a:tc>
+                  <a:txBody>
+                    <a:bodyPr/>
+                    <a:lstStyle/>
+                    <a:p>
+                      <a:pPr algn="ctr" fontAlgn="b"/>
+                      <a:r>
+                        <a:rPr lang="en-US" sz="1800" b="0" i="0" u="none" strike="noStrike" dirty="0">
+                          <a:solidFill>
+                            <a:srgbClr val="000000"/>
+                          </a:solidFill>
+                          <a:effectLst/>
+                          <a:latin typeface="Calibri" panose="020F0502020204030204" pitchFamily="34" charset="0"/>
+                        </a:rPr>
+                        <a:t>1037</a:t>
+                      </a:r>
+                    </a:p>
+                  </a:txBody>
+                  <a:tcPr marL="9525" marR="9525" marT="9525" marB="0" anchor="b"/>
+                </a:tc>
+                <a:extLst>
+                  <a:ext uri="{0D108BD9-81ED-4DB2-BD59-A6C34878D82A}">
+                    <a16:rowId xmlns:a16="http://schemas.microsoft.com/office/drawing/2014/main" val="1149758969"/>
+                  </a:ext>
+                </a:extLst>
+              </a:tr>
+              <a:tr h="369711">
+                <a:tc>
+                  <a:txBody>
+                    <a:bodyPr/>
+                    <a:lstStyle/>
+                    <a:p>
+                      <a:r>
+                        <a:rPr lang="en-US" dirty="0"/>
+                        <a:t>Consultant</a:t>
+                      </a:r>
+                    </a:p>
+                  </a:txBody>
+                  <a:tcPr/>
+                </a:tc>
+                <a:tc>
+                  <a:txBody>
+                    <a:bodyPr/>
+                    <a:lstStyle/>
+                    <a:p>
+                      <a:pPr algn="ctr" fontAlgn="b"/>
+                      <a:r>
+                        <a:rPr lang="en-US" sz="1800" b="0" i="0" u="none" strike="noStrike">
+                          <a:solidFill>
+                            <a:srgbClr val="000000"/>
+                          </a:solidFill>
+                          <a:effectLst/>
+                          <a:latin typeface="Calibri" panose="020F0502020204030204" pitchFamily="34" charset="0"/>
+                        </a:rPr>
+                        <a:t>575</a:t>
+                      </a:r>
+                    </a:p>
+                  </a:txBody>
+                  <a:tcPr marL="9525" marR="9525" marT="9525" marB="0" anchor="b"/>
+                </a:tc>
+                <a:tc>
+                  <a:txBody>
+                    <a:bodyPr/>
+                    <a:lstStyle/>
+                    <a:p>
+                      <a:pPr algn="ctr" fontAlgn="b"/>
+                      <a:r>
+                        <a:rPr lang="en-US" sz="1800" b="0" i="0" u="none" strike="noStrike" dirty="0">
+                          <a:solidFill>
+                            <a:srgbClr val="000000"/>
+                          </a:solidFill>
+                          <a:effectLst/>
+                          <a:latin typeface="Calibri" panose="020F0502020204030204" pitchFamily="34" charset="0"/>
+                        </a:rPr>
+                        <a:t>983</a:t>
+                      </a:r>
+                    </a:p>
+                  </a:txBody>
+                  <a:tcPr marL="9525" marR="9525" marT="9525" marB="0" anchor="b"/>
+                </a:tc>
+                <a:tc>
+                  <a:txBody>
+                    <a:bodyPr/>
+                    <a:lstStyle/>
+                    <a:p>
+                      <a:pPr algn="ctr" fontAlgn="b"/>
+                      <a:r>
+                        <a:rPr lang="en-US" sz="1800" b="0" i="0" u="none" strike="noStrike" dirty="0">
+                          <a:solidFill>
+                            <a:srgbClr val="000000"/>
+                          </a:solidFill>
+                          <a:effectLst/>
+                          <a:latin typeface="Calibri" panose="020F0502020204030204" pitchFamily="34" charset="0"/>
+                        </a:rPr>
+                        <a:t>1217</a:t>
+                      </a:r>
+                    </a:p>
+                  </a:txBody>
+                  <a:tcPr marL="9525" marR="9525" marT="9525" marB="0" anchor="b"/>
+                </a:tc>
+                <a:tc>
+                  <a:txBody>
+                    <a:bodyPr/>
+                    <a:lstStyle/>
+                    <a:p>
+                      <a:pPr algn="ctr" fontAlgn="b"/>
+                      <a:r>
+                        <a:rPr lang="en-US" sz="1800" b="0" i="0" u="none" strike="noStrike" dirty="0">
+                          <a:solidFill>
+                            <a:srgbClr val="000000"/>
+                          </a:solidFill>
+                          <a:effectLst/>
+                          <a:latin typeface="Calibri" panose="020F0502020204030204" pitchFamily="34" charset="0"/>
+                        </a:rPr>
+                        <a:t>1517</a:t>
+                      </a:r>
+                    </a:p>
+                  </a:txBody>
+                  <a:tcPr marL="9525" marR="9525" marT="9525" marB="0" anchor="b"/>
+                </a:tc>
+                <a:extLst>
+                  <a:ext uri="{0D108BD9-81ED-4DB2-BD59-A6C34878D82A}">
+                    <a16:rowId xmlns:a16="http://schemas.microsoft.com/office/drawing/2014/main" val="1823940534"/>
+                  </a:ext>
+                </a:extLst>
+              </a:tr>
+              <a:tr h="369711">
+                <a:tc>
+                  <a:txBody>
+                    <a:bodyPr/>
+                    <a:lstStyle/>
+                    <a:p>
+                      <a:r>
+                        <a:rPr lang="en-US" dirty="0"/>
+                        <a:t>Admin Officer</a:t>
+                      </a:r>
+                    </a:p>
+                  </a:txBody>
+                  <a:tcPr/>
+                </a:tc>
+                <a:tc>
+                  <a:txBody>
+                    <a:bodyPr/>
+                    <a:lstStyle/>
+                    <a:p>
+                      <a:pPr algn="ctr" fontAlgn="b"/>
+                      <a:r>
+                        <a:rPr lang="en-US" sz="1800" b="0" i="0" u="none" strike="noStrike" dirty="0">
+                          <a:solidFill>
+                            <a:srgbClr val="000000"/>
+                          </a:solidFill>
+                          <a:effectLst/>
+                          <a:latin typeface="Calibri" panose="020F0502020204030204" pitchFamily="34" charset="0"/>
+                        </a:rPr>
+                        <a:t>278</a:t>
+                      </a:r>
+                    </a:p>
+                  </a:txBody>
+                  <a:tcPr marL="9525" marR="9525" marT="9525" marB="0" anchor="b"/>
+                </a:tc>
+                <a:tc>
+                  <a:txBody>
+                    <a:bodyPr/>
+                    <a:lstStyle/>
+                    <a:p>
+                      <a:pPr algn="ctr" fontAlgn="b"/>
+                      <a:r>
+                        <a:rPr lang="en-US" sz="1800" b="0" i="0" u="none" strike="noStrike" dirty="0">
+                          <a:solidFill>
+                            <a:srgbClr val="000000"/>
+                          </a:solidFill>
+                          <a:effectLst/>
+                          <a:latin typeface="Calibri" panose="020F0502020204030204" pitchFamily="34" charset="0"/>
+                        </a:rPr>
+                        <a:t>382</a:t>
+                      </a:r>
+                    </a:p>
+                  </a:txBody>
+                  <a:tcPr marL="9525" marR="9525" marT="9525" marB="0" anchor="b"/>
+                </a:tc>
+                <a:tc>
+                  <a:txBody>
+                    <a:bodyPr/>
+                    <a:lstStyle/>
+                    <a:p>
+                      <a:pPr algn="ctr" fontAlgn="b"/>
+                      <a:r>
+                        <a:rPr lang="en-US" sz="1800" b="0" i="0" u="none" strike="noStrike" dirty="0">
+                          <a:solidFill>
+                            <a:srgbClr val="000000"/>
+                          </a:solidFill>
+                          <a:effectLst/>
+                          <a:latin typeface="Calibri" panose="020F0502020204030204" pitchFamily="34" charset="0"/>
+                        </a:rPr>
+                        <a:t>541</a:t>
+                      </a:r>
+                    </a:p>
+                  </a:txBody>
+                  <a:tcPr marL="9525" marR="9525" marT="9525" marB="0" anchor="b"/>
+                </a:tc>
+                <a:tc>
+                  <a:txBody>
+                    <a:bodyPr/>
+                    <a:lstStyle/>
+                    <a:p>
+                      <a:pPr algn="ctr" fontAlgn="b"/>
+                      <a:r>
+                        <a:rPr lang="en-US" sz="1800" b="0" i="0" u="none" strike="noStrike" dirty="0">
+                          <a:solidFill>
+                            <a:srgbClr val="000000"/>
+                          </a:solidFill>
+                          <a:effectLst/>
+                          <a:latin typeface="Calibri" panose="020F0502020204030204" pitchFamily="34" charset="0"/>
+                        </a:rPr>
+                        <a:t>799</a:t>
+                      </a:r>
+                    </a:p>
+                  </a:txBody>
+                  <a:tcPr marL="9525" marR="9525" marT="9525" marB="0" anchor="b"/>
+                </a:tc>
+                <a:extLst>
+                  <a:ext uri="{0D108BD9-81ED-4DB2-BD59-A6C34878D82A}">
+                    <a16:rowId xmlns:a16="http://schemas.microsoft.com/office/drawing/2014/main" val="3492520678"/>
+                  </a:ext>
+                </a:extLst>
+              </a:tr>
+              <a:tr h="369711">
+                <a:tc>
+                  <a:txBody>
+                    <a:bodyPr/>
+                    <a:lstStyle/>
+                    <a:p>
+                      <a:r>
+                        <a:rPr lang="en-US" dirty="0"/>
+                        <a:t>Project Finance Officer</a:t>
+                      </a:r>
+                    </a:p>
+                  </a:txBody>
+                  <a:tcPr/>
+                </a:tc>
+                <a:tc>
+                  <a:txBody>
+                    <a:bodyPr/>
+                    <a:lstStyle/>
+                    <a:p>
+                      <a:pPr algn="ctr" fontAlgn="b"/>
+                      <a:r>
+                        <a:rPr lang="en-US" sz="1800" b="0" i="0" u="none" strike="noStrike" dirty="0">
+                          <a:solidFill>
+                            <a:srgbClr val="000000"/>
+                          </a:solidFill>
+                          <a:effectLst/>
+                          <a:latin typeface="Calibri" panose="020F0502020204030204" pitchFamily="34" charset="0"/>
+                        </a:rPr>
+                        <a:t>427</a:t>
+                      </a:r>
+                    </a:p>
+                  </a:txBody>
+                  <a:tcPr marL="9525" marR="9525" marT="9525" marB="0" anchor="b"/>
+                </a:tc>
+                <a:tc>
+                  <a:txBody>
+                    <a:bodyPr/>
+                    <a:lstStyle/>
+                    <a:p>
+                      <a:pPr algn="ctr" fontAlgn="b"/>
+                      <a:r>
+                        <a:rPr lang="en-US" sz="1800" b="0" i="0" u="none" strike="noStrike" dirty="0">
+                          <a:solidFill>
+                            <a:srgbClr val="000000"/>
+                          </a:solidFill>
+                          <a:effectLst/>
+                          <a:latin typeface="Calibri" panose="020F0502020204030204" pitchFamily="34" charset="0"/>
+                        </a:rPr>
+                        <a:t>600</a:t>
+                      </a:r>
+                    </a:p>
+                  </a:txBody>
+                  <a:tcPr marL="9525" marR="9525" marT="9525" marB="0" anchor="b"/>
+                </a:tc>
+                <a:tc>
+                  <a:txBody>
+                    <a:bodyPr/>
+                    <a:lstStyle/>
+                    <a:p>
+                      <a:pPr algn="ctr" fontAlgn="b"/>
+                      <a:r>
+                        <a:rPr lang="en-US" sz="1800" b="0" i="0" u="none" strike="noStrike">
+                          <a:solidFill>
+                            <a:srgbClr val="000000"/>
+                          </a:solidFill>
+                          <a:effectLst/>
+                          <a:latin typeface="Calibri" panose="020F0502020204030204" pitchFamily="34" charset="0"/>
+                        </a:rPr>
+                        <a:t>792</a:t>
+                      </a:r>
+                    </a:p>
+                  </a:txBody>
+                  <a:tcPr marL="9525" marR="9525" marT="9525" marB="0" anchor="b"/>
+                </a:tc>
+                <a:tc>
+                  <a:txBody>
+                    <a:bodyPr/>
+                    <a:lstStyle/>
+                    <a:p>
+                      <a:pPr algn="ctr" fontAlgn="b"/>
+                      <a:r>
+                        <a:rPr lang="en-US" sz="1800" b="0" i="0" u="none" strike="noStrike" dirty="0">
+                          <a:solidFill>
+                            <a:srgbClr val="000000"/>
+                          </a:solidFill>
+                          <a:effectLst/>
+                          <a:latin typeface="Calibri" panose="020F0502020204030204" pitchFamily="34" charset="0"/>
+                        </a:rPr>
+                        <a:t>1147</a:t>
+                      </a:r>
+                    </a:p>
+                  </a:txBody>
+                  <a:tcPr marL="9525" marR="9525" marT="9525" marB="0" anchor="b"/>
+                </a:tc>
+                <a:extLst>
+                  <a:ext uri="{0D108BD9-81ED-4DB2-BD59-A6C34878D82A}">
+                    <a16:rowId xmlns:a16="http://schemas.microsoft.com/office/drawing/2014/main" val="2023878511"/>
+                  </a:ext>
+                </a:extLst>
+              </a:tr>
+              <a:tr h="369711">
+                <a:tc>
+                  <a:txBody>
+                    <a:bodyPr/>
+                    <a:lstStyle/>
+                    <a:p>
+                      <a:r>
+                        <a:rPr lang="en-US" dirty="0"/>
+                        <a:t>Communication Officer</a:t>
+                      </a:r>
+                    </a:p>
+                  </a:txBody>
+                  <a:tcPr/>
+                </a:tc>
+                <a:tc>
+                  <a:txBody>
+                    <a:bodyPr/>
+                    <a:lstStyle/>
+                    <a:p>
+                      <a:pPr algn="ctr" fontAlgn="b"/>
+                      <a:r>
+                        <a:rPr lang="en-US" sz="1800" b="0" i="0" u="none" strike="noStrike">
+                          <a:solidFill>
+                            <a:srgbClr val="000000"/>
+                          </a:solidFill>
+                          <a:effectLst/>
+                          <a:latin typeface="Calibri" panose="020F0502020204030204" pitchFamily="34" charset="0"/>
+                        </a:rPr>
+                        <a:t>250</a:t>
+                      </a:r>
+                    </a:p>
+                  </a:txBody>
+                  <a:tcPr marL="9525" marR="9525" marT="9525" marB="0" anchor="b"/>
+                </a:tc>
+                <a:tc>
+                  <a:txBody>
+                    <a:bodyPr/>
+                    <a:lstStyle/>
+                    <a:p>
+                      <a:pPr algn="ctr" fontAlgn="b"/>
+                      <a:r>
+                        <a:rPr lang="en-US" sz="1800" b="0" i="0" u="none" strike="noStrike" dirty="0">
+                          <a:solidFill>
+                            <a:srgbClr val="000000"/>
+                          </a:solidFill>
+                          <a:effectLst/>
+                          <a:latin typeface="Calibri" panose="020F0502020204030204" pitchFamily="34" charset="0"/>
+                        </a:rPr>
+                        <a:t>500</a:t>
+                      </a:r>
+                    </a:p>
+                  </a:txBody>
+                  <a:tcPr marL="9525" marR="9525" marT="9525" marB="0" anchor="b"/>
+                </a:tc>
+                <a:tc>
+                  <a:txBody>
+                    <a:bodyPr/>
+                    <a:lstStyle/>
+                    <a:p>
+                      <a:pPr algn="ctr" fontAlgn="b"/>
+                      <a:r>
+                        <a:rPr lang="en-US" sz="1800" b="0" i="0" u="none" strike="noStrike">
+                          <a:solidFill>
+                            <a:srgbClr val="000000"/>
+                          </a:solidFill>
+                          <a:effectLst/>
+                          <a:latin typeface="Calibri" panose="020F0502020204030204" pitchFamily="34" charset="0"/>
+                        </a:rPr>
+                        <a:t>700</a:t>
+                      </a:r>
+                    </a:p>
+                  </a:txBody>
+                  <a:tcPr marL="9525" marR="9525" marT="9525" marB="0" anchor="b"/>
+                </a:tc>
+                <a:tc>
+                  <a:txBody>
+                    <a:bodyPr/>
+                    <a:lstStyle/>
+                    <a:p>
+                      <a:pPr algn="ctr" fontAlgn="b"/>
+                      <a:r>
+                        <a:rPr lang="en-US" sz="1800" b="0" i="0" u="none" strike="noStrike" dirty="0">
+                          <a:solidFill>
+                            <a:srgbClr val="000000"/>
+                          </a:solidFill>
+                          <a:effectLst/>
+                          <a:latin typeface="Calibri" panose="020F0502020204030204" pitchFamily="34" charset="0"/>
+                        </a:rPr>
+                        <a:t>900</a:t>
+                      </a:r>
+                    </a:p>
+                  </a:txBody>
+                  <a:tcPr marL="9525" marR="9525" marT="9525" marB="0" anchor="b"/>
+                </a:tc>
+                <a:extLst>
+                  <a:ext uri="{0D108BD9-81ED-4DB2-BD59-A6C34878D82A}">
+                    <a16:rowId xmlns:a16="http://schemas.microsoft.com/office/drawing/2014/main" val="2771850426"/>
+                  </a:ext>
+                </a:extLst>
+              </a:tr>
+              <a:tr h="369711">
+                <a:tc>
+                  <a:txBody>
+                    <a:bodyPr/>
+                    <a:lstStyle/>
+                    <a:p>
+                      <a:r>
+                        <a:rPr lang="en-US" dirty="0"/>
+                        <a:t>HR Officer</a:t>
+                      </a:r>
+                    </a:p>
+                  </a:txBody>
+                  <a:tcPr/>
+                </a:tc>
+                <a:tc>
+                  <a:txBody>
+                    <a:bodyPr/>
+                    <a:lstStyle/>
+                    <a:p>
+                      <a:pPr algn="ctr" fontAlgn="b"/>
+                      <a:r>
+                        <a:rPr lang="en-US" sz="1800" b="0" i="0" u="none" strike="noStrike" dirty="0">
+                          <a:solidFill>
+                            <a:srgbClr val="000000"/>
+                          </a:solidFill>
+                          <a:effectLst/>
+                          <a:latin typeface="Calibri" panose="020F0502020204030204" pitchFamily="34" charset="0"/>
+                        </a:rPr>
+                        <a:t>291</a:t>
+                      </a:r>
+                    </a:p>
+                  </a:txBody>
+                  <a:tcPr marL="9525" marR="9525" marT="9525" marB="0" anchor="b"/>
+                </a:tc>
+                <a:tc>
+                  <a:txBody>
+                    <a:bodyPr/>
+                    <a:lstStyle/>
+                    <a:p>
+                      <a:pPr algn="ctr" fontAlgn="b"/>
+                      <a:r>
+                        <a:rPr lang="en-US" sz="1800" b="0" i="0" u="none" strike="noStrike" dirty="0">
+                          <a:solidFill>
+                            <a:srgbClr val="000000"/>
+                          </a:solidFill>
+                          <a:effectLst/>
+                          <a:latin typeface="Calibri" panose="020F0502020204030204" pitchFamily="34" charset="0"/>
+                        </a:rPr>
+                        <a:t>367</a:t>
+                      </a:r>
+                    </a:p>
+                  </a:txBody>
+                  <a:tcPr marL="9525" marR="9525" marT="9525" marB="0" anchor="b"/>
+                </a:tc>
+                <a:tc>
+                  <a:txBody>
+                    <a:bodyPr/>
+                    <a:lstStyle/>
+                    <a:p>
+                      <a:pPr algn="ctr" fontAlgn="b"/>
+                      <a:r>
+                        <a:rPr lang="en-US" sz="1800" b="0" i="0" u="none" strike="noStrike" dirty="0">
+                          <a:solidFill>
+                            <a:srgbClr val="000000"/>
+                          </a:solidFill>
+                          <a:effectLst/>
+                          <a:latin typeface="Calibri" panose="020F0502020204030204" pitchFamily="34" charset="0"/>
+                        </a:rPr>
+                        <a:t>555</a:t>
+                      </a:r>
+                    </a:p>
+                  </a:txBody>
+                  <a:tcPr marL="9525" marR="9525" marT="9525" marB="0" anchor="b"/>
+                </a:tc>
+                <a:tc>
+                  <a:txBody>
+                    <a:bodyPr/>
+                    <a:lstStyle/>
+                    <a:p>
+                      <a:pPr algn="ctr" fontAlgn="b"/>
+                      <a:r>
+                        <a:rPr lang="en-US" sz="1800" b="0" i="0" u="none" strike="noStrike" dirty="0">
+                          <a:solidFill>
+                            <a:srgbClr val="000000"/>
+                          </a:solidFill>
+                          <a:effectLst/>
+                          <a:latin typeface="Calibri" panose="020F0502020204030204" pitchFamily="34" charset="0"/>
+                        </a:rPr>
+                        <a:t>816</a:t>
+                      </a:r>
+                    </a:p>
+                  </a:txBody>
+                  <a:tcPr marL="9525" marR="9525" marT="9525" marB="0" anchor="b"/>
+                </a:tc>
+                <a:extLst>
+                  <a:ext uri="{0D108BD9-81ED-4DB2-BD59-A6C34878D82A}">
+                    <a16:rowId xmlns:a16="http://schemas.microsoft.com/office/drawing/2014/main" val="1464438257"/>
+                  </a:ext>
+                </a:extLst>
+              </a:tr>
+              <a:tr h="369711">
+                <a:tc>
+                  <a:txBody>
+                    <a:bodyPr/>
+                    <a:lstStyle/>
+                    <a:p>
+                      <a:r>
+                        <a:rPr lang="en-US" dirty="0"/>
+                        <a:t>Procurement Officer</a:t>
+                      </a:r>
+                    </a:p>
+                  </a:txBody>
+                  <a:tcPr/>
+                </a:tc>
+                <a:tc>
+                  <a:txBody>
+                    <a:bodyPr/>
+                    <a:lstStyle/>
+                    <a:p>
+                      <a:pPr algn="ctr" fontAlgn="b"/>
+                      <a:r>
+                        <a:rPr lang="en-US" sz="1800" b="0" i="0" u="none" strike="noStrike" dirty="0">
+                          <a:solidFill>
+                            <a:srgbClr val="000000"/>
+                          </a:solidFill>
+                          <a:effectLst/>
+                          <a:latin typeface="Calibri" panose="020F0502020204030204" pitchFamily="34" charset="0"/>
+                        </a:rPr>
+                        <a:t>186</a:t>
+                      </a:r>
+                    </a:p>
+                  </a:txBody>
+                  <a:tcPr marL="9525" marR="9525" marT="9525" marB="0" anchor="b"/>
+                </a:tc>
+                <a:tc>
+                  <a:txBody>
+                    <a:bodyPr/>
+                    <a:lstStyle/>
+                    <a:p>
+                      <a:pPr algn="ctr" fontAlgn="b"/>
+                      <a:r>
+                        <a:rPr lang="en-US" sz="1800" b="0" i="0" u="none" strike="noStrike" dirty="0">
+                          <a:solidFill>
+                            <a:srgbClr val="000000"/>
+                          </a:solidFill>
+                          <a:effectLst/>
+                          <a:latin typeface="Calibri" panose="020F0502020204030204" pitchFamily="34" charset="0"/>
+                        </a:rPr>
+                        <a:t>252</a:t>
+                      </a:r>
+                    </a:p>
+                  </a:txBody>
+                  <a:tcPr marL="9525" marR="9525" marT="9525" marB="0" anchor="b"/>
+                </a:tc>
+                <a:tc>
+                  <a:txBody>
+                    <a:bodyPr/>
+                    <a:lstStyle/>
+                    <a:p>
+                      <a:pPr algn="ctr" fontAlgn="b"/>
+                      <a:r>
+                        <a:rPr lang="en-US" sz="1800" b="0" i="0" u="none" strike="noStrike" dirty="0">
+                          <a:solidFill>
+                            <a:srgbClr val="000000"/>
+                          </a:solidFill>
+                          <a:effectLst/>
+                          <a:latin typeface="Calibri" panose="020F0502020204030204" pitchFamily="34" charset="0"/>
+                        </a:rPr>
+                        <a:t>385</a:t>
+                      </a:r>
+                    </a:p>
+                  </a:txBody>
+                  <a:tcPr marL="9525" marR="9525" marT="9525" marB="0" anchor="b"/>
+                </a:tc>
+                <a:tc>
+                  <a:txBody>
+                    <a:bodyPr/>
+                    <a:lstStyle/>
+                    <a:p>
+                      <a:pPr algn="ctr" fontAlgn="b"/>
+                      <a:r>
+                        <a:rPr lang="en-US" sz="1800" b="0" i="0" u="none" strike="noStrike" dirty="0">
+                          <a:solidFill>
+                            <a:srgbClr val="000000"/>
+                          </a:solidFill>
+                          <a:effectLst/>
+                          <a:latin typeface="Calibri" panose="020F0502020204030204" pitchFamily="34" charset="0"/>
+                        </a:rPr>
+                        <a:t>654</a:t>
+                      </a:r>
+                    </a:p>
+                  </a:txBody>
+                  <a:tcPr marL="9525" marR="9525" marT="9525" marB="0" anchor="b"/>
+                </a:tc>
+                <a:extLst>
+                  <a:ext uri="{0D108BD9-81ED-4DB2-BD59-A6C34878D82A}">
+                    <a16:rowId xmlns:a16="http://schemas.microsoft.com/office/drawing/2014/main" val="3570486530"/>
+                  </a:ext>
+                </a:extLst>
+              </a:tr>
+              <a:tr h="369711">
+                <a:tc>
+                  <a:txBody>
+                    <a:bodyPr/>
+                    <a:lstStyle/>
+                    <a:p>
+                      <a:r>
+                        <a:rPr lang="en-US" dirty="0"/>
+                        <a:t>Safety Officer</a:t>
+                      </a:r>
+                    </a:p>
+                  </a:txBody>
+                  <a:tcPr/>
+                </a:tc>
+                <a:tc>
+                  <a:txBody>
+                    <a:bodyPr/>
+                    <a:lstStyle/>
+                    <a:p>
+                      <a:pPr algn="ctr" fontAlgn="b"/>
+                      <a:r>
+                        <a:rPr lang="en-US" sz="1800" b="0" i="0" u="none" strike="noStrike" dirty="0">
+                          <a:solidFill>
+                            <a:srgbClr val="000000"/>
+                          </a:solidFill>
+                          <a:effectLst/>
+                          <a:latin typeface="Calibri" panose="020F0502020204030204" pitchFamily="34" charset="0"/>
+                        </a:rPr>
+                        <a:t>247</a:t>
+                      </a:r>
+                    </a:p>
+                  </a:txBody>
+                  <a:tcPr marL="9525" marR="9525" marT="9525" marB="0" anchor="b"/>
+                </a:tc>
+                <a:tc>
+                  <a:txBody>
+                    <a:bodyPr/>
+                    <a:lstStyle/>
+                    <a:p>
+                      <a:pPr algn="ctr" fontAlgn="b"/>
+                      <a:r>
+                        <a:rPr lang="en-US" sz="1800" b="0" i="0" u="none" strike="noStrike" dirty="0">
+                          <a:solidFill>
+                            <a:srgbClr val="000000"/>
+                          </a:solidFill>
+                          <a:effectLst/>
+                          <a:latin typeface="Calibri" panose="020F0502020204030204" pitchFamily="34" charset="0"/>
+                        </a:rPr>
+                        <a:t>331</a:t>
+                      </a:r>
+                    </a:p>
+                  </a:txBody>
+                  <a:tcPr marL="9525" marR="9525" marT="9525" marB="0" anchor="b"/>
+                </a:tc>
+                <a:tc>
+                  <a:txBody>
+                    <a:bodyPr/>
+                    <a:lstStyle/>
+                    <a:p>
+                      <a:pPr algn="ctr" fontAlgn="b"/>
+                      <a:r>
+                        <a:rPr lang="en-US" sz="1800" b="0" i="0" u="none" strike="noStrike" dirty="0">
+                          <a:solidFill>
+                            <a:srgbClr val="000000"/>
+                          </a:solidFill>
+                          <a:effectLst/>
+                          <a:latin typeface="Calibri" panose="020F0502020204030204" pitchFamily="34" charset="0"/>
+                        </a:rPr>
+                        <a:t>441</a:t>
+                      </a:r>
+                    </a:p>
+                  </a:txBody>
+                  <a:tcPr marL="9525" marR="9525" marT="9525" marB="0" anchor="b"/>
+                </a:tc>
+                <a:tc>
+                  <a:txBody>
+                    <a:bodyPr/>
+                    <a:lstStyle/>
+                    <a:p>
+                      <a:pPr algn="ctr" fontAlgn="b"/>
+                      <a:r>
+                        <a:rPr lang="en-US" sz="1800" b="0" i="0" u="none" strike="noStrike" dirty="0">
+                          <a:solidFill>
+                            <a:srgbClr val="000000"/>
+                          </a:solidFill>
+                          <a:effectLst/>
+                          <a:latin typeface="Calibri" panose="020F0502020204030204" pitchFamily="34" charset="0"/>
+                        </a:rPr>
+                        <a:t>541</a:t>
+                      </a:r>
+                    </a:p>
+                  </a:txBody>
+                  <a:tcPr marL="9525" marR="9525" marT="9525" marB="0" anchor="b"/>
+                </a:tc>
+                <a:extLst>
+                  <a:ext uri="{0D108BD9-81ED-4DB2-BD59-A6C34878D82A}">
+                    <a16:rowId xmlns:a16="http://schemas.microsoft.com/office/drawing/2014/main" val="1216588001"/>
+                  </a:ext>
+                </a:extLst>
+              </a:tr>
+            </a:tbl>
+          </a:graphicData>
+        </a:graphic>
+      </p:graphicFrame>
+    </p:spTree>
+    <p:extLst>
+      <p:ext uri="{BB962C8B-B14F-4D97-AF65-F5344CB8AC3E}">
+        <p14:creationId xmlns:p14="http://schemas.microsoft.com/office/powerpoint/2010/main" val="3792729376"/>
+      </p:ext>
+    </p:extLst>
+  </p:cSld>
+  <p:clrMapOvr>
+    <a:masterClrMapping/>
+  </p:clrMapOvr>
+</p:sld>
+</file>
+
+<file path=ppt/slides/slide16.xml><?xml version="1.0" encoding="utf-8"?>
+<p:sld xmlns:a="http://schemas.openxmlformats.org/drawingml/2006/main" xmlns:r="http://schemas.openxmlformats.org/officeDocument/2006/relationships" xmlns:p="http://schemas.openxmlformats.org/presentationml/2006/main">
+  <p:cSld>
+    <p:spTree>
+      <p:nvGrpSpPr>
+        <p:cNvPr id="1" name=""/>
+        <p:cNvGrpSpPr/>
+        <p:nvPr/>
+      </p:nvGrpSpPr>
+      <p:grpSpPr>
+        <a:xfrm>
+          <a:off x="0" y="0"/>
+          <a:ext cx="0" cy="0"/>
+          <a:chOff x="0" y="0"/>
+          <a:chExt cx="0" cy="0"/>
+        </a:xfrm>
+      </p:grpSpPr>
+      <p:sp>
+        <p:nvSpPr>
+          <p:cNvPr id="4" name="Rectangle 3">
+            <a:extLst>
+              <a:ext uri="{FF2B5EF4-FFF2-40B4-BE49-F238E27FC236}">
+                <a16:creationId xmlns:a16="http://schemas.microsoft.com/office/drawing/2014/main" id="{6E167D15-556D-4BCA-B6BE-DE301969366E}"/>
+              </a:ext>
+            </a:extLst>
+          </p:cNvPr>
+          <p:cNvSpPr/>
+          <p:nvPr/>
+        </p:nvSpPr>
+        <p:spPr>
+          <a:xfrm>
+            <a:off x="928468" y="0"/>
+            <a:ext cx="10100603" cy="886264"/>
+          </a:xfrm>
+          <a:prstGeom prst="rect">
+            <a:avLst/>
+          </a:prstGeom>
+        </p:spPr>
+        <p:style>
+          <a:lnRef idx="2">
+            <a:schemeClr val="accent1">
+              <a:shade val="50000"/>
+            </a:schemeClr>
+          </a:lnRef>
+          <a:fillRef idx="1">
+            <a:schemeClr val="accent1"/>
+          </a:fillRef>
+          <a:effectRef idx="0">
+            <a:schemeClr val="accent1"/>
+          </a:effectRef>
+          <a:fontRef idx="minor">
+            <a:schemeClr val="lt1"/>
+          </a:fontRef>
+        </p:style>
+        <p:txBody>
+          <a:bodyPr rtlCol="0" anchor="ctr"/>
+          <a:lstStyle/>
+          <a:p>
+            <a:pPr algn="ctr"/>
+            <a:endParaRPr lang="en-US"/>
+          </a:p>
+        </p:txBody>
+      </p:sp>
+      <p:sp>
+        <p:nvSpPr>
+          <p:cNvPr id="5" name="TextBox 4">
+            <a:extLst>
+              <a:ext uri="{FF2B5EF4-FFF2-40B4-BE49-F238E27FC236}">
+                <a16:creationId xmlns:a16="http://schemas.microsoft.com/office/drawing/2014/main" id="{A895F123-133F-4E0B-A890-87A48E29C7ED}"/>
+              </a:ext>
+            </a:extLst>
+          </p:cNvPr>
+          <p:cNvSpPr txBox="1"/>
+          <p:nvPr/>
+        </p:nvSpPr>
+        <p:spPr>
+          <a:xfrm>
+            <a:off x="4540362" y="58411"/>
+            <a:ext cx="3618299" cy="769441"/>
+          </a:xfrm>
+          <a:prstGeom prst="rect">
+            <a:avLst/>
+          </a:prstGeom>
+          <a:noFill/>
+        </p:spPr>
+        <p:txBody>
+          <a:bodyPr wrap="none" rtlCol="0">
+            <a:spAutoFit/>
+          </a:bodyPr>
+          <a:lstStyle/>
+          <a:p>
+            <a:pPr algn="ctr"/>
+            <a:r>
+              <a:rPr lang="en-US" sz="4400" b="1" dirty="0">
+                <a:solidFill>
+                  <a:schemeClr val="bg1"/>
+                </a:solidFill>
+                <a:latin typeface="Roboto" panose="02000000000000000000" pitchFamily="2" charset="0"/>
+                <a:ea typeface="Roboto" panose="02000000000000000000" pitchFamily="2" charset="0"/>
+              </a:rPr>
+              <a:t>All Together 2</a:t>
+            </a:r>
+          </a:p>
+        </p:txBody>
+      </p:sp>
+      <p:graphicFrame>
+        <p:nvGraphicFramePr>
+          <p:cNvPr id="6" name="Table 5">
+            <a:extLst>
+              <a:ext uri="{FF2B5EF4-FFF2-40B4-BE49-F238E27FC236}">
+                <a16:creationId xmlns:a16="http://schemas.microsoft.com/office/drawing/2014/main" id="{54EFA07A-658C-4CCF-B537-98AA5AF05EE1}"/>
+              </a:ext>
+            </a:extLst>
+          </p:cNvPr>
+          <p:cNvGraphicFramePr>
+            <a:graphicFrameLocks noGrp="1"/>
+          </p:cNvGraphicFramePr>
+          <p:nvPr>
+            <p:extLst>
+              <p:ext uri="{D42A27DB-BD31-4B8C-83A1-F6EECF244321}">
+                <p14:modId xmlns:p14="http://schemas.microsoft.com/office/powerpoint/2010/main" val="3927800881"/>
+              </p:ext>
+            </p:extLst>
+          </p:nvPr>
+        </p:nvGraphicFramePr>
+        <p:xfrm>
+          <a:off x="928468" y="1145414"/>
+          <a:ext cx="10142807" cy="4706901"/>
+        </p:xfrm>
+        <a:graphic>
+          <a:graphicData uri="http://schemas.openxmlformats.org/drawingml/2006/table">
+            <a:tbl>
+              <a:tblPr firstRow="1" bandRow="1">
+                <a:tableStyleId>{5C22544A-7EE6-4342-B048-85BDC9FD1C3A}</a:tableStyleId>
+              </a:tblPr>
+              <a:tblGrid>
+                <a:gridCol w="2236763">
+                  <a:extLst>
+                    <a:ext uri="{9D8B030D-6E8A-4147-A177-3AD203B41FA5}">
+                      <a16:colId xmlns:a16="http://schemas.microsoft.com/office/drawing/2014/main" val="2497592185"/>
+                    </a:ext>
+                  </a:extLst>
+                </a:gridCol>
+                <a:gridCol w="1793053">
+                  <a:extLst>
+                    <a:ext uri="{9D8B030D-6E8A-4147-A177-3AD203B41FA5}">
+                      <a16:colId xmlns:a16="http://schemas.microsoft.com/office/drawing/2014/main" val="2784781616"/>
+                    </a:ext>
+                  </a:extLst>
+                </a:gridCol>
+                <a:gridCol w="1921279">
+                  <a:extLst>
+                    <a:ext uri="{9D8B030D-6E8A-4147-A177-3AD203B41FA5}">
+                      <a16:colId xmlns:a16="http://schemas.microsoft.com/office/drawing/2014/main" val="1258935152"/>
+                    </a:ext>
+                  </a:extLst>
+                </a:gridCol>
+                <a:gridCol w="2011219">
+                  <a:extLst>
+                    <a:ext uri="{9D8B030D-6E8A-4147-A177-3AD203B41FA5}">
+                      <a16:colId xmlns:a16="http://schemas.microsoft.com/office/drawing/2014/main" val="3251926524"/>
+                    </a:ext>
+                  </a:extLst>
+                </a:gridCol>
+                <a:gridCol w="2180493">
+                  <a:extLst>
+                    <a:ext uri="{9D8B030D-6E8A-4147-A177-3AD203B41FA5}">
+                      <a16:colId xmlns:a16="http://schemas.microsoft.com/office/drawing/2014/main" val="3188416064"/>
+                    </a:ext>
+                  </a:extLst>
+                </a:gridCol>
+              </a:tblGrid>
+              <a:tr h="369711">
+                <a:tc>
+                  <a:txBody>
+                    <a:bodyPr/>
+                    <a:lstStyle/>
+                    <a:p>
+                      <a:r>
+                        <a:rPr lang="en-US" dirty="0"/>
+                        <a:t>Job Positions</a:t>
+                      </a:r>
+                    </a:p>
+                  </a:txBody>
+                  <a:tcPr/>
+                </a:tc>
+                <a:tc>
+                  <a:txBody>
+                    <a:bodyPr/>
+                    <a:lstStyle/>
+                    <a:p>
+                      <a:r>
+                        <a:rPr lang="en-US" dirty="0"/>
+                        <a:t>New Graduate</a:t>
+                      </a:r>
+                    </a:p>
+                  </a:txBody>
+                  <a:tcPr/>
+                </a:tc>
+                <a:tc>
+                  <a:txBody>
+                    <a:bodyPr/>
+                    <a:lstStyle/>
+                    <a:p>
+                      <a:r>
+                        <a:rPr lang="en-US" dirty="0"/>
+                        <a:t>Exp. 1-3 years</a:t>
+                      </a:r>
+                    </a:p>
+                  </a:txBody>
+                  <a:tcPr/>
+                </a:tc>
+                <a:tc>
+                  <a:txBody>
+                    <a:bodyPr/>
+                    <a:lstStyle/>
+                    <a:p>
+                      <a:r>
+                        <a:rPr lang="en-US" dirty="0"/>
+                        <a:t>Exp. 4-6 years</a:t>
+                      </a:r>
+                    </a:p>
+                  </a:txBody>
+                  <a:tcPr/>
+                </a:tc>
+                <a:tc>
+                  <a:txBody>
+                    <a:bodyPr/>
+                    <a:lstStyle/>
+                    <a:p>
+                      <a:r>
+                        <a:rPr lang="en-US" dirty="0"/>
+                        <a:t>Exp. 7 years and up</a:t>
+                      </a:r>
+                    </a:p>
+                  </a:txBody>
+                  <a:tcPr/>
+                </a:tc>
+                <a:extLst>
+                  <a:ext uri="{0D108BD9-81ED-4DB2-BD59-A6C34878D82A}">
+                    <a16:rowId xmlns:a16="http://schemas.microsoft.com/office/drawing/2014/main" val="3617081155"/>
+                  </a:ext>
+                </a:extLst>
+              </a:tr>
+              <a:tr h="369711">
+                <a:tc>
+                  <a:txBody>
+                    <a:bodyPr/>
+                    <a:lstStyle/>
+                    <a:p>
+                      <a:r>
+                        <a:rPr lang="en-US" dirty="0"/>
+                        <a:t>Mining Engineer</a:t>
+                      </a:r>
+                    </a:p>
+                  </a:txBody>
+                  <a:tcPr/>
+                </a:tc>
+                <a:tc>
+                  <a:txBody>
+                    <a:bodyPr/>
+                    <a:lstStyle/>
+                    <a:p>
+                      <a:pPr algn="ctr" fontAlgn="b"/>
+                      <a:r>
+                        <a:rPr lang="en-US" sz="1800" b="0" i="0" u="none" strike="noStrike" dirty="0">
+                          <a:solidFill>
+                            <a:srgbClr val="000000"/>
+                          </a:solidFill>
+                          <a:effectLst/>
+                          <a:latin typeface="Calibri" panose="020F0502020204030204" pitchFamily="34" charset="0"/>
+                        </a:rPr>
+                        <a:t>386</a:t>
+                      </a:r>
+                    </a:p>
+                  </a:txBody>
+                  <a:tcPr marL="9525" marR="9525" marT="9525" marB="0" anchor="b"/>
+                </a:tc>
+                <a:tc>
+                  <a:txBody>
+                    <a:bodyPr/>
+                    <a:lstStyle/>
+                    <a:p>
+                      <a:pPr algn="ctr" fontAlgn="b"/>
+                      <a:r>
+                        <a:rPr lang="en-US" sz="1800" b="0" i="0" u="none" strike="noStrike" dirty="0">
+                          <a:solidFill>
+                            <a:srgbClr val="000000"/>
+                          </a:solidFill>
+                          <a:effectLst/>
+                          <a:latin typeface="Calibri" panose="020F0502020204030204" pitchFamily="34" charset="0"/>
+                        </a:rPr>
+                        <a:t>500</a:t>
+                      </a:r>
+                    </a:p>
+                  </a:txBody>
+                  <a:tcPr marL="9525" marR="9525" marT="9525" marB="0" anchor="b"/>
+                </a:tc>
+                <a:tc>
+                  <a:txBody>
+                    <a:bodyPr/>
+                    <a:lstStyle/>
+                    <a:p>
+                      <a:pPr algn="ctr" fontAlgn="b"/>
+                      <a:r>
+                        <a:rPr lang="en-US" sz="1800" b="0" i="0" u="none" strike="noStrike" dirty="0">
+                          <a:solidFill>
+                            <a:srgbClr val="000000"/>
+                          </a:solidFill>
+                          <a:effectLst/>
+                          <a:latin typeface="Calibri" panose="020F0502020204030204" pitchFamily="34" charset="0"/>
+                        </a:rPr>
+                        <a:t>797</a:t>
+                      </a:r>
+                    </a:p>
+                  </a:txBody>
+                  <a:tcPr marL="9525" marR="9525" marT="9525" marB="0" anchor="b"/>
+                </a:tc>
+                <a:tc>
+                  <a:txBody>
+                    <a:bodyPr/>
+                    <a:lstStyle/>
+                    <a:p>
+                      <a:pPr algn="ctr" fontAlgn="b"/>
+                      <a:r>
+                        <a:rPr lang="en-US" sz="1800" b="0" i="0" u="none" strike="noStrike" dirty="0">
+                          <a:solidFill>
+                            <a:srgbClr val="000000"/>
+                          </a:solidFill>
+                          <a:effectLst/>
+                          <a:latin typeface="Calibri" panose="020F0502020204030204" pitchFamily="34" charset="0"/>
+                        </a:rPr>
+                        <a:t>1143</a:t>
+                      </a:r>
+                    </a:p>
+                  </a:txBody>
+                  <a:tcPr marL="9525" marR="9525" marT="9525" marB="0" anchor="b"/>
+                </a:tc>
+                <a:extLst>
+                  <a:ext uri="{0D108BD9-81ED-4DB2-BD59-A6C34878D82A}">
+                    <a16:rowId xmlns:a16="http://schemas.microsoft.com/office/drawing/2014/main" val="1061743433"/>
+                  </a:ext>
+                </a:extLst>
+              </a:tr>
+              <a:tr h="369711">
+                <a:tc>
+                  <a:txBody>
+                    <a:bodyPr/>
+                    <a:lstStyle/>
+                    <a:p>
+                      <a:r>
+                        <a:rPr lang="en-US" dirty="0"/>
+                        <a:t>Finance Officer</a:t>
+                      </a:r>
+                    </a:p>
+                  </a:txBody>
+                  <a:tcPr/>
+                </a:tc>
+                <a:tc>
+                  <a:txBody>
+                    <a:bodyPr/>
+                    <a:lstStyle/>
+                    <a:p>
+                      <a:pPr algn="ctr" fontAlgn="b"/>
+                      <a:r>
+                        <a:rPr lang="en-US" sz="1800" b="0" i="0" u="none" strike="noStrike" dirty="0">
+                          <a:solidFill>
+                            <a:srgbClr val="000000"/>
+                          </a:solidFill>
+                          <a:effectLst/>
+                          <a:latin typeface="Calibri" panose="020F0502020204030204" pitchFamily="34" charset="0"/>
+                        </a:rPr>
+                        <a:t>264</a:t>
+                      </a:r>
+                    </a:p>
+                  </a:txBody>
+                  <a:tcPr marL="9525" marR="9525" marT="9525" marB="0" anchor="b"/>
+                </a:tc>
+                <a:tc>
+                  <a:txBody>
+                    <a:bodyPr/>
+                    <a:lstStyle/>
+                    <a:p>
+                      <a:pPr algn="ctr" fontAlgn="b"/>
+                      <a:r>
+                        <a:rPr lang="en-US" sz="1800" b="0" i="0" u="none" strike="noStrike" dirty="0">
+                          <a:solidFill>
+                            <a:srgbClr val="000000"/>
+                          </a:solidFill>
+                          <a:effectLst/>
+                          <a:latin typeface="Calibri" panose="020F0502020204030204" pitchFamily="34" charset="0"/>
+                        </a:rPr>
+                        <a:t>358</a:t>
+                      </a:r>
+                    </a:p>
+                  </a:txBody>
+                  <a:tcPr marL="9525" marR="9525" marT="9525" marB="0" anchor="b"/>
+                </a:tc>
+                <a:tc>
+                  <a:txBody>
+                    <a:bodyPr/>
+                    <a:lstStyle/>
+                    <a:p>
+                      <a:pPr algn="ctr" fontAlgn="b"/>
+                      <a:r>
+                        <a:rPr lang="en-US" sz="1800" b="0" i="0" u="none" strike="noStrike" dirty="0">
+                          <a:solidFill>
+                            <a:srgbClr val="000000"/>
+                          </a:solidFill>
+                          <a:effectLst/>
+                          <a:latin typeface="Calibri" panose="020F0502020204030204" pitchFamily="34" charset="0"/>
+                        </a:rPr>
+                        <a:t>503</a:t>
+                      </a:r>
+                    </a:p>
+                  </a:txBody>
+                  <a:tcPr marL="9525" marR="9525" marT="9525" marB="0" anchor="b"/>
+                </a:tc>
+                <a:tc>
+                  <a:txBody>
+                    <a:bodyPr/>
+                    <a:lstStyle/>
+                    <a:p>
+                      <a:pPr algn="ctr" fontAlgn="b"/>
+                      <a:r>
+                        <a:rPr lang="en-US" sz="1800" b="0" i="0" u="none" strike="noStrike" dirty="0">
+                          <a:solidFill>
+                            <a:srgbClr val="000000"/>
+                          </a:solidFill>
+                          <a:effectLst/>
+                          <a:latin typeface="Calibri" panose="020F0502020204030204" pitchFamily="34" charset="0"/>
+                        </a:rPr>
+                        <a:t>791</a:t>
+                      </a:r>
+                    </a:p>
+                  </a:txBody>
+                  <a:tcPr marL="9525" marR="9525" marT="9525" marB="0" anchor="b"/>
+                </a:tc>
+                <a:extLst>
+                  <a:ext uri="{0D108BD9-81ED-4DB2-BD59-A6C34878D82A}">
+                    <a16:rowId xmlns:a16="http://schemas.microsoft.com/office/drawing/2014/main" val="1149758969"/>
+                  </a:ext>
+                </a:extLst>
+              </a:tr>
+              <a:tr h="369711">
+                <a:tc>
+                  <a:txBody>
+                    <a:bodyPr/>
+                    <a:lstStyle/>
+                    <a:p>
+                      <a:r>
+                        <a:rPr lang="en-US" dirty="0"/>
+                        <a:t>Planning and Budget Analyst Officer</a:t>
+                      </a:r>
+                    </a:p>
+                  </a:txBody>
+                  <a:tcPr/>
+                </a:tc>
+                <a:tc>
+                  <a:txBody>
+                    <a:bodyPr/>
+                    <a:lstStyle/>
+                    <a:p>
+                      <a:pPr algn="ctr" fontAlgn="b"/>
+                      <a:r>
+                        <a:rPr lang="en-US" sz="1800" b="0" i="0" u="none" strike="noStrike" dirty="0">
+                          <a:solidFill>
+                            <a:srgbClr val="000000"/>
+                          </a:solidFill>
+                          <a:effectLst/>
+                          <a:latin typeface="Calibri" panose="020F0502020204030204" pitchFamily="34" charset="0"/>
+                        </a:rPr>
+                        <a:t>227</a:t>
+                      </a:r>
+                    </a:p>
+                  </a:txBody>
+                  <a:tcPr marL="9525" marR="9525" marT="9525" marB="0" anchor="b"/>
+                </a:tc>
+                <a:tc>
+                  <a:txBody>
+                    <a:bodyPr/>
+                    <a:lstStyle/>
+                    <a:p>
+                      <a:pPr algn="ctr" fontAlgn="b"/>
+                      <a:r>
+                        <a:rPr lang="en-US" sz="1800" b="0" i="0" u="none" strike="noStrike" dirty="0">
+                          <a:solidFill>
+                            <a:srgbClr val="000000"/>
+                          </a:solidFill>
+                          <a:effectLst/>
+                          <a:latin typeface="Calibri" panose="020F0502020204030204" pitchFamily="34" charset="0"/>
+                        </a:rPr>
+                        <a:t>442</a:t>
+                      </a:r>
+                    </a:p>
+                  </a:txBody>
+                  <a:tcPr marL="9525" marR="9525" marT="9525" marB="0" anchor="b"/>
+                </a:tc>
+                <a:tc>
+                  <a:txBody>
+                    <a:bodyPr/>
+                    <a:lstStyle/>
+                    <a:p>
+                      <a:pPr algn="ctr" fontAlgn="b"/>
+                      <a:r>
+                        <a:rPr lang="en-US" sz="1800" b="0" i="0" u="none" strike="noStrike" dirty="0">
+                          <a:solidFill>
+                            <a:srgbClr val="000000"/>
+                          </a:solidFill>
+                          <a:effectLst/>
+                          <a:latin typeface="Calibri" panose="020F0502020204030204" pitchFamily="34" charset="0"/>
+                        </a:rPr>
+                        <a:t>512</a:t>
+                      </a:r>
+                    </a:p>
+                  </a:txBody>
+                  <a:tcPr marL="9525" marR="9525" marT="9525" marB="0" anchor="b"/>
+                </a:tc>
+                <a:tc>
+                  <a:txBody>
+                    <a:bodyPr/>
+                    <a:lstStyle/>
+                    <a:p>
+                      <a:pPr algn="ctr" fontAlgn="b"/>
+                      <a:r>
+                        <a:rPr lang="en-US" sz="1800" b="0" i="0" u="none" strike="noStrike" dirty="0">
+                          <a:solidFill>
+                            <a:srgbClr val="000000"/>
+                          </a:solidFill>
+                          <a:effectLst/>
+                          <a:latin typeface="Calibri" panose="020F0502020204030204" pitchFamily="34" charset="0"/>
+                        </a:rPr>
+                        <a:t>610</a:t>
+                      </a:r>
+                    </a:p>
+                  </a:txBody>
+                  <a:tcPr marL="9525" marR="9525" marT="9525" marB="0" anchor="b"/>
+                </a:tc>
+                <a:extLst>
+                  <a:ext uri="{0D108BD9-81ED-4DB2-BD59-A6C34878D82A}">
+                    <a16:rowId xmlns:a16="http://schemas.microsoft.com/office/drawing/2014/main" val="1823940534"/>
+                  </a:ext>
+                </a:extLst>
+              </a:tr>
+              <a:tr h="369711">
+                <a:tc>
+                  <a:txBody>
+                    <a:bodyPr/>
+                    <a:lstStyle/>
+                    <a:p>
+                      <a:r>
+                        <a:rPr lang="en-US" dirty="0"/>
+                        <a:t>Sale Officer</a:t>
+                      </a:r>
+                    </a:p>
+                  </a:txBody>
+                  <a:tcPr/>
+                </a:tc>
+                <a:tc>
+                  <a:txBody>
+                    <a:bodyPr/>
+                    <a:lstStyle/>
+                    <a:p>
+                      <a:pPr algn="ctr" fontAlgn="b"/>
+                      <a:r>
+                        <a:rPr lang="en-US" sz="1800" b="0" i="0" u="none" strike="noStrike" dirty="0">
+                          <a:solidFill>
+                            <a:srgbClr val="000000"/>
+                          </a:solidFill>
+                          <a:effectLst/>
+                          <a:latin typeface="Calibri" panose="020F0502020204030204" pitchFamily="34" charset="0"/>
+                        </a:rPr>
+                        <a:t>232</a:t>
+                      </a:r>
+                    </a:p>
+                  </a:txBody>
+                  <a:tcPr marL="9525" marR="9525" marT="9525" marB="0" anchor="b"/>
+                </a:tc>
+                <a:tc>
+                  <a:txBody>
+                    <a:bodyPr/>
+                    <a:lstStyle/>
+                    <a:p>
+                      <a:pPr algn="ctr" fontAlgn="b"/>
+                      <a:r>
+                        <a:rPr lang="en-US" sz="1800" b="0" i="0" u="none" strike="noStrike" dirty="0">
+                          <a:solidFill>
+                            <a:srgbClr val="000000"/>
+                          </a:solidFill>
+                          <a:effectLst/>
+                          <a:latin typeface="Calibri" panose="020F0502020204030204" pitchFamily="34" charset="0"/>
+                        </a:rPr>
+                        <a:t>330</a:t>
+                      </a:r>
+                    </a:p>
+                  </a:txBody>
+                  <a:tcPr marL="9525" marR="9525" marT="9525" marB="0" anchor="b"/>
+                </a:tc>
+                <a:tc>
+                  <a:txBody>
+                    <a:bodyPr/>
+                    <a:lstStyle/>
+                    <a:p>
+                      <a:pPr algn="ctr" fontAlgn="b"/>
+                      <a:r>
+                        <a:rPr lang="en-US" sz="1800" b="0" i="0" u="none" strike="noStrike" dirty="0">
+                          <a:solidFill>
+                            <a:srgbClr val="000000"/>
+                          </a:solidFill>
+                          <a:effectLst/>
+                          <a:latin typeface="Calibri" panose="020F0502020204030204" pitchFamily="34" charset="0"/>
+                        </a:rPr>
+                        <a:t>506</a:t>
+                      </a:r>
+                    </a:p>
+                  </a:txBody>
+                  <a:tcPr marL="9525" marR="9525" marT="9525" marB="0" anchor="b"/>
+                </a:tc>
+                <a:tc>
+                  <a:txBody>
+                    <a:bodyPr/>
+                    <a:lstStyle/>
+                    <a:p>
+                      <a:pPr algn="ctr" fontAlgn="b"/>
+                      <a:r>
+                        <a:rPr lang="en-US" sz="1800" b="0" i="0" u="none" strike="noStrike" dirty="0">
+                          <a:solidFill>
+                            <a:srgbClr val="000000"/>
+                          </a:solidFill>
+                          <a:effectLst/>
+                          <a:latin typeface="Calibri" panose="020F0502020204030204" pitchFamily="34" charset="0"/>
+                        </a:rPr>
+                        <a:t>856</a:t>
+                      </a:r>
+                    </a:p>
+                  </a:txBody>
+                  <a:tcPr marL="9525" marR="9525" marT="9525" marB="0" anchor="b"/>
+                </a:tc>
+                <a:extLst>
+                  <a:ext uri="{0D108BD9-81ED-4DB2-BD59-A6C34878D82A}">
+                    <a16:rowId xmlns:a16="http://schemas.microsoft.com/office/drawing/2014/main" val="3492520678"/>
+                  </a:ext>
+                </a:extLst>
+              </a:tr>
+              <a:tr h="369711">
+                <a:tc>
+                  <a:txBody>
+                    <a:bodyPr/>
+                    <a:lstStyle/>
+                    <a:p>
+                      <a:r>
+                        <a:rPr lang="en-US" dirty="0"/>
+                        <a:t>Marketing Officer</a:t>
+                      </a:r>
+                    </a:p>
+                  </a:txBody>
+                  <a:tcPr/>
+                </a:tc>
+                <a:tc>
+                  <a:txBody>
+                    <a:bodyPr/>
+                    <a:lstStyle/>
+                    <a:p>
+                      <a:pPr algn="ctr" fontAlgn="b"/>
+                      <a:r>
+                        <a:rPr lang="en-US" sz="1800" b="0" i="0" u="none" strike="noStrike" dirty="0">
+                          <a:solidFill>
+                            <a:srgbClr val="000000"/>
+                          </a:solidFill>
+                          <a:effectLst/>
+                          <a:latin typeface="Calibri" panose="020F0502020204030204" pitchFamily="34" charset="0"/>
+                        </a:rPr>
+                        <a:t>220</a:t>
+                      </a:r>
+                    </a:p>
+                  </a:txBody>
+                  <a:tcPr marL="9525" marR="9525" marT="9525" marB="0" anchor="b"/>
+                </a:tc>
+                <a:tc>
+                  <a:txBody>
+                    <a:bodyPr/>
+                    <a:lstStyle/>
+                    <a:p>
+                      <a:pPr algn="ctr" fontAlgn="b"/>
+                      <a:r>
+                        <a:rPr lang="en-US" sz="1800" b="0" i="0" u="none" strike="noStrike" dirty="0">
+                          <a:solidFill>
+                            <a:srgbClr val="000000"/>
+                          </a:solidFill>
+                          <a:effectLst/>
+                          <a:latin typeface="Calibri" panose="020F0502020204030204" pitchFamily="34" charset="0"/>
+                        </a:rPr>
+                        <a:t>327</a:t>
+                      </a:r>
+                    </a:p>
+                  </a:txBody>
+                  <a:tcPr marL="9525" marR="9525" marT="9525" marB="0" anchor="b"/>
+                </a:tc>
+                <a:tc>
+                  <a:txBody>
+                    <a:bodyPr/>
+                    <a:lstStyle/>
+                    <a:p>
+                      <a:pPr algn="ctr" fontAlgn="b"/>
+                      <a:r>
+                        <a:rPr lang="en-US" sz="1800" b="0" i="0" u="none" strike="noStrike" dirty="0">
+                          <a:solidFill>
+                            <a:srgbClr val="000000"/>
+                          </a:solidFill>
+                          <a:effectLst/>
+                          <a:latin typeface="Calibri" panose="020F0502020204030204" pitchFamily="34" charset="0"/>
+                        </a:rPr>
+                        <a:t>475</a:t>
+                      </a:r>
+                    </a:p>
+                  </a:txBody>
+                  <a:tcPr marL="9525" marR="9525" marT="9525" marB="0" anchor="b"/>
+                </a:tc>
+                <a:tc>
+                  <a:txBody>
+                    <a:bodyPr/>
+                    <a:lstStyle/>
+                    <a:p>
+                      <a:pPr algn="ctr" fontAlgn="b"/>
+                      <a:r>
+                        <a:rPr lang="en-US" sz="1800" b="0" i="0" u="none" strike="noStrike" dirty="0">
+                          <a:solidFill>
+                            <a:srgbClr val="000000"/>
+                          </a:solidFill>
+                          <a:effectLst/>
+                          <a:latin typeface="Calibri" panose="020F0502020204030204" pitchFamily="34" charset="0"/>
+                        </a:rPr>
+                        <a:t>838</a:t>
+                      </a:r>
+                    </a:p>
+                  </a:txBody>
+                  <a:tcPr marL="9525" marR="9525" marT="9525" marB="0" anchor="b"/>
+                </a:tc>
+                <a:extLst>
+                  <a:ext uri="{0D108BD9-81ED-4DB2-BD59-A6C34878D82A}">
+                    <a16:rowId xmlns:a16="http://schemas.microsoft.com/office/drawing/2014/main" val="2023878511"/>
+                  </a:ext>
+                </a:extLst>
+              </a:tr>
+              <a:tr h="369711">
+                <a:tc>
+                  <a:txBody>
+                    <a:bodyPr/>
+                    <a:lstStyle/>
+                    <a:p>
+                      <a:r>
+                        <a:rPr lang="en-US" dirty="0"/>
+                        <a:t>Product Manager</a:t>
+                      </a:r>
+                    </a:p>
+                  </a:txBody>
+                  <a:tcPr/>
+                </a:tc>
+                <a:tc>
+                  <a:txBody>
+                    <a:bodyPr/>
+                    <a:lstStyle/>
+                    <a:p>
+                      <a:pPr algn="ctr" fontAlgn="b"/>
+                      <a:r>
+                        <a:rPr lang="en-US" sz="1800" b="0" i="0" u="none" strike="noStrike" dirty="0">
+                          <a:solidFill>
+                            <a:srgbClr val="000000"/>
+                          </a:solidFill>
+                          <a:effectLst/>
+                          <a:latin typeface="Calibri" panose="020F0502020204030204" pitchFamily="34" charset="0"/>
+                        </a:rPr>
+                        <a:t>226</a:t>
+                      </a:r>
+                    </a:p>
+                  </a:txBody>
+                  <a:tcPr marL="9525" marR="9525" marT="9525" marB="0" anchor="b"/>
+                </a:tc>
+                <a:tc>
+                  <a:txBody>
+                    <a:bodyPr/>
+                    <a:lstStyle/>
+                    <a:p>
+                      <a:pPr algn="ctr" fontAlgn="b"/>
+                      <a:r>
+                        <a:rPr lang="en-US" sz="1800" b="0" i="0" u="none" strike="noStrike" dirty="0">
+                          <a:solidFill>
+                            <a:srgbClr val="000000"/>
+                          </a:solidFill>
+                          <a:effectLst/>
+                          <a:latin typeface="Calibri" panose="020F0502020204030204" pitchFamily="34" charset="0"/>
+                        </a:rPr>
+                        <a:t>420</a:t>
+                      </a:r>
+                    </a:p>
+                  </a:txBody>
+                  <a:tcPr marL="9525" marR="9525" marT="9525" marB="0" anchor="b"/>
+                </a:tc>
+                <a:tc>
+                  <a:txBody>
+                    <a:bodyPr/>
+                    <a:lstStyle/>
+                    <a:p>
+                      <a:pPr algn="ctr" fontAlgn="b"/>
+                      <a:r>
+                        <a:rPr lang="en-US" sz="1800" b="0" i="0" u="none" strike="noStrike" dirty="0">
+                          <a:solidFill>
+                            <a:srgbClr val="000000"/>
+                          </a:solidFill>
+                          <a:effectLst/>
+                          <a:latin typeface="Calibri" panose="020F0502020204030204" pitchFamily="34" charset="0"/>
+                        </a:rPr>
+                        <a:t>637</a:t>
+                      </a:r>
+                    </a:p>
+                  </a:txBody>
+                  <a:tcPr marL="9525" marR="9525" marT="9525" marB="0" anchor="b"/>
+                </a:tc>
+                <a:tc>
+                  <a:txBody>
+                    <a:bodyPr/>
+                    <a:lstStyle/>
+                    <a:p>
+                      <a:pPr algn="ctr" fontAlgn="b"/>
+                      <a:r>
+                        <a:rPr lang="en-US" sz="1800" b="0" i="0" u="none" strike="noStrike" dirty="0">
+                          <a:solidFill>
+                            <a:srgbClr val="000000"/>
+                          </a:solidFill>
+                          <a:effectLst/>
+                          <a:latin typeface="Calibri" panose="020F0502020204030204" pitchFamily="34" charset="0"/>
+                        </a:rPr>
+                        <a:t>620</a:t>
+                      </a:r>
+                    </a:p>
+                  </a:txBody>
+                  <a:tcPr marL="9525" marR="9525" marT="9525" marB="0" anchor="b"/>
+                </a:tc>
+                <a:extLst>
+                  <a:ext uri="{0D108BD9-81ED-4DB2-BD59-A6C34878D82A}">
+                    <a16:rowId xmlns:a16="http://schemas.microsoft.com/office/drawing/2014/main" val="2771850426"/>
+                  </a:ext>
+                </a:extLst>
+              </a:tr>
+              <a:tr h="369711">
+                <a:tc>
+                  <a:txBody>
+                    <a:bodyPr/>
+                    <a:lstStyle/>
+                    <a:p>
+                      <a:r>
+                        <a:rPr lang="en-US" dirty="0"/>
+                        <a:t>Stock Manager</a:t>
+                      </a:r>
+                    </a:p>
+                  </a:txBody>
+                  <a:tcPr/>
+                </a:tc>
+                <a:tc>
+                  <a:txBody>
+                    <a:bodyPr/>
+                    <a:lstStyle/>
+                    <a:p>
+                      <a:pPr algn="ctr" fontAlgn="b"/>
+                      <a:r>
+                        <a:rPr lang="en-US" sz="1800" b="0" i="0" u="none" strike="noStrike" dirty="0">
+                          <a:solidFill>
+                            <a:srgbClr val="000000"/>
+                          </a:solidFill>
+                          <a:effectLst/>
+                          <a:latin typeface="Calibri" panose="020F0502020204030204" pitchFamily="34" charset="0"/>
+                        </a:rPr>
+                        <a:t>241</a:t>
+                      </a:r>
+                    </a:p>
+                  </a:txBody>
+                  <a:tcPr marL="9525" marR="9525" marT="9525" marB="0" anchor="b"/>
+                </a:tc>
+                <a:tc>
+                  <a:txBody>
+                    <a:bodyPr/>
+                    <a:lstStyle/>
+                    <a:p>
+                      <a:pPr algn="ctr" fontAlgn="b"/>
+                      <a:r>
+                        <a:rPr lang="en-US" sz="1800" b="0" i="0" u="none" strike="noStrike" dirty="0">
+                          <a:solidFill>
+                            <a:srgbClr val="000000"/>
+                          </a:solidFill>
+                          <a:effectLst/>
+                          <a:latin typeface="Calibri" panose="020F0502020204030204" pitchFamily="34" charset="0"/>
+                        </a:rPr>
+                        <a:t>316</a:t>
+                      </a:r>
+                    </a:p>
+                  </a:txBody>
+                  <a:tcPr marL="9525" marR="9525" marT="9525" marB="0" anchor="b"/>
+                </a:tc>
+                <a:tc>
+                  <a:txBody>
+                    <a:bodyPr/>
+                    <a:lstStyle/>
+                    <a:p>
+                      <a:pPr algn="ctr" fontAlgn="b"/>
+                      <a:r>
+                        <a:rPr lang="en-US" sz="1800" b="0" i="0" u="none" strike="noStrike" dirty="0">
+                          <a:solidFill>
+                            <a:srgbClr val="000000"/>
+                          </a:solidFill>
+                          <a:effectLst/>
+                          <a:latin typeface="Calibri" panose="020F0502020204030204" pitchFamily="34" charset="0"/>
+                        </a:rPr>
+                        <a:t>470</a:t>
+                      </a:r>
+                    </a:p>
+                  </a:txBody>
+                  <a:tcPr marL="9525" marR="9525" marT="9525" marB="0" anchor="b"/>
+                </a:tc>
+                <a:tc>
+                  <a:txBody>
+                    <a:bodyPr/>
+                    <a:lstStyle/>
+                    <a:p>
+                      <a:pPr algn="ctr" fontAlgn="b"/>
+                      <a:r>
+                        <a:rPr lang="en-US" sz="1800" b="0" i="0" u="none" strike="noStrike" dirty="0">
+                          <a:solidFill>
+                            <a:srgbClr val="000000"/>
+                          </a:solidFill>
+                          <a:effectLst/>
+                          <a:latin typeface="Calibri" panose="020F0502020204030204" pitchFamily="34" charset="0"/>
+                        </a:rPr>
+                        <a:t>776</a:t>
+                      </a:r>
+                    </a:p>
+                  </a:txBody>
+                  <a:tcPr marL="9525" marR="9525" marT="9525" marB="0" anchor="b"/>
+                </a:tc>
+                <a:extLst>
+                  <a:ext uri="{0D108BD9-81ED-4DB2-BD59-A6C34878D82A}">
+                    <a16:rowId xmlns:a16="http://schemas.microsoft.com/office/drawing/2014/main" val="1464438257"/>
+                  </a:ext>
+                </a:extLst>
+              </a:tr>
+              <a:tr h="369711">
+                <a:tc>
+                  <a:txBody>
+                    <a:bodyPr/>
+                    <a:lstStyle/>
+                    <a:p>
+                      <a:r>
+                        <a:rPr lang="en-US" dirty="0"/>
+                        <a:t>Teller</a:t>
+                      </a:r>
+                    </a:p>
+                  </a:txBody>
+                  <a:tcPr/>
+                </a:tc>
+                <a:tc>
+                  <a:txBody>
+                    <a:bodyPr/>
+                    <a:lstStyle/>
+                    <a:p>
+                      <a:pPr algn="ctr" fontAlgn="b"/>
+                      <a:r>
+                        <a:rPr lang="en-US" sz="1800" b="0" i="0" u="none" strike="noStrike" dirty="0">
+                          <a:solidFill>
+                            <a:srgbClr val="000000"/>
+                          </a:solidFill>
+                          <a:effectLst/>
+                          <a:latin typeface="Calibri" panose="020F0502020204030204" pitchFamily="34" charset="0"/>
+                        </a:rPr>
+                        <a:t>292</a:t>
+                      </a:r>
+                    </a:p>
+                  </a:txBody>
+                  <a:tcPr marL="9525" marR="9525" marT="9525" marB="0" anchor="b"/>
+                </a:tc>
+                <a:tc>
+                  <a:txBody>
+                    <a:bodyPr/>
+                    <a:lstStyle/>
+                    <a:p>
+                      <a:pPr algn="ctr" fontAlgn="b"/>
+                      <a:r>
+                        <a:rPr lang="en-US" sz="1800" b="0" i="0" u="none" strike="noStrike" dirty="0">
+                          <a:solidFill>
+                            <a:srgbClr val="000000"/>
+                          </a:solidFill>
+                          <a:effectLst/>
+                          <a:latin typeface="Calibri" panose="020F0502020204030204" pitchFamily="34" charset="0"/>
+                        </a:rPr>
+                        <a:t>362</a:t>
+                      </a:r>
+                    </a:p>
+                  </a:txBody>
+                  <a:tcPr marL="9525" marR="9525" marT="9525" marB="0" anchor="b"/>
+                </a:tc>
+                <a:tc>
+                  <a:txBody>
+                    <a:bodyPr/>
+                    <a:lstStyle/>
+                    <a:p>
+                      <a:pPr algn="ctr" fontAlgn="b"/>
+                      <a:r>
+                        <a:rPr lang="en-US" sz="1800" b="0" i="0" u="none" strike="noStrike" dirty="0">
+                          <a:solidFill>
+                            <a:srgbClr val="000000"/>
+                          </a:solidFill>
+                          <a:effectLst/>
+                          <a:latin typeface="Calibri" panose="020F0502020204030204" pitchFamily="34" charset="0"/>
+                        </a:rPr>
+                        <a:t>465</a:t>
+                      </a:r>
+                    </a:p>
+                  </a:txBody>
+                  <a:tcPr marL="9525" marR="9525" marT="9525" marB="0" anchor="b"/>
+                </a:tc>
+                <a:tc>
+                  <a:txBody>
+                    <a:bodyPr/>
+                    <a:lstStyle/>
+                    <a:p>
+                      <a:pPr algn="ctr" fontAlgn="b"/>
+                      <a:r>
+                        <a:rPr lang="en-US" sz="1800" b="0" i="0" u="none" strike="noStrike" dirty="0">
+                          <a:solidFill>
+                            <a:srgbClr val="000000"/>
+                          </a:solidFill>
+                          <a:effectLst/>
+                          <a:latin typeface="Calibri" panose="020F0502020204030204" pitchFamily="34" charset="0"/>
+                        </a:rPr>
+                        <a:t>662</a:t>
+                      </a:r>
+                    </a:p>
+                  </a:txBody>
+                  <a:tcPr marL="9525" marR="9525" marT="9525" marB="0" anchor="b"/>
+                </a:tc>
+                <a:extLst>
+                  <a:ext uri="{0D108BD9-81ED-4DB2-BD59-A6C34878D82A}">
+                    <a16:rowId xmlns:a16="http://schemas.microsoft.com/office/drawing/2014/main" val="3570486530"/>
+                  </a:ext>
+                </a:extLst>
+              </a:tr>
+              <a:tr h="369711">
+                <a:tc>
+                  <a:txBody>
+                    <a:bodyPr/>
+                    <a:lstStyle/>
+                    <a:p>
+                      <a:r>
+                        <a:rPr lang="en-US" dirty="0"/>
+                        <a:t>Credit Officer</a:t>
+                      </a:r>
+                    </a:p>
+                  </a:txBody>
+                  <a:tcPr/>
+                </a:tc>
+                <a:tc>
+                  <a:txBody>
+                    <a:bodyPr/>
+                    <a:lstStyle/>
+                    <a:p>
+                      <a:pPr algn="ctr" fontAlgn="b"/>
+                      <a:r>
+                        <a:rPr lang="en-US" sz="1800" b="0" i="0" u="none" strike="noStrike">
+                          <a:solidFill>
+                            <a:srgbClr val="000000"/>
+                          </a:solidFill>
+                          <a:effectLst/>
+                          <a:latin typeface="Calibri" panose="020F0502020204030204" pitchFamily="34" charset="0"/>
+                        </a:rPr>
+                        <a:t>315</a:t>
+                      </a:r>
+                    </a:p>
+                  </a:txBody>
+                  <a:tcPr marL="9525" marR="9525" marT="9525" marB="0" anchor="b"/>
+                </a:tc>
+                <a:tc>
+                  <a:txBody>
+                    <a:bodyPr/>
+                    <a:lstStyle/>
+                    <a:p>
+                      <a:pPr algn="ctr" fontAlgn="b"/>
+                      <a:r>
+                        <a:rPr lang="en-US" sz="1800" b="0" i="0" u="none" strike="noStrike" dirty="0">
+                          <a:solidFill>
+                            <a:srgbClr val="000000"/>
+                          </a:solidFill>
+                          <a:effectLst/>
+                          <a:latin typeface="Calibri" panose="020F0502020204030204" pitchFamily="34" charset="0"/>
+                        </a:rPr>
+                        <a:t>389</a:t>
+                      </a:r>
+                    </a:p>
+                  </a:txBody>
+                  <a:tcPr marL="9525" marR="9525" marT="9525" marB="0" anchor="b"/>
+                </a:tc>
+                <a:tc>
+                  <a:txBody>
+                    <a:bodyPr/>
+                    <a:lstStyle/>
+                    <a:p>
+                      <a:pPr algn="ctr" fontAlgn="b"/>
+                      <a:r>
+                        <a:rPr lang="en-US" sz="1800" b="0" i="0" u="none" strike="noStrike" dirty="0">
+                          <a:solidFill>
+                            <a:srgbClr val="000000"/>
+                          </a:solidFill>
+                          <a:effectLst/>
+                          <a:latin typeface="Calibri" panose="020F0502020204030204" pitchFamily="34" charset="0"/>
+                        </a:rPr>
+                        <a:t>515</a:t>
+                      </a:r>
+                    </a:p>
+                  </a:txBody>
+                  <a:tcPr marL="9525" marR="9525" marT="9525" marB="0" anchor="b"/>
+                </a:tc>
+                <a:tc>
+                  <a:txBody>
+                    <a:bodyPr/>
+                    <a:lstStyle/>
+                    <a:p>
+                      <a:pPr algn="ctr" fontAlgn="b"/>
+                      <a:r>
+                        <a:rPr lang="en-US" sz="1800" b="0" i="0" u="none" strike="noStrike" dirty="0">
+                          <a:solidFill>
+                            <a:srgbClr val="000000"/>
+                          </a:solidFill>
+                          <a:effectLst/>
+                          <a:latin typeface="Calibri" panose="020F0502020204030204" pitchFamily="34" charset="0"/>
+                        </a:rPr>
+                        <a:t>662</a:t>
+                      </a:r>
+                    </a:p>
+                  </a:txBody>
+                  <a:tcPr marL="9525" marR="9525" marT="9525" marB="0" anchor="b"/>
+                </a:tc>
+                <a:extLst>
+                  <a:ext uri="{0D108BD9-81ED-4DB2-BD59-A6C34878D82A}">
+                    <a16:rowId xmlns:a16="http://schemas.microsoft.com/office/drawing/2014/main" val="1216588001"/>
+                  </a:ext>
+                </a:extLst>
+              </a:tr>
+              <a:tr h="369711">
+                <a:tc>
+                  <a:txBody>
+                    <a:bodyPr/>
+                    <a:lstStyle/>
+                    <a:p>
+                      <a:r>
+                        <a:rPr lang="en-US" dirty="0"/>
+                        <a:t>Relationship Manager</a:t>
+                      </a:r>
+                    </a:p>
+                  </a:txBody>
+                  <a:tcPr/>
+                </a:tc>
+                <a:tc>
+                  <a:txBody>
+                    <a:bodyPr/>
+                    <a:lstStyle/>
+                    <a:p>
+                      <a:pPr algn="ctr" fontAlgn="b"/>
+                      <a:r>
+                        <a:rPr lang="en-US" sz="1800" b="0" i="0" u="none" strike="noStrike" dirty="0">
+                          <a:solidFill>
+                            <a:srgbClr val="000000"/>
+                          </a:solidFill>
+                          <a:effectLst/>
+                          <a:latin typeface="Calibri" panose="020F0502020204030204" pitchFamily="34" charset="0"/>
+                        </a:rPr>
+                        <a:t>1125</a:t>
+                      </a:r>
+                    </a:p>
+                  </a:txBody>
+                  <a:tcPr marL="9525" marR="9525" marT="9525" marB="0" anchor="b"/>
+                </a:tc>
+                <a:tc>
+                  <a:txBody>
+                    <a:bodyPr/>
+                    <a:lstStyle/>
+                    <a:p>
+                      <a:pPr algn="ctr" fontAlgn="b"/>
+                      <a:r>
+                        <a:rPr lang="en-US" sz="1800" b="0" i="0" u="none" strike="noStrike">
+                          <a:solidFill>
+                            <a:srgbClr val="000000"/>
+                          </a:solidFill>
+                          <a:effectLst/>
+                          <a:latin typeface="Calibri" panose="020F0502020204030204" pitchFamily="34" charset="0"/>
+                        </a:rPr>
+                        <a:t>1550</a:t>
+                      </a:r>
+                    </a:p>
+                  </a:txBody>
+                  <a:tcPr marL="9525" marR="9525" marT="9525" marB="0" anchor="b"/>
+                </a:tc>
+                <a:tc>
+                  <a:txBody>
+                    <a:bodyPr/>
+                    <a:lstStyle/>
+                    <a:p>
+                      <a:pPr algn="ctr" fontAlgn="b"/>
+                      <a:r>
+                        <a:rPr lang="en-US" sz="1800" b="0" i="0" u="none" strike="noStrike" dirty="0">
+                          <a:solidFill>
+                            <a:srgbClr val="000000"/>
+                          </a:solidFill>
+                          <a:effectLst/>
+                          <a:latin typeface="Calibri" panose="020F0502020204030204" pitchFamily="34" charset="0"/>
+                        </a:rPr>
+                        <a:t>1862</a:t>
+                      </a:r>
+                    </a:p>
+                  </a:txBody>
+                  <a:tcPr marL="9525" marR="9525" marT="9525" marB="0" anchor="b"/>
+                </a:tc>
+                <a:tc>
+                  <a:txBody>
+                    <a:bodyPr/>
+                    <a:lstStyle/>
+                    <a:p>
+                      <a:pPr algn="ctr" fontAlgn="b"/>
+                      <a:r>
+                        <a:rPr lang="en-US" sz="1800" b="0" i="0" u="none" strike="noStrike" dirty="0">
+                          <a:solidFill>
+                            <a:srgbClr val="000000"/>
+                          </a:solidFill>
+                          <a:effectLst/>
+                          <a:latin typeface="Calibri" panose="020F0502020204030204" pitchFamily="34" charset="0"/>
+                        </a:rPr>
+                        <a:t>2125</a:t>
+                      </a:r>
+                    </a:p>
+                  </a:txBody>
+                  <a:tcPr marL="9525" marR="9525" marT="9525" marB="0" anchor="b"/>
+                </a:tc>
+                <a:extLst>
+                  <a:ext uri="{0D108BD9-81ED-4DB2-BD59-A6C34878D82A}">
+                    <a16:rowId xmlns:a16="http://schemas.microsoft.com/office/drawing/2014/main" val="3524130562"/>
+                  </a:ext>
+                </a:extLst>
+              </a:tr>
+              <a:tr h="369711">
+                <a:tc>
+                  <a:txBody>
+                    <a:bodyPr/>
+                    <a:lstStyle/>
+                    <a:p>
+                      <a:r>
+                        <a:rPr lang="en-US" dirty="0"/>
+                        <a:t>IT Supporter</a:t>
+                      </a:r>
+                    </a:p>
+                  </a:txBody>
+                  <a:tcPr/>
+                </a:tc>
+                <a:tc>
+                  <a:txBody>
+                    <a:bodyPr/>
+                    <a:lstStyle/>
+                    <a:p>
+                      <a:pPr algn="ctr" fontAlgn="b"/>
+                      <a:r>
+                        <a:rPr lang="en-US" sz="1800" b="0" i="0" u="none" strike="noStrike" dirty="0">
+                          <a:solidFill>
+                            <a:srgbClr val="000000"/>
+                          </a:solidFill>
+                          <a:effectLst/>
+                          <a:latin typeface="Calibri" panose="020F0502020204030204" pitchFamily="34" charset="0"/>
+                        </a:rPr>
+                        <a:t>275</a:t>
+                      </a:r>
+                    </a:p>
+                  </a:txBody>
+                  <a:tcPr marL="9525" marR="9525" marT="9525" marB="0" anchor="b"/>
+                </a:tc>
+                <a:tc>
+                  <a:txBody>
+                    <a:bodyPr/>
+                    <a:lstStyle/>
+                    <a:p>
+                      <a:pPr algn="ctr" fontAlgn="b"/>
+                      <a:r>
+                        <a:rPr lang="en-US" sz="1800" b="0" i="0" u="none" strike="noStrike" dirty="0">
+                          <a:solidFill>
+                            <a:srgbClr val="000000"/>
+                          </a:solidFill>
+                          <a:effectLst/>
+                          <a:latin typeface="Calibri" panose="020F0502020204030204" pitchFamily="34" charset="0"/>
+                        </a:rPr>
+                        <a:t>376</a:t>
+                      </a:r>
+                    </a:p>
+                  </a:txBody>
+                  <a:tcPr marL="9525" marR="9525" marT="9525" marB="0" anchor="b"/>
+                </a:tc>
+                <a:tc>
+                  <a:txBody>
+                    <a:bodyPr/>
+                    <a:lstStyle/>
+                    <a:p>
+                      <a:pPr algn="ctr" fontAlgn="b"/>
+                      <a:r>
+                        <a:rPr lang="en-US" sz="1800" b="0" i="0" u="none" strike="noStrike" dirty="0">
+                          <a:solidFill>
+                            <a:srgbClr val="000000"/>
+                          </a:solidFill>
+                          <a:effectLst/>
+                          <a:latin typeface="Calibri" panose="020F0502020204030204" pitchFamily="34" charset="0"/>
+                        </a:rPr>
+                        <a:t>580</a:t>
+                      </a:r>
+                    </a:p>
+                  </a:txBody>
+                  <a:tcPr marL="9525" marR="9525" marT="9525" marB="0" anchor="b"/>
+                </a:tc>
+                <a:tc>
+                  <a:txBody>
+                    <a:bodyPr/>
+                    <a:lstStyle/>
+                    <a:p>
+                      <a:pPr algn="ctr" fontAlgn="b"/>
+                      <a:r>
+                        <a:rPr lang="en-US" sz="1800" b="0" i="0" u="none" strike="noStrike" dirty="0">
+                          <a:solidFill>
+                            <a:srgbClr val="000000"/>
+                          </a:solidFill>
+                          <a:effectLst/>
+                          <a:latin typeface="Calibri" panose="020F0502020204030204" pitchFamily="34" charset="0"/>
+                        </a:rPr>
+                        <a:t>780</a:t>
+                      </a:r>
+                    </a:p>
+                  </a:txBody>
+                  <a:tcPr marL="9525" marR="9525" marT="9525" marB="0" anchor="b"/>
+                </a:tc>
+                <a:extLst>
+                  <a:ext uri="{0D108BD9-81ED-4DB2-BD59-A6C34878D82A}">
+                    <a16:rowId xmlns:a16="http://schemas.microsoft.com/office/drawing/2014/main" val="966384281"/>
+                  </a:ext>
+                </a:extLst>
+              </a:tr>
+            </a:tbl>
+          </a:graphicData>
+        </a:graphic>
+      </p:graphicFrame>
+    </p:spTree>
+    <p:extLst>
+      <p:ext uri="{BB962C8B-B14F-4D97-AF65-F5344CB8AC3E}">
+        <p14:creationId xmlns:p14="http://schemas.microsoft.com/office/powerpoint/2010/main" val="871283876"/>
+      </p:ext>
+    </p:extLst>
+  </p:cSld>
+  <p:clrMapOvr>
+    <a:masterClrMapping/>
+  </p:clrMapOvr>
+</p:sld>
+</file>
+
+<file path=ppt/slides/slide17.xml><?xml version="1.0" encoding="utf-8"?>
+<p:sld xmlns:a="http://schemas.openxmlformats.org/drawingml/2006/main" xmlns:r="http://schemas.openxmlformats.org/officeDocument/2006/relationships" xmlns:p="http://schemas.openxmlformats.org/presentationml/2006/main">
+  <p:cSld>
+    <p:spTree>
+      <p:nvGrpSpPr>
+        <p:cNvPr id="1" name=""/>
+        <p:cNvGrpSpPr/>
+        <p:nvPr/>
+      </p:nvGrpSpPr>
+      <p:grpSpPr>
+        <a:xfrm>
+          <a:off x="0" y="0"/>
+          <a:ext cx="0" cy="0"/>
+          <a:chOff x="0" y="0"/>
+          <a:chExt cx="0" cy="0"/>
+        </a:xfrm>
+      </p:grpSpPr>
+      <p:sp>
+        <p:nvSpPr>
+          <p:cNvPr id="4" name="Rectangle 3">
+            <a:extLst>
+              <a:ext uri="{FF2B5EF4-FFF2-40B4-BE49-F238E27FC236}">
+                <a16:creationId xmlns:a16="http://schemas.microsoft.com/office/drawing/2014/main" id="{6E167D15-556D-4BCA-B6BE-DE301969366E}"/>
+              </a:ext>
+            </a:extLst>
+          </p:cNvPr>
+          <p:cNvSpPr/>
+          <p:nvPr/>
+        </p:nvSpPr>
+        <p:spPr>
+          <a:xfrm>
+            <a:off x="928468" y="0"/>
+            <a:ext cx="10100603" cy="886264"/>
+          </a:xfrm>
+          <a:prstGeom prst="rect">
+            <a:avLst/>
+          </a:prstGeom>
+        </p:spPr>
+        <p:style>
+          <a:lnRef idx="2">
+            <a:schemeClr val="accent1">
+              <a:shade val="50000"/>
+            </a:schemeClr>
+          </a:lnRef>
+          <a:fillRef idx="1">
+            <a:schemeClr val="accent1"/>
+          </a:fillRef>
+          <a:effectRef idx="0">
+            <a:schemeClr val="accent1"/>
+          </a:effectRef>
+          <a:fontRef idx="minor">
+            <a:schemeClr val="lt1"/>
+          </a:fontRef>
+        </p:style>
+        <p:txBody>
+          <a:bodyPr rtlCol="0" anchor="ctr"/>
+          <a:lstStyle/>
+          <a:p>
+            <a:pPr algn="ctr"/>
+            <a:endParaRPr lang="en-US"/>
+          </a:p>
+        </p:txBody>
+      </p:sp>
+      <p:sp>
+        <p:nvSpPr>
+          <p:cNvPr id="5" name="TextBox 4">
+            <a:extLst>
+              <a:ext uri="{FF2B5EF4-FFF2-40B4-BE49-F238E27FC236}">
+                <a16:creationId xmlns:a16="http://schemas.microsoft.com/office/drawing/2014/main" id="{A895F123-133F-4E0B-A890-87A48E29C7ED}"/>
+              </a:ext>
+            </a:extLst>
+          </p:cNvPr>
+          <p:cNvSpPr txBox="1"/>
+          <p:nvPr/>
+        </p:nvSpPr>
+        <p:spPr>
+          <a:xfrm>
+            <a:off x="4540362" y="58411"/>
+            <a:ext cx="3618299" cy="769441"/>
+          </a:xfrm>
+          <a:prstGeom prst="rect">
+            <a:avLst/>
+          </a:prstGeom>
+          <a:noFill/>
+        </p:spPr>
+        <p:txBody>
+          <a:bodyPr wrap="none" rtlCol="0">
+            <a:spAutoFit/>
+          </a:bodyPr>
+          <a:lstStyle/>
+          <a:p>
+            <a:pPr algn="ctr"/>
+            <a:r>
+              <a:rPr lang="en-US" sz="4400" b="1" dirty="0">
+                <a:solidFill>
+                  <a:schemeClr val="bg1"/>
+                </a:solidFill>
+                <a:latin typeface="Roboto" panose="02000000000000000000" pitchFamily="2" charset="0"/>
+                <a:ea typeface="Roboto" panose="02000000000000000000" pitchFamily="2" charset="0"/>
+              </a:rPr>
+              <a:t>All Together 3</a:t>
+            </a:r>
+          </a:p>
+        </p:txBody>
+      </p:sp>
+      <p:graphicFrame>
+        <p:nvGraphicFramePr>
+          <p:cNvPr id="6" name="Table 5">
+            <a:extLst>
+              <a:ext uri="{FF2B5EF4-FFF2-40B4-BE49-F238E27FC236}">
+                <a16:creationId xmlns:a16="http://schemas.microsoft.com/office/drawing/2014/main" id="{54EFA07A-658C-4CCF-B537-98AA5AF05EE1}"/>
+              </a:ext>
+            </a:extLst>
+          </p:cNvPr>
+          <p:cNvGraphicFramePr>
+            <a:graphicFrameLocks noGrp="1"/>
+          </p:cNvGraphicFramePr>
+          <p:nvPr>
+            <p:extLst>
+              <p:ext uri="{D42A27DB-BD31-4B8C-83A1-F6EECF244321}">
+                <p14:modId xmlns:p14="http://schemas.microsoft.com/office/powerpoint/2010/main" val="4113639833"/>
+              </p:ext>
+            </p:extLst>
+          </p:nvPr>
+        </p:nvGraphicFramePr>
+        <p:xfrm>
+          <a:off x="928468" y="1145414"/>
+          <a:ext cx="10142807" cy="4706901"/>
+        </p:xfrm>
+        <a:graphic>
+          <a:graphicData uri="http://schemas.openxmlformats.org/drawingml/2006/table">
+            <a:tbl>
+              <a:tblPr firstRow="1" bandRow="1">
+                <a:tableStyleId>{5C22544A-7EE6-4342-B048-85BDC9FD1C3A}</a:tableStyleId>
+              </a:tblPr>
+              <a:tblGrid>
+                <a:gridCol w="2236763">
+                  <a:extLst>
+                    <a:ext uri="{9D8B030D-6E8A-4147-A177-3AD203B41FA5}">
+                      <a16:colId xmlns:a16="http://schemas.microsoft.com/office/drawing/2014/main" val="2497592185"/>
+                    </a:ext>
+                  </a:extLst>
+                </a:gridCol>
+                <a:gridCol w="1793053">
+                  <a:extLst>
+                    <a:ext uri="{9D8B030D-6E8A-4147-A177-3AD203B41FA5}">
+                      <a16:colId xmlns:a16="http://schemas.microsoft.com/office/drawing/2014/main" val="2784781616"/>
+                    </a:ext>
+                  </a:extLst>
+                </a:gridCol>
+                <a:gridCol w="1921279">
+                  <a:extLst>
+                    <a:ext uri="{9D8B030D-6E8A-4147-A177-3AD203B41FA5}">
+                      <a16:colId xmlns:a16="http://schemas.microsoft.com/office/drawing/2014/main" val="1258935152"/>
+                    </a:ext>
+                  </a:extLst>
+                </a:gridCol>
+                <a:gridCol w="2011219">
+                  <a:extLst>
+                    <a:ext uri="{9D8B030D-6E8A-4147-A177-3AD203B41FA5}">
+                      <a16:colId xmlns:a16="http://schemas.microsoft.com/office/drawing/2014/main" val="3251926524"/>
+                    </a:ext>
+                  </a:extLst>
+                </a:gridCol>
+                <a:gridCol w="2180493">
+                  <a:extLst>
+                    <a:ext uri="{9D8B030D-6E8A-4147-A177-3AD203B41FA5}">
+                      <a16:colId xmlns:a16="http://schemas.microsoft.com/office/drawing/2014/main" val="3188416064"/>
+                    </a:ext>
+                  </a:extLst>
+                </a:gridCol>
+              </a:tblGrid>
+              <a:tr h="369711">
+                <a:tc>
+                  <a:txBody>
+                    <a:bodyPr/>
+                    <a:lstStyle/>
+                    <a:p>
+                      <a:r>
+                        <a:rPr lang="en-US" dirty="0"/>
+                        <a:t>Job Positions</a:t>
+                      </a:r>
+                    </a:p>
+                  </a:txBody>
+                  <a:tcPr/>
+                </a:tc>
+                <a:tc>
+                  <a:txBody>
+                    <a:bodyPr/>
+                    <a:lstStyle/>
+                    <a:p>
+                      <a:r>
+                        <a:rPr lang="en-US" dirty="0"/>
+                        <a:t>New Graduate</a:t>
+                      </a:r>
+                    </a:p>
+                  </a:txBody>
+                  <a:tcPr/>
+                </a:tc>
+                <a:tc>
+                  <a:txBody>
+                    <a:bodyPr/>
+                    <a:lstStyle/>
+                    <a:p>
+                      <a:r>
+                        <a:rPr lang="en-US" dirty="0"/>
+                        <a:t>Exp. 1-3 years</a:t>
+                      </a:r>
+                    </a:p>
+                  </a:txBody>
+                  <a:tcPr/>
+                </a:tc>
+                <a:tc>
+                  <a:txBody>
+                    <a:bodyPr/>
+                    <a:lstStyle/>
+                    <a:p>
+                      <a:r>
+                        <a:rPr lang="en-US" dirty="0"/>
+                        <a:t>Exp. 4-6 years</a:t>
+                      </a:r>
+                    </a:p>
+                  </a:txBody>
+                  <a:tcPr/>
+                </a:tc>
+                <a:tc>
+                  <a:txBody>
+                    <a:bodyPr/>
+                    <a:lstStyle/>
+                    <a:p>
+                      <a:r>
+                        <a:rPr lang="en-US" dirty="0"/>
+                        <a:t>Exp. 7 years and up</a:t>
+                      </a:r>
+                    </a:p>
+                  </a:txBody>
+                  <a:tcPr/>
+                </a:tc>
+                <a:extLst>
+                  <a:ext uri="{0D108BD9-81ED-4DB2-BD59-A6C34878D82A}">
+                    <a16:rowId xmlns:a16="http://schemas.microsoft.com/office/drawing/2014/main" val="3617081155"/>
+                  </a:ext>
+                </a:extLst>
+              </a:tr>
+              <a:tr h="369711">
+                <a:tc>
+                  <a:txBody>
+                    <a:bodyPr/>
+                    <a:lstStyle/>
+                    <a:p>
+                      <a:r>
+                        <a:rPr lang="en-US" dirty="0"/>
+                        <a:t>Compliance Officer</a:t>
+                      </a:r>
+                    </a:p>
+                  </a:txBody>
+                  <a:tcPr/>
+                </a:tc>
+                <a:tc>
+                  <a:txBody>
+                    <a:bodyPr/>
+                    <a:lstStyle/>
+                    <a:p>
+                      <a:pPr algn="ctr" fontAlgn="b"/>
+                      <a:r>
+                        <a:rPr lang="en-US" sz="1800" b="0" i="0" u="none" strike="noStrike" dirty="0">
+                          <a:solidFill>
+                            <a:srgbClr val="000000"/>
+                          </a:solidFill>
+                          <a:effectLst/>
+                          <a:latin typeface="Calibri" panose="020F0502020204030204" pitchFamily="34" charset="0"/>
+                        </a:rPr>
+                        <a:t>318</a:t>
+                      </a:r>
+                    </a:p>
+                  </a:txBody>
+                  <a:tcPr marL="9525" marR="9525" marT="9525" marB="0" anchor="b"/>
+                </a:tc>
+                <a:tc>
+                  <a:txBody>
+                    <a:bodyPr/>
+                    <a:lstStyle/>
+                    <a:p>
+                      <a:pPr algn="ctr" fontAlgn="b"/>
+                      <a:r>
+                        <a:rPr lang="en-US" sz="1800" b="0" i="0" u="none" strike="noStrike">
+                          <a:solidFill>
+                            <a:srgbClr val="000000"/>
+                          </a:solidFill>
+                          <a:effectLst/>
+                          <a:latin typeface="Calibri" panose="020F0502020204030204" pitchFamily="34" charset="0"/>
+                        </a:rPr>
+                        <a:t>378</a:t>
+                      </a:r>
+                    </a:p>
+                  </a:txBody>
+                  <a:tcPr marL="9525" marR="9525" marT="9525" marB="0" anchor="b"/>
+                </a:tc>
+                <a:tc>
+                  <a:txBody>
+                    <a:bodyPr/>
+                    <a:lstStyle/>
+                    <a:p>
+                      <a:pPr algn="ctr" fontAlgn="b"/>
+                      <a:r>
+                        <a:rPr lang="en-US" sz="1800" b="0" i="0" u="none" strike="noStrike">
+                          <a:solidFill>
+                            <a:srgbClr val="000000"/>
+                          </a:solidFill>
+                          <a:effectLst/>
+                          <a:latin typeface="Calibri" panose="020F0502020204030204" pitchFamily="34" charset="0"/>
+                        </a:rPr>
+                        <a:t>475</a:t>
+                      </a:r>
+                    </a:p>
+                  </a:txBody>
+                  <a:tcPr marL="9525" marR="9525" marT="9525" marB="0" anchor="b"/>
+                </a:tc>
+                <a:tc>
+                  <a:txBody>
+                    <a:bodyPr/>
+                    <a:lstStyle/>
+                    <a:p>
+                      <a:pPr algn="ctr" fontAlgn="b"/>
+                      <a:r>
+                        <a:rPr lang="en-US" sz="1800" b="0" i="0" u="none" strike="noStrike" dirty="0">
+                          <a:solidFill>
+                            <a:srgbClr val="000000"/>
+                          </a:solidFill>
+                          <a:effectLst/>
+                          <a:latin typeface="Calibri" panose="020F0502020204030204" pitchFamily="34" charset="0"/>
+                        </a:rPr>
+                        <a:t>612</a:t>
+                      </a:r>
+                    </a:p>
+                  </a:txBody>
+                  <a:tcPr marL="9525" marR="9525" marT="9525" marB="0" anchor="b"/>
+                </a:tc>
+                <a:extLst>
+                  <a:ext uri="{0D108BD9-81ED-4DB2-BD59-A6C34878D82A}">
+                    <a16:rowId xmlns:a16="http://schemas.microsoft.com/office/drawing/2014/main" val="1061743433"/>
+                  </a:ext>
+                </a:extLst>
+              </a:tr>
+              <a:tr h="369711">
+                <a:tc>
+                  <a:txBody>
+                    <a:bodyPr/>
+                    <a:lstStyle/>
+                    <a:p>
+                      <a:r>
+                        <a:rPr lang="en-US" dirty="0"/>
+                        <a:t>Legal Officer</a:t>
+                      </a:r>
+                    </a:p>
+                  </a:txBody>
+                  <a:tcPr/>
+                </a:tc>
+                <a:tc>
+                  <a:txBody>
+                    <a:bodyPr/>
+                    <a:lstStyle/>
+                    <a:p>
+                      <a:pPr algn="ctr" fontAlgn="b"/>
+                      <a:r>
+                        <a:rPr lang="en-US" sz="1800" b="0" i="0" u="none" strike="noStrike" dirty="0">
+                          <a:solidFill>
+                            <a:srgbClr val="000000"/>
+                          </a:solidFill>
+                          <a:effectLst/>
+                          <a:latin typeface="Calibri" panose="020F0502020204030204" pitchFamily="34" charset="0"/>
+                        </a:rPr>
+                        <a:t>347</a:t>
+                      </a:r>
+                    </a:p>
+                  </a:txBody>
+                  <a:tcPr marL="9525" marR="9525" marT="9525" marB="0" anchor="b"/>
+                </a:tc>
+                <a:tc>
+                  <a:txBody>
+                    <a:bodyPr/>
+                    <a:lstStyle/>
+                    <a:p>
+                      <a:pPr algn="ctr" fontAlgn="b"/>
+                      <a:r>
+                        <a:rPr lang="en-US" sz="1800" b="0" i="0" u="none" strike="noStrike" dirty="0">
+                          <a:solidFill>
+                            <a:srgbClr val="000000"/>
+                          </a:solidFill>
+                          <a:effectLst/>
+                          <a:latin typeface="Calibri" panose="020F0502020204030204" pitchFamily="34" charset="0"/>
+                        </a:rPr>
+                        <a:t>427</a:t>
+                      </a:r>
+                    </a:p>
+                  </a:txBody>
+                  <a:tcPr marL="9525" marR="9525" marT="9525" marB="0" anchor="b"/>
+                </a:tc>
+                <a:tc>
+                  <a:txBody>
+                    <a:bodyPr/>
+                    <a:lstStyle/>
+                    <a:p>
+                      <a:pPr algn="ctr" fontAlgn="b"/>
+                      <a:r>
+                        <a:rPr lang="en-US" sz="1800" b="0" i="0" u="none" strike="noStrike" dirty="0">
+                          <a:solidFill>
+                            <a:srgbClr val="000000"/>
+                          </a:solidFill>
+                          <a:effectLst/>
+                          <a:latin typeface="Calibri" panose="020F0502020204030204" pitchFamily="34" charset="0"/>
+                        </a:rPr>
+                        <a:t>512</a:t>
+                      </a:r>
+                    </a:p>
+                  </a:txBody>
+                  <a:tcPr marL="9525" marR="9525" marT="9525" marB="0" anchor="b"/>
+                </a:tc>
+                <a:tc>
+                  <a:txBody>
+                    <a:bodyPr/>
+                    <a:lstStyle/>
+                    <a:p>
+                      <a:pPr algn="ctr" fontAlgn="b"/>
+                      <a:r>
+                        <a:rPr lang="en-US" sz="1800" b="0" i="0" u="none" strike="noStrike" dirty="0">
+                          <a:solidFill>
+                            <a:srgbClr val="000000"/>
+                          </a:solidFill>
+                          <a:effectLst/>
+                          <a:latin typeface="Calibri" panose="020F0502020204030204" pitchFamily="34" charset="0"/>
+                        </a:rPr>
+                        <a:t>650</a:t>
+                      </a:r>
+                    </a:p>
+                  </a:txBody>
+                  <a:tcPr marL="9525" marR="9525" marT="9525" marB="0" anchor="b"/>
+                </a:tc>
+                <a:extLst>
+                  <a:ext uri="{0D108BD9-81ED-4DB2-BD59-A6C34878D82A}">
+                    <a16:rowId xmlns:a16="http://schemas.microsoft.com/office/drawing/2014/main" val="1149758969"/>
+                  </a:ext>
+                </a:extLst>
+              </a:tr>
+              <a:tr h="369711">
+                <a:tc>
+                  <a:txBody>
+                    <a:bodyPr/>
+                    <a:lstStyle/>
+                    <a:p>
+                      <a:r>
+                        <a:rPr lang="en-US" dirty="0"/>
+                        <a:t>House Keeper</a:t>
+                      </a:r>
+                    </a:p>
+                  </a:txBody>
+                  <a:tcPr/>
+                </a:tc>
+                <a:tc>
+                  <a:txBody>
+                    <a:bodyPr/>
+                    <a:lstStyle/>
+                    <a:p>
+                      <a:pPr algn="ctr" fontAlgn="b"/>
+                      <a:r>
+                        <a:rPr lang="en-US" sz="1800" b="0" i="0" u="none" strike="noStrike" dirty="0">
+                          <a:solidFill>
+                            <a:srgbClr val="000000"/>
+                          </a:solidFill>
+                          <a:effectLst/>
+                          <a:latin typeface="Calibri" panose="020F0502020204030204" pitchFamily="34" charset="0"/>
+                        </a:rPr>
+                        <a:t>211</a:t>
+                      </a:r>
+                    </a:p>
+                  </a:txBody>
+                  <a:tcPr marL="9525" marR="9525" marT="9525" marB="0" anchor="b"/>
+                </a:tc>
+                <a:tc>
+                  <a:txBody>
+                    <a:bodyPr/>
+                    <a:lstStyle/>
+                    <a:p>
+                      <a:pPr algn="ctr" fontAlgn="b"/>
+                      <a:r>
+                        <a:rPr lang="en-US" sz="1800" b="0" i="0" u="none" strike="noStrike" dirty="0">
+                          <a:solidFill>
+                            <a:srgbClr val="000000"/>
+                          </a:solidFill>
+                          <a:effectLst/>
+                          <a:latin typeface="Calibri" panose="020F0502020204030204" pitchFamily="34" charset="0"/>
+                        </a:rPr>
+                        <a:t>279</a:t>
+                      </a:r>
+                    </a:p>
+                  </a:txBody>
+                  <a:tcPr marL="9525" marR="9525" marT="9525" marB="0" anchor="b"/>
+                </a:tc>
+                <a:tc>
+                  <a:txBody>
+                    <a:bodyPr/>
+                    <a:lstStyle/>
+                    <a:p>
+                      <a:pPr algn="ctr" fontAlgn="b"/>
+                      <a:r>
+                        <a:rPr lang="en-US" sz="1800" b="0" i="0" u="none" strike="noStrike" dirty="0">
+                          <a:solidFill>
+                            <a:srgbClr val="000000"/>
+                          </a:solidFill>
+                          <a:effectLst/>
+                          <a:latin typeface="Calibri" panose="020F0502020204030204" pitchFamily="34" charset="0"/>
+                        </a:rPr>
+                        <a:t>409</a:t>
+                      </a:r>
+                    </a:p>
+                  </a:txBody>
+                  <a:tcPr marL="9525" marR="9525" marT="9525" marB="0" anchor="b"/>
+                </a:tc>
+                <a:tc>
+                  <a:txBody>
+                    <a:bodyPr/>
+                    <a:lstStyle/>
+                    <a:p>
+                      <a:pPr algn="ctr" fontAlgn="b"/>
+                      <a:r>
+                        <a:rPr lang="en-US" sz="1800" b="0" i="0" u="none" strike="noStrike" dirty="0">
+                          <a:solidFill>
+                            <a:srgbClr val="000000"/>
+                          </a:solidFill>
+                          <a:effectLst/>
+                          <a:latin typeface="Calibri" panose="020F0502020204030204" pitchFamily="34" charset="0"/>
+                        </a:rPr>
+                        <a:t>651</a:t>
+                      </a:r>
+                    </a:p>
+                  </a:txBody>
+                  <a:tcPr marL="9525" marR="9525" marT="9525" marB="0" anchor="b"/>
+                </a:tc>
+                <a:extLst>
+                  <a:ext uri="{0D108BD9-81ED-4DB2-BD59-A6C34878D82A}">
+                    <a16:rowId xmlns:a16="http://schemas.microsoft.com/office/drawing/2014/main" val="1823940534"/>
+                  </a:ext>
+                </a:extLst>
+              </a:tr>
+              <a:tr h="369711">
+                <a:tc>
+                  <a:txBody>
+                    <a:bodyPr/>
+                    <a:lstStyle/>
+                    <a:p>
+                      <a:r>
+                        <a:rPr lang="en-US" dirty="0"/>
+                        <a:t>Receptionist</a:t>
+                      </a:r>
+                    </a:p>
+                  </a:txBody>
+                  <a:tcPr/>
+                </a:tc>
+                <a:tc>
+                  <a:txBody>
+                    <a:bodyPr/>
+                    <a:lstStyle/>
+                    <a:p>
+                      <a:pPr algn="ctr" fontAlgn="b"/>
+                      <a:r>
+                        <a:rPr lang="en-US" sz="1800" b="0" i="0" u="none" strike="noStrike" dirty="0">
+                          <a:solidFill>
+                            <a:srgbClr val="000000"/>
+                          </a:solidFill>
+                          <a:effectLst/>
+                          <a:latin typeface="Calibri" panose="020F0502020204030204" pitchFamily="34" charset="0"/>
+                        </a:rPr>
+                        <a:t>276</a:t>
+                      </a:r>
+                    </a:p>
+                  </a:txBody>
+                  <a:tcPr marL="9525" marR="9525" marT="9525" marB="0" anchor="b"/>
+                </a:tc>
+                <a:tc>
+                  <a:txBody>
+                    <a:bodyPr/>
+                    <a:lstStyle/>
+                    <a:p>
+                      <a:pPr algn="ctr" fontAlgn="b"/>
+                      <a:r>
+                        <a:rPr lang="en-US" sz="1800" b="0" i="0" u="none" strike="noStrike" dirty="0">
+                          <a:solidFill>
+                            <a:srgbClr val="000000"/>
+                          </a:solidFill>
+                          <a:effectLst/>
+                          <a:latin typeface="Calibri" panose="020F0502020204030204" pitchFamily="34" charset="0"/>
+                        </a:rPr>
+                        <a:t>338</a:t>
+                      </a:r>
+                    </a:p>
+                  </a:txBody>
+                  <a:tcPr marL="9525" marR="9525" marT="9525" marB="0" anchor="b"/>
+                </a:tc>
+                <a:tc>
+                  <a:txBody>
+                    <a:bodyPr/>
+                    <a:lstStyle/>
+                    <a:p>
+                      <a:pPr algn="ctr" fontAlgn="b"/>
+                      <a:r>
+                        <a:rPr lang="en-US" sz="1800" b="0" i="0" u="none" strike="noStrike" dirty="0">
+                          <a:solidFill>
+                            <a:srgbClr val="000000"/>
+                          </a:solidFill>
+                          <a:effectLst/>
+                          <a:latin typeface="Calibri" panose="020F0502020204030204" pitchFamily="34" charset="0"/>
+                        </a:rPr>
+                        <a:t>475</a:t>
+                      </a:r>
+                    </a:p>
+                  </a:txBody>
+                  <a:tcPr marL="9525" marR="9525" marT="9525" marB="0" anchor="b"/>
+                </a:tc>
+                <a:tc>
+                  <a:txBody>
+                    <a:bodyPr/>
+                    <a:lstStyle/>
+                    <a:p>
+                      <a:pPr algn="ctr" fontAlgn="b"/>
+                      <a:r>
+                        <a:rPr lang="en-US" sz="1800" b="0" i="0" u="none" strike="noStrike" dirty="0">
+                          <a:solidFill>
+                            <a:srgbClr val="000000"/>
+                          </a:solidFill>
+                          <a:effectLst/>
+                          <a:latin typeface="Calibri" panose="020F0502020204030204" pitchFamily="34" charset="0"/>
+                        </a:rPr>
+                        <a:t>583</a:t>
+                      </a:r>
+                    </a:p>
+                  </a:txBody>
+                  <a:tcPr marL="9525" marR="9525" marT="9525" marB="0" anchor="b"/>
+                </a:tc>
+                <a:extLst>
+                  <a:ext uri="{0D108BD9-81ED-4DB2-BD59-A6C34878D82A}">
+                    <a16:rowId xmlns:a16="http://schemas.microsoft.com/office/drawing/2014/main" val="3492520678"/>
+                  </a:ext>
+                </a:extLst>
+              </a:tr>
+              <a:tr h="369711">
+                <a:tc>
+                  <a:txBody>
+                    <a:bodyPr/>
+                    <a:lstStyle/>
+                    <a:p>
+                      <a:r>
+                        <a:rPr lang="en-US" dirty="0"/>
+                        <a:t>Chef</a:t>
+                      </a:r>
+                    </a:p>
+                  </a:txBody>
+                  <a:tcPr/>
+                </a:tc>
+                <a:tc>
+                  <a:txBody>
+                    <a:bodyPr/>
+                    <a:lstStyle/>
+                    <a:p>
+                      <a:pPr algn="ctr" fontAlgn="b"/>
+                      <a:r>
+                        <a:rPr lang="en-US" sz="1800" b="0" i="0" u="none" strike="noStrike" dirty="0">
+                          <a:solidFill>
+                            <a:srgbClr val="000000"/>
+                          </a:solidFill>
+                          <a:effectLst/>
+                          <a:latin typeface="Calibri" panose="020F0502020204030204" pitchFamily="34" charset="0"/>
+                        </a:rPr>
+                        <a:t>227</a:t>
+                      </a:r>
+                    </a:p>
+                  </a:txBody>
+                  <a:tcPr marL="9525" marR="9525" marT="9525" marB="0" anchor="b"/>
+                </a:tc>
+                <a:tc>
+                  <a:txBody>
+                    <a:bodyPr/>
+                    <a:lstStyle/>
+                    <a:p>
+                      <a:pPr algn="ctr" fontAlgn="b"/>
+                      <a:r>
+                        <a:rPr lang="en-US" sz="1800" b="0" i="0" u="none" strike="noStrike" dirty="0">
+                          <a:solidFill>
+                            <a:srgbClr val="000000"/>
+                          </a:solidFill>
+                          <a:effectLst/>
+                          <a:latin typeface="Calibri" panose="020F0502020204030204" pitchFamily="34" charset="0"/>
+                        </a:rPr>
+                        <a:t>305</a:t>
+                      </a:r>
+                    </a:p>
+                  </a:txBody>
+                  <a:tcPr marL="9525" marR="9525" marT="9525" marB="0" anchor="b"/>
+                </a:tc>
+                <a:tc>
+                  <a:txBody>
+                    <a:bodyPr/>
+                    <a:lstStyle/>
+                    <a:p>
+                      <a:pPr algn="ctr" fontAlgn="b"/>
+                      <a:r>
+                        <a:rPr lang="en-US" sz="1800" b="0" i="0" u="none" strike="noStrike" dirty="0">
+                          <a:solidFill>
+                            <a:srgbClr val="000000"/>
+                          </a:solidFill>
+                          <a:effectLst/>
+                          <a:latin typeface="Calibri" panose="020F0502020204030204" pitchFamily="34" charset="0"/>
+                        </a:rPr>
+                        <a:t>425</a:t>
+                      </a:r>
+                    </a:p>
+                  </a:txBody>
+                  <a:tcPr marL="9525" marR="9525" marT="9525" marB="0" anchor="b"/>
+                </a:tc>
+                <a:tc>
+                  <a:txBody>
+                    <a:bodyPr/>
+                    <a:lstStyle/>
+                    <a:p>
+                      <a:pPr algn="ctr" fontAlgn="b"/>
+                      <a:r>
+                        <a:rPr lang="en-US" sz="1800" b="0" i="0" u="none" strike="noStrike" dirty="0">
+                          <a:solidFill>
+                            <a:srgbClr val="000000"/>
+                          </a:solidFill>
+                          <a:effectLst/>
+                          <a:latin typeface="Calibri" panose="020F0502020204030204" pitchFamily="34" charset="0"/>
+                        </a:rPr>
+                        <a:t>718</a:t>
+                      </a:r>
+                    </a:p>
+                  </a:txBody>
+                  <a:tcPr marL="9525" marR="9525" marT="9525" marB="0" anchor="b"/>
+                </a:tc>
+                <a:extLst>
+                  <a:ext uri="{0D108BD9-81ED-4DB2-BD59-A6C34878D82A}">
+                    <a16:rowId xmlns:a16="http://schemas.microsoft.com/office/drawing/2014/main" val="2023878511"/>
+                  </a:ext>
+                </a:extLst>
+              </a:tr>
+              <a:tr h="369711">
+                <a:tc>
+                  <a:txBody>
+                    <a:bodyPr/>
+                    <a:lstStyle/>
+                    <a:p>
+                      <a:r>
+                        <a:rPr lang="en-US" dirty="0"/>
+                        <a:t>Tour guide</a:t>
+                      </a:r>
+                    </a:p>
+                  </a:txBody>
+                  <a:tcPr/>
+                </a:tc>
+                <a:tc>
+                  <a:txBody>
+                    <a:bodyPr/>
+                    <a:lstStyle/>
+                    <a:p>
+                      <a:pPr algn="ctr" fontAlgn="b"/>
+                      <a:r>
+                        <a:rPr lang="en-US" sz="1800" b="0" i="0" u="none" strike="noStrike" dirty="0">
+                          <a:solidFill>
+                            <a:srgbClr val="000000"/>
+                          </a:solidFill>
+                          <a:effectLst/>
+                          <a:latin typeface="Calibri" panose="020F0502020204030204" pitchFamily="34" charset="0"/>
+                        </a:rPr>
+                        <a:t>467</a:t>
+                      </a:r>
+                    </a:p>
+                  </a:txBody>
+                  <a:tcPr marL="9525" marR="9525" marT="9525" marB="0" anchor="b"/>
+                </a:tc>
+                <a:tc>
+                  <a:txBody>
+                    <a:bodyPr/>
+                    <a:lstStyle/>
+                    <a:p>
+                      <a:pPr algn="ctr" fontAlgn="b"/>
+                      <a:r>
+                        <a:rPr lang="en-US" sz="1800" b="0" i="0" u="none" strike="noStrike" dirty="0">
+                          <a:solidFill>
+                            <a:srgbClr val="000000"/>
+                          </a:solidFill>
+                          <a:effectLst/>
+                          <a:latin typeface="Calibri" panose="020F0502020204030204" pitchFamily="34" charset="0"/>
+                        </a:rPr>
+                        <a:t>600</a:t>
+                      </a:r>
+                    </a:p>
+                  </a:txBody>
+                  <a:tcPr marL="9525" marR="9525" marT="9525" marB="0" anchor="b"/>
+                </a:tc>
+                <a:tc>
+                  <a:txBody>
+                    <a:bodyPr/>
+                    <a:lstStyle/>
+                    <a:p>
+                      <a:pPr algn="ctr" fontAlgn="b"/>
+                      <a:r>
+                        <a:rPr lang="en-US" sz="1800" b="0" i="0" u="none" strike="noStrike" dirty="0">
+                          <a:solidFill>
+                            <a:srgbClr val="000000"/>
+                          </a:solidFill>
+                          <a:effectLst/>
+                          <a:latin typeface="Calibri" panose="020F0502020204030204" pitchFamily="34" charset="0"/>
+                        </a:rPr>
+                        <a:t>667</a:t>
+                      </a:r>
+                    </a:p>
+                  </a:txBody>
+                  <a:tcPr marL="9525" marR="9525" marT="9525" marB="0" anchor="b"/>
+                </a:tc>
+                <a:tc>
+                  <a:txBody>
+                    <a:bodyPr/>
+                    <a:lstStyle/>
+                    <a:p>
+                      <a:pPr algn="ctr" fontAlgn="b"/>
+                      <a:r>
+                        <a:rPr lang="en-US" sz="1800" b="0" i="0" u="none" strike="noStrike" dirty="0">
+                          <a:solidFill>
+                            <a:srgbClr val="000000"/>
+                          </a:solidFill>
+                          <a:effectLst/>
+                          <a:latin typeface="Calibri" panose="020F0502020204030204" pitchFamily="34" charset="0"/>
+                        </a:rPr>
+                        <a:t>717</a:t>
+                      </a:r>
+                    </a:p>
+                  </a:txBody>
+                  <a:tcPr marL="9525" marR="9525" marT="9525" marB="0" anchor="b"/>
+                </a:tc>
+                <a:extLst>
+                  <a:ext uri="{0D108BD9-81ED-4DB2-BD59-A6C34878D82A}">
+                    <a16:rowId xmlns:a16="http://schemas.microsoft.com/office/drawing/2014/main" val="2771850426"/>
+                  </a:ext>
+                </a:extLst>
+              </a:tr>
+              <a:tr h="369711">
+                <a:tc>
+                  <a:txBody>
+                    <a:bodyPr/>
+                    <a:lstStyle/>
+                    <a:p>
+                      <a:r>
+                        <a:rPr lang="en-US" dirty="0"/>
+                        <a:t>Technical Engineer</a:t>
+                      </a:r>
+                    </a:p>
+                  </a:txBody>
+                  <a:tcPr/>
+                </a:tc>
+                <a:tc>
+                  <a:txBody>
+                    <a:bodyPr/>
+                    <a:lstStyle/>
+                    <a:p>
+                      <a:pPr algn="ctr" fontAlgn="b"/>
+                      <a:r>
+                        <a:rPr lang="en-US" sz="1800" b="0" i="0" u="none" strike="noStrike" dirty="0">
+                          <a:solidFill>
+                            <a:srgbClr val="000000"/>
+                          </a:solidFill>
+                          <a:effectLst/>
+                          <a:latin typeface="Calibri" panose="020F0502020204030204" pitchFamily="34" charset="0"/>
+                        </a:rPr>
+                        <a:t>287</a:t>
+                      </a:r>
+                    </a:p>
+                  </a:txBody>
+                  <a:tcPr marL="9525" marR="9525" marT="9525" marB="0" anchor="b"/>
+                </a:tc>
+                <a:tc>
+                  <a:txBody>
+                    <a:bodyPr/>
+                    <a:lstStyle/>
+                    <a:p>
+                      <a:pPr algn="ctr" fontAlgn="b"/>
+                      <a:r>
+                        <a:rPr lang="en-US" sz="1800" b="0" i="0" u="none" strike="noStrike" dirty="0">
+                          <a:solidFill>
+                            <a:srgbClr val="000000"/>
+                          </a:solidFill>
+                          <a:effectLst/>
+                          <a:latin typeface="Calibri" panose="020F0502020204030204" pitchFamily="34" charset="0"/>
+                        </a:rPr>
+                        <a:t>425</a:t>
+                      </a:r>
+                    </a:p>
+                  </a:txBody>
+                  <a:tcPr marL="9525" marR="9525" marT="9525" marB="0" anchor="b"/>
+                </a:tc>
+                <a:tc>
+                  <a:txBody>
+                    <a:bodyPr/>
+                    <a:lstStyle/>
+                    <a:p>
+                      <a:pPr algn="ctr" fontAlgn="b"/>
+                      <a:r>
+                        <a:rPr lang="en-US" sz="1800" b="0" i="0" u="none" strike="noStrike" dirty="0">
+                          <a:solidFill>
+                            <a:srgbClr val="000000"/>
+                          </a:solidFill>
+                          <a:effectLst/>
+                          <a:latin typeface="Calibri" panose="020F0502020204030204" pitchFamily="34" charset="0"/>
+                        </a:rPr>
+                        <a:t>825</a:t>
+                      </a:r>
+                    </a:p>
+                  </a:txBody>
+                  <a:tcPr marL="9525" marR="9525" marT="9525" marB="0" anchor="b"/>
+                </a:tc>
+                <a:tc>
+                  <a:txBody>
+                    <a:bodyPr/>
+                    <a:lstStyle/>
+                    <a:p>
+                      <a:pPr algn="ctr" fontAlgn="b"/>
+                      <a:r>
+                        <a:rPr lang="en-US" sz="1800" b="0" i="0" u="none" strike="noStrike" dirty="0">
+                          <a:solidFill>
+                            <a:srgbClr val="000000"/>
+                          </a:solidFill>
+                          <a:effectLst/>
+                          <a:latin typeface="Calibri" panose="020F0502020204030204" pitchFamily="34" charset="0"/>
+                        </a:rPr>
+                        <a:t>1650</a:t>
+                      </a:r>
+                    </a:p>
+                  </a:txBody>
+                  <a:tcPr marL="9525" marR="9525" marT="9525" marB="0" anchor="b"/>
+                </a:tc>
+                <a:extLst>
+                  <a:ext uri="{0D108BD9-81ED-4DB2-BD59-A6C34878D82A}">
+                    <a16:rowId xmlns:a16="http://schemas.microsoft.com/office/drawing/2014/main" val="1464438257"/>
+                  </a:ext>
+                </a:extLst>
+              </a:tr>
+              <a:tr h="369711">
+                <a:tc>
+                  <a:txBody>
+                    <a:bodyPr/>
+                    <a:lstStyle/>
+                    <a:p>
+                      <a:r>
+                        <a:rPr lang="en-US" dirty="0"/>
+                        <a:t>After Sale Service Officer</a:t>
+                      </a:r>
+                    </a:p>
+                  </a:txBody>
+                  <a:tcPr/>
+                </a:tc>
+                <a:tc>
+                  <a:txBody>
+                    <a:bodyPr/>
+                    <a:lstStyle/>
+                    <a:p>
+                      <a:pPr algn="ctr" fontAlgn="b"/>
+                      <a:r>
+                        <a:rPr lang="en-US" sz="1800" b="0" i="0" u="none" strike="noStrike">
+                          <a:solidFill>
+                            <a:srgbClr val="000000"/>
+                          </a:solidFill>
+                          <a:effectLst/>
+                          <a:latin typeface="Calibri" panose="020F0502020204030204" pitchFamily="34" charset="0"/>
+                        </a:rPr>
+                        <a:t>325</a:t>
+                      </a:r>
+                    </a:p>
+                  </a:txBody>
+                  <a:tcPr marL="9525" marR="9525" marT="9525" marB="0" anchor="b"/>
+                </a:tc>
+                <a:tc>
+                  <a:txBody>
+                    <a:bodyPr/>
+                    <a:lstStyle/>
+                    <a:p>
+                      <a:pPr algn="ctr" fontAlgn="b"/>
+                      <a:r>
+                        <a:rPr lang="en-US" sz="1800" b="0" i="0" u="none" strike="noStrike">
+                          <a:solidFill>
+                            <a:srgbClr val="000000"/>
+                          </a:solidFill>
+                          <a:effectLst/>
+                          <a:latin typeface="Calibri" panose="020F0502020204030204" pitchFamily="34" charset="0"/>
+                        </a:rPr>
+                        <a:t>475</a:t>
+                      </a:r>
+                    </a:p>
+                  </a:txBody>
+                  <a:tcPr marL="9525" marR="9525" marT="9525" marB="0" anchor="b"/>
+                </a:tc>
+                <a:tc>
+                  <a:txBody>
+                    <a:bodyPr/>
+                    <a:lstStyle/>
+                    <a:p>
+                      <a:pPr algn="ctr" fontAlgn="b"/>
+                      <a:r>
+                        <a:rPr lang="en-US" sz="1800" b="0" i="0" u="none" strike="noStrike" dirty="0">
+                          <a:solidFill>
+                            <a:srgbClr val="000000"/>
+                          </a:solidFill>
+                          <a:effectLst/>
+                          <a:latin typeface="Calibri" panose="020F0502020204030204" pitchFamily="34" charset="0"/>
+                        </a:rPr>
+                        <a:t>600</a:t>
+                      </a:r>
+                    </a:p>
+                  </a:txBody>
+                  <a:tcPr marL="9525" marR="9525" marT="9525" marB="0" anchor="b"/>
+                </a:tc>
+                <a:tc>
+                  <a:txBody>
+                    <a:bodyPr/>
+                    <a:lstStyle/>
+                    <a:p>
+                      <a:pPr algn="ctr" fontAlgn="b"/>
+                      <a:r>
+                        <a:rPr lang="en-US" sz="1800" b="0" i="0" u="none" strike="noStrike" dirty="0">
+                          <a:solidFill>
+                            <a:srgbClr val="000000"/>
+                          </a:solidFill>
+                          <a:effectLst/>
+                          <a:latin typeface="Calibri" panose="020F0502020204030204" pitchFamily="34" charset="0"/>
+                        </a:rPr>
+                        <a:t>775</a:t>
+                      </a:r>
+                    </a:p>
+                  </a:txBody>
+                  <a:tcPr marL="9525" marR="9525" marT="9525" marB="0" anchor="b"/>
+                </a:tc>
+                <a:extLst>
+                  <a:ext uri="{0D108BD9-81ED-4DB2-BD59-A6C34878D82A}">
+                    <a16:rowId xmlns:a16="http://schemas.microsoft.com/office/drawing/2014/main" val="3570486530"/>
+                  </a:ext>
+                </a:extLst>
+              </a:tr>
+              <a:tr h="369711">
+                <a:tc>
+                  <a:txBody>
+                    <a:bodyPr/>
+                    <a:lstStyle/>
+                    <a:p>
+                      <a:r>
+                        <a:rPr lang="en-US" dirty="0"/>
+                        <a:t>Graphic Designer</a:t>
+                      </a:r>
+                    </a:p>
+                  </a:txBody>
+                  <a:tcPr/>
+                </a:tc>
+                <a:tc>
+                  <a:txBody>
+                    <a:bodyPr/>
+                    <a:lstStyle/>
+                    <a:p>
+                      <a:pPr algn="ctr" fontAlgn="b"/>
+                      <a:r>
+                        <a:rPr lang="en-US" sz="1800" b="0" i="0" u="none" strike="noStrike">
+                          <a:solidFill>
+                            <a:srgbClr val="000000"/>
+                          </a:solidFill>
+                          <a:effectLst/>
+                          <a:latin typeface="Calibri" panose="020F0502020204030204" pitchFamily="34" charset="0"/>
+                        </a:rPr>
+                        <a:t>225</a:t>
+                      </a:r>
+                    </a:p>
+                  </a:txBody>
+                  <a:tcPr marL="9525" marR="9525" marT="9525" marB="0" anchor="b"/>
+                </a:tc>
+                <a:tc>
+                  <a:txBody>
+                    <a:bodyPr/>
+                    <a:lstStyle/>
+                    <a:p>
+                      <a:pPr algn="ctr" fontAlgn="b"/>
+                      <a:r>
+                        <a:rPr lang="en-US" sz="1800" b="0" i="0" u="none" strike="noStrike">
+                          <a:solidFill>
+                            <a:srgbClr val="000000"/>
+                          </a:solidFill>
+                          <a:effectLst/>
+                          <a:latin typeface="Calibri" panose="020F0502020204030204" pitchFamily="34" charset="0"/>
+                        </a:rPr>
+                        <a:t>425</a:t>
+                      </a:r>
+                    </a:p>
+                  </a:txBody>
+                  <a:tcPr marL="9525" marR="9525" marT="9525" marB="0" anchor="b"/>
+                </a:tc>
+                <a:tc>
+                  <a:txBody>
+                    <a:bodyPr/>
+                    <a:lstStyle/>
+                    <a:p>
+                      <a:pPr algn="ctr" fontAlgn="b"/>
+                      <a:r>
+                        <a:rPr lang="en-US" sz="1800" b="0" i="0" u="none" strike="noStrike" dirty="0">
+                          <a:solidFill>
+                            <a:srgbClr val="000000"/>
+                          </a:solidFill>
+                          <a:effectLst/>
+                          <a:latin typeface="Calibri" panose="020F0502020204030204" pitchFamily="34" charset="0"/>
+                        </a:rPr>
+                        <a:t>750</a:t>
+                      </a:r>
+                    </a:p>
+                  </a:txBody>
+                  <a:tcPr marL="9525" marR="9525" marT="9525" marB="0" anchor="b"/>
+                </a:tc>
+                <a:tc>
+                  <a:txBody>
+                    <a:bodyPr/>
+                    <a:lstStyle/>
+                    <a:p>
+                      <a:pPr algn="ctr" fontAlgn="b"/>
+                      <a:r>
+                        <a:rPr lang="en-US" sz="1800" b="0" i="0" u="none" strike="noStrike" dirty="0">
+                          <a:solidFill>
+                            <a:srgbClr val="000000"/>
+                          </a:solidFill>
+                          <a:effectLst/>
+                          <a:latin typeface="Calibri" panose="020F0502020204030204" pitchFamily="34" charset="0"/>
+                        </a:rPr>
+                        <a:t>1400</a:t>
+                      </a:r>
+                    </a:p>
+                  </a:txBody>
+                  <a:tcPr marL="9525" marR="9525" marT="9525" marB="0" anchor="b"/>
+                </a:tc>
+                <a:extLst>
+                  <a:ext uri="{0D108BD9-81ED-4DB2-BD59-A6C34878D82A}">
+                    <a16:rowId xmlns:a16="http://schemas.microsoft.com/office/drawing/2014/main" val="1216588001"/>
+                  </a:ext>
+                </a:extLst>
+              </a:tr>
+              <a:tr h="369711">
+                <a:tc>
+                  <a:txBody>
+                    <a:bodyPr/>
+                    <a:lstStyle/>
+                    <a:p>
+                      <a:r>
+                        <a:rPr lang="en-US" dirty="0"/>
+                        <a:t>Network Engineer</a:t>
+                      </a:r>
+                    </a:p>
+                  </a:txBody>
+                  <a:tcPr/>
+                </a:tc>
+                <a:tc>
+                  <a:txBody>
+                    <a:bodyPr/>
+                    <a:lstStyle/>
+                    <a:p>
+                      <a:pPr algn="ctr" fontAlgn="b"/>
+                      <a:r>
+                        <a:rPr lang="en-US" sz="1800" b="0" i="0" u="none" strike="noStrike">
+                          <a:solidFill>
+                            <a:srgbClr val="000000"/>
+                          </a:solidFill>
+                          <a:effectLst/>
+                          <a:latin typeface="Calibri" panose="020F0502020204030204" pitchFamily="34" charset="0"/>
+                        </a:rPr>
+                        <a:t>275</a:t>
+                      </a:r>
+                    </a:p>
+                  </a:txBody>
+                  <a:tcPr marL="9525" marR="9525" marT="9525" marB="0" anchor="b"/>
+                </a:tc>
+                <a:tc>
+                  <a:txBody>
+                    <a:bodyPr/>
+                    <a:lstStyle/>
+                    <a:p>
+                      <a:pPr algn="ctr" fontAlgn="b"/>
+                      <a:r>
+                        <a:rPr lang="en-US" sz="1800" b="0" i="0" u="none" strike="noStrike" dirty="0">
+                          <a:solidFill>
+                            <a:srgbClr val="000000"/>
+                          </a:solidFill>
+                          <a:effectLst/>
+                          <a:latin typeface="Calibri" panose="020F0502020204030204" pitchFamily="34" charset="0"/>
+                        </a:rPr>
+                        <a:t>417</a:t>
+                      </a:r>
+                    </a:p>
+                  </a:txBody>
+                  <a:tcPr marL="9525" marR="9525" marT="9525" marB="0" anchor="b"/>
+                </a:tc>
+                <a:tc>
+                  <a:txBody>
+                    <a:bodyPr/>
+                    <a:lstStyle/>
+                    <a:p>
+                      <a:pPr algn="ctr" fontAlgn="b"/>
+                      <a:r>
+                        <a:rPr lang="en-US" sz="1800" b="0" i="0" u="none" strike="noStrike" dirty="0">
+                          <a:solidFill>
+                            <a:srgbClr val="000000"/>
+                          </a:solidFill>
+                          <a:effectLst/>
+                          <a:latin typeface="Calibri" panose="020F0502020204030204" pitchFamily="34" charset="0"/>
+                        </a:rPr>
+                        <a:t>670</a:t>
+                      </a:r>
+                    </a:p>
+                  </a:txBody>
+                  <a:tcPr marL="9525" marR="9525" marT="9525" marB="0" anchor="b"/>
+                </a:tc>
+                <a:tc>
+                  <a:txBody>
+                    <a:bodyPr/>
+                    <a:lstStyle/>
+                    <a:p>
+                      <a:pPr algn="ctr" fontAlgn="b"/>
+                      <a:r>
+                        <a:rPr lang="en-US" sz="1800" b="0" i="0" u="none" strike="noStrike" dirty="0">
+                          <a:solidFill>
+                            <a:srgbClr val="000000"/>
+                          </a:solidFill>
+                          <a:effectLst/>
+                          <a:latin typeface="Calibri" panose="020F0502020204030204" pitchFamily="34" charset="0"/>
+                        </a:rPr>
+                        <a:t>1112</a:t>
+                      </a:r>
+                    </a:p>
+                  </a:txBody>
+                  <a:tcPr marL="9525" marR="9525" marT="9525" marB="0" anchor="b"/>
+                </a:tc>
+                <a:extLst>
+                  <a:ext uri="{0D108BD9-81ED-4DB2-BD59-A6C34878D82A}">
+                    <a16:rowId xmlns:a16="http://schemas.microsoft.com/office/drawing/2014/main" val="3524130562"/>
+                  </a:ext>
+                </a:extLst>
+              </a:tr>
+              <a:tr h="369711">
+                <a:tc>
+                  <a:txBody>
+                    <a:bodyPr/>
+                    <a:lstStyle/>
+                    <a:p>
+                      <a:r>
+                        <a:rPr lang="en-US" dirty="0"/>
+                        <a:t>Software Developer</a:t>
+                      </a:r>
+                    </a:p>
+                  </a:txBody>
+                  <a:tcPr/>
+                </a:tc>
+                <a:tc>
+                  <a:txBody>
+                    <a:bodyPr/>
+                    <a:lstStyle/>
+                    <a:p>
+                      <a:pPr algn="ctr" fontAlgn="b"/>
+                      <a:r>
+                        <a:rPr lang="en-US" sz="1800" b="0" i="0" u="none" strike="noStrike">
+                          <a:solidFill>
+                            <a:srgbClr val="000000"/>
+                          </a:solidFill>
+                          <a:effectLst/>
+                          <a:latin typeface="Calibri" panose="020F0502020204030204" pitchFamily="34" charset="0"/>
+                        </a:rPr>
+                        <a:t>275</a:t>
+                      </a:r>
+                    </a:p>
+                  </a:txBody>
+                  <a:tcPr marL="9525" marR="9525" marT="9525" marB="0" anchor="b"/>
+                </a:tc>
+                <a:tc>
+                  <a:txBody>
+                    <a:bodyPr/>
+                    <a:lstStyle/>
+                    <a:p>
+                      <a:pPr algn="ctr" fontAlgn="b"/>
+                      <a:r>
+                        <a:rPr lang="en-US" sz="1800" b="0" i="0" u="none" strike="noStrike">
+                          <a:solidFill>
+                            <a:srgbClr val="000000"/>
+                          </a:solidFill>
+                          <a:effectLst/>
+                          <a:latin typeface="Calibri" panose="020F0502020204030204" pitchFamily="34" charset="0"/>
+                        </a:rPr>
+                        <a:t>405</a:t>
+                      </a:r>
+                    </a:p>
+                  </a:txBody>
+                  <a:tcPr marL="9525" marR="9525" marT="9525" marB="0" anchor="b"/>
+                </a:tc>
+                <a:tc>
+                  <a:txBody>
+                    <a:bodyPr/>
+                    <a:lstStyle/>
+                    <a:p>
+                      <a:pPr algn="ctr" fontAlgn="b"/>
+                      <a:r>
+                        <a:rPr lang="en-US" sz="1800" b="0" i="0" u="none" strike="noStrike">
+                          <a:solidFill>
+                            <a:srgbClr val="000000"/>
+                          </a:solidFill>
+                          <a:effectLst/>
+                          <a:latin typeface="Calibri" panose="020F0502020204030204" pitchFamily="34" charset="0"/>
+                        </a:rPr>
+                        <a:t>700</a:t>
+                      </a:r>
+                    </a:p>
+                  </a:txBody>
+                  <a:tcPr marL="9525" marR="9525" marT="9525" marB="0" anchor="b"/>
+                </a:tc>
+                <a:tc>
+                  <a:txBody>
+                    <a:bodyPr/>
+                    <a:lstStyle/>
+                    <a:p>
+                      <a:pPr algn="ctr" fontAlgn="b"/>
+                      <a:r>
+                        <a:rPr lang="en-US" sz="1800" b="0" i="0" u="none" strike="noStrike" dirty="0">
+                          <a:solidFill>
+                            <a:srgbClr val="000000"/>
+                          </a:solidFill>
+                          <a:effectLst/>
+                          <a:latin typeface="Calibri" panose="020F0502020204030204" pitchFamily="34" charset="0"/>
+                        </a:rPr>
+                        <a:t>1187</a:t>
+                      </a:r>
+                    </a:p>
+                  </a:txBody>
+                  <a:tcPr marL="9525" marR="9525" marT="9525" marB="0" anchor="b"/>
+                </a:tc>
+                <a:extLst>
+                  <a:ext uri="{0D108BD9-81ED-4DB2-BD59-A6C34878D82A}">
+                    <a16:rowId xmlns:a16="http://schemas.microsoft.com/office/drawing/2014/main" val="966384281"/>
+                  </a:ext>
+                </a:extLst>
+              </a:tr>
+            </a:tbl>
+          </a:graphicData>
+        </a:graphic>
+      </p:graphicFrame>
+    </p:spTree>
+    <p:extLst>
+      <p:ext uri="{BB962C8B-B14F-4D97-AF65-F5344CB8AC3E}">
+        <p14:creationId xmlns:p14="http://schemas.microsoft.com/office/powerpoint/2010/main" val="1156828821"/>
+      </p:ext>
+    </p:extLst>
+  </p:cSld>
+  <p:clrMapOvr>
+    <a:masterClrMapping/>
+  </p:clrMapOvr>
+</p:sld>
+</file>
+
+<file path=ppt/slides/slide18.xml><?xml version="1.0" encoding="utf-8"?>
+<p:sld xmlns:a="http://schemas.openxmlformats.org/drawingml/2006/main" xmlns:r="http://schemas.openxmlformats.org/officeDocument/2006/relationships" xmlns:p="http://schemas.openxmlformats.org/presentationml/2006/main">
+  <p:cSld>
+    <p:spTree>
+      <p:nvGrpSpPr>
+        <p:cNvPr id="1" name=""/>
+        <p:cNvGrpSpPr/>
+        <p:nvPr/>
+      </p:nvGrpSpPr>
+      <p:grpSpPr>
+        <a:xfrm>
+          <a:off x="0" y="0"/>
+          <a:ext cx="0" cy="0"/>
+          <a:chOff x="0" y="0"/>
+          <a:chExt cx="0" cy="0"/>
+        </a:xfrm>
+      </p:grpSpPr>
+      <p:sp>
+        <p:nvSpPr>
+          <p:cNvPr id="4" name="Rectangle 3">
+            <a:extLst>
+              <a:ext uri="{FF2B5EF4-FFF2-40B4-BE49-F238E27FC236}">
+                <a16:creationId xmlns:a16="http://schemas.microsoft.com/office/drawing/2014/main" id="{6E167D15-556D-4BCA-B6BE-DE301969366E}"/>
+              </a:ext>
+            </a:extLst>
+          </p:cNvPr>
+          <p:cNvSpPr/>
+          <p:nvPr/>
+        </p:nvSpPr>
+        <p:spPr>
+          <a:xfrm>
+            <a:off x="928468" y="0"/>
+            <a:ext cx="10100603" cy="886264"/>
+          </a:xfrm>
+          <a:prstGeom prst="rect">
+            <a:avLst/>
+          </a:prstGeom>
+        </p:spPr>
+        <p:style>
+          <a:lnRef idx="2">
+            <a:schemeClr val="accent1">
+              <a:shade val="50000"/>
+            </a:schemeClr>
+          </a:lnRef>
+          <a:fillRef idx="1">
+            <a:schemeClr val="accent1"/>
+          </a:fillRef>
+          <a:effectRef idx="0">
+            <a:schemeClr val="accent1"/>
+          </a:effectRef>
+          <a:fontRef idx="minor">
+            <a:schemeClr val="lt1"/>
+          </a:fontRef>
+        </p:style>
+        <p:txBody>
+          <a:bodyPr rtlCol="0" anchor="ctr"/>
+          <a:lstStyle/>
+          <a:p>
+            <a:pPr algn="ctr"/>
+            <a:endParaRPr lang="en-US"/>
+          </a:p>
+        </p:txBody>
+      </p:sp>
+      <p:sp>
+        <p:nvSpPr>
+          <p:cNvPr id="5" name="TextBox 4">
+            <a:extLst>
+              <a:ext uri="{FF2B5EF4-FFF2-40B4-BE49-F238E27FC236}">
+                <a16:creationId xmlns:a16="http://schemas.microsoft.com/office/drawing/2014/main" id="{A895F123-133F-4E0B-A890-87A48E29C7ED}"/>
+              </a:ext>
+            </a:extLst>
+          </p:cNvPr>
+          <p:cNvSpPr txBox="1"/>
+          <p:nvPr/>
+        </p:nvSpPr>
+        <p:spPr>
+          <a:xfrm>
+            <a:off x="4540362" y="58411"/>
+            <a:ext cx="3618299" cy="769441"/>
+          </a:xfrm>
+          <a:prstGeom prst="rect">
+            <a:avLst/>
+          </a:prstGeom>
+          <a:noFill/>
+        </p:spPr>
+        <p:txBody>
+          <a:bodyPr wrap="none" rtlCol="0">
+            <a:spAutoFit/>
+          </a:bodyPr>
+          <a:lstStyle/>
+          <a:p>
+            <a:pPr algn="ctr"/>
+            <a:r>
+              <a:rPr lang="en-US" sz="4400" b="1" dirty="0">
+                <a:solidFill>
+                  <a:schemeClr val="bg1"/>
+                </a:solidFill>
+                <a:latin typeface="Roboto" panose="02000000000000000000" pitchFamily="2" charset="0"/>
+                <a:ea typeface="Roboto" panose="02000000000000000000" pitchFamily="2" charset="0"/>
+              </a:rPr>
+              <a:t>All Together 4</a:t>
+            </a:r>
+          </a:p>
+        </p:txBody>
+      </p:sp>
+      <p:graphicFrame>
+        <p:nvGraphicFramePr>
+          <p:cNvPr id="6" name="Table 5">
+            <a:extLst>
+              <a:ext uri="{FF2B5EF4-FFF2-40B4-BE49-F238E27FC236}">
+                <a16:creationId xmlns:a16="http://schemas.microsoft.com/office/drawing/2014/main" id="{54EFA07A-658C-4CCF-B537-98AA5AF05EE1}"/>
+              </a:ext>
+            </a:extLst>
+          </p:cNvPr>
+          <p:cNvGraphicFramePr>
+            <a:graphicFrameLocks noGrp="1"/>
+          </p:cNvGraphicFramePr>
+          <p:nvPr>
+            <p:extLst>
+              <p:ext uri="{D42A27DB-BD31-4B8C-83A1-F6EECF244321}">
+                <p14:modId xmlns:p14="http://schemas.microsoft.com/office/powerpoint/2010/main" val="1028390350"/>
+              </p:ext>
+            </p:extLst>
+          </p:nvPr>
+        </p:nvGraphicFramePr>
+        <p:xfrm>
+          <a:off x="928468" y="1883350"/>
           <a:ext cx="10142807" cy="3327399"/>
         </p:xfrm>
         <a:graphic>
@@ -8226,75 +13074,90 @@
                     <a:bodyPr/>
                     <a:lstStyle/>
                     <a:p>
-                      <a:endParaRPr lang="en-US" dirty="0"/>
-                    </a:p>
-                  </a:txBody>
-                  <a:tcPr/>
-                </a:tc>
-                <a:tc>
-                  <a:txBody>
-                    <a:bodyPr/>
-                    <a:lstStyle/>
-                    <a:p>
-                      <a:pPr algn="ctr" fontAlgn="b"/>
-                      <a:endParaRPr lang="en-US" sz="1800" b="0" i="0" u="none" strike="noStrike" dirty="0">
-                        <a:solidFill>
-                          <a:srgbClr val="000000"/>
-                        </a:solidFill>
-                        <a:effectLst/>
-                        <a:latin typeface="Arial" panose="020B0604020202020204" pitchFamily="34" charset="0"/>
-                      </a:endParaRPr>
-                    </a:p>
-                  </a:txBody>
-                  <a:tcPr marL="9525" marR="9525" marT="9525" marB="0" anchor="b"/>
-                </a:tc>
-                <a:tc>
-                  <a:txBody>
-                    <a:bodyPr/>
-                    <a:lstStyle/>
-                    <a:p>
-                      <a:pPr algn="ctr" fontAlgn="b"/>
-                      <a:endParaRPr lang="en-US" sz="1800" b="0" i="0" u="none" strike="noStrike" dirty="0">
-                        <a:solidFill>
-                          <a:srgbClr val="000000"/>
-                        </a:solidFill>
-                        <a:effectLst/>
-                        <a:latin typeface="Arial" panose="020B0604020202020204" pitchFamily="34" charset="0"/>
-                      </a:endParaRPr>
-                    </a:p>
-                  </a:txBody>
-                  <a:tcPr marL="9525" marR="9525" marT="9525" marB="0" anchor="b"/>
-                </a:tc>
-                <a:tc>
-                  <a:txBody>
-                    <a:bodyPr/>
-                    <a:lstStyle/>
-                    <a:p>
-                      <a:pPr algn="ctr" fontAlgn="b"/>
-                      <a:endParaRPr lang="en-US" sz="1800" b="0" i="0" u="none" strike="noStrike" dirty="0">
-                        <a:solidFill>
-                          <a:srgbClr val="000000"/>
-                        </a:solidFill>
-                        <a:effectLst/>
-                        <a:latin typeface="Arial" panose="020B0604020202020204" pitchFamily="34" charset="0"/>
-                      </a:endParaRPr>
-                    </a:p>
-                  </a:txBody>
-                  <a:tcPr marL="9525" marR="9525" marT="9525" marB="0" anchor="b"/>
-                </a:tc>
-                <a:tc>
-                  <a:txBody>
-                    <a:bodyPr/>
-                    <a:lstStyle/>
-                    <a:p>
-                      <a:pPr algn="ctr" fontAlgn="b"/>
-                      <a:endParaRPr lang="en-US" sz="1800" b="0" i="0" u="none" strike="noStrike" dirty="0">
-                        <a:solidFill>
-                          <a:srgbClr val="000000"/>
-                        </a:solidFill>
-                        <a:effectLst/>
-                        <a:latin typeface="Arial" panose="020B0604020202020204" pitchFamily="34" charset="0"/>
-                      </a:endParaRPr>
+                      <a:r>
+                        <a:rPr lang="en-US" dirty="0"/>
+                        <a:t>Web Designer</a:t>
+                      </a:r>
+                    </a:p>
+                  </a:txBody>
+                  <a:tcPr/>
+                </a:tc>
+                <a:tc>
+                  <a:txBody>
+                    <a:bodyPr/>
+                    <a:lstStyle/>
+                    <a:p>
+                      <a:pPr algn="r" fontAlgn="b"/>
+                      <a:r>
+                        <a:rPr lang="en-US" sz="1800" b="0" i="0" u="none" strike="noStrike">
+                          <a:solidFill>
+                            <a:srgbClr val="000000"/>
+                          </a:solidFill>
+                          <a:effectLst/>
+                          <a:latin typeface="Calibri" panose="020F0502020204030204" pitchFamily="34" charset="0"/>
+                        </a:rPr>
+                        <a:t>240</a:t>
+                      </a:r>
+                    </a:p>
+                  </a:txBody>
+                  <a:tcPr marL="9525" marR="9525" marT="9525" marB="0" anchor="b"/>
+                </a:tc>
+                <a:tc>
+                  <a:txBody>
+                    <a:bodyPr/>
+                    <a:lstStyle/>
+                    <a:p>
+                      <a:pPr algn="r" fontAlgn="b"/>
+                      <a:r>
+                        <a:rPr lang="en-US" sz="1800" b="0" i="0" u="none" strike="noStrike" dirty="0">
+                          <a:solidFill>
+                            <a:srgbClr val="000000"/>
+                          </a:solidFill>
+                          <a:effectLst/>
+                          <a:latin typeface="Calibri" panose="020F0502020204030204" pitchFamily="34" charset="0"/>
+                        </a:rPr>
+                        <a:t>367</a:t>
+                      </a:r>
+                    </a:p>
+                  </a:txBody>
+                  <a:tcPr marL="9525" marR="9525" marT="9525" marB="0" anchor="b"/>
+                </a:tc>
+                <a:tc>
+                  <a:txBody>
+                    <a:bodyPr/>
+                    <a:lstStyle/>
+                    <a:p>
+                      <a:pPr algn="r" fontAlgn="b"/>
+                      <a:r>
+                        <a:rPr lang="en-US" sz="1800" b="0" i="0" u="none" strike="noStrike" dirty="0">
+                          <a:solidFill>
+                            <a:srgbClr val="000000"/>
+                          </a:solidFill>
+                          <a:effectLst/>
+                          <a:latin typeface="Calibri" panose="020F0502020204030204" pitchFamily="34" charset="0"/>
+                        </a:rPr>
+                        <a:t>690</a:t>
+                      </a:r>
+                    </a:p>
+                  </a:txBody>
+                  <a:tcPr marL="9525" marR="9525" marT="9525" marB="0" anchor="b"/>
+                </a:tc>
+                <a:tc>
+                  <a:txBody>
+                    <a:bodyPr/>
+                    <a:lstStyle/>
+                    <a:p>
+                      <a:pPr algn="r" fontAlgn="b"/>
+                      <a:r>
+                        <a:rPr lang="en-US" sz="1800" b="0" i="0" u="none" strike="noStrike" dirty="0">
+                          <a:solidFill>
+                            <a:srgbClr val="000000"/>
+                          </a:solidFill>
+                          <a:effectLst/>
+                          <a:latin typeface="Calibri" panose="020F0502020204030204" pitchFamily="34" charset="0"/>
+                        </a:rPr>
+                        <a:t>1137</a:t>
+                      </a:r>
                     </a:p>
                   </a:txBody>
                   <a:tcPr marL="9525" marR="9525" marT="9525" marB="0" anchor="b"/>
@@ -8311,75 +13174,90 @@
                     <a:bodyPr/>
                     <a:lstStyle/>
                     <a:p>
-                      <a:endParaRPr lang="en-US" dirty="0"/>
-                    </a:p>
-                  </a:txBody>
-                  <a:tcPr/>
-                </a:tc>
-                <a:tc>
-                  <a:txBody>
-                    <a:bodyPr/>
-                    <a:lstStyle/>
-                    <a:p>
-                      <a:pPr algn="ctr" fontAlgn="b"/>
-                      <a:endParaRPr lang="en-US" sz="1800" b="0" i="0" u="none" strike="noStrike" dirty="0">
-                        <a:solidFill>
-                          <a:srgbClr val="000000"/>
-                        </a:solidFill>
-                        <a:effectLst/>
-                        <a:latin typeface="Arial" panose="020B0604020202020204" pitchFamily="34" charset="0"/>
-                      </a:endParaRPr>
-                    </a:p>
-                  </a:txBody>
-                  <a:tcPr marL="9525" marR="9525" marT="9525" marB="0" anchor="b"/>
-                </a:tc>
-                <a:tc>
-                  <a:txBody>
-                    <a:bodyPr/>
-                    <a:lstStyle/>
-                    <a:p>
-                      <a:pPr algn="ctr" fontAlgn="b"/>
-                      <a:endParaRPr lang="en-US" sz="1800" b="0" i="0" u="none" strike="noStrike" dirty="0">
-                        <a:solidFill>
-                          <a:srgbClr val="000000"/>
-                        </a:solidFill>
-                        <a:effectLst/>
-                        <a:latin typeface="Arial" panose="020B0604020202020204" pitchFamily="34" charset="0"/>
-                      </a:endParaRPr>
-                    </a:p>
-                  </a:txBody>
-                  <a:tcPr marL="9525" marR="9525" marT="9525" marB="0" anchor="b"/>
-                </a:tc>
-                <a:tc>
-                  <a:txBody>
-                    <a:bodyPr/>
-                    <a:lstStyle/>
-                    <a:p>
-                      <a:pPr algn="ctr" fontAlgn="b"/>
-                      <a:endParaRPr lang="en-US" sz="1800" b="0" i="0" u="none" strike="noStrike" dirty="0">
-                        <a:solidFill>
-                          <a:srgbClr val="000000"/>
-                        </a:solidFill>
-                        <a:effectLst/>
-                        <a:latin typeface="Arial" panose="020B0604020202020204" pitchFamily="34" charset="0"/>
-                      </a:endParaRPr>
-                    </a:p>
-                  </a:txBody>
-                  <a:tcPr marL="9525" marR="9525" marT="9525" marB="0" anchor="b"/>
-                </a:tc>
-                <a:tc>
-                  <a:txBody>
-                    <a:bodyPr/>
-                    <a:lstStyle/>
-                    <a:p>
-                      <a:pPr algn="ctr" fontAlgn="b"/>
-                      <a:endParaRPr lang="en-US" sz="1800" b="0" i="0" u="none" strike="noStrike" dirty="0">
-                        <a:solidFill>
-                          <a:srgbClr val="000000"/>
-                        </a:solidFill>
-                        <a:effectLst/>
-                        <a:latin typeface="Arial" panose="020B0604020202020204" pitchFamily="34" charset="0"/>
-                      </a:endParaRPr>
+                      <a:r>
+                        <a:rPr lang="en-US" dirty="0"/>
+                        <a:t>Agent Officer</a:t>
+                      </a:r>
+                    </a:p>
+                  </a:txBody>
+                  <a:tcPr/>
+                </a:tc>
+                <a:tc>
+                  <a:txBody>
+                    <a:bodyPr/>
+                    <a:lstStyle/>
+                    <a:p>
+                      <a:pPr algn="r" fontAlgn="b"/>
+                      <a:r>
+                        <a:rPr lang="en-US" sz="1800" b="0" i="0" u="none" strike="noStrike">
+                          <a:solidFill>
+                            <a:srgbClr val="000000"/>
+                          </a:solidFill>
+                          <a:effectLst/>
+                          <a:latin typeface="Calibri" panose="020F0502020204030204" pitchFamily="34" charset="0"/>
+                        </a:rPr>
+                        <a:t>240</a:t>
+                      </a:r>
+                    </a:p>
+                  </a:txBody>
+                  <a:tcPr marL="9525" marR="9525" marT="9525" marB="0" anchor="b"/>
+                </a:tc>
+                <a:tc>
+                  <a:txBody>
+                    <a:bodyPr/>
+                    <a:lstStyle/>
+                    <a:p>
+                      <a:pPr algn="r" fontAlgn="b"/>
+                      <a:r>
+                        <a:rPr lang="en-US" sz="1800" b="0" i="0" u="none" strike="noStrike">
+                          <a:solidFill>
+                            <a:srgbClr val="000000"/>
+                          </a:solidFill>
+                          <a:effectLst/>
+                          <a:latin typeface="Calibri" panose="020F0502020204030204" pitchFamily="34" charset="0"/>
+                        </a:rPr>
+                        <a:t>300</a:t>
+                      </a:r>
+                    </a:p>
+                  </a:txBody>
+                  <a:tcPr marL="9525" marR="9525" marT="9525" marB="0" anchor="b"/>
+                </a:tc>
+                <a:tc>
+                  <a:txBody>
+                    <a:bodyPr/>
+                    <a:lstStyle/>
+                    <a:p>
+                      <a:pPr algn="r" fontAlgn="b"/>
+                      <a:r>
+                        <a:rPr lang="en-US" sz="1800" b="0" i="0" u="none" strike="noStrike">
+                          <a:solidFill>
+                            <a:srgbClr val="000000"/>
+                          </a:solidFill>
+                          <a:effectLst/>
+                          <a:latin typeface="Calibri" panose="020F0502020204030204" pitchFamily="34" charset="0"/>
+                        </a:rPr>
+                        <a:t>370</a:t>
+                      </a:r>
+                    </a:p>
+                  </a:txBody>
+                  <a:tcPr marL="9525" marR="9525" marT="9525" marB="0" anchor="b"/>
+                </a:tc>
+                <a:tc>
+                  <a:txBody>
+                    <a:bodyPr/>
+                    <a:lstStyle/>
+                    <a:p>
+                      <a:pPr algn="r" fontAlgn="b"/>
+                      <a:r>
+                        <a:rPr lang="en-US" sz="1800" b="0" i="0" u="none" strike="noStrike" dirty="0">
+                          <a:solidFill>
+                            <a:srgbClr val="000000"/>
+                          </a:solidFill>
+                          <a:effectLst/>
+                          <a:latin typeface="Calibri" panose="020F0502020204030204" pitchFamily="34" charset="0"/>
+                        </a:rPr>
+                        <a:t>1500</a:t>
+                      </a:r>
                     </a:p>
                   </a:txBody>
                   <a:tcPr marL="9525" marR="9525" marT="9525" marB="0" anchor="b"/>
@@ -8396,75 +13274,90 @@
                     <a:bodyPr/>
                     <a:lstStyle/>
                     <a:p>
-                      <a:endParaRPr lang="en-US" dirty="0"/>
-                    </a:p>
-                  </a:txBody>
-                  <a:tcPr/>
-                </a:tc>
-                <a:tc>
-                  <a:txBody>
-                    <a:bodyPr/>
-                    <a:lstStyle/>
-                    <a:p>
-                      <a:pPr algn="ctr" fontAlgn="b"/>
-                      <a:endParaRPr lang="en-US" sz="1800" b="0" i="0" u="none" strike="noStrike" dirty="0">
-                        <a:solidFill>
-                          <a:srgbClr val="000000"/>
-                        </a:solidFill>
-                        <a:effectLst/>
-                        <a:latin typeface="Arial" panose="020B0604020202020204" pitchFamily="34" charset="0"/>
-                      </a:endParaRPr>
-                    </a:p>
-                  </a:txBody>
-                  <a:tcPr marL="9525" marR="9525" marT="9525" marB="0" anchor="b"/>
-                </a:tc>
-                <a:tc>
-                  <a:txBody>
-                    <a:bodyPr/>
-                    <a:lstStyle/>
-                    <a:p>
-                      <a:pPr algn="ctr" fontAlgn="b"/>
-                      <a:endParaRPr lang="en-US" sz="1800" b="0" i="0" u="none" strike="noStrike" dirty="0">
-                        <a:solidFill>
-                          <a:srgbClr val="000000"/>
-                        </a:solidFill>
-                        <a:effectLst/>
-                        <a:latin typeface="Arial" panose="020B0604020202020204" pitchFamily="34" charset="0"/>
-                      </a:endParaRPr>
-                    </a:p>
-                  </a:txBody>
-                  <a:tcPr marL="9525" marR="9525" marT="9525" marB="0" anchor="b"/>
-                </a:tc>
-                <a:tc>
-                  <a:txBody>
-                    <a:bodyPr/>
-                    <a:lstStyle/>
-                    <a:p>
-                      <a:pPr algn="ctr" fontAlgn="b"/>
-                      <a:endParaRPr lang="en-US" sz="1800" b="0" i="0" u="none" strike="noStrike" dirty="0">
-                        <a:solidFill>
-                          <a:srgbClr val="000000"/>
-                        </a:solidFill>
-                        <a:effectLst/>
-                        <a:latin typeface="Arial" panose="020B0604020202020204" pitchFamily="34" charset="0"/>
-                      </a:endParaRPr>
-                    </a:p>
-                  </a:txBody>
-                  <a:tcPr marL="9525" marR="9525" marT="9525" marB="0" anchor="b"/>
-                </a:tc>
-                <a:tc>
-                  <a:txBody>
-                    <a:bodyPr/>
-                    <a:lstStyle/>
-                    <a:p>
-                      <a:pPr algn="ctr" fontAlgn="b"/>
-                      <a:endParaRPr lang="en-US" sz="1800" b="0" i="0" u="none" strike="noStrike" dirty="0">
-                        <a:solidFill>
-                          <a:srgbClr val="000000"/>
-                        </a:solidFill>
-                        <a:effectLst/>
-                        <a:latin typeface="Arial" panose="020B0604020202020204" pitchFamily="34" charset="0"/>
-                      </a:endParaRPr>
+                      <a:r>
+                        <a:rPr lang="en-US" dirty="0"/>
+                        <a:t>Architect</a:t>
+                      </a:r>
+                    </a:p>
+                  </a:txBody>
+                  <a:tcPr/>
+                </a:tc>
+                <a:tc>
+                  <a:txBody>
+                    <a:bodyPr/>
+                    <a:lstStyle/>
+                    <a:p>
+                      <a:pPr algn="r" fontAlgn="b"/>
+                      <a:r>
+                        <a:rPr lang="en-US" sz="1800" b="0" i="0" u="none" strike="noStrike" dirty="0">
+                          <a:solidFill>
+                            <a:srgbClr val="000000"/>
+                          </a:solidFill>
+                          <a:effectLst/>
+                          <a:latin typeface="Calibri" panose="020F0502020204030204" pitchFamily="34" charset="0"/>
+                        </a:rPr>
+                        <a:t>241</a:t>
+                      </a:r>
+                    </a:p>
+                  </a:txBody>
+                  <a:tcPr marL="9525" marR="9525" marT="9525" marB="0" anchor="b"/>
+                </a:tc>
+                <a:tc>
+                  <a:txBody>
+                    <a:bodyPr/>
+                    <a:lstStyle/>
+                    <a:p>
+                      <a:pPr algn="r" fontAlgn="b"/>
+                      <a:r>
+                        <a:rPr lang="en-US" sz="1800" b="0" i="0" u="none" strike="noStrike" dirty="0">
+                          <a:solidFill>
+                            <a:srgbClr val="000000"/>
+                          </a:solidFill>
+                          <a:effectLst/>
+                          <a:latin typeface="Calibri" panose="020F0502020204030204" pitchFamily="34" charset="0"/>
+                        </a:rPr>
+                        <a:t>317</a:t>
+                      </a:r>
+                    </a:p>
+                  </a:txBody>
+                  <a:tcPr marL="9525" marR="9525" marT="9525" marB="0" anchor="b"/>
+                </a:tc>
+                <a:tc>
+                  <a:txBody>
+                    <a:bodyPr/>
+                    <a:lstStyle/>
+                    <a:p>
+                      <a:pPr algn="r" fontAlgn="b"/>
+                      <a:r>
+                        <a:rPr lang="en-US" sz="1800" b="0" i="0" u="none" strike="noStrike" dirty="0">
+                          <a:solidFill>
+                            <a:srgbClr val="000000"/>
+                          </a:solidFill>
+                          <a:effectLst/>
+                          <a:latin typeface="Calibri" panose="020F0502020204030204" pitchFamily="34" charset="0"/>
+                        </a:rPr>
+                        <a:t>426</a:t>
+                      </a:r>
+                    </a:p>
+                  </a:txBody>
+                  <a:tcPr marL="9525" marR="9525" marT="9525" marB="0" anchor="b"/>
+                </a:tc>
+                <a:tc>
+                  <a:txBody>
+                    <a:bodyPr/>
+                    <a:lstStyle/>
+                    <a:p>
+                      <a:pPr algn="r" fontAlgn="b"/>
+                      <a:r>
+                        <a:rPr lang="en-US" sz="1800" b="0" i="0" u="none" strike="noStrike" dirty="0">
+                          <a:solidFill>
+                            <a:srgbClr val="000000"/>
+                          </a:solidFill>
+                          <a:effectLst/>
+                          <a:latin typeface="Calibri" panose="020F0502020204030204" pitchFamily="34" charset="0"/>
+                        </a:rPr>
+                        <a:t>745</a:t>
+                      </a:r>
                     </a:p>
                   </a:txBody>
                   <a:tcPr marL="9525" marR="9525" marT="9525" marB="0" anchor="b"/>
@@ -8481,75 +13374,90 @@
                     <a:bodyPr/>
                     <a:lstStyle/>
                     <a:p>
-                      <a:endParaRPr lang="en-US" dirty="0"/>
-                    </a:p>
-                  </a:txBody>
-                  <a:tcPr/>
-                </a:tc>
-                <a:tc>
-                  <a:txBody>
-                    <a:bodyPr/>
-                    <a:lstStyle/>
-                    <a:p>
-                      <a:pPr algn="ctr" fontAlgn="b"/>
-                      <a:endParaRPr lang="en-US" sz="1800" b="0" i="0" u="none" strike="noStrike" dirty="0">
-                        <a:solidFill>
-                          <a:srgbClr val="000000"/>
-                        </a:solidFill>
-                        <a:effectLst/>
-                        <a:latin typeface="Arial" panose="020B0604020202020204" pitchFamily="34" charset="0"/>
-                      </a:endParaRPr>
-                    </a:p>
-                  </a:txBody>
-                  <a:tcPr marL="9525" marR="9525" marT="9525" marB="0" anchor="b"/>
-                </a:tc>
-                <a:tc>
-                  <a:txBody>
-                    <a:bodyPr/>
-                    <a:lstStyle/>
-                    <a:p>
-                      <a:pPr algn="ctr" fontAlgn="b"/>
-                      <a:endParaRPr lang="en-US" sz="1800" b="0" i="0" u="none" strike="noStrike" dirty="0">
-                        <a:solidFill>
-                          <a:srgbClr val="000000"/>
-                        </a:solidFill>
-                        <a:effectLst/>
-                        <a:latin typeface="Arial" panose="020B0604020202020204" pitchFamily="34" charset="0"/>
-                      </a:endParaRPr>
-                    </a:p>
-                  </a:txBody>
-                  <a:tcPr marL="9525" marR="9525" marT="9525" marB="0" anchor="b"/>
-                </a:tc>
-                <a:tc>
-                  <a:txBody>
-                    <a:bodyPr/>
-                    <a:lstStyle/>
-                    <a:p>
-                      <a:pPr algn="ctr" fontAlgn="b"/>
-                      <a:endParaRPr lang="en-US" sz="1800" b="0" i="0" u="none" strike="noStrike" dirty="0">
-                        <a:solidFill>
-                          <a:srgbClr val="000000"/>
-                        </a:solidFill>
-                        <a:effectLst/>
-                        <a:latin typeface="Arial" panose="020B0604020202020204" pitchFamily="34" charset="0"/>
-                      </a:endParaRPr>
-                    </a:p>
-                  </a:txBody>
-                  <a:tcPr marL="9525" marR="9525" marT="9525" marB="0" anchor="b"/>
-                </a:tc>
-                <a:tc>
-                  <a:txBody>
-                    <a:bodyPr/>
-                    <a:lstStyle/>
-                    <a:p>
-                      <a:pPr algn="ctr" fontAlgn="b"/>
-                      <a:endParaRPr lang="en-US" sz="1800" b="0" i="0" u="none" strike="noStrike" dirty="0">
-                        <a:solidFill>
-                          <a:srgbClr val="000000"/>
-                        </a:solidFill>
-                        <a:effectLst/>
-                        <a:latin typeface="Arial" panose="020B0604020202020204" pitchFamily="34" charset="0"/>
-                      </a:endParaRPr>
+                      <a:r>
+                        <a:rPr lang="en-US" dirty="0"/>
+                        <a:t>Civil Engineer</a:t>
+                      </a:r>
+                    </a:p>
+                  </a:txBody>
+                  <a:tcPr/>
+                </a:tc>
+                <a:tc>
+                  <a:txBody>
+                    <a:bodyPr/>
+                    <a:lstStyle/>
+                    <a:p>
+                      <a:pPr algn="r" fontAlgn="b"/>
+                      <a:r>
+                        <a:rPr lang="en-US" sz="1800" b="0" i="0" u="none" strike="noStrike" dirty="0">
+                          <a:solidFill>
+                            <a:srgbClr val="000000"/>
+                          </a:solidFill>
+                          <a:effectLst/>
+                          <a:latin typeface="Calibri" panose="020F0502020204030204" pitchFamily="34" charset="0"/>
+                        </a:rPr>
+                        <a:t>263</a:t>
+                      </a:r>
+                    </a:p>
+                  </a:txBody>
+                  <a:tcPr marL="9525" marR="9525" marT="9525" marB="0" anchor="b"/>
+                </a:tc>
+                <a:tc>
+                  <a:txBody>
+                    <a:bodyPr/>
+                    <a:lstStyle/>
+                    <a:p>
+                      <a:pPr algn="r" fontAlgn="b"/>
+                      <a:r>
+                        <a:rPr lang="en-US" sz="1800" b="0" i="0" u="none" strike="noStrike" dirty="0">
+                          <a:solidFill>
+                            <a:srgbClr val="000000"/>
+                          </a:solidFill>
+                          <a:effectLst/>
+                          <a:latin typeface="Calibri" panose="020F0502020204030204" pitchFamily="34" charset="0"/>
+                        </a:rPr>
+                        <a:t>342</a:t>
+                      </a:r>
+                    </a:p>
+                  </a:txBody>
+                  <a:tcPr marL="9525" marR="9525" marT="9525" marB="0" anchor="b"/>
+                </a:tc>
+                <a:tc>
+                  <a:txBody>
+                    <a:bodyPr/>
+                    <a:lstStyle/>
+                    <a:p>
+                      <a:pPr algn="r" fontAlgn="b"/>
+                      <a:r>
+                        <a:rPr lang="en-US" sz="1800" b="0" i="0" u="none" strike="noStrike">
+                          <a:solidFill>
+                            <a:srgbClr val="000000"/>
+                          </a:solidFill>
+                          <a:effectLst/>
+                          <a:latin typeface="Calibri" panose="020F0502020204030204" pitchFamily="34" charset="0"/>
+                        </a:rPr>
+                        <a:t>439</a:t>
+                      </a:r>
+                    </a:p>
+                  </a:txBody>
+                  <a:tcPr marL="9525" marR="9525" marT="9525" marB="0" anchor="b"/>
+                </a:tc>
+                <a:tc>
+                  <a:txBody>
+                    <a:bodyPr/>
+                    <a:lstStyle/>
+                    <a:p>
+                      <a:pPr algn="r" fontAlgn="b"/>
+                      <a:r>
+                        <a:rPr lang="en-US" sz="1800" b="0" i="0" u="none" strike="noStrike" dirty="0">
+                          <a:solidFill>
+                            <a:srgbClr val="000000"/>
+                          </a:solidFill>
+                          <a:effectLst/>
+                          <a:latin typeface="Calibri" panose="020F0502020204030204" pitchFamily="34" charset="0"/>
+                        </a:rPr>
+                        <a:t>679</a:t>
+                      </a:r>
                     </a:p>
                   </a:txBody>
                   <a:tcPr marL="9525" marR="9525" marT="9525" marB="0" anchor="b"/>
@@ -8566,75 +13474,90 @@
                     <a:bodyPr/>
                     <a:lstStyle/>
                     <a:p>
-                      <a:endParaRPr lang="en-US" dirty="0"/>
-                    </a:p>
-                  </a:txBody>
-                  <a:tcPr/>
-                </a:tc>
-                <a:tc>
-                  <a:txBody>
-                    <a:bodyPr/>
-                    <a:lstStyle/>
-                    <a:p>
-                      <a:pPr algn="ctr" fontAlgn="b"/>
-                      <a:endParaRPr lang="en-US" sz="1800" b="0" i="0" u="none" strike="noStrike" dirty="0">
-                        <a:solidFill>
-                          <a:srgbClr val="000000"/>
-                        </a:solidFill>
-                        <a:effectLst/>
-                        <a:latin typeface="Arial" panose="020B0604020202020204" pitchFamily="34" charset="0"/>
-                      </a:endParaRPr>
-                    </a:p>
-                  </a:txBody>
-                  <a:tcPr marL="9525" marR="9525" marT="9525" marB="0" anchor="b"/>
-                </a:tc>
-                <a:tc>
-                  <a:txBody>
-                    <a:bodyPr/>
-                    <a:lstStyle/>
-                    <a:p>
-                      <a:pPr algn="ctr" fontAlgn="b"/>
-                      <a:endParaRPr lang="en-US" sz="1800" b="0" i="0" u="none" strike="noStrike" dirty="0">
-                        <a:solidFill>
-                          <a:srgbClr val="000000"/>
-                        </a:solidFill>
-                        <a:effectLst/>
-                        <a:latin typeface="Arial" panose="020B0604020202020204" pitchFamily="34" charset="0"/>
-                      </a:endParaRPr>
-                    </a:p>
-                  </a:txBody>
-                  <a:tcPr marL="9525" marR="9525" marT="9525" marB="0" anchor="b"/>
-                </a:tc>
-                <a:tc>
-                  <a:txBody>
-                    <a:bodyPr/>
-                    <a:lstStyle/>
-                    <a:p>
-                      <a:pPr algn="ctr" fontAlgn="b"/>
-                      <a:endParaRPr lang="en-US" sz="1800" b="0" i="0" u="none" strike="noStrike" dirty="0">
-                        <a:solidFill>
-                          <a:srgbClr val="000000"/>
-                        </a:solidFill>
-                        <a:effectLst/>
-                        <a:latin typeface="Arial" panose="020B0604020202020204" pitchFamily="34" charset="0"/>
-                      </a:endParaRPr>
-                    </a:p>
-                  </a:txBody>
-                  <a:tcPr marL="9525" marR="9525" marT="9525" marB="0" anchor="b"/>
-                </a:tc>
-                <a:tc>
-                  <a:txBody>
-                    <a:bodyPr/>
-                    <a:lstStyle/>
-                    <a:p>
-                      <a:pPr algn="ctr" fontAlgn="b"/>
-                      <a:endParaRPr lang="en-US" sz="1800" b="0" i="0" u="none" strike="noStrike" dirty="0">
-                        <a:solidFill>
-                          <a:srgbClr val="000000"/>
-                        </a:solidFill>
-                        <a:effectLst/>
-                        <a:latin typeface="Arial" panose="020B0604020202020204" pitchFamily="34" charset="0"/>
-                      </a:endParaRPr>
+                      <a:r>
+                        <a:rPr lang="en-US" dirty="0"/>
+                        <a:t>Site Engineer</a:t>
+                      </a:r>
+                    </a:p>
+                  </a:txBody>
+                  <a:tcPr/>
+                </a:tc>
+                <a:tc>
+                  <a:txBody>
+                    <a:bodyPr/>
+                    <a:lstStyle/>
+                    <a:p>
+                      <a:pPr algn="r" fontAlgn="b"/>
+                      <a:r>
+                        <a:rPr lang="en-US" sz="1800" b="0" i="0" u="none" strike="noStrike">
+                          <a:solidFill>
+                            <a:srgbClr val="000000"/>
+                          </a:solidFill>
+                          <a:effectLst/>
+                          <a:latin typeface="Calibri" panose="020F0502020204030204" pitchFamily="34" charset="0"/>
+                        </a:rPr>
+                        <a:t>280</a:t>
+                      </a:r>
+                    </a:p>
+                  </a:txBody>
+                  <a:tcPr marL="9525" marR="9525" marT="9525" marB="0" anchor="b"/>
+                </a:tc>
+                <a:tc>
+                  <a:txBody>
+                    <a:bodyPr/>
+                    <a:lstStyle/>
+                    <a:p>
+                      <a:pPr algn="r" fontAlgn="b"/>
+                      <a:r>
+                        <a:rPr lang="en-US" sz="1800" b="0" i="0" u="none" strike="noStrike">
+                          <a:solidFill>
+                            <a:srgbClr val="000000"/>
+                          </a:solidFill>
+                          <a:effectLst/>
+                          <a:latin typeface="Calibri" panose="020F0502020204030204" pitchFamily="34" charset="0"/>
+                        </a:rPr>
+                        <a:t>364</a:t>
+                      </a:r>
+                    </a:p>
+                  </a:txBody>
+                  <a:tcPr marL="9525" marR="9525" marT="9525" marB="0" anchor="b"/>
+                </a:tc>
+                <a:tc>
+                  <a:txBody>
+                    <a:bodyPr/>
+                    <a:lstStyle/>
+                    <a:p>
+                      <a:pPr algn="r" fontAlgn="b"/>
+                      <a:r>
+                        <a:rPr lang="en-US" sz="1800" b="0" i="0" u="none" strike="noStrike" dirty="0">
+                          <a:solidFill>
+                            <a:srgbClr val="000000"/>
+                          </a:solidFill>
+                          <a:effectLst/>
+                          <a:latin typeface="Calibri" panose="020F0502020204030204" pitchFamily="34" charset="0"/>
+                        </a:rPr>
+                        <a:t>481</a:t>
+                      </a:r>
+                    </a:p>
+                  </a:txBody>
+                  <a:tcPr marL="9525" marR="9525" marT="9525" marB="0" anchor="b"/>
+                </a:tc>
+                <a:tc>
+                  <a:txBody>
+                    <a:bodyPr/>
+                    <a:lstStyle/>
+                    <a:p>
+                      <a:pPr algn="r" fontAlgn="b"/>
+                      <a:r>
+                        <a:rPr lang="en-US" sz="1800" b="0" i="0" u="none" strike="noStrike" dirty="0">
+                          <a:solidFill>
+                            <a:srgbClr val="000000"/>
+                          </a:solidFill>
+                          <a:effectLst/>
+                          <a:latin typeface="Calibri" panose="020F0502020204030204" pitchFamily="34" charset="0"/>
+                        </a:rPr>
+                        <a:t>797</a:t>
+                      </a:r>
                     </a:p>
                   </a:txBody>
                   <a:tcPr marL="9525" marR="9525" marT="9525" marB="0" anchor="b"/>
@@ -8651,75 +13574,90 @@
                     <a:bodyPr/>
                     <a:lstStyle/>
                     <a:p>
-                      <a:endParaRPr lang="en-US" dirty="0"/>
-                    </a:p>
-                  </a:txBody>
-                  <a:tcPr/>
-                </a:tc>
-                <a:tc>
-                  <a:txBody>
-                    <a:bodyPr/>
-                    <a:lstStyle/>
-                    <a:p>
-                      <a:pPr algn="ctr" fontAlgn="b"/>
-                      <a:endParaRPr lang="en-US" sz="1800" b="0" i="0" u="none" strike="noStrike" dirty="0">
-                        <a:solidFill>
-                          <a:srgbClr val="000000"/>
-                        </a:solidFill>
-                        <a:effectLst/>
-                        <a:latin typeface="Arial" panose="020B0604020202020204" pitchFamily="34" charset="0"/>
-                      </a:endParaRPr>
-                    </a:p>
-                  </a:txBody>
-                  <a:tcPr marL="9525" marR="9525" marT="9525" marB="0" anchor="b"/>
-                </a:tc>
-                <a:tc>
-                  <a:txBody>
-                    <a:bodyPr/>
-                    <a:lstStyle/>
-                    <a:p>
-                      <a:pPr algn="ctr" fontAlgn="b"/>
-                      <a:endParaRPr lang="en-US" sz="1800" b="0" i="0" u="none" strike="noStrike" dirty="0">
-                        <a:solidFill>
-                          <a:srgbClr val="000000"/>
-                        </a:solidFill>
-                        <a:effectLst/>
-                        <a:latin typeface="Arial" panose="020B0604020202020204" pitchFamily="34" charset="0"/>
-                      </a:endParaRPr>
-                    </a:p>
-                  </a:txBody>
-                  <a:tcPr marL="9525" marR="9525" marT="9525" marB="0" anchor="b"/>
-                </a:tc>
-                <a:tc>
-                  <a:txBody>
-                    <a:bodyPr/>
-                    <a:lstStyle/>
-                    <a:p>
-                      <a:pPr algn="ctr" fontAlgn="b"/>
-                      <a:endParaRPr lang="en-US" sz="1800" b="0" i="0" u="none" strike="noStrike" dirty="0">
-                        <a:solidFill>
-                          <a:srgbClr val="000000"/>
-                        </a:solidFill>
-                        <a:effectLst/>
-                        <a:latin typeface="Arial" panose="020B0604020202020204" pitchFamily="34" charset="0"/>
-                      </a:endParaRPr>
-                    </a:p>
-                  </a:txBody>
-                  <a:tcPr marL="9525" marR="9525" marT="9525" marB="0" anchor="b"/>
-                </a:tc>
-                <a:tc>
-                  <a:txBody>
-                    <a:bodyPr/>
-                    <a:lstStyle/>
-                    <a:p>
-                      <a:pPr algn="ctr" fontAlgn="b"/>
-                      <a:endParaRPr lang="en-US" sz="1800" b="0" i="0" u="none" strike="noStrike" dirty="0">
-                        <a:solidFill>
-                          <a:srgbClr val="000000"/>
-                        </a:solidFill>
-                        <a:effectLst/>
-                        <a:latin typeface="Arial" panose="020B0604020202020204" pitchFamily="34" charset="0"/>
-                      </a:endParaRPr>
+                      <a:r>
+                        <a:rPr lang="en-US" dirty="0"/>
+                        <a:t>Drafter</a:t>
+                      </a:r>
+                    </a:p>
+                  </a:txBody>
+                  <a:tcPr/>
+                </a:tc>
+                <a:tc>
+                  <a:txBody>
+                    <a:bodyPr/>
+                    <a:lstStyle/>
+                    <a:p>
+                      <a:pPr algn="r" fontAlgn="b"/>
+                      <a:r>
+                        <a:rPr lang="en-US" sz="1800" b="0" i="0" u="none" strike="noStrike" dirty="0">
+                          <a:solidFill>
+                            <a:srgbClr val="000000"/>
+                          </a:solidFill>
+                          <a:effectLst/>
+                          <a:latin typeface="Calibri" panose="020F0502020204030204" pitchFamily="34" charset="0"/>
+                        </a:rPr>
+                        <a:t>302</a:t>
+                      </a:r>
+                    </a:p>
+                  </a:txBody>
+                  <a:tcPr marL="9525" marR="9525" marT="9525" marB="0" anchor="b"/>
+                </a:tc>
+                <a:tc>
+                  <a:txBody>
+                    <a:bodyPr/>
+                    <a:lstStyle/>
+                    <a:p>
+                      <a:pPr algn="r" fontAlgn="b"/>
+                      <a:r>
+                        <a:rPr lang="en-US" sz="1800" b="0" i="0" u="none" strike="noStrike">
+                          <a:solidFill>
+                            <a:srgbClr val="000000"/>
+                          </a:solidFill>
+                          <a:effectLst/>
+                          <a:latin typeface="Calibri" panose="020F0502020204030204" pitchFamily="34" charset="0"/>
+                        </a:rPr>
+                        <a:t>439</a:t>
+                      </a:r>
+                    </a:p>
+                  </a:txBody>
+                  <a:tcPr marL="9525" marR="9525" marT="9525" marB="0" anchor="b"/>
+                </a:tc>
+                <a:tc>
+                  <a:txBody>
+                    <a:bodyPr/>
+                    <a:lstStyle/>
+                    <a:p>
+                      <a:pPr algn="r" fontAlgn="b"/>
+                      <a:r>
+                        <a:rPr lang="en-US" sz="1800" b="0" i="0" u="none" strike="noStrike" dirty="0">
+                          <a:solidFill>
+                            <a:srgbClr val="000000"/>
+                          </a:solidFill>
+                          <a:effectLst/>
+                          <a:latin typeface="Calibri" panose="020F0502020204030204" pitchFamily="34" charset="0"/>
+                        </a:rPr>
+                        <a:t>606</a:t>
+                      </a:r>
+                    </a:p>
+                  </a:txBody>
+                  <a:tcPr marL="9525" marR="9525" marT="9525" marB="0" anchor="b"/>
+                </a:tc>
+                <a:tc>
+                  <a:txBody>
+                    <a:bodyPr/>
+                    <a:lstStyle/>
+                    <a:p>
+                      <a:pPr algn="r" fontAlgn="b"/>
+                      <a:r>
+                        <a:rPr lang="en-US" sz="1800" b="0" i="0" u="none" strike="noStrike" dirty="0">
+                          <a:solidFill>
+                            <a:srgbClr val="000000"/>
+                          </a:solidFill>
+                          <a:effectLst/>
+                          <a:latin typeface="Calibri" panose="020F0502020204030204" pitchFamily="34" charset="0"/>
+                        </a:rPr>
+                        <a:t>860</a:t>
+                      </a:r>
                     </a:p>
                   </a:txBody>
                   <a:tcPr marL="9525" marR="9525" marT="9525" marB="0" anchor="b"/>
@@ -8736,75 +13674,90 @@
                     <a:bodyPr/>
                     <a:lstStyle/>
                     <a:p>
-                      <a:endParaRPr lang="en-US" dirty="0"/>
-                    </a:p>
-                  </a:txBody>
-                  <a:tcPr/>
-                </a:tc>
-                <a:tc>
-                  <a:txBody>
-                    <a:bodyPr/>
-                    <a:lstStyle/>
-                    <a:p>
-                      <a:pPr algn="ctr" fontAlgn="b"/>
-                      <a:endParaRPr lang="en-US" sz="1800" b="0" i="0" u="none" strike="noStrike" dirty="0">
-                        <a:solidFill>
-                          <a:srgbClr val="000000"/>
-                        </a:solidFill>
-                        <a:effectLst/>
-                        <a:latin typeface="Arial" panose="020B0604020202020204" pitchFamily="34" charset="0"/>
-                      </a:endParaRPr>
-                    </a:p>
-                  </a:txBody>
-                  <a:tcPr marL="9525" marR="9525" marT="9525" marB="0" anchor="b"/>
-                </a:tc>
-                <a:tc>
-                  <a:txBody>
-                    <a:bodyPr/>
-                    <a:lstStyle/>
-                    <a:p>
-                      <a:pPr algn="ctr" fontAlgn="b"/>
-                      <a:endParaRPr lang="en-US" sz="1800" b="0" i="0" u="none" strike="noStrike" dirty="0">
-                        <a:solidFill>
-                          <a:srgbClr val="000000"/>
-                        </a:solidFill>
-                        <a:effectLst/>
-                        <a:latin typeface="Arial" panose="020B0604020202020204" pitchFamily="34" charset="0"/>
-                      </a:endParaRPr>
-                    </a:p>
-                  </a:txBody>
-                  <a:tcPr marL="9525" marR="9525" marT="9525" marB="0" anchor="b"/>
-                </a:tc>
-                <a:tc>
-                  <a:txBody>
-                    <a:bodyPr/>
-                    <a:lstStyle/>
-                    <a:p>
-                      <a:pPr algn="ctr" fontAlgn="b"/>
-                      <a:endParaRPr lang="en-US" sz="1800" b="0" i="0" u="none" strike="noStrike" dirty="0">
-                        <a:solidFill>
-                          <a:srgbClr val="000000"/>
-                        </a:solidFill>
-                        <a:effectLst/>
-                        <a:latin typeface="Arial" panose="020B0604020202020204" pitchFamily="34" charset="0"/>
-                      </a:endParaRPr>
-                    </a:p>
-                  </a:txBody>
-                  <a:tcPr marL="9525" marR="9525" marT="9525" marB="0" anchor="b"/>
-                </a:tc>
-                <a:tc>
-                  <a:txBody>
-                    <a:bodyPr/>
-                    <a:lstStyle/>
-                    <a:p>
-                      <a:pPr algn="ctr" fontAlgn="b"/>
-                      <a:endParaRPr lang="en-US" sz="1800" b="0" i="0" u="none" strike="noStrike" dirty="0">
-                        <a:solidFill>
-                          <a:srgbClr val="000000"/>
-                        </a:solidFill>
-                        <a:effectLst/>
-                        <a:latin typeface="Arial" panose="020B0604020202020204" pitchFamily="34" charset="0"/>
-                      </a:endParaRPr>
+                      <a:r>
+                        <a:rPr lang="en-US" dirty="0"/>
+                        <a:t>Foreman</a:t>
+                      </a:r>
+                    </a:p>
+                  </a:txBody>
+                  <a:tcPr/>
+                </a:tc>
+                <a:tc>
+                  <a:txBody>
+                    <a:bodyPr/>
+                    <a:lstStyle/>
+                    <a:p>
+                      <a:pPr algn="r" fontAlgn="b"/>
+                      <a:r>
+                        <a:rPr lang="en-US" sz="1800" b="0" i="0" u="none" strike="noStrike" dirty="0">
+                          <a:solidFill>
+                            <a:srgbClr val="000000"/>
+                          </a:solidFill>
+                          <a:effectLst/>
+                          <a:latin typeface="Calibri" panose="020F0502020204030204" pitchFamily="34" charset="0"/>
+                        </a:rPr>
+                        <a:t>283</a:t>
+                      </a:r>
+                    </a:p>
+                  </a:txBody>
+                  <a:tcPr marL="9525" marR="9525" marT="9525" marB="0" anchor="b"/>
+                </a:tc>
+                <a:tc>
+                  <a:txBody>
+                    <a:bodyPr/>
+                    <a:lstStyle/>
+                    <a:p>
+                      <a:pPr algn="r" fontAlgn="b"/>
+                      <a:r>
+                        <a:rPr lang="en-US" sz="1800" b="0" i="0" u="none" strike="noStrike" dirty="0">
+                          <a:solidFill>
+                            <a:srgbClr val="000000"/>
+                          </a:solidFill>
+                          <a:effectLst/>
+                          <a:latin typeface="Calibri" panose="020F0502020204030204" pitchFamily="34" charset="0"/>
+                        </a:rPr>
+                        <a:t>375</a:t>
+                      </a:r>
+                    </a:p>
+                  </a:txBody>
+                  <a:tcPr marL="9525" marR="9525" marT="9525" marB="0" anchor="b"/>
+                </a:tc>
+                <a:tc>
+                  <a:txBody>
+                    <a:bodyPr/>
+                    <a:lstStyle/>
+                    <a:p>
+                      <a:pPr algn="r" fontAlgn="b"/>
+                      <a:r>
+                        <a:rPr lang="en-US" sz="1800" b="0" i="0" u="none" strike="noStrike" dirty="0">
+                          <a:solidFill>
+                            <a:srgbClr val="000000"/>
+                          </a:solidFill>
+                          <a:effectLst/>
+                          <a:latin typeface="Calibri" panose="020F0502020204030204" pitchFamily="34" charset="0"/>
+                        </a:rPr>
+                        <a:t>579</a:t>
+                      </a:r>
+                    </a:p>
+                  </a:txBody>
+                  <a:tcPr marL="9525" marR="9525" marT="9525" marB="0" anchor="b"/>
+                </a:tc>
+                <a:tc>
+                  <a:txBody>
+                    <a:bodyPr/>
+                    <a:lstStyle/>
+                    <a:p>
+                      <a:pPr algn="r" fontAlgn="b"/>
+                      <a:r>
+                        <a:rPr lang="en-US" sz="1800" b="0" i="0" u="none" strike="noStrike" dirty="0">
+                          <a:solidFill>
+                            <a:srgbClr val="000000"/>
+                          </a:solidFill>
+                          <a:effectLst/>
+                          <a:latin typeface="Calibri" panose="020F0502020204030204" pitchFamily="34" charset="0"/>
+                        </a:rPr>
+                        <a:t>783</a:t>
+                      </a:r>
                     </a:p>
                   </a:txBody>
                   <a:tcPr marL="9525" marR="9525" marT="9525" marB="0" anchor="b"/>
@@ -8821,82 +13774,97 @@
                     <a:bodyPr/>
                     <a:lstStyle/>
                     <a:p>
-                      <a:endParaRPr lang="en-US" dirty="0"/>
-                    </a:p>
-                  </a:txBody>
-                  <a:tcPr/>
-                </a:tc>
-                <a:tc>
-                  <a:txBody>
-                    <a:bodyPr/>
-                    <a:lstStyle/>
-                    <a:p>
-                      <a:pPr algn="ctr" fontAlgn="b"/>
-                      <a:endParaRPr lang="en-US" sz="1800" b="0" i="0" u="none" strike="noStrike" dirty="0">
-                        <a:solidFill>
-                          <a:srgbClr val="000000"/>
-                        </a:solidFill>
-                        <a:effectLst/>
-                        <a:latin typeface="Arial" panose="020B0604020202020204" pitchFamily="34" charset="0"/>
-                      </a:endParaRPr>
-                    </a:p>
-                  </a:txBody>
-                  <a:tcPr marL="9525" marR="9525" marT="9525" marB="0" anchor="b"/>
-                </a:tc>
-                <a:tc>
-                  <a:txBody>
-                    <a:bodyPr/>
-                    <a:lstStyle/>
-                    <a:p>
-                      <a:pPr algn="ctr" fontAlgn="b"/>
-                      <a:endParaRPr lang="en-US" sz="1800" b="0" i="0" u="none" strike="noStrike" dirty="0">
-                        <a:solidFill>
-                          <a:srgbClr val="000000"/>
-                        </a:solidFill>
-                        <a:effectLst/>
-                        <a:latin typeface="Arial" panose="020B0604020202020204" pitchFamily="34" charset="0"/>
-                      </a:endParaRPr>
-                    </a:p>
-                  </a:txBody>
-                  <a:tcPr marL="9525" marR="9525" marT="9525" marB="0" anchor="b"/>
-                </a:tc>
-                <a:tc>
-                  <a:txBody>
-                    <a:bodyPr/>
-                    <a:lstStyle/>
-                    <a:p>
-                      <a:pPr algn="ctr" fontAlgn="b"/>
-                      <a:endParaRPr lang="en-US" sz="1800" b="0" i="0" u="none" strike="noStrike" dirty="0">
-                        <a:solidFill>
-                          <a:srgbClr val="000000"/>
-                        </a:solidFill>
-                        <a:effectLst/>
-                        <a:latin typeface="Arial" panose="020B0604020202020204" pitchFamily="34" charset="0"/>
-                      </a:endParaRPr>
-                    </a:p>
-                  </a:txBody>
-                  <a:tcPr marL="9525" marR="9525" marT="9525" marB="0" anchor="b"/>
-                </a:tc>
-                <a:tc>
-                  <a:txBody>
-                    <a:bodyPr/>
-                    <a:lstStyle/>
-                    <a:p>
-                      <a:pPr algn="ctr" fontAlgn="b"/>
-                      <a:endParaRPr lang="en-US" sz="1800" b="0" i="0" u="none" strike="noStrike" dirty="0">
-                        <a:solidFill>
-                          <a:srgbClr val="000000"/>
-                        </a:solidFill>
-                        <a:effectLst/>
-                        <a:latin typeface="Arial" panose="020B0604020202020204" pitchFamily="34" charset="0"/>
-                      </a:endParaRPr>
+                      <a:r>
+                        <a:rPr lang="en-US" dirty="0"/>
+                        <a:t>Logistics Officer</a:t>
+                      </a:r>
+                    </a:p>
+                  </a:txBody>
+                  <a:tcPr/>
+                </a:tc>
+                <a:tc>
+                  <a:txBody>
+                    <a:bodyPr/>
+                    <a:lstStyle/>
+                    <a:p>
+                      <a:pPr algn="r" fontAlgn="b"/>
+                      <a:r>
+                        <a:rPr lang="en-US" sz="1800" b="0" i="0" u="none" strike="noStrike" dirty="0">
+                          <a:solidFill>
+                            <a:srgbClr val="000000"/>
+                          </a:solidFill>
+                          <a:effectLst/>
+                          <a:latin typeface="Calibri" panose="020F0502020204030204" pitchFamily="34" charset="0"/>
+                        </a:rPr>
+                        <a:t>320</a:t>
+                      </a:r>
+                    </a:p>
+                  </a:txBody>
+                  <a:tcPr marL="9525" marR="9525" marT="9525" marB="0" anchor="b"/>
+                </a:tc>
+                <a:tc>
+                  <a:txBody>
+                    <a:bodyPr/>
+                    <a:lstStyle/>
+                    <a:p>
+                      <a:pPr algn="r" fontAlgn="b"/>
+                      <a:r>
+                        <a:rPr lang="en-US" sz="1800" b="0" i="0" u="none" strike="noStrike" dirty="0">
+                          <a:solidFill>
+                            <a:srgbClr val="000000"/>
+                          </a:solidFill>
+                          <a:effectLst/>
+                          <a:latin typeface="Calibri" panose="020F0502020204030204" pitchFamily="34" charset="0"/>
+                        </a:rPr>
+                        <a:t>389</a:t>
+                      </a:r>
+                    </a:p>
+                  </a:txBody>
+                  <a:tcPr marL="9525" marR="9525" marT="9525" marB="0" anchor="b"/>
+                </a:tc>
+                <a:tc>
+                  <a:txBody>
+                    <a:bodyPr/>
+                    <a:lstStyle/>
+                    <a:p>
+                      <a:pPr algn="r" fontAlgn="b"/>
+                      <a:r>
+                        <a:rPr lang="en-US" sz="1800" b="0" i="0" u="none" strike="noStrike" dirty="0">
+                          <a:solidFill>
+                            <a:srgbClr val="000000"/>
+                          </a:solidFill>
+                          <a:effectLst/>
+                          <a:latin typeface="Calibri" panose="020F0502020204030204" pitchFamily="34" charset="0"/>
+                        </a:rPr>
+                        <a:t>456</a:t>
+                      </a:r>
+                    </a:p>
+                  </a:txBody>
+                  <a:tcPr marL="9525" marR="9525" marT="9525" marB="0" anchor="b"/>
+                </a:tc>
+                <a:tc>
+                  <a:txBody>
+                    <a:bodyPr/>
+                    <a:lstStyle/>
+                    <a:p>
+                      <a:pPr algn="r" fontAlgn="b"/>
+                      <a:r>
+                        <a:rPr lang="en-US" sz="1800" b="0" i="0" u="none" strike="noStrike" dirty="0">
+                          <a:solidFill>
+                            <a:srgbClr val="000000"/>
+                          </a:solidFill>
+                          <a:effectLst/>
+                          <a:latin typeface="Calibri" panose="020F0502020204030204" pitchFamily="34" charset="0"/>
+                        </a:rPr>
+                        <a:t>587</a:t>
+                      </a:r>
                     </a:p>
                   </a:txBody>
                   <a:tcPr marL="9525" marR="9525" marT="9525" marB="0" anchor="b"/>
                 </a:tc>
                 <a:extLst>
                   <a:ext uri="{0D108BD9-81ED-4DB2-BD59-A6C34878D82A}">
-                    <a16:rowId xmlns:a16="http://schemas.microsoft.com/office/drawing/2014/main" val="4254989133"/>
+                    <a16:rowId xmlns:a16="http://schemas.microsoft.com/office/drawing/2014/main" val="3570486530"/>
                   </a:ext>
                 </a:extLst>
               </a:tr>
@@ -8907,7 +13875,7 @@
     </p:spTree>
     <p:extLst>
       <p:ext uri="{BB962C8B-B14F-4D97-AF65-F5344CB8AC3E}">
-        <p14:creationId xmlns:p14="http://schemas.microsoft.com/office/powerpoint/2010/main" val="3914239066"/>
+        <p14:creationId xmlns:p14="http://schemas.microsoft.com/office/powerpoint/2010/main" val="1993173200"/>
       </p:ext>
     </p:extLst>
   </p:cSld>

--- a/Presentation/Presentation.pptx
+++ b/Presentation/Presentation.pptx
@@ -23,6 +23,9 @@
     <p:sldId id="283" r:id="rId17"/>
     <p:sldId id="284" r:id="rId18"/>
     <p:sldId id="285" r:id="rId19"/>
+    <p:sldId id="286" r:id="rId20"/>
+    <p:sldId id="287" r:id="rId21"/>
+    <p:sldId id="288" r:id="rId22"/>
   </p:sldIdLst>
   <p:sldSz cx="12192000" cy="6858000"/>
   <p:notesSz cx="6858000" cy="9144000"/>
@@ -127,6 +130,2951 @@
     </p:ext>
   </p:extLst>
 </p:presentation>
+</file>
+
+<file path=ppt/charts/chart1.xml><?xml version="1.0" encoding="utf-8"?>
+<c:chartSpace xmlns:c="http://schemas.openxmlformats.org/drawingml/2006/chart" xmlns:a="http://schemas.openxmlformats.org/drawingml/2006/main" xmlns:r="http://schemas.openxmlformats.org/officeDocument/2006/relationships" xmlns:c16r2="http://schemas.microsoft.com/office/drawing/2015/06/chart">
+  <c:date1904 val="0"/>
+  <c:lang val="en-US"/>
+  <c:roundedCorners val="0"/>
+  <mc:AlternateContent xmlns:mc="http://schemas.openxmlformats.org/markup-compatibility/2006">
+    <mc:Choice xmlns:c14="http://schemas.microsoft.com/office/drawing/2007/8/2/chart" Requires="c14">
+      <c14:style val="102"/>
+    </mc:Choice>
+    <mc:Fallback>
+      <c:style val="2"/>
+    </mc:Fallback>
+  </mc:AlternateContent>
+  <c:chart>
+    <c:autoTitleDeleted val="1"/>
+    <c:pivotFmts>
+      <c:pivotFmt>
+        <c:idx val="0"/>
+        <c:spPr>
+          <a:solidFill>
+            <a:schemeClr val="accent1"/>
+          </a:solidFill>
+          <a:ln w="25400">
+            <a:solidFill>
+              <a:schemeClr val="lt1"/>
+            </a:solidFill>
+          </a:ln>
+          <a:effectLst/>
+          <a:sp3d contourW="25400">
+            <a:contourClr>
+              <a:schemeClr val="lt1"/>
+            </a:contourClr>
+          </a:sp3d>
+        </c:spPr>
+        <c:marker>
+          <c:symbol val="circle"/>
+          <c:size val="5"/>
+        </c:marker>
+        <c:dLbl>
+          <c:idx val="0"/>
+          <c:spPr>
+            <a:noFill/>
+            <a:ln>
+              <a:noFill/>
+            </a:ln>
+            <a:effectLst/>
+          </c:spPr>
+          <c:txPr>
+            <a:bodyPr rot="0" spcFirstLastPara="1" vertOverflow="ellipsis" vert="horz" wrap="square" lIns="38100" tIns="19050" rIns="38100" bIns="19050" anchor="ctr" anchorCtr="1">
+              <a:spAutoFit/>
+            </a:bodyPr>
+            <a:lstStyle/>
+            <a:p>
+              <a:pPr>
+                <a:defRPr sz="900" b="0" i="0" u="none" strike="noStrike" kern="1200" baseline="0">
+                  <a:solidFill>
+                    <a:schemeClr val="tx1">
+                      <a:lumMod val="75000"/>
+                      <a:lumOff val="25000"/>
+                    </a:schemeClr>
+                  </a:solidFill>
+                  <a:latin typeface="+mn-lt"/>
+                  <a:ea typeface="+mn-ea"/>
+                  <a:cs typeface="+mn-cs"/>
+                </a:defRPr>
+              </a:pPr>
+              <a:endParaRPr lang="en-US"/>
+            </a:p>
+          </c:txPr>
+          <c:dLblPos val="inEnd"/>
+          <c:showLegendKey val="0"/>
+          <c:showVal val="0"/>
+          <c:showCatName val="1"/>
+          <c:showSerName val="0"/>
+          <c:showPercent val="1"/>
+          <c:showBubbleSize val="0"/>
+          <c:extLst>
+            <c:ext xmlns:c15="http://schemas.microsoft.com/office/drawing/2012/chart" uri="{CE6537A1-D6FC-4f65-9D91-7224C49458BB}"/>
+          </c:extLst>
+        </c:dLbl>
+      </c:pivotFmt>
+      <c:pivotFmt>
+        <c:idx val="1"/>
+        <c:spPr>
+          <a:solidFill>
+            <a:schemeClr val="accent1"/>
+          </a:solidFill>
+          <a:ln w="25400">
+            <a:solidFill>
+              <a:schemeClr val="lt1"/>
+            </a:solidFill>
+          </a:ln>
+          <a:effectLst/>
+          <a:sp3d contourW="25400">
+            <a:contourClr>
+              <a:schemeClr val="lt1"/>
+            </a:contourClr>
+          </a:sp3d>
+        </c:spPr>
+        <c:marker>
+          <c:symbol val="none"/>
+        </c:marker>
+        <c:dLbl>
+          <c:idx val="0"/>
+          <c:spPr>
+            <a:noFill/>
+            <a:ln>
+              <a:noFill/>
+            </a:ln>
+            <a:effectLst/>
+          </c:spPr>
+          <c:txPr>
+            <a:bodyPr rot="0" spcFirstLastPara="1" vertOverflow="ellipsis" vert="horz" wrap="square" lIns="38100" tIns="19050" rIns="38100" bIns="19050" anchor="ctr" anchorCtr="1">
+              <a:spAutoFit/>
+            </a:bodyPr>
+            <a:lstStyle/>
+            <a:p>
+              <a:pPr>
+                <a:defRPr sz="900" b="0" i="0" u="none" strike="noStrike" kern="1200" baseline="0">
+                  <a:solidFill>
+                    <a:schemeClr val="tx1">
+                      <a:lumMod val="75000"/>
+                      <a:lumOff val="25000"/>
+                    </a:schemeClr>
+                  </a:solidFill>
+                  <a:latin typeface="+mn-lt"/>
+                  <a:ea typeface="+mn-ea"/>
+                  <a:cs typeface="+mn-cs"/>
+                </a:defRPr>
+              </a:pPr>
+              <a:endParaRPr lang="en-US"/>
+            </a:p>
+          </c:txPr>
+          <c:dLblPos val="inEnd"/>
+          <c:showLegendKey val="0"/>
+          <c:showVal val="0"/>
+          <c:showCatName val="1"/>
+          <c:showSerName val="0"/>
+          <c:showPercent val="1"/>
+          <c:showBubbleSize val="0"/>
+          <c:extLst>
+            <c:ext xmlns:c15="http://schemas.microsoft.com/office/drawing/2012/chart" uri="{CE6537A1-D6FC-4f65-9D91-7224C49458BB}"/>
+          </c:extLst>
+        </c:dLbl>
+      </c:pivotFmt>
+      <c:pivotFmt>
+        <c:idx val="2"/>
+        <c:spPr>
+          <a:solidFill>
+            <a:schemeClr val="accent1"/>
+          </a:solidFill>
+          <a:ln w="25400">
+            <a:solidFill>
+              <a:schemeClr val="lt1"/>
+            </a:solidFill>
+          </a:ln>
+          <a:effectLst/>
+          <a:sp3d contourW="25400">
+            <a:contourClr>
+              <a:schemeClr val="lt1"/>
+            </a:contourClr>
+          </a:sp3d>
+        </c:spPr>
+      </c:pivotFmt>
+      <c:pivotFmt>
+        <c:idx val="3"/>
+        <c:spPr>
+          <a:solidFill>
+            <a:schemeClr val="accent1"/>
+          </a:solidFill>
+          <a:ln w="25400">
+            <a:solidFill>
+              <a:schemeClr val="lt1"/>
+            </a:solidFill>
+          </a:ln>
+          <a:effectLst/>
+          <a:sp3d contourW="25400">
+            <a:contourClr>
+              <a:schemeClr val="lt1"/>
+            </a:contourClr>
+          </a:sp3d>
+        </c:spPr>
+      </c:pivotFmt>
+      <c:pivotFmt>
+        <c:idx val="4"/>
+        <c:spPr>
+          <a:solidFill>
+            <a:schemeClr val="accent1"/>
+          </a:solidFill>
+          <a:ln w="25400">
+            <a:solidFill>
+              <a:schemeClr val="lt1"/>
+            </a:solidFill>
+          </a:ln>
+          <a:effectLst/>
+          <a:sp3d contourW="25400">
+            <a:contourClr>
+              <a:schemeClr val="lt1"/>
+            </a:contourClr>
+          </a:sp3d>
+        </c:spPr>
+      </c:pivotFmt>
+      <c:pivotFmt>
+        <c:idx val="5"/>
+        <c:spPr>
+          <a:solidFill>
+            <a:schemeClr val="accent1"/>
+          </a:solidFill>
+          <a:ln w="25400">
+            <a:solidFill>
+              <a:schemeClr val="lt1"/>
+            </a:solidFill>
+          </a:ln>
+          <a:effectLst/>
+          <a:sp3d contourW="25400">
+            <a:contourClr>
+              <a:schemeClr val="lt1"/>
+            </a:contourClr>
+          </a:sp3d>
+        </c:spPr>
+      </c:pivotFmt>
+      <c:pivotFmt>
+        <c:idx val="6"/>
+        <c:spPr>
+          <a:solidFill>
+            <a:schemeClr val="accent1"/>
+          </a:solidFill>
+          <a:ln w="25400">
+            <a:solidFill>
+              <a:schemeClr val="lt1"/>
+            </a:solidFill>
+          </a:ln>
+          <a:effectLst/>
+          <a:sp3d contourW="25400">
+            <a:contourClr>
+              <a:schemeClr val="lt1"/>
+            </a:contourClr>
+          </a:sp3d>
+        </c:spPr>
+      </c:pivotFmt>
+      <c:pivotFmt>
+        <c:idx val="7"/>
+        <c:spPr>
+          <a:solidFill>
+            <a:schemeClr val="accent1"/>
+          </a:solidFill>
+          <a:ln w="25400">
+            <a:solidFill>
+              <a:schemeClr val="lt1"/>
+            </a:solidFill>
+          </a:ln>
+          <a:effectLst/>
+          <a:sp3d contourW="25400">
+            <a:contourClr>
+              <a:schemeClr val="lt1"/>
+            </a:contourClr>
+          </a:sp3d>
+        </c:spPr>
+      </c:pivotFmt>
+      <c:pivotFmt>
+        <c:idx val="8"/>
+        <c:spPr>
+          <a:solidFill>
+            <a:schemeClr val="accent1"/>
+          </a:solidFill>
+          <a:ln w="25400">
+            <a:solidFill>
+              <a:schemeClr val="lt1"/>
+            </a:solidFill>
+          </a:ln>
+          <a:effectLst/>
+          <a:sp3d contourW="25400">
+            <a:contourClr>
+              <a:schemeClr val="lt1"/>
+            </a:contourClr>
+          </a:sp3d>
+        </c:spPr>
+      </c:pivotFmt>
+      <c:pivotFmt>
+        <c:idx val="9"/>
+        <c:spPr>
+          <a:solidFill>
+            <a:schemeClr val="accent1"/>
+          </a:solidFill>
+          <a:ln w="25400">
+            <a:solidFill>
+              <a:schemeClr val="lt1"/>
+            </a:solidFill>
+          </a:ln>
+          <a:effectLst/>
+          <a:sp3d contourW="25400">
+            <a:contourClr>
+              <a:schemeClr val="lt1"/>
+            </a:contourClr>
+          </a:sp3d>
+        </c:spPr>
+        <c:marker>
+          <c:symbol val="none"/>
+        </c:marker>
+        <c:dLbl>
+          <c:idx val="0"/>
+          <c:spPr>
+            <a:noFill/>
+            <a:ln>
+              <a:noFill/>
+            </a:ln>
+            <a:effectLst/>
+          </c:spPr>
+          <c:txPr>
+            <a:bodyPr rot="0" spcFirstLastPara="1" vertOverflow="ellipsis" vert="horz" wrap="square" lIns="38100" tIns="19050" rIns="38100" bIns="19050" anchor="ctr" anchorCtr="1">
+              <a:spAutoFit/>
+            </a:bodyPr>
+            <a:lstStyle/>
+            <a:p>
+              <a:pPr>
+                <a:defRPr sz="900" b="0" i="0" u="none" strike="noStrike" kern="1200" baseline="0">
+                  <a:solidFill>
+                    <a:schemeClr val="tx1">
+                      <a:lumMod val="75000"/>
+                      <a:lumOff val="25000"/>
+                    </a:schemeClr>
+                  </a:solidFill>
+                  <a:latin typeface="+mn-lt"/>
+                  <a:ea typeface="+mn-ea"/>
+                  <a:cs typeface="+mn-cs"/>
+                </a:defRPr>
+              </a:pPr>
+              <a:endParaRPr lang="en-US"/>
+            </a:p>
+          </c:txPr>
+          <c:dLblPos val="inEnd"/>
+          <c:showLegendKey val="0"/>
+          <c:showVal val="0"/>
+          <c:showCatName val="1"/>
+          <c:showSerName val="0"/>
+          <c:showPercent val="1"/>
+          <c:showBubbleSize val="0"/>
+          <c:extLst>
+            <c:ext xmlns:c15="http://schemas.microsoft.com/office/drawing/2012/chart" uri="{CE6537A1-D6FC-4f65-9D91-7224C49458BB}"/>
+          </c:extLst>
+        </c:dLbl>
+      </c:pivotFmt>
+      <c:pivotFmt>
+        <c:idx val="10"/>
+        <c:spPr>
+          <a:solidFill>
+            <a:schemeClr val="accent1"/>
+          </a:solidFill>
+          <a:ln w="25400">
+            <a:solidFill>
+              <a:schemeClr val="lt1"/>
+            </a:solidFill>
+          </a:ln>
+          <a:effectLst/>
+          <a:sp3d contourW="25400">
+            <a:contourClr>
+              <a:schemeClr val="lt1"/>
+            </a:contourClr>
+          </a:sp3d>
+        </c:spPr>
+      </c:pivotFmt>
+      <c:pivotFmt>
+        <c:idx val="11"/>
+        <c:spPr>
+          <a:solidFill>
+            <a:schemeClr val="accent1"/>
+          </a:solidFill>
+          <a:ln w="25400">
+            <a:solidFill>
+              <a:schemeClr val="lt1"/>
+            </a:solidFill>
+          </a:ln>
+          <a:effectLst/>
+          <a:sp3d contourW="25400">
+            <a:contourClr>
+              <a:schemeClr val="lt1"/>
+            </a:contourClr>
+          </a:sp3d>
+        </c:spPr>
+      </c:pivotFmt>
+      <c:pivotFmt>
+        <c:idx val="12"/>
+        <c:spPr>
+          <a:solidFill>
+            <a:schemeClr val="accent1"/>
+          </a:solidFill>
+          <a:ln w="25400">
+            <a:solidFill>
+              <a:schemeClr val="lt1"/>
+            </a:solidFill>
+          </a:ln>
+          <a:effectLst/>
+          <a:sp3d contourW="25400">
+            <a:contourClr>
+              <a:schemeClr val="lt1"/>
+            </a:contourClr>
+          </a:sp3d>
+        </c:spPr>
+      </c:pivotFmt>
+      <c:pivotFmt>
+        <c:idx val="13"/>
+        <c:spPr>
+          <a:solidFill>
+            <a:schemeClr val="accent1"/>
+          </a:solidFill>
+          <a:ln w="25400">
+            <a:solidFill>
+              <a:schemeClr val="lt1"/>
+            </a:solidFill>
+          </a:ln>
+          <a:effectLst/>
+          <a:sp3d contourW="25400">
+            <a:contourClr>
+              <a:schemeClr val="lt1"/>
+            </a:contourClr>
+          </a:sp3d>
+        </c:spPr>
+      </c:pivotFmt>
+      <c:pivotFmt>
+        <c:idx val="14"/>
+        <c:spPr>
+          <a:solidFill>
+            <a:schemeClr val="accent1"/>
+          </a:solidFill>
+          <a:ln w="25400">
+            <a:solidFill>
+              <a:schemeClr val="lt1"/>
+            </a:solidFill>
+          </a:ln>
+          <a:effectLst/>
+          <a:sp3d contourW="25400">
+            <a:contourClr>
+              <a:schemeClr val="lt1"/>
+            </a:contourClr>
+          </a:sp3d>
+        </c:spPr>
+      </c:pivotFmt>
+      <c:pivotFmt>
+        <c:idx val="15"/>
+        <c:spPr>
+          <a:solidFill>
+            <a:schemeClr val="accent1"/>
+          </a:solidFill>
+          <a:ln w="25400">
+            <a:solidFill>
+              <a:schemeClr val="lt1"/>
+            </a:solidFill>
+          </a:ln>
+          <a:effectLst/>
+          <a:sp3d contourW="25400">
+            <a:contourClr>
+              <a:schemeClr val="lt1"/>
+            </a:contourClr>
+          </a:sp3d>
+        </c:spPr>
+      </c:pivotFmt>
+      <c:pivotFmt>
+        <c:idx val="16"/>
+        <c:spPr>
+          <a:solidFill>
+            <a:schemeClr val="accent1"/>
+          </a:solidFill>
+          <a:ln w="25400">
+            <a:solidFill>
+              <a:schemeClr val="lt1"/>
+            </a:solidFill>
+          </a:ln>
+          <a:effectLst/>
+          <a:sp3d contourW="25400">
+            <a:contourClr>
+              <a:schemeClr val="lt1"/>
+            </a:contourClr>
+          </a:sp3d>
+        </c:spPr>
+      </c:pivotFmt>
+    </c:pivotFmts>
+    <c:view3D>
+      <c:rotX val="30"/>
+      <c:rotY val="0"/>
+      <c:depthPercent val="100"/>
+      <c:rAngAx val="0"/>
+    </c:view3D>
+    <c:floor>
+      <c:thickness val="0"/>
+      <c:spPr>
+        <a:noFill/>
+        <a:ln>
+          <a:noFill/>
+        </a:ln>
+        <a:effectLst/>
+        <a:sp3d/>
+      </c:spPr>
+    </c:floor>
+    <c:sideWall>
+      <c:thickness val="0"/>
+      <c:spPr>
+        <a:noFill/>
+        <a:ln>
+          <a:noFill/>
+        </a:ln>
+        <a:effectLst/>
+        <a:sp3d/>
+      </c:spPr>
+    </c:sideWall>
+    <c:backWall>
+      <c:thickness val="0"/>
+      <c:spPr>
+        <a:noFill/>
+        <a:ln>
+          <a:noFill/>
+        </a:ln>
+        <a:effectLst/>
+        <a:sp3d/>
+      </c:spPr>
+    </c:backWall>
+    <c:plotArea>
+      <c:layout>
+        <c:manualLayout>
+          <c:layoutTarget val="inner"/>
+          <c:xMode val="edge"/>
+          <c:yMode val="edge"/>
+          <c:x val="0"/>
+          <c:y val="0.25102001827732967"/>
+          <c:w val="0.76525134211810641"/>
+          <c:h val="0.74897998172267033"/>
+        </c:manualLayout>
+      </c:layout>
+      <c:pie3DChart>
+        <c:varyColors val="1"/>
+        <c:ser>
+          <c:idx val="0"/>
+          <c:order val="0"/>
+          <c:tx>
+            <c:strRef>
+              <c:f>Sheet2!$B$3</c:f>
+              <c:strCache>
+                <c:ptCount val="1"/>
+                <c:pt idx="0">
+                  <c:v>Total</c:v>
+                </c:pt>
+              </c:strCache>
+            </c:strRef>
+          </c:tx>
+          <c:dPt>
+            <c:idx val="0"/>
+            <c:bubble3D val="0"/>
+            <c:spPr>
+              <a:solidFill>
+                <a:schemeClr val="accent1"/>
+              </a:solidFill>
+              <a:ln w="25400">
+                <a:solidFill>
+                  <a:schemeClr val="lt1"/>
+                </a:solidFill>
+              </a:ln>
+              <a:effectLst/>
+              <a:sp3d contourW="25400">
+                <a:contourClr>
+                  <a:schemeClr val="lt1"/>
+                </a:contourClr>
+              </a:sp3d>
+            </c:spPr>
+            <c:extLst>
+              <c:ext xmlns:c16="http://schemas.microsoft.com/office/drawing/2014/chart" uri="{C3380CC4-5D6E-409C-BE32-E72D297353CC}">
+                <c16:uniqueId val="{00000001-578F-4522-8CEA-D34DDC2610AD}"/>
+              </c:ext>
+            </c:extLst>
+          </c:dPt>
+          <c:dPt>
+            <c:idx val="1"/>
+            <c:bubble3D val="0"/>
+            <c:spPr>
+              <a:solidFill>
+                <a:schemeClr val="accent2"/>
+              </a:solidFill>
+              <a:ln w="25400">
+                <a:solidFill>
+                  <a:schemeClr val="lt1"/>
+                </a:solidFill>
+              </a:ln>
+              <a:effectLst/>
+              <a:sp3d contourW="25400">
+                <a:contourClr>
+                  <a:schemeClr val="lt1"/>
+                </a:contourClr>
+              </a:sp3d>
+            </c:spPr>
+            <c:extLst>
+              <c:ext xmlns:c16="http://schemas.microsoft.com/office/drawing/2014/chart" uri="{C3380CC4-5D6E-409C-BE32-E72D297353CC}">
+                <c16:uniqueId val="{00000003-578F-4522-8CEA-D34DDC2610AD}"/>
+              </c:ext>
+            </c:extLst>
+          </c:dPt>
+          <c:dPt>
+            <c:idx val="2"/>
+            <c:bubble3D val="0"/>
+            <c:spPr>
+              <a:solidFill>
+                <a:schemeClr val="accent3"/>
+              </a:solidFill>
+              <a:ln w="25400">
+                <a:solidFill>
+                  <a:schemeClr val="lt1"/>
+                </a:solidFill>
+              </a:ln>
+              <a:effectLst/>
+              <a:sp3d contourW="25400">
+                <a:contourClr>
+                  <a:schemeClr val="lt1"/>
+                </a:contourClr>
+              </a:sp3d>
+            </c:spPr>
+            <c:extLst>
+              <c:ext xmlns:c16="http://schemas.microsoft.com/office/drawing/2014/chart" uri="{C3380CC4-5D6E-409C-BE32-E72D297353CC}">
+                <c16:uniqueId val="{00000005-578F-4522-8CEA-D34DDC2610AD}"/>
+              </c:ext>
+            </c:extLst>
+          </c:dPt>
+          <c:dPt>
+            <c:idx val="3"/>
+            <c:bubble3D val="0"/>
+            <c:spPr>
+              <a:solidFill>
+                <a:schemeClr val="accent4"/>
+              </a:solidFill>
+              <a:ln w="25400">
+                <a:solidFill>
+                  <a:schemeClr val="lt1"/>
+                </a:solidFill>
+              </a:ln>
+              <a:effectLst/>
+              <a:sp3d contourW="25400">
+                <a:contourClr>
+                  <a:schemeClr val="lt1"/>
+                </a:contourClr>
+              </a:sp3d>
+            </c:spPr>
+            <c:extLst>
+              <c:ext xmlns:c16="http://schemas.microsoft.com/office/drawing/2014/chart" uri="{C3380CC4-5D6E-409C-BE32-E72D297353CC}">
+                <c16:uniqueId val="{00000007-578F-4522-8CEA-D34DDC2610AD}"/>
+              </c:ext>
+            </c:extLst>
+          </c:dPt>
+          <c:dPt>
+            <c:idx val="4"/>
+            <c:bubble3D val="0"/>
+            <c:spPr>
+              <a:solidFill>
+                <a:schemeClr val="accent5"/>
+              </a:solidFill>
+              <a:ln w="25400">
+                <a:solidFill>
+                  <a:schemeClr val="lt1"/>
+                </a:solidFill>
+              </a:ln>
+              <a:effectLst/>
+              <a:sp3d contourW="25400">
+                <a:contourClr>
+                  <a:schemeClr val="lt1"/>
+                </a:contourClr>
+              </a:sp3d>
+            </c:spPr>
+            <c:extLst>
+              <c:ext xmlns:c16="http://schemas.microsoft.com/office/drawing/2014/chart" uri="{C3380CC4-5D6E-409C-BE32-E72D297353CC}">
+                <c16:uniqueId val="{00000009-578F-4522-8CEA-D34DDC2610AD}"/>
+              </c:ext>
+            </c:extLst>
+          </c:dPt>
+          <c:dPt>
+            <c:idx val="5"/>
+            <c:bubble3D val="0"/>
+            <c:spPr>
+              <a:solidFill>
+                <a:schemeClr val="accent6"/>
+              </a:solidFill>
+              <a:ln w="25400">
+                <a:solidFill>
+                  <a:schemeClr val="lt1"/>
+                </a:solidFill>
+              </a:ln>
+              <a:effectLst/>
+              <a:sp3d contourW="25400">
+                <a:contourClr>
+                  <a:schemeClr val="lt1"/>
+                </a:contourClr>
+              </a:sp3d>
+            </c:spPr>
+            <c:extLst>
+              <c:ext xmlns:c16="http://schemas.microsoft.com/office/drawing/2014/chart" uri="{C3380CC4-5D6E-409C-BE32-E72D297353CC}">
+                <c16:uniqueId val="{0000000B-578F-4522-8CEA-D34DDC2610AD}"/>
+              </c:ext>
+            </c:extLst>
+          </c:dPt>
+          <c:dPt>
+            <c:idx val="6"/>
+            <c:bubble3D val="0"/>
+            <c:spPr>
+              <a:solidFill>
+                <a:schemeClr val="accent1">
+                  <a:lumMod val="60000"/>
+                </a:schemeClr>
+              </a:solidFill>
+              <a:ln w="25400">
+                <a:solidFill>
+                  <a:schemeClr val="lt1"/>
+                </a:solidFill>
+              </a:ln>
+              <a:effectLst/>
+              <a:sp3d contourW="25400">
+                <a:contourClr>
+                  <a:schemeClr val="lt1"/>
+                </a:contourClr>
+              </a:sp3d>
+            </c:spPr>
+            <c:extLst>
+              <c:ext xmlns:c16="http://schemas.microsoft.com/office/drawing/2014/chart" uri="{C3380CC4-5D6E-409C-BE32-E72D297353CC}">
+                <c16:uniqueId val="{0000000D-578F-4522-8CEA-D34DDC2610AD}"/>
+              </c:ext>
+            </c:extLst>
+          </c:dPt>
+          <c:dLbls>
+            <c:dLbl>
+              <c:idx val="0"/>
+              <c:layout>
+                <c:manualLayout>
+                  <c:x val="-5.5339496888417779E-2"/>
+                  <c:y val="0.12349079655459234"/>
+                </c:manualLayout>
+              </c:layout>
+              <c:dLblPos val="bestFit"/>
+              <c:showLegendKey val="0"/>
+              <c:showVal val="0"/>
+              <c:showCatName val="1"/>
+              <c:showSerName val="0"/>
+              <c:showPercent val="1"/>
+              <c:showBubbleSize val="0"/>
+              <c:extLst>
+                <c:ext xmlns:c15="http://schemas.microsoft.com/office/drawing/2012/chart" uri="{CE6537A1-D6FC-4f65-9D91-7224C49458BB}"/>
+                <c:ext xmlns:c16="http://schemas.microsoft.com/office/drawing/2014/chart" uri="{C3380CC4-5D6E-409C-BE32-E72D297353CC}">
+                  <c16:uniqueId val="{00000001-578F-4522-8CEA-D34DDC2610AD}"/>
+                </c:ext>
+              </c:extLst>
+            </c:dLbl>
+            <c:dLbl>
+              <c:idx val="5"/>
+              <c:layout>
+                <c:manualLayout>
+                  <c:x val="6.2125229991307762E-2"/>
+                  <c:y val="0.13358250942720121"/>
+                </c:manualLayout>
+              </c:layout>
+              <c:dLblPos val="bestFit"/>
+              <c:showLegendKey val="0"/>
+              <c:showVal val="0"/>
+              <c:showCatName val="1"/>
+              <c:showSerName val="0"/>
+              <c:showPercent val="1"/>
+              <c:showBubbleSize val="0"/>
+              <c:extLst>
+                <c:ext xmlns:c15="http://schemas.microsoft.com/office/drawing/2012/chart" uri="{CE6537A1-D6FC-4f65-9D91-7224C49458BB}"/>
+                <c:ext xmlns:c16="http://schemas.microsoft.com/office/drawing/2014/chart" uri="{C3380CC4-5D6E-409C-BE32-E72D297353CC}">
+                  <c16:uniqueId val="{0000000B-578F-4522-8CEA-D34DDC2610AD}"/>
+                </c:ext>
+              </c:extLst>
+            </c:dLbl>
+            <c:spPr>
+              <a:noFill/>
+              <a:ln>
+                <a:noFill/>
+              </a:ln>
+              <a:effectLst/>
+            </c:spPr>
+            <c:txPr>
+              <a:bodyPr rot="0" spcFirstLastPara="1" vertOverflow="ellipsis" vert="horz" wrap="square" lIns="38100" tIns="19050" rIns="38100" bIns="19050" anchor="ctr" anchorCtr="1">
+                <a:spAutoFit/>
+              </a:bodyPr>
+              <a:lstStyle/>
+              <a:p>
+                <a:pPr>
+                  <a:defRPr sz="1400" b="0" i="0" u="none" strike="noStrike" kern="1200" baseline="0">
+                    <a:solidFill>
+                      <a:schemeClr val="tx1">
+                        <a:lumMod val="75000"/>
+                        <a:lumOff val="25000"/>
+                      </a:schemeClr>
+                    </a:solidFill>
+                    <a:latin typeface="+mn-lt"/>
+                    <a:ea typeface="+mn-ea"/>
+                    <a:cs typeface="+mn-cs"/>
+                  </a:defRPr>
+                </a:pPr>
+                <a:endParaRPr lang="en-US"/>
+              </a:p>
+            </c:txPr>
+            <c:dLblPos val="inEnd"/>
+            <c:showLegendKey val="0"/>
+            <c:showVal val="0"/>
+            <c:showCatName val="1"/>
+            <c:showSerName val="0"/>
+            <c:showPercent val="1"/>
+            <c:showBubbleSize val="0"/>
+            <c:showLeaderLines val="1"/>
+            <c:leaderLines>
+              <c:spPr>
+                <a:ln w="9525" cap="flat" cmpd="sng" algn="ctr">
+                  <a:solidFill>
+                    <a:schemeClr val="tx1">
+                      <a:lumMod val="35000"/>
+                      <a:lumOff val="65000"/>
+                    </a:schemeClr>
+                  </a:solidFill>
+                  <a:round/>
+                </a:ln>
+                <a:effectLst/>
+              </c:spPr>
+            </c:leaderLines>
+            <c:extLst>
+              <c:ext xmlns:c15="http://schemas.microsoft.com/office/drawing/2012/chart" uri="{CE6537A1-D6FC-4f65-9D91-7224C49458BB}"/>
+            </c:extLst>
+          </c:dLbls>
+          <c:cat>
+            <c:strRef>
+              <c:f>Sheet2!$A$4:$A$11</c:f>
+              <c:strCache>
+                <c:ptCount val="7"/>
+                <c:pt idx="0">
+                  <c:v>101-200</c:v>
+                </c:pt>
+                <c:pt idx="1">
+                  <c:v>10-50</c:v>
+                </c:pt>
+                <c:pt idx="2">
+                  <c:v>1-9</c:v>
+                </c:pt>
+                <c:pt idx="3">
+                  <c:v>201-500</c:v>
+                </c:pt>
+                <c:pt idx="4">
+                  <c:v>51-100</c:v>
+                </c:pt>
+                <c:pt idx="5">
+                  <c:v>Over 500</c:v>
+                </c:pt>
+                <c:pt idx="6">
+                  <c:v>(blank)</c:v>
+                </c:pt>
+              </c:strCache>
+            </c:strRef>
+          </c:cat>
+          <c:val>
+            <c:numRef>
+              <c:f>Sheet2!$B$4:$B$11</c:f>
+              <c:numCache>
+                <c:formatCode>General</c:formatCode>
+                <c:ptCount val="7"/>
+                <c:pt idx="0">
+                  <c:v>3</c:v>
+                </c:pt>
+                <c:pt idx="1">
+                  <c:v>22</c:v>
+                </c:pt>
+                <c:pt idx="2">
+                  <c:v>17</c:v>
+                </c:pt>
+                <c:pt idx="3">
+                  <c:v>2</c:v>
+                </c:pt>
+                <c:pt idx="4">
+                  <c:v>10</c:v>
+                </c:pt>
+                <c:pt idx="5">
+                  <c:v>6</c:v>
+                </c:pt>
+              </c:numCache>
+            </c:numRef>
+          </c:val>
+          <c:extLst>
+            <c:ext xmlns:c16="http://schemas.microsoft.com/office/drawing/2014/chart" uri="{C3380CC4-5D6E-409C-BE32-E72D297353CC}">
+              <c16:uniqueId val="{0000000E-578F-4522-8CEA-D34DDC2610AD}"/>
+            </c:ext>
+          </c:extLst>
+        </c:ser>
+        <c:dLbls>
+          <c:dLblPos val="inEnd"/>
+          <c:showLegendKey val="0"/>
+          <c:showVal val="0"/>
+          <c:showCatName val="1"/>
+          <c:showSerName val="0"/>
+          <c:showPercent val="0"/>
+          <c:showBubbleSize val="0"/>
+          <c:showLeaderLines val="1"/>
+        </c:dLbls>
+      </c:pie3DChart>
+      <c:spPr>
+        <a:noFill/>
+        <a:ln>
+          <a:noFill/>
+        </a:ln>
+        <a:effectLst/>
+      </c:spPr>
+    </c:plotArea>
+    <c:legend>
+      <c:legendPos val="r"/>
+      <c:legendEntry>
+        <c:idx val="0"/>
+        <c:txPr>
+          <a:bodyPr rot="0" spcFirstLastPara="1" vertOverflow="ellipsis" vert="horz" wrap="square" anchor="ctr" anchorCtr="1"/>
+          <a:lstStyle/>
+          <a:p>
+            <a:pPr>
+              <a:defRPr sz="1500" b="0" i="0" u="none" strike="noStrike" kern="1200" baseline="0">
+                <a:solidFill>
+                  <a:schemeClr val="tx1">
+                    <a:lumMod val="65000"/>
+                    <a:lumOff val="35000"/>
+                  </a:schemeClr>
+                </a:solidFill>
+                <a:latin typeface="+mn-lt"/>
+                <a:ea typeface="+mn-ea"/>
+                <a:cs typeface="+mn-cs"/>
+              </a:defRPr>
+            </a:pPr>
+            <a:endParaRPr lang="en-US"/>
+          </a:p>
+        </c:txPr>
+      </c:legendEntry>
+      <c:legendEntry>
+        <c:idx val="1"/>
+        <c:txPr>
+          <a:bodyPr rot="0" spcFirstLastPara="1" vertOverflow="ellipsis" vert="horz" wrap="square" anchor="ctr" anchorCtr="1"/>
+          <a:lstStyle/>
+          <a:p>
+            <a:pPr>
+              <a:defRPr sz="1500" b="0" i="0" u="none" strike="noStrike" kern="1200" baseline="0">
+                <a:solidFill>
+                  <a:schemeClr val="tx1">
+                    <a:lumMod val="65000"/>
+                    <a:lumOff val="35000"/>
+                  </a:schemeClr>
+                </a:solidFill>
+                <a:latin typeface="+mn-lt"/>
+                <a:ea typeface="+mn-ea"/>
+                <a:cs typeface="+mn-cs"/>
+              </a:defRPr>
+            </a:pPr>
+            <a:endParaRPr lang="en-US"/>
+          </a:p>
+        </c:txPr>
+      </c:legendEntry>
+      <c:legendEntry>
+        <c:idx val="2"/>
+        <c:txPr>
+          <a:bodyPr rot="0" spcFirstLastPara="1" vertOverflow="ellipsis" vert="horz" wrap="square" anchor="ctr" anchorCtr="1"/>
+          <a:lstStyle/>
+          <a:p>
+            <a:pPr>
+              <a:defRPr sz="1500" b="0" i="0" u="none" strike="noStrike" kern="1200" baseline="0">
+                <a:solidFill>
+                  <a:schemeClr val="tx1">
+                    <a:lumMod val="65000"/>
+                    <a:lumOff val="35000"/>
+                  </a:schemeClr>
+                </a:solidFill>
+                <a:latin typeface="+mn-lt"/>
+                <a:ea typeface="+mn-ea"/>
+                <a:cs typeface="+mn-cs"/>
+              </a:defRPr>
+            </a:pPr>
+            <a:endParaRPr lang="en-US"/>
+          </a:p>
+        </c:txPr>
+      </c:legendEntry>
+      <c:legendEntry>
+        <c:idx val="3"/>
+        <c:txPr>
+          <a:bodyPr rot="0" spcFirstLastPara="1" vertOverflow="ellipsis" vert="horz" wrap="square" anchor="ctr" anchorCtr="1"/>
+          <a:lstStyle/>
+          <a:p>
+            <a:pPr>
+              <a:defRPr sz="1500" b="0" i="0" u="none" strike="noStrike" kern="1200" baseline="0">
+                <a:solidFill>
+                  <a:schemeClr val="tx1">
+                    <a:lumMod val="65000"/>
+                    <a:lumOff val="35000"/>
+                  </a:schemeClr>
+                </a:solidFill>
+                <a:latin typeface="+mn-lt"/>
+                <a:ea typeface="+mn-ea"/>
+                <a:cs typeface="+mn-cs"/>
+              </a:defRPr>
+            </a:pPr>
+            <a:endParaRPr lang="en-US"/>
+          </a:p>
+        </c:txPr>
+      </c:legendEntry>
+      <c:legendEntry>
+        <c:idx val="4"/>
+        <c:txPr>
+          <a:bodyPr rot="0" spcFirstLastPara="1" vertOverflow="ellipsis" vert="horz" wrap="square" anchor="ctr" anchorCtr="1"/>
+          <a:lstStyle/>
+          <a:p>
+            <a:pPr>
+              <a:defRPr sz="1500" b="0" i="0" u="none" strike="noStrike" kern="1200" baseline="0">
+                <a:solidFill>
+                  <a:schemeClr val="tx1">
+                    <a:lumMod val="65000"/>
+                    <a:lumOff val="35000"/>
+                  </a:schemeClr>
+                </a:solidFill>
+                <a:latin typeface="+mn-lt"/>
+                <a:ea typeface="+mn-ea"/>
+                <a:cs typeface="+mn-cs"/>
+              </a:defRPr>
+            </a:pPr>
+            <a:endParaRPr lang="en-US"/>
+          </a:p>
+        </c:txPr>
+      </c:legendEntry>
+      <c:legendEntry>
+        <c:idx val="5"/>
+        <c:txPr>
+          <a:bodyPr rot="0" spcFirstLastPara="1" vertOverflow="ellipsis" vert="horz" wrap="square" anchor="ctr" anchorCtr="1"/>
+          <a:lstStyle/>
+          <a:p>
+            <a:pPr>
+              <a:defRPr sz="1500" b="0" i="0" u="none" strike="noStrike" kern="1200" baseline="0">
+                <a:solidFill>
+                  <a:schemeClr val="tx1">
+                    <a:lumMod val="65000"/>
+                    <a:lumOff val="35000"/>
+                  </a:schemeClr>
+                </a:solidFill>
+                <a:latin typeface="+mn-lt"/>
+                <a:ea typeface="+mn-ea"/>
+                <a:cs typeface="+mn-cs"/>
+              </a:defRPr>
+            </a:pPr>
+            <a:endParaRPr lang="en-US"/>
+          </a:p>
+        </c:txPr>
+      </c:legendEntry>
+      <c:legendEntry>
+        <c:idx val="6"/>
+        <c:delete val="1"/>
+      </c:legendEntry>
+      <c:layout>
+        <c:manualLayout>
+          <c:xMode val="edge"/>
+          <c:yMode val="edge"/>
+          <c:x val="0.84466979490316674"/>
+          <c:y val="0.26790952048690131"/>
+          <c:w val="0.1355527045731966"/>
+          <c:h val="0.53625304083652259"/>
+        </c:manualLayout>
+      </c:layout>
+      <c:overlay val="0"/>
+      <c:spPr>
+        <a:noFill/>
+        <a:ln>
+          <a:noFill/>
+        </a:ln>
+        <a:effectLst/>
+      </c:spPr>
+      <c:txPr>
+        <a:bodyPr rot="0" spcFirstLastPara="1" vertOverflow="ellipsis" vert="horz" wrap="square" anchor="ctr" anchorCtr="1"/>
+        <a:lstStyle/>
+        <a:p>
+          <a:pPr>
+            <a:defRPr sz="900" b="0" i="0" u="none" strike="noStrike" kern="1200" baseline="0">
+              <a:solidFill>
+                <a:schemeClr val="tx1">
+                  <a:lumMod val="65000"/>
+                  <a:lumOff val="35000"/>
+                </a:schemeClr>
+              </a:solidFill>
+              <a:latin typeface="+mn-lt"/>
+              <a:ea typeface="+mn-ea"/>
+              <a:cs typeface="+mn-cs"/>
+            </a:defRPr>
+          </a:pPr>
+          <a:endParaRPr lang="en-US"/>
+        </a:p>
+      </c:txPr>
+    </c:legend>
+    <c:plotVisOnly val="1"/>
+    <c:dispBlanksAs val="gap"/>
+    <c:extLst>
+      <c:ext xmlns:c16r3="http://schemas.microsoft.com/office/drawing/2017/03/chart" uri="{56B9EC1D-385E-4148-901F-78D8002777C0}">
+        <c16r3:dataDisplayOptions16>
+          <c16r3:dispNaAsBlank val="1"/>
+        </c16r3:dataDisplayOptions16>
+      </c:ext>
+    </c:extLst>
+    <c:showDLblsOverMax val="0"/>
+  </c:chart>
+  <c:spPr>
+    <a:noFill/>
+    <a:ln>
+      <a:noFill/>
+    </a:ln>
+    <a:effectLst/>
+  </c:spPr>
+  <c:txPr>
+    <a:bodyPr/>
+    <a:lstStyle/>
+    <a:p>
+      <a:pPr>
+        <a:defRPr/>
+      </a:pPr>
+      <a:endParaRPr lang="en-US"/>
+    </a:p>
+  </c:txPr>
+  <c:externalData r:id="rId3">
+    <c:autoUpdate val="0"/>
+  </c:externalData>
+  <c:extLst/>
+</c:chartSpace>
+</file>
+
+<file path=ppt/charts/chart2.xml><?xml version="1.0" encoding="utf-8"?>
+<c:chartSpace xmlns:c="http://schemas.openxmlformats.org/drawingml/2006/chart" xmlns:a="http://schemas.openxmlformats.org/drawingml/2006/main" xmlns:r="http://schemas.openxmlformats.org/officeDocument/2006/relationships" xmlns:c16r2="http://schemas.microsoft.com/office/drawing/2015/06/chart">
+  <c:date1904 val="0"/>
+  <c:lang val="en-US"/>
+  <c:roundedCorners val="0"/>
+  <mc:AlternateContent xmlns:mc="http://schemas.openxmlformats.org/markup-compatibility/2006">
+    <mc:Choice xmlns:c14="http://schemas.microsoft.com/office/drawing/2007/8/2/chart" Requires="c14">
+      <c14:style val="102"/>
+    </mc:Choice>
+    <mc:Fallback>
+      <c:style val="2"/>
+    </mc:Fallback>
+  </mc:AlternateContent>
+  <c:chart>
+    <c:autoTitleDeleted val="1"/>
+    <c:pivotFmts>
+      <c:pivotFmt>
+        <c:idx val="0"/>
+        <c:spPr>
+          <a:solidFill>
+            <a:schemeClr val="accent1"/>
+          </a:solidFill>
+          <a:ln w="19050">
+            <a:noFill/>
+          </a:ln>
+          <a:effectLst>
+            <a:outerShdw blurRad="254000" sx="102000" sy="102000" algn="ctr" rotWithShape="0">
+              <a:prstClr val="black">
+                <a:alpha val="20000"/>
+              </a:prstClr>
+            </a:outerShdw>
+          </a:effectLst>
+        </c:spPr>
+        <c:marker>
+          <c:symbol val="circle"/>
+          <c:size val="6"/>
+        </c:marker>
+        <c:dLbl>
+          <c:idx val="0"/>
+          <c:spPr>
+            <a:pattFill prst="pct75">
+              <a:fgClr>
+                <a:sysClr val="windowText" lastClr="000000">
+                  <a:lumMod val="75000"/>
+                  <a:lumOff val="25000"/>
+                </a:sysClr>
+              </a:fgClr>
+              <a:bgClr>
+                <a:sysClr val="windowText" lastClr="000000">
+                  <a:lumMod val="65000"/>
+                  <a:lumOff val="35000"/>
+                </a:sysClr>
+              </a:bgClr>
+            </a:pattFill>
+            <a:ln>
+              <a:noFill/>
+            </a:ln>
+            <a:effectLst>
+              <a:outerShdw blurRad="50800" dist="38100" dir="2700000" algn="tl" rotWithShape="0">
+                <a:prstClr val="black">
+                  <a:alpha val="40000"/>
+                </a:prstClr>
+              </a:outerShdw>
+            </a:effectLst>
+          </c:spPr>
+          <c:txPr>
+            <a:bodyPr rot="0" spcFirstLastPara="1" vertOverflow="ellipsis" vert="horz" wrap="square" lIns="38100" tIns="19050" rIns="38100" bIns="19050" anchor="ctr" anchorCtr="1">
+              <a:spAutoFit/>
+            </a:bodyPr>
+            <a:lstStyle/>
+            <a:p>
+              <a:pPr>
+                <a:defRPr sz="1000" b="1" i="0" u="none" strike="noStrike" kern="1200" baseline="0">
+                  <a:solidFill>
+                    <a:schemeClr val="lt1"/>
+                  </a:solidFill>
+                  <a:latin typeface="+mn-lt"/>
+                  <a:ea typeface="+mn-ea"/>
+                  <a:cs typeface="+mn-cs"/>
+                </a:defRPr>
+              </a:pPr>
+              <a:endParaRPr lang="en-US"/>
+            </a:p>
+          </c:txPr>
+          <c:dLblPos val="ctr"/>
+          <c:showLegendKey val="0"/>
+          <c:showVal val="0"/>
+          <c:showCatName val="0"/>
+          <c:showSerName val="0"/>
+          <c:showPercent val="1"/>
+          <c:showBubbleSize val="0"/>
+          <c:extLst>
+            <c:ext xmlns:c15="http://schemas.microsoft.com/office/drawing/2012/chart" uri="{CE6537A1-D6FC-4f65-9D91-7224C49458BB}"/>
+          </c:extLst>
+        </c:dLbl>
+      </c:pivotFmt>
+      <c:pivotFmt>
+        <c:idx val="1"/>
+        <c:spPr>
+          <a:solidFill>
+            <a:schemeClr val="accent1"/>
+          </a:solidFill>
+          <a:ln w="19050">
+            <a:noFill/>
+          </a:ln>
+          <a:effectLst>
+            <a:outerShdw blurRad="254000" sx="102000" sy="102000" algn="ctr" rotWithShape="0">
+              <a:prstClr val="black">
+                <a:alpha val="20000"/>
+              </a:prstClr>
+            </a:outerShdw>
+          </a:effectLst>
+        </c:spPr>
+        <c:marker>
+          <c:symbol val="none"/>
+        </c:marker>
+        <c:dLbl>
+          <c:idx val="0"/>
+          <c:spPr>
+            <a:pattFill prst="pct75">
+              <a:fgClr>
+                <a:sysClr val="windowText" lastClr="000000">
+                  <a:lumMod val="75000"/>
+                  <a:lumOff val="25000"/>
+                </a:sysClr>
+              </a:fgClr>
+              <a:bgClr>
+                <a:sysClr val="windowText" lastClr="000000">
+                  <a:lumMod val="65000"/>
+                  <a:lumOff val="35000"/>
+                </a:sysClr>
+              </a:bgClr>
+            </a:pattFill>
+            <a:ln>
+              <a:noFill/>
+            </a:ln>
+            <a:effectLst>
+              <a:outerShdw blurRad="50800" dist="38100" dir="2700000" algn="tl" rotWithShape="0">
+                <a:prstClr val="black">
+                  <a:alpha val="40000"/>
+                </a:prstClr>
+              </a:outerShdw>
+            </a:effectLst>
+          </c:spPr>
+          <c:txPr>
+            <a:bodyPr rot="0" spcFirstLastPara="1" vertOverflow="ellipsis" vert="horz" wrap="square" lIns="38100" tIns="19050" rIns="38100" bIns="19050" anchor="ctr" anchorCtr="1">
+              <a:spAutoFit/>
+            </a:bodyPr>
+            <a:lstStyle/>
+            <a:p>
+              <a:pPr>
+                <a:defRPr sz="1000" b="1" i="0" u="none" strike="noStrike" kern="1200" baseline="0">
+                  <a:solidFill>
+                    <a:schemeClr val="lt1"/>
+                  </a:solidFill>
+                  <a:latin typeface="+mn-lt"/>
+                  <a:ea typeface="+mn-ea"/>
+                  <a:cs typeface="+mn-cs"/>
+                </a:defRPr>
+              </a:pPr>
+              <a:endParaRPr lang="en-US"/>
+            </a:p>
+          </c:txPr>
+          <c:dLblPos val="ctr"/>
+          <c:showLegendKey val="0"/>
+          <c:showVal val="0"/>
+          <c:showCatName val="0"/>
+          <c:showSerName val="0"/>
+          <c:showPercent val="1"/>
+          <c:showBubbleSize val="0"/>
+          <c:extLst>
+            <c:ext xmlns:c15="http://schemas.microsoft.com/office/drawing/2012/chart" uri="{CE6537A1-D6FC-4f65-9D91-7224C49458BB}"/>
+          </c:extLst>
+        </c:dLbl>
+      </c:pivotFmt>
+      <c:pivotFmt>
+        <c:idx val="2"/>
+        <c:spPr>
+          <a:solidFill>
+            <a:schemeClr val="accent1"/>
+          </a:solidFill>
+          <a:ln w="19050">
+            <a:noFill/>
+          </a:ln>
+          <a:effectLst>
+            <a:outerShdw blurRad="254000" sx="102000" sy="102000" algn="ctr" rotWithShape="0">
+              <a:prstClr val="black">
+                <a:alpha val="20000"/>
+              </a:prstClr>
+            </a:outerShdw>
+          </a:effectLst>
+        </c:spPr>
+      </c:pivotFmt>
+      <c:pivotFmt>
+        <c:idx val="3"/>
+        <c:spPr>
+          <a:solidFill>
+            <a:schemeClr val="accent1"/>
+          </a:solidFill>
+          <a:ln w="19050">
+            <a:noFill/>
+          </a:ln>
+          <a:effectLst>
+            <a:outerShdw blurRad="254000" sx="102000" sy="102000" algn="ctr" rotWithShape="0">
+              <a:prstClr val="black">
+                <a:alpha val="20000"/>
+              </a:prstClr>
+            </a:outerShdw>
+          </a:effectLst>
+        </c:spPr>
+      </c:pivotFmt>
+      <c:pivotFmt>
+        <c:idx val="4"/>
+        <c:spPr>
+          <a:solidFill>
+            <a:schemeClr val="accent1"/>
+          </a:solidFill>
+          <a:ln w="19050">
+            <a:noFill/>
+          </a:ln>
+          <a:effectLst>
+            <a:outerShdw blurRad="254000" sx="102000" sy="102000" algn="ctr" rotWithShape="0">
+              <a:prstClr val="black">
+                <a:alpha val="20000"/>
+              </a:prstClr>
+            </a:outerShdw>
+          </a:effectLst>
+        </c:spPr>
+      </c:pivotFmt>
+      <c:pivotFmt>
+        <c:idx val="5"/>
+        <c:spPr>
+          <a:solidFill>
+            <a:schemeClr val="accent1"/>
+          </a:solidFill>
+          <a:ln w="19050">
+            <a:noFill/>
+          </a:ln>
+          <a:effectLst>
+            <a:outerShdw blurRad="254000" sx="102000" sy="102000" algn="ctr" rotWithShape="0">
+              <a:prstClr val="black">
+                <a:alpha val="20000"/>
+              </a:prstClr>
+            </a:outerShdw>
+          </a:effectLst>
+        </c:spPr>
+      </c:pivotFmt>
+      <c:pivotFmt>
+        <c:idx val="6"/>
+        <c:spPr>
+          <a:solidFill>
+            <a:schemeClr val="accent1"/>
+          </a:solidFill>
+          <a:ln w="19050">
+            <a:noFill/>
+          </a:ln>
+          <a:effectLst>
+            <a:outerShdw blurRad="254000" sx="102000" sy="102000" algn="ctr" rotWithShape="0">
+              <a:prstClr val="black">
+                <a:alpha val="20000"/>
+              </a:prstClr>
+            </a:outerShdw>
+          </a:effectLst>
+        </c:spPr>
+        <c:marker>
+          <c:symbol val="none"/>
+        </c:marker>
+        <c:dLbl>
+          <c:idx val="0"/>
+          <c:spPr>
+            <a:pattFill prst="pct75">
+              <a:fgClr>
+                <a:sysClr val="windowText" lastClr="000000">
+                  <a:lumMod val="75000"/>
+                  <a:lumOff val="25000"/>
+                </a:sysClr>
+              </a:fgClr>
+              <a:bgClr>
+                <a:sysClr val="windowText" lastClr="000000">
+                  <a:lumMod val="65000"/>
+                  <a:lumOff val="35000"/>
+                </a:sysClr>
+              </a:bgClr>
+            </a:pattFill>
+            <a:ln>
+              <a:noFill/>
+            </a:ln>
+            <a:effectLst>
+              <a:outerShdw blurRad="50800" dist="38100" dir="2700000" algn="tl" rotWithShape="0">
+                <a:prstClr val="black">
+                  <a:alpha val="40000"/>
+                </a:prstClr>
+              </a:outerShdw>
+            </a:effectLst>
+          </c:spPr>
+          <c:txPr>
+            <a:bodyPr rot="0" spcFirstLastPara="1" vertOverflow="ellipsis" vert="horz" wrap="square" lIns="38100" tIns="19050" rIns="38100" bIns="19050" anchor="ctr" anchorCtr="1">
+              <a:spAutoFit/>
+            </a:bodyPr>
+            <a:lstStyle/>
+            <a:p>
+              <a:pPr>
+                <a:defRPr sz="1000" b="1" i="0" u="none" strike="noStrike" kern="1200" baseline="0">
+                  <a:solidFill>
+                    <a:schemeClr val="lt1"/>
+                  </a:solidFill>
+                  <a:latin typeface="+mn-lt"/>
+                  <a:ea typeface="+mn-ea"/>
+                  <a:cs typeface="+mn-cs"/>
+                </a:defRPr>
+              </a:pPr>
+              <a:endParaRPr lang="en-US"/>
+            </a:p>
+          </c:txPr>
+          <c:dLblPos val="ctr"/>
+          <c:showLegendKey val="0"/>
+          <c:showVal val="0"/>
+          <c:showCatName val="0"/>
+          <c:showSerName val="0"/>
+          <c:showPercent val="1"/>
+          <c:showBubbleSize val="0"/>
+          <c:extLst>
+            <c:ext xmlns:c15="http://schemas.microsoft.com/office/drawing/2012/chart" uri="{CE6537A1-D6FC-4f65-9D91-7224C49458BB}"/>
+          </c:extLst>
+        </c:dLbl>
+      </c:pivotFmt>
+      <c:pivotFmt>
+        <c:idx val="7"/>
+        <c:spPr>
+          <a:solidFill>
+            <a:schemeClr val="accent1"/>
+          </a:solidFill>
+          <a:ln w="19050">
+            <a:noFill/>
+          </a:ln>
+          <a:effectLst>
+            <a:outerShdw blurRad="254000" sx="102000" sy="102000" algn="ctr" rotWithShape="0">
+              <a:prstClr val="black">
+                <a:alpha val="20000"/>
+              </a:prstClr>
+            </a:outerShdw>
+          </a:effectLst>
+        </c:spPr>
+      </c:pivotFmt>
+      <c:pivotFmt>
+        <c:idx val="8"/>
+        <c:spPr>
+          <a:solidFill>
+            <a:schemeClr val="accent1"/>
+          </a:solidFill>
+          <a:ln w="19050">
+            <a:noFill/>
+          </a:ln>
+          <a:effectLst>
+            <a:outerShdw blurRad="254000" sx="102000" sy="102000" algn="ctr" rotWithShape="0">
+              <a:prstClr val="black">
+                <a:alpha val="20000"/>
+              </a:prstClr>
+            </a:outerShdw>
+          </a:effectLst>
+        </c:spPr>
+      </c:pivotFmt>
+      <c:pivotFmt>
+        <c:idx val="9"/>
+        <c:spPr>
+          <a:solidFill>
+            <a:schemeClr val="accent1"/>
+          </a:solidFill>
+          <a:ln w="19050">
+            <a:noFill/>
+          </a:ln>
+          <a:effectLst>
+            <a:outerShdw blurRad="254000" sx="102000" sy="102000" algn="ctr" rotWithShape="0">
+              <a:prstClr val="black">
+                <a:alpha val="20000"/>
+              </a:prstClr>
+            </a:outerShdw>
+          </a:effectLst>
+        </c:spPr>
+      </c:pivotFmt>
+      <c:pivotFmt>
+        <c:idx val="10"/>
+        <c:spPr>
+          <a:solidFill>
+            <a:schemeClr val="accent1"/>
+          </a:solidFill>
+          <a:ln w="19050">
+            <a:noFill/>
+          </a:ln>
+          <a:effectLst>
+            <a:outerShdw blurRad="254000" sx="102000" sy="102000" algn="ctr" rotWithShape="0">
+              <a:prstClr val="black">
+                <a:alpha val="20000"/>
+              </a:prstClr>
+            </a:outerShdw>
+          </a:effectLst>
+        </c:spPr>
+      </c:pivotFmt>
+    </c:pivotFmts>
+    <c:plotArea>
+      <c:layout/>
+      <c:pieChart>
+        <c:varyColors val="1"/>
+        <c:ser>
+          <c:idx val="0"/>
+          <c:order val="0"/>
+          <c:tx>
+            <c:v>Total</c:v>
+          </c:tx>
+          <c:dPt>
+            <c:idx val="0"/>
+            <c:bubble3D val="0"/>
+            <c:spPr>
+              <a:solidFill>
+                <a:schemeClr val="accent1"/>
+              </a:solidFill>
+              <a:ln w="19050">
+                <a:solidFill>
+                  <a:schemeClr val="lt1"/>
+                </a:solidFill>
+              </a:ln>
+              <a:effectLst/>
+            </c:spPr>
+            <c:extLst>
+              <c:ext xmlns:c16="http://schemas.microsoft.com/office/drawing/2014/chart" uri="{C3380CC4-5D6E-409C-BE32-E72D297353CC}">
+                <c16:uniqueId val="{00000001-85D2-489A-8CC2-0BB72684FE2B}"/>
+              </c:ext>
+            </c:extLst>
+          </c:dPt>
+          <c:dPt>
+            <c:idx val="1"/>
+            <c:bubble3D val="0"/>
+            <c:spPr>
+              <a:solidFill>
+                <a:schemeClr val="accent2"/>
+              </a:solidFill>
+              <a:ln w="19050">
+                <a:solidFill>
+                  <a:schemeClr val="lt1"/>
+                </a:solidFill>
+              </a:ln>
+              <a:effectLst/>
+            </c:spPr>
+            <c:extLst>
+              <c:ext xmlns:c16="http://schemas.microsoft.com/office/drawing/2014/chart" uri="{C3380CC4-5D6E-409C-BE32-E72D297353CC}">
+                <c16:uniqueId val="{00000003-85D2-489A-8CC2-0BB72684FE2B}"/>
+              </c:ext>
+            </c:extLst>
+          </c:dPt>
+          <c:dPt>
+            <c:idx val="2"/>
+            <c:bubble3D val="0"/>
+            <c:spPr>
+              <a:solidFill>
+                <a:schemeClr val="accent3"/>
+              </a:solidFill>
+              <a:ln w="19050">
+                <a:solidFill>
+                  <a:schemeClr val="lt1"/>
+                </a:solidFill>
+              </a:ln>
+              <a:effectLst/>
+            </c:spPr>
+            <c:extLst>
+              <c:ext xmlns:c16="http://schemas.microsoft.com/office/drawing/2014/chart" uri="{C3380CC4-5D6E-409C-BE32-E72D297353CC}">
+                <c16:uniqueId val="{00000005-85D2-489A-8CC2-0BB72684FE2B}"/>
+              </c:ext>
+            </c:extLst>
+          </c:dPt>
+          <c:dPt>
+            <c:idx val="3"/>
+            <c:bubble3D val="0"/>
+            <c:spPr>
+              <a:solidFill>
+                <a:schemeClr val="accent4"/>
+              </a:solidFill>
+              <a:ln w="19050">
+                <a:solidFill>
+                  <a:schemeClr val="lt1"/>
+                </a:solidFill>
+              </a:ln>
+              <a:effectLst/>
+            </c:spPr>
+            <c:extLst>
+              <c:ext xmlns:c16="http://schemas.microsoft.com/office/drawing/2014/chart" uri="{C3380CC4-5D6E-409C-BE32-E72D297353CC}">
+                <c16:uniqueId val="{00000007-85D2-489A-8CC2-0BB72684FE2B}"/>
+              </c:ext>
+            </c:extLst>
+          </c:dPt>
+          <c:dLbls>
+            <c:dLbl>
+              <c:idx val="0"/>
+              <c:layout>
+                <c:manualLayout>
+                  <c:x val="-6.737626018654878E-3"/>
+                  <c:y val="4.532228148197049E-2"/>
+                </c:manualLayout>
+              </c:layout>
+              <c:dLblPos val="bestFit"/>
+              <c:showLegendKey val="0"/>
+              <c:showVal val="0"/>
+              <c:showCatName val="0"/>
+              <c:showSerName val="0"/>
+              <c:showPercent val="1"/>
+              <c:showBubbleSize val="0"/>
+              <c:extLst>
+                <c:ext xmlns:c15="http://schemas.microsoft.com/office/drawing/2012/chart" uri="{CE6537A1-D6FC-4f65-9D91-7224C49458BB}"/>
+                <c:ext xmlns:c16="http://schemas.microsoft.com/office/drawing/2014/chart" uri="{C3380CC4-5D6E-409C-BE32-E72D297353CC}">
+                  <c16:uniqueId val="{00000001-85D2-489A-8CC2-0BB72684FE2B}"/>
+                </c:ext>
+              </c:extLst>
+            </c:dLbl>
+            <c:dLbl>
+              <c:idx val="3"/>
+              <c:delete val="1"/>
+              <c:extLst>
+                <c:ext xmlns:c15="http://schemas.microsoft.com/office/drawing/2012/chart" uri="{CE6537A1-D6FC-4f65-9D91-7224C49458BB}"/>
+                <c:ext xmlns:c16="http://schemas.microsoft.com/office/drawing/2014/chart" uri="{C3380CC4-5D6E-409C-BE32-E72D297353CC}">
+                  <c16:uniqueId val="{00000007-85D2-489A-8CC2-0BB72684FE2B}"/>
+                </c:ext>
+              </c:extLst>
+            </c:dLbl>
+            <c:spPr>
+              <a:noFill/>
+              <a:ln>
+                <a:noFill/>
+              </a:ln>
+              <a:effectLst/>
+            </c:spPr>
+            <c:txPr>
+              <a:bodyPr rot="0" spcFirstLastPara="1" vertOverflow="ellipsis" vert="horz" wrap="square" lIns="38100" tIns="19050" rIns="38100" bIns="19050" anchor="ctr" anchorCtr="1">
+                <a:spAutoFit/>
+              </a:bodyPr>
+              <a:lstStyle/>
+              <a:p>
+                <a:pPr>
+                  <a:defRPr sz="1500" b="0" i="0" u="none" strike="noStrike" kern="1200" baseline="0">
+                    <a:solidFill>
+                      <a:schemeClr val="tx1">
+                        <a:lumMod val="75000"/>
+                        <a:lumOff val="25000"/>
+                      </a:schemeClr>
+                    </a:solidFill>
+                    <a:latin typeface="+mn-lt"/>
+                    <a:ea typeface="+mn-ea"/>
+                    <a:cs typeface="+mn-cs"/>
+                  </a:defRPr>
+                </a:pPr>
+                <a:endParaRPr lang="en-US"/>
+              </a:p>
+            </c:txPr>
+            <c:dLblPos val="ctr"/>
+            <c:showLegendKey val="0"/>
+            <c:showVal val="0"/>
+            <c:showCatName val="0"/>
+            <c:showSerName val="0"/>
+            <c:showPercent val="1"/>
+            <c:showBubbleSize val="0"/>
+            <c:showLeaderLines val="1"/>
+            <c:leaderLines>
+              <c:spPr>
+                <a:ln w="9525" cap="flat" cmpd="sng" algn="ctr">
+                  <a:solidFill>
+                    <a:schemeClr val="tx1">
+                      <a:lumMod val="35000"/>
+                      <a:lumOff val="65000"/>
+                    </a:schemeClr>
+                  </a:solidFill>
+                  <a:round/>
+                </a:ln>
+                <a:effectLst/>
+              </c:spPr>
+            </c:leaderLines>
+            <c:extLst>
+              <c:ext xmlns:c15="http://schemas.microsoft.com/office/drawing/2012/chart" uri="{CE6537A1-D6FC-4f65-9D91-7224C49458BB}"/>
+            </c:extLst>
+          </c:dLbls>
+          <c:cat>
+            <c:strLit>
+              <c:ptCount val="4"/>
+              <c:pt idx="0">
+                <c:v>Decrease</c:v>
+              </c:pt>
+              <c:pt idx="1">
+                <c:v>Increase</c:v>
+              </c:pt>
+              <c:pt idx="2">
+                <c:v>No plan yet</c:v>
+              </c:pt>
+              <c:pt idx="3">
+                <c:v>(blank)</c:v>
+              </c:pt>
+            </c:strLit>
+          </c:cat>
+          <c:val>
+            <c:numLit>
+              <c:formatCode>General</c:formatCode>
+              <c:ptCount val="4"/>
+              <c:pt idx="0">
+                <c:v>1</c:v>
+              </c:pt>
+              <c:pt idx="1">
+                <c:v>38</c:v>
+              </c:pt>
+              <c:pt idx="2">
+                <c:v>17</c:v>
+              </c:pt>
+              <c:pt idx="3">
+                <c:v>0</c:v>
+              </c:pt>
+            </c:numLit>
+          </c:val>
+          <c:extLst>
+            <c:ext xmlns:c16="http://schemas.microsoft.com/office/drawing/2014/chart" uri="{C3380CC4-5D6E-409C-BE32-E72D297353CC}">
+              <c16:uniqueId val="{00000008-85D2-489A-8CC2-0BB72684FE2B}"/>
+            </c:ext>
+          </c:extLst>
+        </c:ser>
+        <c:dLbls>
+          <c:dLblPos val="ctr"/>
+          <c:showLegendKey val="0"/>
+          <c:showVal val="0"/>
+          <c:showCatName val="0"/>
+          <c:showSerName val="0"/>
+          <c:showPercent val="1"/>
+          <c:showBubbleSize val="0"/>
+          <c:showLeaderLines val="1"/>
+        </c:dLbls>
+        <c:firstSliceAng val="0"/>
+      </c:pieChart>
+      <c:spPr>
+        <a:noFill/>
+        <a:ln>
+          <a:noFill/>
+        </a:ln>
+        <a:effectLst/>
+      </c:spPr>
+    </c:plotArea>
+    <c:legend>
+      <c:legendPos val="r"/>
+      <c:legendEntry>
+        <c:idx val="3"/>
+        <c:delete val="1"/>
+      </c:legendEntry>
+      <c:overlay val="0"/>
+      <c:spPr>
+        <a:noFill/>
+        <a:ln>
+          <a:noFill/>
+        </a:ln>
+        <a:effectLst/>
+      </c:spPr>
+      <c:txPr>
+        <a:bodyPr rot="0" spcFirstLastPara="1" vertOverflow="ellipsis" vert="horz" wrap="square" anchor="ctr" anchorCtr="1"/>
+        <a:lstStyle/>
+        <a:p>
+          <a:pPr>
+            <a:defRPr sz="1500" b="0" i="0" u="none" strike="noStrike" kern="1200" baseline="0">
+              <a:solidFill>
+                <a:schemeClr val="tx1">
+                  <a:lumMod val="65000"/>
+                  <a:lumOff val="35000"/>
+                </a:schemeClr>
+              </a:solidFill>
+              <a:latin typeface="+mn-lt"/>
+              <a:ea typeface="+mn-ea"/>
+              <a:cs typeface="+mn-cs"/>
+            </a:defRPr>
+          </a:pPr>
+          <a:endParaRPr lang="en-US"/>
+        </a:p>
+      </c:txPr>
+    </c:legend>
+    <c:plotVisOnly val="1"/>
+    <c:dispBlanksAs val="gap"/>
+    <c:extLst>
+      <c:ext xmlns:c16r3="http://schemas.microsoft.com/office/drawing/2017/03/chart" uri="{56B9EC1D-385E-4148-901F-78D8002777C0}">
+        <c16r3:dataDisplayOptions16>
+          <c16r3:dispNaAsBlank val="1"/>
+        </c16r3:dataDisplayOptions16>
+      </c:ext>
+    </c:extLst>
+    <c:showDLblsOverMax val="0"/>
+  </c:chart>
+  <c:spPr>
+    <a:noFill/>
+    <a:ln>
+      <a:noFill/>
+    </a:ln>
+    <a:effectLst/>
+  </c:spPr>
+  <c:txPr>
+    <a:bodyPr/>
+    <a:lstStyle/>
+    <a:p>
+      <a:pPr>
+        <a:defRPr/>
+      </a:pPr>
+      <a:endParaRPr lang="en-US"/>
+    </a:p>
+  </c:txPr>
+  <c:externalData r:id="rId3">
+    <c:autoUpdate val="0"/>
+  </c:externalData>
+  <c:extLst/>
+</c:chartSpace>
+</file>
+
+<file path=ppt/charts/colors1.xml><?xml version="1.0" encoding="utf-8"?>
+<cs:colorStyle xmlns:cs="http://schemas.microsoft.com/office/drawing/2012/chartStyle" xmlns:a="http://schemas.openxmlformats.org/drawingml/2006/main" meth="cycle" id="10">
+  <a:schemeClr val="accent1"/>
+  <a:schemeClr val="accent2"/>
+  <a:schemeClr val="accent3"/>
+  <a:schemeClr val="accent4"/>
+  <a:schemeClr val="accent5"/>
+  <a:schemeClr val="accent6"/>
+  <cs:variation/>
+  <cs:variation>
+    <a:lumMod val="60000"/>
+  </cs:variation>
+  <cs:variation>
+    <a:lumMod val="80000"/>
+    <a:lumOff val="20000"/>
+  </cs:variation>
+  <cs:variation>
+    <a:lumMod val="80000"/>
+  </cs:variation>
+  <cs:variation>
+    <a:lumMod val="60000"/>
+    <a:lumOff val="40000"/>
+  </cs:variation>
+  <cs:variation>
+    <a:lumMod val="50000"/>
+  </cs:variation>
+  <cs:variation>
+    <a:lumMod val="70000"/>
+    <a:lumOff val="30000"/>
+  </cs:variation>
+  <cs:variation>
+    <a:lumMod val="70000"/>
+  </cs:variation>
+  <cs:variation>
+    <a:lumMod val="50000"/>
+    <a:lumOff val="50000"/>
+  </cs:variation>
+</cs:colorStyle>
+</file>
+
+<file path=ppt/charts/colors2.xml><?xml version="1.0" encoding="utf-8"?>
+<cs:colorStyle xmlns:cs="http://schemas.microsoft.com/office/drawing/2012/chartStyle" xmlns:a="http://schemas.openxmlformats.org/drawingml/2006/main" meth="cycle" id="10">
+  <a:schemeClr val="accent1"/>
+  <a:schemeClr val="accent2"/>
+  <a:schemeClr val="accent3"/>
+  <a:schemeClr val="accent4"/>
+  <a:schemeClr val="accent5"/>
+  <a:schemeClr val="accent6"/>
+  <cs:variation/>
+  <cs:variation>
+    <a:lumMod val="60000"/>
+  </cs:variation>
+  <cs:variation>
+    <a:lumMod val="80000"/>
+    <a:lumOff val="20000"/>
+  </cs:variation>
+  <cs:variation>
+    <a:lumMod val="80000"/>
+  </cs:variation>
+  <cs:variation>
+    <a:lumMod val="60000"/>
+    <a:lumOff val="40000"/>
+  </cs:variation>
+  <cs:variation>
+    <a:lumMod val="50000"/>
+  </cs:variation>
+  <cs:variation>
+    <a:lumMod val="70000"/>
+    <a:lumOff val="30000"/>
+  </cs:variation>
+  <cs:variation>
+    <a:lumMod val="70000"/>
+  </cs:variation>
+  <cs:variation>
+    <a:lumMod val="50000"/>
+    <a:lumOff val="50000"/>
+  </cs:variation>
+</cs:colorStyle>
+</file>
+
+<file path=ppt/charts/style1.xml><?xml version="1.0" encoding="utf-8"?>
+<cs:chartStyle xmlns:cs="http://schemas.microsoft.com/office/drawing/2012/chartStyle" xmlns:a="http://schemas.openxmlformats.org/drawingml/2006/main" id="262">
+  <cs:axisTitle>
+    <cs:lnRef idx="0"/>
+    <cs:fillRef idx="0"/>
+    <cs:effectRef idx="0"/>
+    <cs:fontRef idx="minor">
+      <a:schemeClr val="tx1">
+        <a:lumMod val="65000"/>
+        <a:lumOff val="35000"/>
+      </a:schemeClr>
+    </cs:fontRef>
+    <cs:defRPr sz="1000" kern="1200"/>
+  </cs:axisTitle>
+  <cs:categoryAxis>
+    <cs:lnRef idx="0"/>
+    <cs:fillRef idx="0"/>
+    <cs:effectRef idx="0"/>
+    <cs:fontRef idx="minor">
+      <a:schemeClr val="tx1">
+        <a:lumMod val="65000"/>
+        <a:lumOff val="35000"/>
+      </a:schemeClr>
+    </cs:fontRef>
+    <cs:spPr>
+      <a:ln w="9525" cap="flat" cmpd="sng" algn="ctr">
+        <a:solidFill>
+          <a:schemeClr val="tx1">
+            <a:lumMod val="15000"/>
+            <a:lumOff val="85000"/>
+          </a:schemeClr>
+        </a:solidFill>
+        <a:round/>
+      </a:ln>
+    </cs:spPr>
+    <cs:defRPr sz="900" kern="1200"/>
+  </cs:categoryAxis>
+  <cs:chartArea mods="allowNoFillOverride allowNoLineOverride">
+    <cs:lnRef idx="0"/>
+    <cs:fillRef idx="0"/>
+    <cs:effectRef idx="0"/>
+    <cs:fontRef idx="minor">
+      <a:schemeClr val="tx1"/>
+    </cs:fontRef>
+    <cs:spPr>
+      <a:solidFill>
+        <a:schemeClr val="bg1"/>
+      </a:solidFill>
+      <a:ln w="9525" cap="flat" cmpd="sng" algn="ctr">
+        <a:solidFill>
+          <a:schemeClr val="tx1">
+            <a:lumMod val="15000"/>
+            <a:lumOff val="85000"/>
+          </a:schemeClr>
+        </a:solidFill>
+        <a:round/>
+      </a:ln>
+    </cs:spPr>
+    <cs:defRPr sz="900" kern="1200"/>
+  </cs:chartArea>
+  <cs:dataLabel>
+    <cs:lnRef idx="0"/>
+    <cs:fillRef idx="0"/>
+    <cs:effectRef idx="0"/>
+    <cs:fontRef idx="minor">
+      <a:schemeClr val="tx1">
+        <a:lumMod val="75000"/>
+        <a:lumOff val="25000"/>
+      </a:schemeClr>
+    </cs:fontRef>
+    <cs:defRPr sz="900" kern="1200"/>
+  </cs:dataLabel>
+  <cs:dataLabelCallout>
+    <cs:lnRef idx="0"/>
+    <cs:fillRef idx="0"/>
+    <cs:effectRef idx="0"/>
+    <cs:fontRef idx="minor">
+      <a:schemeClr val="dk1">
+        <a:lumMod val="65000"/>
+        <a:lumOff val="35000"/>
+      </a:schemeClr>
+    </cs:fontRef>
+    <cs:spPr>
+      <a:solidFill>
+        <a:schemeClr val="lt1"/>
+      </a:solidFill>
+      <a:ln>
+        <a:solidFill>
+          <a:schemeClr val="dk1">
+            <a:lumMod val="25000"/>
+            <a:lumOff val="75000"/>
+          </a:schemeClr>
+        </a:solidFill>
+      </a:ln>
+    </cs:spPr>
+    <cs:defRPr sz="900" kern="1200"/>
+    <cs:bodyPr rot="0" spcFirstLastPara="1" vertOverflow="clip" horzOverflow="clip" vert="horz" wrap="square" lIns="36576" tIns="18288" rIns="36576" bIns="18288" anchor="ctr" anchorCtr="1">
+      <a:spAutoFit/>
+    </cs:bodyPr>
+  </cs:dataLabelCallout>
+  <cs:dataPoint>
+    <cs:lnRef idx="0"/>
+    <cs:fillRef idx="1">
+      <cs:styleClr val="auto"/>
+    </cs:fillRef>
+    <cs:effectRef idx="0"/>
+    <cs:fontRef idx="minor">
+      <a:schemeClr val="tx1"/>
+    </cs:fontRef>
+    <cs:spPr>
+      <a:ln w="19050">
+        <a:solidFill>
+          <a:schemeClr val="lt1"/>
+        </a:solidFill>
+      </a:ln>
+    </cs:spPr>
+  </cs:dataPoint>
+  <cs:dataPoint3D>
+    <cs:lnRef idx="0"/>
+    <cs:fillRef idx="1">
+      <cs:styleClr val="auto"/>
+    </cs:fillRef>
+    <cs:effectRef idx="0"/>
+    <cs:fontRef idx="minor">
+      <a:schemeClr val="tx1"/>
+    </cs:fontRef>
+    <cs:spPr>
+      <a:ln w="25400">
+        <a:solidFill>
+          <a:schemeClr val="lt1"/>
+        </a:solidFill>
+      </a:ln>
+    </cs:spPr>
+  </cs:dataPoint3D>
+  <cs:dataPointLine>
+    <cs:lnRef idx="0">
+      <cs:styleClr val="auto"/>
+    </cs:lnRef>
+    <cs:fillRef idx="0"/>
+    <cs:effectRef idx="0"/>
+    <cs:fontRef idx="minor">
+      <a:schemeClr val="tx1"/>
+    </cs:fontRef>
+    <cs:spPr>
+      <a:ln w="28575" cap="rnd">
+        <a:solidFill>
+          <a:schemeClr val="phClr"/>
+        </a:solidFill>
+        <a:round/>
+      </a:ln>
+    </cs:spPr>
+  </cs:dataPointLine>
+  <cs:dataPointMarker>
+    <cs:lnRef idx="0">
+      <cs:styleClr val="auto"/>
+    </cs:lnRef>
+    <cs:fillRef idx="1">
+      <cs:styleClr val="auto"/>
+    </cs:fillRef>
+    <cs:effectRef idx="0"/>
+    <cs:fontRef idx="minor">
+      <a:schemeClr val="tx1"/>
+    </cs:fontRef>
+    <cs:spPr>
+      <a:ln w="9525">
+        <a:solidFill>
+          <a:schemeClr val="phClr"/>
+        </a:solidFill>
+      </a:ln>
+    </cs:spPr>
+  </cs:dataPointMarker>
+  <cs:dataPointMarkerLayout symbol="circle" size="5"/>
+  <cs:dataPointWireframe>
+    <cs:lnRef idx="0">
+      <cs:styleClr val="auto"/>
+    </cs:lnRef>
+    <cs:fillRef idx="0"/>
+    <cs:effectRef idx="0"/>
+    <cs:fontRef idx="minor">
+      <a:schemeClr val="tx1"/>
+    </cs:fontRef>
+    <cs:spPr>
+      <a:ln w="9525" cap="rnd">
+        <a:solidFill>
+          <a:schemeClr val="phClr"/>
+        </a:solidFill>
+        <a:round/>
+      </a:ln>
+    </cs:spPr>
+  </cs:dataPointWireframe>
+  <cs:dataTable>
+    <cs:lnRef idx="0"/>
+    <cs:fillRef idx="0"/>
+    <cs:effectRef idx="0"/>
+    <cs:fontRef idx="minor">
+      <a:schemeClr val="tx1">
+        <a:lumMod val="65000"/>
+        <a:lumOff val="35000"/>
+      </a:schemeClr>
+    </cs:fontRef>
+    <cs:spPr>
+      <a:noFill/>
+      <a:ln w="9525" cap="flat" cmpd="sng" algn="ctr">
+        <a:solidFill>
+          <a:schemeClr val="tx1">
+            <a:lumMod val="15000"/>
+            <a:lumOff val="85000"/>
+          </a:schemeClr>
+        </a:solidFill>
+        <a:round/>
+      </a:ln>
+    </cs:spPr>
+    <cs:defRPr sz="900" kern="1200"/>
+  </cs:dataTable>
+  <cs:downBar>
+    <cs:lnRef idx="0"/>
+    <cs:fillRef idx="0"/>
+    <cs:effectRef idx="0"/>
+    <cs:fontRef idx="minor">
+      <a:schemeClr val="tx1"/>
+    </cs:fontRef>
+    <cs:spPr>
+      <a:solidFill>
+        <a:schemeClr val="dk1">
+          <a:lumMod val="75000"/>
+          <a:lumOff val="25000"/>
+        </a:schemeClr>
+      </a:solidFill>
+      <a:ln w="9525" cap="flat" cmpd="sng" algn="ctr">
+        <a:solidFill>
+          <a:schemeClr val="tx1">
+            <a:lumMod val="65000"/>
+            <a:lumOff val="35000"/>
+          </a:schemeClr>
+        </a:solidFill>
+        <a:round/>
+      </a:ln>
+    </cs:spPr>
+  </cs:downBar>
+  <cs:dropLine>
+    <cs:lnRef idx="0"/>
+    <cs:fillRef idx="0"/>
+    <cs:effectRef idx="0"/>
+    <cs:fontRef idx="minor">
+      <a:schemeClr val="tx1"/>
+    </cs:fontRef>
+    <cs:spPr>
+      <a:ln w="9525" cap="flat" cmpd="sng" algn="ctr">
+        <a:solidFill>
+          <a:schemeClr val="tx1">
+            <a:lumMod val="35000"/>
+            <a:lumOff val="65000"/>
+          </a:schemeClr>
+        </a:solidFill>
+        <a:round/>
+      </a:ln>
+    </cs:spPr>
+  </cs:dropLine>
+  <cs:errorBar>
+    <cs:lnRef idx="0"/>
+    <cs:fillRef idx="0"/>
+    <cs:effectRef idx="0"/>
+    <cs:fontRef idx="minor">
+      <a:schemeClr val="tx1"/>
+    </cs:fontRef>
+    <cs:spPr>
+      <a:ln w="9525" cap="flat" cmpd="sng" algn="ctr">
+        <a:solidFill>
+          <a:schemeClr val="tx1">
+            <a:lumMod val="65000"/>
+            <a:lumOff val="35000"/>
+          </a:schemeClr>
+        </a:solidFill>
+        <a:round/>
+      </a:ln>
+    </cs:spPr>
+  </cs:errorBar>
+  <cs:floor>
+    <cs:lnRef idx="0"/>
+    <cs:fillRef idx="0"/>
+    <cs:effectRef idx="0"/>
+    <cs:fontRef idx="minor">
+      <a:schemeClr val="tx1"/>
+    </cs:fontRef>
+    <cs:spPr>
+      <a:noFill/>
+      <a:ln>
+        <a:noFill/>
+      </a:ln>
+    </cs:spPr>
+  </cs:floor>
+  <cs:gridlineMajor>
+    <cs:lnRef idx="0"/>
+    <cs:fillRef idx="0"/>
+    <cs:effectRef idx="0"/>
+    <cs:fontRef idx="minor">
+      <a:schemeClr val="tx1"/>
+    </cs:fontRef>
+    <cs:spPr>
+      <a:ln w="9525" cap="flat" cmpd="sng" algn="ctr">
+        <a:solidFill>
+          <a:schemeClr val="tx1">
+            <a:lumMod val="15000"/>
+            <a:lumOff val="85000"/>
+          </a:schemeClr>
+        </a:solidFill>
+        <a:round/>
+      </a:ln>
+    </cs:spPr>
+  </cs:gridlineMajor>
+  <cs:gridlineMinor>
+    <cs:lnRef idx="0"/>
+    <cs:fillRef idx="0"/>
+    <cs:effectRef idx="0"/>
+    <cs:fontRef idx="minor">
+      <a:schemeClr val="tx1"/>
+    </cs:fontRef>
+    <cs:spPr>
+      <a:ln w="9525" cap="flat" cmpd="sng" algn="ctr">
+        <a:solidFill>
+          <a:schemeClr val="tx1">
+            <a:lumMod val="5000"/>
+            <a:lumOff val="95000"/>
+          </a:schemeClr>
+        </a:solidFill>
+        <a:round/>
+      </a:ln>
+    </cs:spPr>
+  </cs:gridlineMinor>
+  <cs:hiLoLine>
+    <cs:lnRef idx="0"/>
+    <cs:fillRef idx="0"/>
+    <cs:effectRef idx="0"/>
+    <cs:fontRef idx="minor">
+      <a:schemeClr val="tx1"/>
+    </cs:fontRef>
+    <cs:spPr>
+      <a:ln w="9525" cap="flat" cmpd="sng" algn="ctr">
+        <a:solidFill>
+          <a:schemeClr val="tx1">
+            <a:lumMod val="50000"/>
+            <a:lumOff val="50000"/>
+          </a:schemeClr>
+        </a:solidFill>
+        <a:round/>
+      </a:ln>
+    </cs:spPr>
+  </cs:hiLoLine>
+  <cs:leaderLine>
+    <cs:lnRef idx="0"/>
+    <cs:fillRef idx="0"/>
+    <cs:effectRef idx="0"/>
+    <cs:fontRef idx="minor">
+      <a:schemeClr val="tx1"/>
+    </cs:fontRef>
+    <cs:spPr>
+      <a:ln w="9525" cap="flat" cmpd="sng" algn="ctr">
+        <a:solidFill>
+          <a:schemeClr val="tx1">
+            <a:lumMod val="35000"/>
+            <a:lumOff val="65000"/>
+          </a:schemeClr>
+        </a:solidFill>
+        <a:round/>
+      </a:ln>
+    </cs:spPr>
+  </cs:leaderLine>
+  <cs:legend>
+    <cs:lnRef idx="0"/>
+    <cs:fillRef idx="0"/>
+    <cs:effectRef idx="0"/>
+    <cs:fontRef idx="minor">
+      <a:schemeClr val="tx1">
+        <a:lumMod val="65000"/>
+        <a:lumOff val="35000"/>
+      </a:schemeClr>
+    </cs:fontRef>
+    <cs:defRPr sz="900" kern="1200"/>
+  </cs:legend>
+  <cs:plotArea mods="allowNoFillOverride allowNoLineOverride">
+    <cs:lnRef idx="0"/>
+    <cs:fillRef idx="0"/>
+    <cs:effectRef idx="0"/>
+    <cs:fontRef idx="minor">
+      <a:schemeClr val="tx1"/>
+    </cs:fontRef>
+  </cs:plotArea>
+  <cs:plotArea3D mods="allowNoFillOverride allowNoLineOverride">
+    <cs:lnRef idx="0"/>
+    <cs:fillRef idx="0"/>
+    <cs:effectRef idx="0"/>
+    <cs:fontRef idx="minor">
+      <a:schemeClr val="tx1"/>
+    </cs:fontRef>
+  </cs:plotArea3D>
+  <cs:seriesAxis>
+    <cs:lnRef idx="0"/>
+    <cs:fillRef idx="0"/>
+    <cs:effectRef idx="0"/>
+    <cs:fontRef idx="minor">
+      <a:schemeClr val="tx1">
+        <a:lumMod val="65000"/>
+        <a:lumOff val="35000"/>
+      </a:schemeClr>
+    </cs:fontRef>
+    <cs:defRPr sz="900" kern="1200"/>
+  </cs:seriesAxis>
+  <cs:seriesLine>
+    <cs:lnRef idx="0"/>
+    <cs:fillRef idx="0"/>
+    <cs:effectRef idx="0"/>
+    <cs:fontRef idx="minor">
+      <a:schemeClr val="tx1"/>
+    </cs:fontRef>
+    <cs:spPr>
+      <a:ln w="9525" cap="flat" cmpd="sng" algn="ctr">
+        <a:solidFill>
+          <a:schemeClr val="tx1">
+            <a:lumMod val="35000"/>
+            <a:lumOff val="65000"/>
+          </a:schemeClr>
+        </a:solidFill>
+        <a:round/>
+      </a:ln>
+    </cs:spPr>
+  </cs:seriesLine>
+  <cs:title>
+    <cs:lnRef idx="0"/>
+    <cs:fillRef idx="0"/>
+    <cs:effectRef idx="0"/>
+    <cs:fontRef idx="minor">
+      <a:schemeClr val="tx1">
+        <a:lumMod val="65000"/>
+        <a:lumOff val="35000"/>
+      </a:schemeClr>
+    </cs:fontRef>
+    <cs:defRPr sz="1400" b="0" kern="1200" spc="0" baseline="0"/>
+  </cs:title>
+  <cs:trendline>
+    <cs:lnRef idx="0">
+      <cs:styleClr val="auto"/>
+    </cs:lnRef>
+    <cs:fillRef idx="0"/>
+    <cs:effectRef idx="0"/>
+    <cs:fontRef idx="minor">
+      <a:schemeClr val="tx1"/>
+    </cs:fontRef>
+    <cs:spPr>
+      <a:ln w="19050" cap="rnd">
+        <a:solidFill>
+          <a:schemeClr val="phClr"/>
+        </a:solidFill>
+        <a:prstDash val="sysDot"/>
+      </a:ln>
+    </cs:spPr>
+  </cs:trendline>
+  <cs:trendlineLabel>
+    <cs:lnRef idx="0"/>
+    <cs:fillRef idx="0"/>
+    <cs:effectRef idx="0"/>
+    <cs:fontRef idx="minor">
+      <a:schemeClr val="tx1">
+        <a:lumMod val="65000"/>
+        <a:lumOff val="35000"/>
+      </a:schemeClr>
+    </cs:fontRef>
+    <cs:defRPr sz="900" kern="1200"/>
+  </cs:trendlineLabel>
+  <cs:upBar>
+    <cs:lnRef idx="0"/>
+    <cs:fillRef idx="0"/>
+    <cs:effectRef idx="0"/>
+    <cs:fontRef idx="minor">
+      <a:schemeClr val="tx1"/>
+    </cs:fontRef>
+    <cs:spPr>
+      <a:solidFill>
+        <a:schemeClr val="lt1"/>
+      </a:solidFill>
+      <a:ln w="9525" cap="flat" cmpd="sng" algn="ctr">
+        <a:solidFill>
+          <a:schemeClr val="tx1">
+            <a:lumMod val="65000"/>
+            <a:lumOff val="35000"/>
+          </a:schemeClr>
+        </a:solidFill>
+        <a:round/>
+      </a:ln>
+    </cs:spPr>
+  </cs:upBar>
+  <cs:valueAxis>
+    <cs:lnRef idx="0"/>
+    <cs:fillRef idx="0"/>
+    <cs:effectRef idx="0"/>
+    <cs:fontRef idx="minor">
+      <a:schemeClr val="tx1">
+        <a:lumMod val="65000"/>
+        <a:lumOff val="35000"/>
+      </a:schemeClr>
+    </cs:fontRef>
+    <cs:defRPr sz="900" kern="1200"/>
+  </cs:valueAxis>
+  <cs:wall>
+    <cs:lnRef idx="0"/>
+    <cs:fillRef idx="0"/>
+    <cs:effectRef idx="0"/>
+    <cs:fontRef idx="minor">
+      <a:schemeClr val="tx1"/>
+    </cs:fontRef>
+    <cs:spPr>
+      <a:noFill/>
+      <a:ln>
+        <a:noFill/>
+      </a:ln>
+    </cs:spPr>
+  </cs:wall>
+</cs:chartStyle>
+</file>
+
+<file path=ppt/charts/style2.xml><?xml version="1.0" encoding="utf-8"?>
+<cs:chartStyle xmlns:cs="http://schemas.microsoft.com/office/drawing/2012/chartStyle" xmlns:a="http://schemas.openxmlformats.org/drawingml/2006/main" id="251">
+  <cs:axisTitle>
+    <cs:lnRef idx="0"/>
+    <cs:fillRef idx="0"/>
+    <cs:effectRef idx="0"/>
+    <cs:fontRef idx="minor">
+      <a:schemeClr val="tx1">
+        <a:lumMod val="65000"/>
+        <a:lumOff val="35000"/>
+      </a:schemeClr>
+    </cs:fontRef>
+    <cs:defRPr sz="1330" kern="1200"/>
+  </cs:axisTitle>
+  <cs:categoryAxis>
+    <cs:lnRef idx="0"/>
+    <cs:fillRef idx="0"/>
+    <cs:effectRef idx="0"/>
+    <cs:fontRef idx="minor">
+      <a:schemeClr val="tx1">
+        <a:lumMod val="65000"/>
+        <a:lumOff val="35000"/>
+      </a:schemeClr>
+    </cs:fontRef>
+    <cs:spPr>
+      <a:ln w="9525" cap="flat" cmpd="sng" algn="ctr">
+        <a:solidFill>
+          <a:schemeClr val="tx1">
+            <a:lumMod val="15000"/>
+            <a:lumOff val="85000"/>
+          </a:schemeClr>
+        </a:solidFill>
+        <a:round/>
+      </a:ln>
+    </cs:spPr>
+    <cs:defRPr sz="1197" kern="1200"/>
+  </cs:categoryAxis>
+  <cs:chartArea mods="allowNoFillOverride allowNoLineOverride">
+    <cs:lnRef idx="0"/>
+    <cs:fillRef idx="0"/>
+    <cs:effectRef idx="0"/>
+    <cs:fontRef idx="minor">
+      <a:schemeClr val="tx1"/>
+    </cs:fontRef>
+    <cs:spPr>
+      <a:solidFill>
+        <a:schemeClr val="bg1"/>
+      </a:solidFill>
+      <a:ln w="9525" cap="flat" cmpd="sng" algn="ctr">
+        <a:solidFill>
+          <a:schemeClr val="tx1">
+            <a:lumMod val="15000"/>
+            <a:lumOff val="85000"/>
+          </a:schemeClr>
+        </a:solidFill>
+        <a:round/>
+      </a:ln>
+    </cs:spPr>
+    <cs:defRPr sz="1197" kern="1200"/>
+  </cs:chartArea>
+  <cs:dataLabel>
+    <cs:lnRef idx="0"/>
+    <cs:fillRef idx="0"/>
+    <cs:effectRef idx="0"/>
+    <cs:fontRef idx="minor">
+      <a:schemeClr val="tx1">
+        <a:lumMod val="75000"/>
+        <a:lumOff val="25000"/>
+      </a:schemeClr>
+    </cs:fontRef>
+    <cs:defRPr sz="1197" kern="1200"/>
+  </cs:dataLabel>
+  <cs:dataLabelCallout>
+    <cs:lnRef idx="0"/>
+    <cs:fillRef idx="0"/>
+    <cs:effectRef idx="0"/>
+    <cs:fontRef idx="minor">
+      <a:schemeClr val="dk1">
+        <a:lumMod val="65000"/>
+        <a:lumOff val="35000"/>
+      </a:schemeClr>
+    </cs:fontRef>
+    <cs:spPr>
+      <a:solidFill>
+        <a:schemeClr val="lt1"/>
+      </a:solidFill>
+      <a:ln>
+        <a:solidFill>
+          <a:schemeClr val="dk1">
+            <a:lumMod val="25000"/>
+            <a:lumOff val="75000"/>
+          </a:schemeClr>
+        </a:solidFill>
+      </a:ln>
+    </cs:spPr>
+    <cs:defRPr sz="1197" kern="1200"/>
+    <cs:bodyPr rot="0" spcFirstLastPara="1" vertOverflow="clip" horzOverflow="clip" vert="horz" wrap="square" lIns="36576" tIns="18288" rIns="36576" bIns="18288" anchor="ctr" anchorCtr="1">
+      <a:spAutoFit/>
+    </cs:bodyPr>
+  </cs:dataLabelCallout>
+  <cs:dataPoint>
+    <cs:lnRef idx="0"/>
+    <cs:fillRef idx="1">
+      <cs:styleClr val="auto"/>
+    </cs:fillRef>
+    <cs:effectRef idx="0"/>
+    <cs:fontRef idx="minor">
+      <a:schemeClr val="tx1"/>
+    </cs:fontRef>
+    <cs:spPr>
+      <a:ln w="19050">
+        <a:solidFill>
+          <a:schemeClr val="lt1"/>
+        </a:solidFill>
+      </a:ln>
+    </cs:spPr>
+  </cs:dataPoint>
+  <cs:dataPoint3D>
+    <cs:lnRef idx="0"/>
+    <cs:fillRef idx="1">
+      <cs:styleClr val="auto"/>
+    </cs:fillRef>
+    <cs:effectRef idx="0"/>
+    <cs:fontRef idx="minor">
+      <a:schemeClr val="tx1"/>
+    </cs:fontRef>
+    <cs:spPr>
+      <a:ln w="25400">
+        <a:solidFill>
+          <a:schemeClr val="lt1"/>
+        </a:solidFill>
+      </a:ln>
+    </cs:spPr>
+  </cs:dataPoint3D>
+  <cs:dataPointLine>
+    <cs:lnRef idx="0">
+      <cs:styleClr val="auto"/>
+    </cs:lnRef>
+    <cs:fillRef idx="0"/>
+    <cs:effectRef idx="0"/>
+    <cs:fontRef idx="minor">
+      <a:schemeClr val="tx1"/>
+    </cs:fontRef>
+    <cs:spPr>
+      <a:ln w="28575" cap="rnd">
+        <a:solidFill>
+          <a:schemeClr val="phClr"/>
+        </a:solidFill>
+        <a:round/>
+      </a:ln>
+    </cs:spPr>
+  </cs:dataPointLine>
+  <cs:dataPointMarker>
+    <cs:lnRef idx="0">
+      <cs:styleClr val="auto"/>
+    </cs:lnRef>
+    <cs:fillRef idx="1">
+      <cs:styleClr val="auto"/>
+    </cs:fillRef>
+    <cs:effectRef idx="0"/>
+    <cs:fontRef idx="minor">
+      <a:schemeClr val="tx1"/>
+    </cs:fontRef>
+    <cs:spPr>
+      <a:ln w="9525">
+        <a:solidFill>
+          <a:schemeClr val="phClr"/>
+        </a:solidFill>
+      </a:ln>
+    </cs:spPr>
+  </cs:dataPointMarker>
+  <cs:dataPointMarkerLayout symbol="circle" size="5"/>
+  <cs:dataPointWireframe>
+    <cs:lnRef idx="0">
+      <cs:styleClr val="auto"/>
+    </cs:lnRef>
+    <cs:fillRef idx="0"/>
+    <cs:effectRef idx="0"/>
+    <cs:fontRef idx="minor">
+      <a:schemeClr val="tx1"/>
+    </cs:fontRef>
+    <cs:spPr>
+      <a:ln w="9525" cap="rnd">
+        <a:solidFill>
+          <a:schemeClr val="phClr"/>
+        </a:solidFill>
+        <a:round/>
+      </a:ln>
+    </cs:spPr>
+  </cs:dataPointWireframe>
+  <cs:dataTable>
+    <cs:lnRef idx="0"/>
+    <cs:fillRef idx="0"/>
+    <cs:effectRef idx="0"/>
+    <cs:fontRef idx="minor">
+      <a:schemeClr val="tx1">
+        <a:lumMod val="65000"/>
+        <a:lumOff val="35000"/>
+      </a:schemeClr>
+    </cs:fontRef>
+    <cs:spPr>
+      <a:noFill/>
+      <a:ln w="9525" cap="flat" cmpd="sng" algn="ctr">
+        <a:solidFill>
+          <a:schemeClr val="tx1">
+            <a:lumMod val="15000"/>
+            <a:lumOff val="85000"/>
+          </a:schemeClr>
+        </a:solidFill>
+        <a:round/>
+      </a:ln>
+    </cs:spPr>
+    <cs:defRPr sz="1197" kern="1200"/>
+  </cs:dataTable>
+  <cs:downBar>
+    <cs:lnRef idx="0"/>
+    <cs:fillRef idx="0"/>
+    <cs:effectRef idx="0"/>
+    <cs:fontRef idx="minor">
+      <a:schemeClr val="tx1"/>
+    </cs:fontRef>
+    <cs:spPr>
+      <a:solidFill>
+        <a:schemeClr val="dk1">
+          <a:lumMod val="75000"/>
+          <a:lumOff val="25000"/>
+        </a:schemeClr>
+      </a:solidFill>
+      <a:ln w="9525" cap="flat" cmpd="sng" algn="ctr">
+        <a:solidFill>
+          <a:schemeClr val="tx1">
+            <a:lumMod val="65000"/>
+            <a:lumOff val="35000"/>
+          </a:schemeClr>
+        </a:solidFill>
+        <a:round/>
+      </a:ln>
+    </cs:spPr>
+  </cs:downBar>
+  <cs:dropLine>
+    <cs:lnRef idx="0"/>
+    <cs:fillRef idx="0"/>
+    <cs:effectRef idx="0"/>
+    <cs:fontRef idx="minor">
+      <a:schemeClr val="tx1"/>
+    </cs:fontRef>
+    <cs:spPr>
+      <a:ln w="9525" cap="flat" cmpd="sng" algn="ctr">
+        <a:solidFill>
+          <a:schemeClr val="tx1">
+            <a:lumMod val="35000"/>
+            <a:lumOff val="65000"/>
+          </a:schemeClr>
+        </a:solidFill>
+        <a:round/>
+      </a:ln>
+    </cs:spPr>
+  </cs:dropLine>
+  <cs:errorBar>
+    <cs:lnRef idx="0"/>
+    <cs:fillRef idx="0"/>
+    <cs:effectRef idx="0"/>
+    <cs:fontRef idx="minor">
+      <a:schemeClr val="tx1"/>
+    </cs:fontRef>
+    <cs:spPr>
+      <a:ln w="9525" cap="flat" cmpd="sng" algn="ctr">
+        <a:solidFill>
+          <a:schemeClr val="tx1">
+            <a:lumMod val="65000"/>
+            <a:lumOff val="35000"/>
+          </a:schemeClr>
+        </a:solidFill>
+        <a:round/>
+      </a:ln>
+    </cs:spPr>
+  </cs:errorBar>
+  <cs:floor>
+    <cs:lnRef idx="0"/>
+    <cs:fillRef idx="0"/>
+    <cs:effectRef idx="0"/>
+    <cs:fontRef idx="minor">
+      <a:schemeClr val="tx1"/>
+    </cs:fontRef>
+    <cs:spPr>
+      <a:noFill/>
+      <a:ln>
+        <a:noFill/>
+      </a:ln>
+    </cs:spPr>
+  </cs:floor>
+  <cs:gridlineMajor>
+    <cs:lnRef idx="0"/>
+    <cs:fillRef idx="0"/>
+    <cs:effectRef idx="0"/>
+    <cs:fontRef idx="minor">
+      <a:schemeClr val="tx1"/>
+    </cs:fontRef>
+    <cs:spPr>
+      <a:ln w="9525" cap="flat" cmpd="sng" algn="ctr">
+        <a:solidFill>
+          <a:schemeClr val="tx1">
+            <a:lumMod val="15000"/>
+            <a:lumOff val="85000"/>
+          </a:schemeClr>
+        </a:solidFill>
+        <a:round/>
+      </a:ln>
+    </cs:spPr>
+  </cs:gridlineMajor>
+  <cs:gridlineMinor>
+    <cs:lnRef idx="0"/>
+    <cs:fillRef idx="0"/>
+    <cs:effectRef idx="0"/>
+    <cs:fontRef idx="minor">
+      <a:schemeClr val="tx1"/>
+    </cs:fontRef>
+    <cs:spPr>
+      <a:ln w="9525" cap="flat" cmpd="sng" algn="ctr">
+        <a:solidFill>
+          <a:schemeClr val="tx1">
+            <a:lumMod val="5000"/>
+            <a:lumOff val="95000"/>
+          </a:schemeClr>
+        </a:solidFill>
+        <a:round/>
+      </a:ln>
+    </cs:spPr>
+  </cs:gridlineMinor>
+  <cs:hiLoLine>
+    <cs:lnRef idx="0"/>
+    <cs:fillRef idx="0"/>
+    <cs:effectRef idx="0"/>
+    <cs:fontRef idx="minor">
+      <a:schemeClr val="tx1"/>
+    </cs:fontRef>
+    <cs:spPr>
+      <a:ln w="9525" cap="flat" cmpd="sng" algn="ctr">
+        <a:solidFill>
+          <a:schemeClr val="tx1">
+            <a:lumMod val="50000"/>
+            <a:lumOff val="50000"/>
+          </a:schemeClr>
+        </a:solidFill>
+        <a:round/>
+      </a:ln>
+    </cs:spPr>
+  </cs:hiLoLine>
+  <cs:leaderLine>
+    <cs:lnRef idx="0"/>
+    <cs:fillRef idx="0"/>
+    <cs:effectRef idx="0"/>
+    <cs:fontRef idx="minor">
+      <a:schemeClr val="tx1"/>
+    </cs:fontRef>
+    <cs:spPr>
+      <a:ln w="9525" cap="flat" cmpd="sng" algn="ctr">
+        <a:solidFill>
+          <a:schemeClr val="tx1">
+            <a:lumMod val="35000"/>
+            <a:lumOff val="65000"/>
+          </a:schemeClr>
+        </a:solidFill>
+        <a:round/>
+      </a:ln>
+    </cs:spPr>
+  </cs:leaderLine>
+  <cs:legend>
+    <cs:lnRef idx="0"/>
+    <cs:fillRef idx="0"/>
+    <cs:effectRef idx="0"/>
+    <cs:fontRef idx="minor">
+      <a:schemeClr val="tx1">
+        <a:lumMod val="65000"/>
+        <a:lumOff val="35000"/>
+      </a:schemeClr>
+    </cs:fontRef>
+    <cs:defRPr sz="1197" kern="1200"/>
+  </cs:legend>
+  <cs:plotArea mods="allowNoFillOverride allowNoLineOverride">
+    <cs:lnRef idx="0"/>
+    <cs:fillRef idx="0"/>
+    <cs:effectRef idx="0"/>
+    <cs:fontRef idx="minor">
+      <a:schemeClr val="tx1"/>
+    </cs:fontRef>
+  </cs:plotArea>
+  <cs:plotArea3D mods="allowNoFillOverride allowNoLineOverride">
+    <cs:lnRef idx="0"/>
+    <cs:fillRef idx="0"/>
+    <cs:effectRef idx="0"/>
+    <cs:fontRef idx="minor">
+      <a:schemeClr val="tx1"/>
+    </cs:fontRef>
+  </cs:plotArea3D>
+  <cs:seriesAxis>
+    <cs:lnRef idx="0"/>
+    <cs:fillRef idx="0"/>
+    <cs:effectRef idx="0"/>
+    <cs:fontRef idx="minor">
+      <a:schemeClr val="tx1">
+        <a:lumMod val="65000"/>
+        <a:lumOff val="35000"/>
+      </a:schemeClr>
+    </cs:fontRef>
+    <cs:defRPr sz="1197" kern="1200"/>
+  </cs:seriesAxis>
+  <cs:seriesLine>
+    <cs:lnRef idx="0"/>
+    <cs:fillRef idx="0"/>
+    <cs:effectRef idx="0"/>
+    <cs:fontRef idx="minor">
+      <a:schemeClr val="tx1"/>
+    </cs:fontRef>
+    <cs:spPr>
+      <a:ln w="9525" cap="flat" cmpd="sng" algn="ctr">
+        <a:solidFill>
+          <a:schemeClr val="tx1">
+            <a:lumMod val="35000"/>
+            <a:lumOff val="65000"/>
+          </a:schemeClr>
+        </a:solidFill>
+        <a:round/>
+      </a:ln>
+    </cs:spPr>
+  </cs:seriesLine>
+  <cs:title>
+    <cs:lnRef idx="0"/>
+    <cs:fillRef idx="0"/>
+    <cs:effectRef idx="0"/>
+    <cs:fontRef idx="minor">
+      <a:schemeClr val="tx1">
+        <a:lumMod val="65000"/>
+        <a:lumOff val="35000"/>
+      </a:schemeClr>
+    </cs:fontRef>
+    <cs:defRPr sz="1862" b="0" kern="1200" spc="0" baseline="0"/>
+  </cs:title>
+  <cs:trendline>
+    <cs:lnRef idx="0">
+      <cs:styleClr val="auto"/>
+    </cs:lnRef>
+    <cs:fillRef idx="0"/>
+    <cs:effectRef idx="0"/>
+    <cs:fontRef idx="minor">
+      <a:schemeClr val="tx1"/>
+    </cs:fontRef>
+    <cs:spPr>
+      <a:ln w="19050" cap="rnd">
+        <a:solidFill>
+          <a:schemeClr val="phClr"/>
+        </a:solidFill>
+        <a:prstDash val="sysDot"/>
+      </a:ln>
+    </cs:spPr>
+  </cs:trendline>
+  <cs:trendlineLabel>
+    <cs:lnRef idx="0"/>
+    <cs:fillRef idx="0"/>
+    <cs:effectRef idx="0"/>
+    <cs:fontRef idx="minor">
+      <a:schemeClr val="tx1">
+        <a:lumMod val="65000"/>
+        <a:lumOff val="35000"/>
+      </a:schemeClr>
+    </cs:fontRef>
+    <cs:defRPr sz="1197" kern="1200"/>
+  </cs:trendlineLabel>
+  <cs:upBar>
+    <cs:lnRef idx="0"/>
+    <cs:fillRef idx="0"/>
+    <cs:effectRef idx="0"/>
+    <cs:fontRef idx="minor">
+      <a:schemeClr val="tx1"/>
+    </cs:fontRef>
+    <cs:spPr>
+      <a:solidFill>
+        <a:schemeClr val="lt1"/>
+      </a:solidFill>
+      <a:ln w="9525" cap="flat" cmpd="sng" algn="ctr">
+        <a:solidFill>
+          <a:schemeClr val="tx1">
+            <a:lumMod val="65000"/>
+            <a:lumOff val="35000"/>
+          </a:schemeClr>
+        </a:solidFill>
+        <a:round/>
+      </a:ln>
+    </cs:spPr>
+  </cs:upBar>
+  <cs:valueAxis>
+    <cs:lnRef idx="0"/>
+    <cs:fillRef idx="0"/>
+    <cs:effectRef idx="0"/>
+    <cs:fontRef idx="minor">
+      <a:schemeClr val="tx1">
+        <a:lumMod val="65000"/>
+        <a:lumOff val="35000"/>
+      </a:schemeClr>
+    </cs:fontRef>
+    <cs:defRPr sz="1197" kern="1200"/>
+  </cs:valueAxis>
+  <cs:wall>
+    <cs:lnRef idx="0"/>
+    <cs:fillRef idx="0"/>
+    <cs:effectRef idx="0"/>
+    <cs:fontRef idx="minor">
+      <a:schemeClr val="tx1"/>
+    </cs:fontRef>
+    <cs:spPr>
+      <a:noFill/>
+      <a:ln>
+        <a:noFill/>
+      </a:ln>
+    </cs:spPr>
+  </cs:wall>
+</cs:chartStyle>
 </file>
 
 <file path=ppt/slideLayouts/slideLayout1.xml><?xml version="1.0" encoding="utf-8"?>
@@ -276,7 +3224,7 @@
           <a:p>
             <a:fld id="{971A37A0-98A2-4046-9ECD-FCF836B52C03}" type="datetimeFigureOut">
               <a:rPr lang="en-US" smtClean="0"/>
-              <a:t>7/18/2019</a:t>
+              <a:t>7/19/2019</a:t>
             </a:fld>
             <a:endParaRPr lang="en-US"/>
           </a:p>
@@ -474,7 +3422,7 @@
           <a:p>
             <a:fld id="{971A37A0-98A2-4046-9ECD-FCF836B52C03}" type="datetimeFigureOut">
               <a:rPr lang="en-US" smtClean="0"/>
-              <a:t>7/18/2019</a:t>
+              <a:t>7/19/2019</a:t>
             </a:fld>
             <a:endParaRPr lang="en-US"/>
           </a:p>
@@ -682,7 +3630,7 @@
           <a:p>
             <a:fld id="{971A37A0-98A2-4046-9ECD-FCF836B52C03}" type="datetimeFigureOut">
               <a:rPr lang="en-US" smtClean="0"/>
-              <a:t>7/18/2019</a:t>
+              <a:t>7/19/2019</a:t>
             </a:fld>
             <a:endParaRPr lang="en-US"/>
           </a:p>
@@ -880,7 +3828,7 @@
           <a:p>
             <a:fld id="{971A37A0-98A2-4046-9ECD-FCF836B52C03}" type="datetimeFigureOut">
               <a:rPr lang="en-US" smtClean="0"/>
-              <a:t>7/18/2019</a:t>
+              <a:t>7/19/2019</a:t>
             </a:fld>
             <a:endParaRPr lang="en-US"/>
           </a:p>
@@ -1155,7 +4103,7 @@
           <a:p>
             <a:fld id="{971A37A0-98A2-4046-9ECD-FCF836B52C03}" type="datetimeFigureOut">
               <a:rPr lang="en-US" smtClean="0"/>
-              <a:t>7/18/2019</a:t>
+              <a:t>7/19/2019</a:t>
             </a:fld>
             <a:endParaRPr lang="en-US"/>
           </a:p>
@@ -1420,7 +4368,7 @@
           <a:p>
             <a:fld id="{971A37A0-98A2-4046-9ECD-FCF836B52C03}" type="datetimeFigureOut">
               <a:rPr lang="en-US" smtClean="0"/>
-              <a:t>7/18/2019</a:t>
+              <a:t>7/19/2019</a:t>
             </a:fld>
             <a:endParaRPr lang="en-US"/>
           </a:p>
@@ -1832,7 +4780,7 @@
           <a:p>
             <a:fld id="{971A37A0-98A2-4046-9ECD-FCF836B52C03}" type="datetimeFigureOut">
               <a:rPr lang="en-US" smtClean="0"/>
-              <a:t>7/18/2019</a:t>
+              <a:t>7/19/2019</a:t>
             </a:fld>
             <a:endParaRPr lang="en-US"/>
           </a:p>
@@ -1973,7 +4921,7 @@
           <a:p>
             <a:fld id="{971A37A0-98A2-4046-9ECD-FCF836B52C03}" type="datetimeFigureOut">
               <a:rPr lang="en-US" smtClean="0"/>
-              <a:t>7/18/2019</a:t>
+              <a:t>7/19/2019</a:t>
             </a:fld>
             <a:endParaRPr lang="en-US"/>
           </a:p>
@@ -2086,7 +5034,7 @@
           <a:p>
             <a:fld id="{971A37A0-98A2-4046-9ECD-FCF836B52C03}" type="datetimeFigureOut">
               <a:rPr lang="en-US" smtClean="0"/>
-              <a:t>7/18/2019</a:t>
+              <a:t>7/19/2019</a:t>
             </a:fld>
             <a:endParaRPr lang="en-US"/>
           </a:p>
@@ -2397,7 +5345,7 @@
           <a:p>
             <a:fld id="{971A37A0-98A2-4046-9ECD-FCF836B52C03}" type="datetimeFigureOut">
               <a:rPr lang="en-US" smtClean="0"/>
-              <a:t>7/18/2019</a:t>
+              <a:t>7/19/2019</a:t>
             </a:fld>
             <a:endParaRPr lang="en-US"/>
           </a:p>
@@ -2685,7 +5633,7 @@
           <a:p>
             <a:fld id="{971A37A0-98A2-4046-9ECD-FCF836B52C03}" type="datetimeFigureOut">
               <a:rPr lang="en-US" smtClean="0"/>
-              <a:t>7/18/2019</a:t>
+              <a:t>7/19/2019</a:t>
             </a:fld>
             <a:endParaRPr lang="en-US"/>
           </a:p>
@@ -2935,7 +5883,7 @@
           <a:p>
             <a:fld id="{971A37A0-98A2-4046-9ECD-FCF836B52C03}" type="datetimeFigureOut">
               <a:rPr lang="en-US" smtClean="0"/>
-              <a:t>7/18/2019</a:t>
+              <a:t>7/19/2019</a:t>
             </a:fld>
             <a:endParaRPr lang="en-US"/>
           </a:p>
@@ -13885,6 +16833,154 @@
 </p:sld>
 </file>
 
+<file path=ppt/slides/slide19.xml><?xml version="1.0" encoding="utf-8"?>
+<p:sld xmlns:a="http://schemas.openxmlformats.org/drawingml/2006/main" xmlns:r="http://schemas.openxmlformats.org/officeDocument/2006/relationships" xmlns:p="http://schemas.openxmlformats.org/presentationml/2006/main">
+  <p:cSld>
+    <p:spTree>
+      <p:nvGrpSpPr>
+        <p:cNvPr id="1" name=""/>
+        <p:cNvGrpSpPr/>
+        <p:nvPr/>
+      </p:nvGrpSpPr>
+      <p:grpSpPr>
+        <a:xfrm>
+          <a:off x="0" y="0"/>
+          <a:ext cx="0" cy="0"/>
+          <a:chOff x="0" y="0"/>
+          <a:chExt cx="0" cy="0"/>
+        </a:xfrm>
+      </p:grpSpPr>
+      <p:sp>
+        <p:nvSpPr>
+          <p:cNvPr id="4" name="Rectangle 3">
+            <a:extLst>
+              <a:ext uri="{FF2B5EF4-FFF2-40B4-BE49-F238E27FC236}">
+                <a16:creationId xmlns:a16="http://schemas.microsoft.com/office/drawing/2014/main" id="{6E167D15-556D-4BCA-B6BE-DE301969366E}"/>
+              </a:ext>
+            </a:extLst>
+          </p:cNvPr>
+          <p:cNvSpPr/>
+          <p:nvPr/>
+        </p:nvSpPr>
+        <p:spPr>
+          <a:xfrm>
+            <a:off x="928468" y="0"/>
+            <a:ext cx="10100603" cy="886264"/>
+          </a:xfrm>
+          <a:prstGeom prst="rect">
+            <a:avLst/>
+          </a:prstGeom>
+        </p:spPr>
+        <p:style>
+          <a:lnRef idx="2">
+            <a:schemeClr val="accent1">
+              <a:shade val="50000"/>
+            </a:schemeClr>
+          </a:lnRef>
+          <a:fillRef idx="1">
+            <a:schemeClr val="accent1"/>
+          </a:fillRef>
+          <a:effectRef idx="0">
+            <a:schemeClr val="accent1"/>
+          </a:effectRef>
+          <a:fontRef idx="minor">
+            <a:schemeClr val="lt1"/>
+          </a:fontRef>
+        </p:style>
+        <p:txBody>
+          <a:bodyPr rtlCol="0" anchor="ctr"/>
+          <a:lstStyle/>
+          <a:p>
+            <a:pPr algn="ctr"/>
+            <a:endParaRPr lang="en-US"/>
+          </a:p>
+        </p:txBody>
+      </p:sp>
+      <p:sp>
+        <p:nvSpPr>
+          <p:cNvPr id="5" name="TextBox 4">
+            <a:extLst>
+              <a:ext uri="{FF2B5EF4-FFF2-40B4-BE49-F238E27FC236}">
+                <a16:creationId xmlns:a16="http://schemas.microsoft.com/office/drawing/2014/main" id="{A895F123-133F-4E0B-A890-87A48E29C7ED}"/>
+              </a:ext>
+            </a:extLst>
+          </p:cNvPr>
+          <p:cNvSpPr txBox="1"/>
+          <p:nvPr/>
+        </p:nvSpPr>
+        <p:spPr>
+          <a:xfrm>
+            <a:off x="4201330" y="58411"/>
+            <a:ext cx="4296369" cy="769441"/>
+          </a:xfrm>
+          <a:prstGeom prst="rect">
+            <a:avLst/>
+          </a:prstGeom>
+          <a:noFill/>
+        </p:spPr>
+        <p:txBody>
+          <a:bodyPr wrap="none" rtlCol="0">
+            <a:spAutoFit/>
+          </a:bodyPr>
+          <a:lstStyle/>
+          <a:p>
+            <a:pPr algn="ctr"/>
+            <a:r>
+              <a:rPr lang="en-US" sz="4400" b="1" dirty="0">
+                <a:solidFill>
+                  <a:schemeClr val="bg1"/>
+                </a:solidFill>
+                <a:latin typeface="Roboto" panose="02000000000000000000" pitchFamily="2" charset="0"/>
+                <a:ea typeface="Roboto" panose="02000000000000000000" pitchFamily="2" charset="0"/>
+              </a:rPr>
+              <a:t>Survey Coverage</a:t>
+            </a:r>
+          </a:p>
+        </p:txBody>
+      </p:sp>
+      <p:graphicFrame>
+        <p:nvGraphicFramePr>
+          <p:cNvPr id="7" name="Chart 6">
+            <a:extLst>
+              <a:ext uri="{FF2B5EF4-FFF2-40B4-BE49-F238E27FC236}">
+                <a16:creationId xmlns:a16="http://schemas.microsoft.com/office/drawing/2014/main" id="{21B3B5F6-DD2C-4EA3-BC1D-134D28458F54}"/>
+              </a:ext>
+            </a:extLst>
+          </p:cNvPr>
+          <p:cNvGraphicFramePr>
+            <a:graphicFrameLocks/>
+          </p:cNvGraphicFramePr>
+          <p:nvPr>
+            <p:extLst>
+              <p:ext uri="{D42A27DB-BD31-4B8C-83A1-F6EECF244321}">
+                <p14:modId xmlns:p14="http://schemas.microsoft.com/office/powerpoint/2010/main" val="3075347026"/>
+              </p:ext>
+            </p:extLst>
+          </p:nvPr>
+        </p:nvGraphicFramePr>
+        <p:xfrm>
+          <a:off x="2243137" y="1438092"/>
+          <a:ext cx="7705726" cy="3700462"/>
+        </p:xfrm>
+        <a:graphic>
+          <a:graphicData uri="http://schemas.openxmlformats.org/drawingml/2006/chart">
+            <c:chart xmlns:c="http://schemas.openxmlformats.org/drawingml/2006/chart" xmlns:r="http://schemas.openxmlformats.org/officeDocument/2006/relationships" r:id="rId2"/>
+          </a:graphicData>
+        </a:graphic>
+      </p:graphicFrame>
+    </p:spTree>
+    <p:extLst>
+      <p:ext uri="{BB962C8B-B14F-4D97-AF65-F5344CB8AC3E}">
+        <p14:creationId xmlns:p14="http://schemas.microsoft.com/office/powerpoint/2010/main" val="546306590"/>
+      </p:ext>
+    </p:extLst>
+  </p:cSld>
+  <p:clrMapOvr>
+    <a:masterClrMapping/>
+  </p:clrMapOvr>
+</p:sld>
+</file>
+
 <file path=ppt/slides/slide2.xml><?xml version="1.0" encoding="utf-8"?>
 <p:sld xmlns:a="http://schemas.openxmlformats.org/drawingml/2006/main" xmlns:r="http://schemas.openxmlformats.org/officeDocument/2006/relationships" xmlns:p="http://schemas.openxmlformats.org/presentationml/2006/main">
   <p:cSld>
@@ -14126,6 +17222,272 @@
     <p:extLst>
       <p:ext uri="{BB962C8B-B14F-4D97-AF65-F5344CB8AC3E}">
         <p14:creationId xmlns:p14="http://schemas.microsoft.com/office/powerpoint/2010/main" val="3348184146"/>
+      </p:ext>
+    </p:extLst>
+  </p:cSld>
+  <p:clrMapOvr>
+    <a:masterClrMapping/>
+  </p:clrMapOvr>
+</p:sld>
+</file>
+
+<file path=ppt/slides/slide20.xml><?xml version="1.0" encoding="utf-8"?>
+<p:sld xmlns:a="http://schemas.openxmlformats.org/drawingml/2006/main" xmlns:r="http://schemas.openxmlformats.org/officeDocument/2006/relationships" xmlns:p="http://schemas.openxmlformats.org/presentationml/2006/main">
+  <p:cSld>
+    <p:spTree>
+      <p:nvGrpSpPr>
+        <p:cNvPr id="1" name=""/>
+        <p:cNvGrpSpPr/>
+        <p:nvPr/>
+      </p:nvGrpSpPr>
+      <p:grpSpPr>
+        <a:xfrm>
+          <a:off x="0" y="0"/>
+          <a:ext cx="0" cy="0"/>
+          <a:chOff x="0" y="0"/>
+          <a:chExt cx="0" cy="0"/>
+        </a:xfrm>
+      </p:grpSpPr>
+      <p:sp>
+        <p:nvSpPr>
+          <p:cNvPr id="4" name="Rectangle 3">
+            <a:extLst>
+              <a:ext uri="{FF2B5EF4-FFF2-40B4-BE49-F238E27FC236}">
+                <a16:creationId xmlns:a16="http://schemas.microsoft.com/office/drawing/2014/main" id="{6E167D15-556D-4BCA-B6BE-DE301969366E}"/>
+              </a:ext>
+            </a:extLst>
+          </p:cNvPr>
+          <p:cNvSpPr/>
+          <p:nvPr/>
+        </p:nvSpPr>
+        <p:spPr>
+          <a:xfrm>
+            <a:off x="928468" y="0"/>
+            <a:ext cx="10100603" cy="886264"/>
+          </a:xfrm>
+          <a:prstGeom prst="rect">
+            <a:avLst/>
+          </a:prstGeom>
+        </p:spPr>
+        <p:style>
+          <a:lnRef idx="2">
+            <a:schemeClr val="accent1">
+              <a:shade val="50000"/>
+            </a:schemeClr>
+          </a:lnRef>
+          <a:fillRef idx="1">
+            <a:schemeClr val="accent1"/>
+          </a:fillRef>
+          <a:effectRef idx="0">
+            <a:schemeClr val="accent1"/>
+          </a:effectRef>
+          <a:fontRef idx="minor">
+            <a:schemeClr val="lt1"/>
+          </a:fontRef>
+        </p:style>
+        <p:txBody>
+          <a:bodyPr rtlCol="0" anchor="ctr"/>
+          <a:lstStyle/>
+          <a:p>
+            <a:pPr algn="ctr"/>
+            <a:endParaRPr lang="en-US"/>
+          </a:p>
+        </p:txBody>
+      </p:sp>
+      <p:sp>
+        <p:nvSpPr>
+          <p:cNvPr id="5" name="TextBox 4">
+            <a:extLst>
+              <a:ext uri="{FF2B5EF4-FFF2-40B4-BE49-F238E27FC236}">
+                <a16:creationId xmlns:a16="http://schemas.microsoft.com/office/drawing/2014/main" id="{A895F123-133F-4E0B-A890-87A48E29C7ED}"/>
+              </a:ext>
+            </a:extLst>
+          </p:cNvPr>
+          <p:cNvSpPr txBox="1"/>
+          <p:nvPr/>
+        </p:nvSpPr>
+        <p:spPr>
+          <a:xfrm>
+            <a:off x="4201330" y="58411"/>
+            <a:ext cx="4296369" cy="769441"/>
+          </a:xfrm>
+          <a:prstGeom prst="rect">
+            <a:avLst/>
+          </a:prstGeom>
+          <a:noFill/>
+        </p:spPr>
+        <p:txBody>
+          <a:bodyPr wrap="none" rtlCol="0">
+            <a:spAutoFit/>
+          </a:bodyPr>
+          <a:lstStyle/>
+          <a:p>
+            <a:pPr algn="ctr"/>
+            <a:r>
+              <a:rPr lang="en-US" sz="4400" b="1" dirty="0">
+                <a:solidFill>
+                  <a:schemeClr val="bg1"/>
+                </a:solidFill>
+                <a:latin typeface="Roboto" panose="02000000000000000000" pitchFamily="2" charset="0"/>
+                <a:ea typeface="Roboto" panose="02000000000000000000" pitchFamily="2" charset="0"/>
+              </a:rPr>
+              <a:t>Survey Coverage</a:t>
+            </a:r>
+          </a:p>
+        </p:txBody>
+      </p:sp>
+      <p:graphicFrame>
+        <p:nvGraphicFramePr>
+          <p:cNvPr id="8" name="Chart 7">
+            <a:extLst>
+              <a:ext uri="{FF2B5EF4-FFF2-40B4-BE49-F238E27FC236}">
+                <a16:creationId xmlns:a16="http://schemas.microsoft.com/office/drawing/2014/main" id="{9B5F4389-99A8-4D9E-BD4E-AB26A3462FEE}"/>
+              </a:ext>
+            </a:extLst>
+          </p:cNvPr>
+          <p:cNvGraphicFramePr>
+            <a:graphicFrameLocks/>
+          </p:cNvGraphicFramePr>
+          <p:nvPr>
+            <p:extLst>
+              <p:ext uri="{D42A27DB-BD31-4B8C-83A1-F6EECF244321}">
+                <p14:modId xmlns:p14="http://schemas.microsoft.com/office/powerpoint/2010/main" val="537711638"/>
+              </p:ext>
+            </p:extLst>
+          </p:nvPr>
+        </p:nvGraphicFramePr>
+        <p:xfrm>
+          <a:off x="1788867" y="1224547"/>
+          <a:ext cx="7876810" cy="4726086"/>
+        </p:xfrm>
+        <a:graphic>
+          <a:graphicData uri="http://schemas.openxmlformats.org/drawingml/2006/chart">
+            <c:chart xmlns:c="http://schemas.openxmlformats.org/drawingml/2006/chart" xmlns:r="http://schemas.openxmlformats.org/officeDocument/2006/relationships" r:id="rId2"/>
+          </a:graphicData>
+        </a:graphic>
+      </p:graphicFrame>
+    </p:spTree>
+    <p:extLst>
+      <p:ext uri="{BB962C8B-B14F-4D97-AF65-F5344CB8AC3E}">
+        <p14:creationId xmlns:p14="http://schemas.microsoft.com/office/powerpoint/2010/main" val="1940624101"/>
+      </p:ext>
+    </p:extLst>
+  </p:cSld>
+  <p:clrMapOvr>
+    <a:masterClrMapping/>
+  </p:clrMapOvr>
+</p:sld>
+</file>
+
+<file path=ppt/slides/slide21.xml><?xml version="1.0" encoding="utf-8"?>
+<p:sld xmlns:a="http://schemas.openxmlformats.org/drawingml/2006/main" xmlns:r="http://schemas.openxmlformats.org/officeDocument/2006/relationships" xmlns:p="http://schemas.openxmlformats.org/presentationml/2006/main">
+  <p:cSld>
+    <p:spTree>
+      <p:nvGrpSpPr>
+        <p:cNvPr id="1" name=""/>
+        <p:cNvGrpSpPr/>
+        <p:nvPr/>
+      </p:nvGrpSpPr>
+      <p:grpSpPr>
+        <a:xfrm>
+          <a:off x="0" y="0"/>
+          <a:ext cx="0" cy="0"/>
+          <a:chOff x="0" y="0"/>
+          <a:chExt cx="0" cy="0"/>
+        </a:xfrm>
+      </p:grpSpPr>
+      <p:sp>
+        <p:nvSpPr>
+          <p:cNvPr id="4" name="Rectangle 3">
+            <a:extLst>
+              <a:ext uri="{FF2B5EF4-FFF2-40B4-BE49-F238E27FC236}">
+                <a16:creationId xmlns:a16="http://schemas.microsoft.com/office/drawing/2014/main" id="{6E167D15-556D-4BCA-B6BE-DE301969366E}"/>
+              </a:ext>
+            </a:extLst>
+          </p:cNvPr>
+          <p:cNvSpPr/>
+          <p:nvPr/>
+        </p:nvSpPr>
+        <p:spPr>
+          <a:xfrm>
+            <a:off x="928468" y="0"/>
+            <a:ext cx="10100603" cy="886264"/>
+          </a:xfrm>
+          <a:prstGeom prst="rect">
+            <a:avLst/>
+          </a:prstGeom>
+        </p:spPr>
+        <p:style>
+          <a:lnRef idx="2">
+            <a:schemeClr val="accent1">
+              <a:shade val="50000"/>
+            </a:schemeClr>
+          </a:lnRef>
+          <a:fillRef idx="1">
+            <a:schemeClr val="accent1"/>
+          </a:fillRef>
+          <a:effectRef idx="0">
+            <a:schemeClr val="accent1"/>
+          </a:effectRef>
+          <a:fontRef idx="minor">
+            <a:schemeClr val="lt1"/>
+          </a:fontRef>
+        </p:style>
+        <p:txBody>
+          <a:bodyPr rtlCol="0" anchor="ctr"/>
+          <a:lstStyle/>
+          <a:p>
+            <a:pPr algn="ctr"/>
+            <a:endParaRPr lang="en-US"/>
+          </a:p>
+        </p:txBody>
+      </p:sp>
+      <p:sp>
+        <p:nvSpPr>
+          <p:cNvPr id="5" name="TextBox 4">
+            <a:extLst>
+              <a:ext uri="{FF2B5EF4-FFF2-40B4-BE49-F238E27FC236}">
+                <a16:creationId xmlns:a16="http://schemas.microsoft.com/office/drawing/2014/main" id="{A895F123-133F-4E0B-A890-87A48E29C7ED}"/>
+              </a:ext>
+            </a:extLst>
+          </p:cNvPr>
+          <p:cNvSpPr txBox="1"/>
+          <p:nvPr/>
+        </p:nvSpPr>
+        <p:spPr>
+          <a:xfrm>
+            <a:off x="4201330" y="58411"/>
+            <a:ext cx="4296369" cy="769441"/>
+          </a:xfrm>
+          <a:prstGeom prst="rect">
+            <a:avLst/>
+          </a:prstGeom>
+          <a:noFill/>
+        </p:spPr>
+        <p:txBody>
+          <a:bodyPr wrap="none" rtlCol="0">
+            <a:spAutoFit/>
+          </a:bodyPr>
+          <a:lstStyle/>
+          <a:p>
+            <a:pPr algn="ctr"/>
+            <a:r>
+              <a:rPr lang="en-US" sz="4400" b="1" dirty="0">
+                <a:solidFill>
+                  <a:schemeClr val="bg1"/>
+                </a:solidFill>
+                <a:latin typeface="Roboto" panose="02000000000000000000" pitchFamily="2" charset="0"/>
+                <a:ea typeface="Roboto" panose="02000000000000000000" pitchFamily="2" charset="0"/>
+              </a:rPr>
+              <a:t>Survey Coverage</a:t>
+            </a:r>
+          </a:p>
+        </p:txBody>
+      </p:sp>
+    </p:spTree>
+    <p:extLst>
+      <p:ext uri="{BB962C8B-B14F-4D97-AF65-F5344CB8AC3E}">
+        <p14:creationId xmlns:p14="http://schemas.microsoft.com/office/powerpoint/2010/main" val="82518656"/>
       </p:ext>
     </p:extLst>
   </p:cSld>

--- a/Presentation/Presentation.pptx
+++ b/Presentation/Presentation.pptx
@@ -7,27 +7,28 @@
   <p:sldIdLst>
     <p:sldId id="256" r:id="rId2"/>
     <p:sldId id="257" r:id="rId3"/>
-    <p:sldId id="258" r:id="rId4"/>
-    <p:sldId id="260" r:id="rId5"/>
-    <p:sldId id="286" r:id="rId6"/>
-    <p:sldId id="259" r:id="rId7"/>
-    <p:sldId id="273" r:id="rId8"/>
-    <p:sldId id="274" r:id="rId9"/>
-    <p:sldId id="275" r:id="rId10"/>
-    <p:sldId id="276" r:id="rId11"/>
-    <p:sldId id="277" r:id="rId12"/>
-    <p:sldId id="278" r:id="rId13"/>
-    <p:sldId id="279" r:id="rId14"/>
-    <p:sldId id="280" r:id="rId15"/>
-    <p:sldId id="281" r:id="rId16"/>
-    <p:sldId id="282" r:id="rId17"/>
-    <p:sldId id="283" r:id="rId18"/>
-    <p:sldId id="284" r:id="rId19"/>
-    <p:sldId id="285" r:id="rId20"/>
-    <p:sldId id="287" r:id="rId21"/>
-    <p:sldId id="288" r:id="rId22"/>
-    <p:sldId id="290" r:id="rId23"/>
-    <p:sldId id="291" r:id="rId24"/>
+    <p:sldId id="292" r:id="rId4"/>
+    <p:sldId id="258" r:id="rId5"/>
+    <p:sldId id="260" r:id="rId6"/>
+    <p:sldId id="286" r:id="rId7"/>
+    <p:sldId id="259" r:id="rId8"/>
+    <p:sldId id="273" r:id="rId9"/>
+    <p:sldId id="274" r:id="rId10"/>
+    <p:sldId id="275" r:id="rId11"/>
+    <p:sldId id="276" r:id="rId12"/>
+    <p:sldId id="277" r:id="rId13"/>
+    <p:sldId id="278" r:id="rId14"/>
+    <p:sldId id="279" r:id="rId15"/>
+    <p:sldId id="280" r:id="rId16"/>
+    <p:sldId id="281" r:id="rId17"/>
+    <p:sldId id="282" r:id="rId18"/>
+    <p:sldId id="283" r:id="rId19"/>
+    <p:sldId id="284" r:id="rId20"/>
+    <p:sldId id="285" r:id="rId21"/>
+    <p:sldId id="287" r:id="rId22"/>
+    <p:sldId id="288" r:id="rId23"/>
+    <p:sldId id="290" r:id="rId24"/>
+    <p:sldId id="291" r:id="rId25"/>
   </p:sldIdLst>
   <p:sldSz cx="12192000" cy="6858000"/>
   <p:notesSz cx="6858000" cy="9144000"/>
@@ -4010,7 +4011,7 @@
         <c:scaling>
           <c:orientation val="minMax"/>
         </c:scaling>
-        <c:delete val="0"/>
+        <c:delete val="1"/>
         <c:axPos val="l"/>
         <c:majorGridlines>
           <c:spPr>
@@ -4030,33 +4031,6 @@
         <c:majorTickMark val="none"/>
         <c:minorTickMark val="none"/>
         <c:tickLblPos val="nextTo"/>
-        <c:spPr>
-          <a:noFill/>
-          <a:ln>
-            <a:noFill/>
-          </a:ln>
-          <a:effectLst/>
-        </c:spPr>
-        <c:txPr>
-          <a:bodyPr rot="-60000000" spcFirstLastPara="1" vertOverflow="ellipsis" vert="horz" wrap="square" anchor="ctr" anchorCtr="1"/>
-          <a:lstStyle/>
-          <a:p>
-            <a:pPr>
-              <a:defRPr sz="1200" b="0" i="0" u="none" strike="noStrike" kern="1200" baseline="0">
-                <a:solidFill>
-                  <a:schemeClr val="tx1">
-                    <a:lumMod val="65000"/>
-                    <a:lumOff val="35000"/>
-                  </a:schemeClr>
-                </a:solidFill>
-                <a:latin typeface="+mn-lt"/>
-                <a:ea typeface="+mn-ea"/>
-                <a:cs typeface="+mn-cs"/>
-              </a:defRPr>
-            </a:pPr>
-            <a:endParaRPr lang="en-US"/>
-          </a:p>
-        </c:txPr>
         <c:crossAx val="1219070176"/>
         <c:crosses val="autoZero"/>
         <c:crossBetween val="between"/>
@@ -4519,7 +4493,7 @@
         <c:scaling>
           <c:orientation val="minMax"/>
         </c:scaling>
-        <c:delete val="0"/>
+        <c:delete val="1"/>
         <c:axPos val="l"/>
         <c:majorGridlines>
           <c:spPr>
@@ -4539,33 +4513,6 @@
         <c:majorTickMark val="none"/>
         <c:minorTickMark val="none"/>
         <c:tickLblPos val="nextTo"/>
-        <c:spPr>
-          <a:noFill/>
-          <a:ln>
-            <a:noFill/>
-          </a:ln>
-          <a:effectLst/>
-        </c:spPr>
-        <c:txPr>
-          <a:bodyPr rot="-60000000" spcFirstLastPara="1" vertOverflow="ellipsis" vert="horz" wrap="square" anchor="ctr" anchorCtr="1"/>
-          <a:lstStyle/>
-          <a:p>
-            <a:pPr>
-              <a:defRPr sz="1200" b="0" i="0" u="none" strike="noStrike" kern="1200" baseline="0">
-                <a:solidFill>
-                  <a:schemeClr val="tx1">
-                    <a:lumMod val="65000"/>
-                    <a:lumOff val="35000"/>
-                  </a:schemeClr>
-                </a:solidFill>
-                <a:latin typeface="+mn-lt"/>
-                <a:ea typeface="+mn-ea"/>
-                <a:cs typeface="+mn-cs"/>
-              </a:defRPr>
-            </a:pPr>
-            <a:endParaRPr lang="en-US"/>
-          </a:p>
-        </c:txPr>
         <c:crossAx val="1219337648"/>
         <c:crosses val="autoZero"/>
         <c:crossBetween val="between"/>
@@ -7521,7 +7468,7 @@
           <a:p>
             <a:fld id="{971A37A0-98A2-4046-9ECD-FCF836B52C03}" type="datetimeFigureOut">
               <a:rPr lang="en-US" smtClean="0"/>
-              <a:t>7/23/2019</a:t>
+              <a:t>7/25/2019</a:t>
             </a:fld>
             <a:endParaRPr lang="en-US"/>
           </a:p>
@@ -7719,7 +7666,7 @@
           <a:p>
             <a:fld id="{971A37A0-98A2-4046-9ECD-FCF836B52C03}" type="datetimeFigureOut">
               <a:rPr lang="en-US" smtClean="0"/>
-              <a:t>7/23/2019</a:t>
+              <a:t>7/25/2019</a:t>
             </a:fld>
             <a:endParaRPr lang="en-US"/>
           </a:p>
@@ -7927,7 +7874,7 @@
           <a:p>
             <a:fld id="{971A37A0-98A2-4046-9ECD-FCF836B52C03}" type="datetimeFigureOut">
               <a:rPr lang="en-US" smtClean="0"/>
-              <a:t>7/23/2019</a:t>
+              <a:t>7/25/2019</a:t>
             </a:fld>
             <a:endParaRPr lang="en-US"/>
           </a:p>
@@ -8125,7 +8072,7 @@
           <a:p>
             <a:fld id="{971A37A0-98A2-4046-9ECD-FCF836B52C03}" type="datetimeFigureOut">
               <a:rPr lang="en-US" smtClean="0"/>
-              <a:t>7/23/2019</a:t>
+              <a:t>7/25/2019</a:t>
             </a:fld>
             <a:endParaRPr lang="en-US"/>
           </a:p>
@@ -8400,7 +8347,7 @@
           <a:p>
             <a:fld id="{971A37A0-98A2-4046-9ECD-FCF836B52C03}" type="datetimeFigureOut">
               <a:rPr lang="en-US" smtClean="0"/>
-              <a:t>7/23/2019</a:t>
+              <a:t>7/25/2019</a:t>
             </a:fld>
             <a:endParaRPr lang="en-US"/>
           </a:p>
@@ -8665,7 +8612,7 @@
           <a:p>
             <a:fld id="{971A37A0-98A2-4046-9ECD-FCF836B52C03}" type="datetimeFigureOut">
               <a:rPr lang="en-US" smtClean="0"/>
-              <a:t>7/23/2019</a:t>
+              <a:t>7/25/2019</a:t>
             </a:fld>
             <a:endParaRPr lang="en-US"/>
           </a:p>
@@ -9077,7 +9024,7 @@
           <a:p>
             <a:fld id="{971A37A0-98A2-4046-9ECD-FCF836B52C03}" type="datetimeFigureOut">
               <a:rPr lang="en-US" smtClean="0"/>
-              <a:t>7/23/2019</a:t>
+              <a:t>7/25/2019</a:t>
             </a:fld>
             <a:endParaRPr lang="en-US"/>
           </a:p>
@@ -9218,7 +9165,7 @@
           <a:p>
             <a:fld id="{971A37A0-98A2-4046-9ECD-FCF836B52C03}" type="datetimeFigureOut">
               <a:rPr lang="en-US" smtClean="0"/>
-              <a:t>7/23/2019</a:t>
+              <a:t>7/25/2019</a:t>
             </a:fld>
             <a:endParaRPr lang="en-US"/>
           </a:p>
@@ -9331,7 +9278,7 @@
           <a:p>
             <a:fld id="{971A37A0-98A2-4046-9ECD-FCF836B52C03}" type="datetimeFigureOut">
               <a:rPr lang="en-US" smtClean="0"/>
-              <a:t>7/23/2019</a:t>
+              <a:t>7/25/2019</a:t>
             </a:fld>
             <a:endParaRPr lang="en-US"/>
           </a:p>
@@ -9642,7 +9589,7 @@
           <a:p>
             <a:fld id="{971A37A0-98A2-4046-9ECD-FCF836B52C03}" type="datetimeFigureOut">
               <a:rPr lang="en-US" smtClean="0"/>
-              <a:t>7/23/2019</a:t>
+              <a:t>7/25/2019</a:t>
             </a:fld>
             <a:endParaRPr lang="en-US"/>
           </a:p>
@@ -9930,7 +9877,7 @@
           <a:p>
             <a:fld id="{971A37A0-98A2-4046-9ECD-FCF836B52C03}" type="datetimeFigureOut">
               <a:rPr lang="en-US" smtClean="0"/>
-              <a:t>7/23/2019</a:t>
+              <a:t>7/25/2019</a:t>
             </a:fld>
             <a:endParaRPr lang="en-US"/>
           </a:p>
@@ -10180,7 +10127,7 @@
           <a:p>
             <a:fld id="{971A37A0-98A2-4046-9ECD-FCF836B52C03}" type="datetimeFigureOut">
               <a:rPr lang="en-US" smtClean="0"/>
-              <a:t>7/23/2019</a:t>
+              <a:t>7/25/2019</a:t>
             </a:fld>
             <a:endParaRPr lang="en-US"/>
           </a:p>
@@ -10597,50 +10544,12 @@
           <a:chExt cx="0" cy="0"/>
         </a:xfrm>
       </p:grpSpPr>
-      <p:sp>
-        <p:nvSpPr>
-          <p:cNvPr id="4" name="TextBox 3">
+      <p:pic>
+        <p:nvPicPr>
+          <p:cNvPr id="3" name="Picture 2">
             <a:extLst>
               <a:ext uri="{FF2B5EF4-FFF2-40B4-BE49-F238E27FC236}">
-                <a16:creationId xmlns:a16="http://schemas.microsoft.com/office/drawing/2014/main" id="{49B3033B-FF16-4482-84F8-5490F164B444}"/>
-              </a:ext>
-            </a:extLst>
-          </p:cNvPr>
-          <p:cNvSpPr txBox="1"/>
-          <p:nvPr/>
-        </p:nvSpPr>
-        <p:spPr>
-          <a:xfrm>
-            <a:off x="3275428" y="3665601"/>
-            <a:ext cx="5641144" cy="584775"/>
-          </a:xfrm>
-          <a:prstGeom prst="rect">
-            <a:avLst/>
-          </a:prstGeom>
-          <a:noFill/>
-        </p:spPr>
-        <p:txBody>
-          <a:bodyPr wrap="square" rtlCol="0">
-            <a:spAutoFit/>
-          </a:bodyPr>
-          <a:lstStyle/>
-          <a:p>
-            <a:r>
-              <a:rPr lang="en-US" sz="3200" dirty="0">
-                <a:latin typeface="Roboto" panose="02000000000000000000" pitchFamily="2" charset="0"/>
-                <a:ea typeface="Roboto" panose="02000000000000000000" pitchFamily="2" charset="0"/>
-              </a:rPr>
-              <a:t>108Jobs Annual Salary Survey</a:t>
-            </a:r>
-          </a:p>
-        </p:txBody>
-      </p:sp>
-      <p:pic>
-        <p:nvPicPr>
-          <p:cNvPr id="6" name="Picture 5">
-            <a:extLst>
-              <a:ext uri="{FF2B5EF4-FFF2-40B4-BE49-F238E27FC236}">
-                <a16:creationId xmlns:a16="http://schemas.microsoft.com/office/drawing/2014/main" id="{EFC74987-0F9F-4A78-8A3A-E68AF359133D}"/>
+                <a16:creationId xmlns:a16="http://schemas.microsoft.com/office/drawing/2014/main" id="{193F7321-CB6D-4FF6-8F6D-3920DB0746B2}"/>
               </a:ext>
             </a:extLst>
           </p:cNvPr>
@@ -10663,8 +10572,8 @@
         </p:blipFill>
         <p:spPr>
           <a:xfrm>
-            <a:off x="4051201" y="1112901"/>
-            <a:ext cx="3695700" cy="2552700"/>
+            <a:off x="0" y="0"/>
+            <a:ext cx="12192000" cy="6858000"/>
           </a:xfrm>
           <a:prstGeom prst="rect">
             <a:avLst/>
@@ -10685,6 +10594,1166 @@
 </file>
 
 <file path=ppt/slides/slide10.xml><?xml version="1.0" encoding="utf-8"?>
+<p:sld xmlns:a="http://schemas.openxmlformats.org/drawingml/2006/main" xmlns:r="http://schemas.openxmlformats.org/officeDocument/2006/relationships" xmlns:p="http://schemas.openxmlformats.org/presentationml/2006/main">
+  <p:cSld>
+    <p:spTree>
+      <p:nvGrpSpPr>
+        <p:cNvPr id="1" name=""/>
+        <p:cNvGrpSpPr/>
+        <p:nvPr/>
+      </p:nvGrpSpPr>
+      <p:grpSpPr>
+        <a:xfrm>
+          <a:off x="0" y="0"/>
+          <a:ext cx="0" cy="0"/>
+          <a:chOff x="0" y="0"/>
+          <a:chExt cx="0" cy="0"/>
+        </a:xfrm>
+      </p:grpSpPr>
+      <p:sp>
+        <p:nvSpPr>
+          <p:cNvPr id="4" name="Rectangle 3">
+            <a:extLst>
+              <a:ext uri="{FF2B5EF4-FFF2-40B4-BE49-F238E27FC236}">
+                <a16:creationId xmlns:a16="http://schemas.microsoft.com/office/drawing/2014/main" id="{6E167D15-556D-4BCA-B6BE-DE301969366E}"/>
+              </a:ext>
+            </a:extLst>
+          </p:cNvPr>
+          <p:cNvSpPr/>
+          <p:nvPr/>
+        </p:nvSpPr>
+        <p:spPr>
+          <a:xfrm>
+            <a:off x="928468" y="0"/>
+            <a:ext cx="10100603" cy="886264"/>
+          </a:xfrm>
+          <a:prstGeom prst="rect">
+            <a:avLst/>
+          </a:prstGeom>
+        </p:spPr>
+        <p:style>
+          <a:lnRef idx="2">
+            <a:schemeClr val="accent1">
+              <a:shade val="50000"/>
+            </a:schemeClr>
+          </a:lnRef>
+          <a:fillRef idx="1">
+            <a:schemeClr val="accent1"/>
+          </a:fillRef>
+          <a:effectRef idx="0">
+            <a:schemeClr val="accent1"/>
+          </a:effectRef>
+          <a:fontRef idx="minor">
+            <a:schemeClr val="lt1"/>
+          </a:fontRef>
+        </p:style>
+        <p:txBody>
+          <a:bodyPr rtlCol="0" anchor="ctr"/>
+          <a:lstStyle/>
+          <a:p>
+            <a:pPr algn="ctr"/>
+            <a:endParaRPr lang="en-US"/>
+          </a:p>
+        </p:txBody>
+      </p:sp>
+      <p:sp>
+        <p:nvSpPr>
+          <p:cNvPr id="5" name="TextBox 4">
+            <a:extLst>
+              <a:ext uri="{FF2B5EF4-FFF2-40B4-BE49-F238E27FC236}">
+                <a16:creationId xmlns:a16="http://schemas.microsoft.com/office/drawing/2014/main" id="{A895F123-133F-4E0B-A890-87A48E29C7ED}"/>
+              </a:ext>
+            </a:extLst>
+          </p:cNvPr>
+          <p:cNvSpPr txBox="1"/>
+          <p:nvPr/>
+        </p:nvSpPr>
+        <p:spPr>
+          <a:xfrm>
+            <a:off x="3168567" y="60552"/>
+            <a:ext cx="6203942" cy="769441"/>
+          </a:xfrm>
+          <a:prstGeom prst="rect">
+            <a:avLst/>
+          </a:prstGeom>
+          <a:noFill/>
+        </p:spPr>
+        <p:txBody>
+          <a:bodyPr wrap="none" rtlCol="0">
+            <a:spAutoFit/>
+          </a:bodyPr>
+          <a:lstStyle/>
+          <a:p>
+            <a:r>
+              <a:rPr lang="en-US" sz="4400" b="1" dirty="0">
+                <a:solidFill>
+                  <a:schemeClr val="bg1"/>
+                </a:solidFill>
+                <a:latin typeface="Roboto" panose="02000000000000000000" pitchFamily="2" charset="0"/>
+                <a:ea typeface="Roboto" panose="02000000000000000000" pitchFamily="2" charset="0"/>
+              </a:rPr>
+              <a:t>Hydro-power and Mining</a:t>
+            </a:r>
+          </a:p>
+        </p:txBody>
+      </p:sp>
+      <p:graphicFrame>
+        <p:nvGraphicFramePr>
+          <p:cNvPr id="6" name="Table 5">
+            <a:extLst>
+              <a:ext uri="{FF2B5EF4-FFF2-40B4-BE49-F238E27FC236}">
+                <a16:creationId xmlns:a16="http://schemas.microsoft.com/office/drawing/2014/main" id="{54EFA07A-658C-4CCF-B537-98AA5AF05EE1}"/>
+              </a:ext>
+            </a:extLst>
+          </p:cNvPr>
+          <p:cNvGraphicFramePr>
+            <a:graphicFrameLocks noGrp="1"/>
+          </p:cNvGraphicFramePr>
+          <p:nvPr>
+            <p:extLst>
+              <p:ext uri="{D42A27DB-BD31-4B8C-83A1-F6EECF244321}">
+                <p14:modId xmlns:p14="http://schemas.microsoft.com/office/powerpoint/2010/main" val="407192224"/>
+              </p:ext>
+            </p:extLst>
+          </p:nvPr>
+        </p:nvGraphicFramePr>
+        <p:xfrm>
+          <a:off x="928468" y="1662201"/>
+          <a:ext cx="10142807" cy="3967479"/>
+        </p:xfrm>
+        <a:graphic>
+          <a:graphicData uri="http://schemas.openxmlformats.org/drawingml/2006/table">
+            <a:tbl>
+              <a:tblPr firstRow="1" bandRow="1">
+                <a:tableStyleId>{5C22544A-7EE6-4342-B048-85BDC9FD1C3A}</a:tableStyleId>
+              </a:tblPr>
+              <a:tblGrid>
+                <a:gridCol w="2236763">
+                  <a:extLst>
+                    <a:ext uri="{9D8B030D-6E8A-4147-A177-3AD203B41FA5}">
+                      <a16:colId xmlns:a16="http://schemas.microsoft.com/office/drawing/2014/main" val="2497592185"/>
+                    </a:ext>
+                  </a:extLst>
+                </a:gridCol>
+                <a:gridCol w="1793053">
+                  <a:extLst>
+                    <a:ext uri="{9D8B030D-6E8A-4147-A177-3AD203B41FA5}">
+                      <a16:colId xmlns:a16="http://schemas.microsoft.com/office/drawing/2014/main" val="2784781616"/>
+                    </a:ext>
+                  </a:extLst>
+                </a:gridCol>
+                <a:gridCol w="1921279">
+                  <a:extLst>
+                    <a:ext uri="{9D8B030D-6E8A-4147-A177-3AD203B41FA5}">
+                      <a16:colId xmlns:a16="http://schemas.microsoft.com/office/drawing/2014/main" val="1258935152"/>
+                    </a:ext>
+                  </a:extLst>
+                </a:gridCol>
+                <a:gridCol w="2011219">
+                  <a:extLst>
+                    <a:ext uri="{9D8B030D-6E8A-4147-A177-3AD203B41FA5}">
+                      <a16:colId xmlns:a16="http://schemas.microsoft.com/office/drawing/2014/main" val="3251926524"/>
+                    </a:ext>
+                  </a:extLst>
+                </a:gridCol>
+                <a:gridCol w="2180493">
+                  <a:extLst>
+                    <a:ext uri="{9D8B030D-6E8A-4147-A177-3AD203B41FA5}">
+                      <a16:colId xmlns:a16="http://schemas.microsoft.com/office/drawing/2014/main" val="3188416064"/>
+                    </a:ext>
+                  </a:extLst>
+                </a:gridCol>
+              </a:tblGrid>
+              <a:tr h="369711">
+                <a:tc>
+                  <a:txBody>
+                    <a:bodyPr/>
+                    <a:lstStyle/>
+                    <a:p>
+                      <a:r>
+                        <a:rPr lang="en-US" dirty="0"/>
+                        <a:t>Job Positions</a:t>
+                      </a:r>
+                    </a:p>
+                  </a:txBody>
+                  <a:tcPr/>
+                </a:tc>
+                <a:tc>
+                  <a:txBody>
+                    <a:bodyPr/>
+                    <a:lstStyle/>
+                    <a:p>
+                      <a:r>
+                        <a:rPr lang="en-US" dirty="0"/>
+                        <a:t>New Graduate</a:t>
+                      </a:r>
+                    </a:p>
+                  </a:txBody>
+                  <a:tcPr/>
+                </a:tc>
+                <a:tc>
+                  <a:txBody>
+                    <a:bodyPr/>
+                    <a:lstStyle/>
+                    <a:p>
+                      <a:r>
+                        <a:rPr lang="en-US" dirty="0"/>
+                        <a:t>Exp. 1-3 years</a:t>
+                      </a:r>
+                    </a:p>
+                  </a:txBody>
+                  <a:tcPr/>
+                </a:tc>
+                <a:tc>
+                  <a:txBody>
+                    <a:bodyPr/>
+                    <a:lstStyle/>
+                    <a:p>
+                      <a:r>
+                        <a:rPr lang="en-US" dirty="0"/>
+                        <a:t>Exp. 4-6 years</a:t>
+                      </a:r>
+                    </a:p>
+                  </a:txBody>
+                  <a:tcPr/>
+                </a:tc>
+                <a:tc>
+                  <a:txBody>
+                    <a:bodyPr/>
+                    <a:lstStyle/>
+                    <a:p>
+                      <a:r>
+                        <a:rPr lang="en-US" dirty="0"/>
+                        <a:t>Exp. 7 years and up</a:t>
+                      </a:r>
+                    </a:p>
+                  </a:txBody>
+                  <a:tcPr/>
+                </a:tc>
+                <a:extLst>
+                  <a:ext uri="{0D108BD9-81ED-4DB2-BD59-A6C34878D82A}">
+                    <a16:rowId xmlns:a16="http://schemas.microsoft.com/office/drawing/2014/main" val="3617081155"/>
+                  </a:ext>
+                </a:extLst>
+              </a:tr>
+              <a:tr h="369711">
+                <a:tc>
+                  <a:txBody>
+                    <a:bodyPr/>
+                    <a:lstStyle/>
+                    <a:p>
+                      <a:r>
+                        <a:rPr lang="en-US" dirty="0"/>
+                        <a:t>Project manager</a:t>
+                      </a:r>
+                    </a:p>
+                  </a:txBody>
+                  <a:tcPr/>
+                </a:tc>
+                <a:tc>
+                  <a:txBody>
+                    <a:bodyPr/>
+                    <a:lstStyle/>
+                    <a:p>
+                      <a:pPr algn="ctr" fontAlgn="b"/>
+                      <a:r>
+                        <a:rPr lang="en-US" sz="1800" b="0" i="0" u="none" strike="noStrike" dirty="0">
+                          <a:solidFill>
+                            <a:srgbClr val="000000"/>
+                          </a:solidFill>
+                          <a:effectLst/>
+                          <a:latin typeface="Arial" panose="020B0604020202020204" pitchFamily="34" charset="0"/>
+                        </a:rPr>
+                        <a:t>572</a:t>
+                      </a:r>
+                    </a:p>
+                  </a:txBody>
+                  <a:tcPr marL="9525" marR="9525" marT="9525" marB="0" anchor="b"/>
+                </a:tc>
+                <a:tc>
+                  <a:txBody>
+                    <a:bodyPr/>
+                    <a:lstStyle/>
+                    <a:p>
+                      <a:pPr algn="ctr" fontAlgn="b"/>
+                      <a:r>
+                        <a:rPr lang="en-US" sz="1800" b="0" i="0" u="none" strike="noStrike" dirty="0">
+                          <a:solidFill>
+                            <a:srgbClr val="000000"/>
+                          </a:solidFill>
+                          <a:effectLst/>
+                          <a:latin typeface="Arial" panose="020B0604020202020204" pitchFamily="34" charset="0"/>
+                        </a:rPr>
+                        <a:t>757</a:t>
+                      </a:r>
+                    </a:p>
+                  </a:txBody>
+                  <a:tcPr marL="9525" marR="9525" marT="9525" marB="0" anchor="b"/>
+                </a:tc>
+                <a:tc>
+                  <a:txBody>
+                    <a:bodyPr/>
+                    <a:lstStyle/>
+                    <a:p>
+                      <a:pPr algn="ctr" fontAlgn="b"/>
+                      <a:r>
+                        <a:rPr lang="en-US" sz="1800" b="0" i="0" u="none" strike="noStrike" dirty="0">
+                          <a:solidFill>
+                            <a:srgbClr val="000000"/>
+                          </a:solidFill>
+                          <a:effectLst/>
+                          <a:latin typeface="Arial" panose="020B0604020202020204" pitchFamily="34" charset="0"/>
+                        </a:rPr>
+                        <a:t>728</a:t>
+                      </a:r>
+                    </a:p>
+                  </a:txBody>
+                  <a:tcPr marL="9525" marR="9525" marT="9525" marB="0" anchor="b"/>
+                </a:tc>
+                <a:tc>
+                  <a:txBody>
+                    <a:bodyPr/>
+                    <a:lstStyle/>
+                    <a:p>
+                      <a:pPr algn="ctr" fontAlgn="b"/>
+                      <a:r>
+                        <a:rPr lang="en-US" sz="1800" b="0" i="0" u="none" strike="noStrike" dirty="0">
+                          <a:solidFill>
+                            <a:srgbClr val="000000"/>
+                          </a:solidFill>
+                          <a:effectLst/>
+                          <a:latin typeface="Arial" panose="020B0604020202020204" pitchFamily="34" charset="0"/>
+                        </a:rPr>
+                        <a:t>994</a:t>
+                      </a:r>
+                    </a:p>
+                  </a:txBody>
+                  <a:tcPr marL="9525" marR="9525" marT="9525" marB="0" anchor="b"/>
+                </a:tc>
+                <a:extLst>
+                  <a:ext uri="{0D108BD9-81ED-4DB2-BD59-A6C34878D82A}">
+                    <a16:rowId xmlns:a16="http://schemas.microsoft.com/office/drawing/2014/main" val="1061743433"/>
+                  </a:ext>
+                </a:extLst>
+              </a:tr>
+              <a:tr h="369711">
+                <a:tc>
+                  <a:txBody>
+                    <a:bodyPr/>
+                    <a:lstStyle/>
+                    <a:p>
+                      <a:r>
+                        <a:rPr lang="en-US" dirty="0"/>
+                        <a:t>Safety Officer</a:t>
+                      </a:r>
+                    </a:p>
+                  </a:txBody>
+                  <a:tcPr/>
+                </a:tc>
+                <a:tc>
+                  <a:txBody>
+                    <a:bodyPr/>
+                    <a:lstStyle/>
+                    <a:p>
+                      <a:pPr algn="ctr" fontAlgn="b"/>
+                      <a:r>
+                        <a:rPr lang="en-US" sz="1800" b="0" i="0" u="none" strike="noStrike" dirty="0">
+                          <a:solidFill>
+                            <a:srgbClr val="000000"/>
+                          </a:solidFill>
+                          <a:effectLst/>
+                          <a:latin typeface="Arial" panose="020B0604020202020204" pitchFamily="34" charset="0"/>
+                        </a:rPr>
+                        <a:t>247</a:t>
+                      </a:r>
+                    </a:p>
+                  </a:txBody>
+                  <a:tcPr marL="9525" marR="9525" marT="9525" marB="0" anchor="b"/>
+                </a:tc>
+                <a:tc>
+                  <a:txBody>
+                    <a:bodyPr/>
+                    <a:lstStyle/>
+                    <a:p>
+                      <a:pPr algn="ctr" fontAlgn="b"/>
+                      <a:r>
+                        <a:rPr lang="en-US" sz="1800" b="0" i="0" u="none" strike="noStrike" dirty="0">
+                          <a:solidFill>
+                            <a:srgbClr val="000000"/>
+                          </a:solidFill>
+                          <a:effectLst/>
+                          <a:latin typeface="Arial" panose="020B0604020202020204" pitchFamily="34" charset="0"/>
+                        </a:rPr>
+                        <a:t>332</a:t>
+                      </a:r>
+                    </a:p>
+                  </a:txBody>
+                  <a:tcPr marL="9525" marR="9525" marT="9525" marB="0" anchor="b"/>
+                </a:tc>
+                <a:tc>
+                  <a:txBody>
+                    <a:bodyPr/>
+                    <a:lstStyle/>
+                    <a:p>
+                      <a:pPr algn="ctr" fontAlgn="b"/>
+                      <a:r>
+                        <a:rPr lang="en-US" sz="1800" b="0" i="0" u="none" strike="noStrike" dirty="0">
+                          <a:solidFill>
+                            <a:srgbClr val="000000"/>
+                          </a:solidFill>
+                          <a:effectLst/>
+                          <a:latin typeface="Arial" panose="020B0604020202020204" pitchFamily="34" charset="0"/>
+                        </a:rPr>
+                        <a:t>442</a:t>
+                      </a:r>
+                    </a:p>
+                  </a:txBody>
+                  <a:tcPr marL="9525" marR="9525" marT="9525" marB="0" anchor="b"/>
+                </a:tc>
+                <a:tc>
+                  <a:txBody>
+                    <a:bodyPr/>
+                    <a:lstStyle/>
+                    <a:p>
+                      <a:pPr algn="ctr" fontAlgn="b"/>
+                      <a:r>
+                        <a:rPr lang="en-US" sz="1800" b="0" i="0" u="none" strike="noStrike" dirty="0">
+                          <a:solidFill>
+                            <a:srgbClr val="000000"/>
+                          </a:solidFill>
+                          <a:effectLst/>
+                          <a:latin typeface="Arial" panose="020B0604020202020204" pitchFamily="34" charset="0"/>
+                        </a:rPr>
+                        <a:t>541</a:t>
+                      </a:r>
+                    </a:p>
+                  </a:txBody>
+                  <a:tcPr marL="9525" marR="9525" marT="9525" marB="0" anchor="b"/>
+                </a:tc>
+                <a:extLst>
+                  <a:ext uri="{0D108BD9-81ED-4DB2-BD59-A6C34878D82A}">
+                    <a16:rowId xmlns:a16="http://schemas.microsoft.com/office/drawing/2014/main" val="1149758969"/>
+                  </a:ext>
+                </a:extLst>
+              </a:tr>
+              <a:tr h="369711">
+                <a:tc>
+                  <a:txBody>
+                    <a:bodyPr/>
+                    <a:lstStyle/>
+                    <a:p>
+                      <a:r>
+                        <a:rPr lang="en-US" dirty="0"/>
+                        <a:t>Mining Engineer</a:t>
+                      </a:r>
+                    </a:p>
+                  </a:txBody>
+                  <a:tcPr/>
+                </a:tc>
+                <a:tc>
+                  <a:txBody>
+                    <a:bodyPr/>
+                    <a:lstStyle/>
+                    <a:p>
+                      <a:pPr algn="ctr" fontAlgn="b"/>
+                      <a:r>
+                        <a:rPr lang="en-US" sz="1800" b="0" i="0" u="none" strike="noStrike" dirty="0">
+                          <a:solidFill>
+                            <a:srgbClr val="000000"/>
+                          </a:solidFill>
+                          <a:effectLst/>
+                          <a:latin typeface="Arial" panose="020B0604020202020204" pitchFamily="34" charset="0"/>
+                        </a:rPr>
+                        <a:t>386</a:t>
+                      </a:r>
+                    </a:p>
+                  </a:txBody>
+                  <a:tcPr marL="9525" marR="9525" marT="9525" marB="0" anchor="b"/>
+                </a:tc>
+                <a:tc>
+                  <a:txBody>
+                    <a:bodyPr/>
+                    <a:lstStyle/>
+                    <a:p>
+                      <a:pPr algn="ctr" fontAlgn="b"/>
+                      <a:r>
+                        <a:rPr lang="en-US" sz="1800" b="0" i="0" u="none" strike="noStrike" dirty="0">
+                          <a:solidFill>
+                            <a:srgbClr val="000000"/>
+                          </a:solidFill>
+                          <a:effectLst/>
+                          <a:latin typeface="Arial" panose="020B0604020202020204" pitchFamily="34" charset="0"/>
+                        </a:rPr>
+                        <a:t>500</a:t>
+                      </a:r>
+                    </a:p>
+                  </a:txBody>
+                  <a:tcPr marL="9525" marR="9525" marT="9525" marB="0" anchor="b"/>
+                </a:tc>
+                <a:tc>
+                  <a:txBody>
+                    <a:bodyPr/>
+                    <a:lstStyle/>
+                    <a:p>
+                      <a:pPr algn="ctr" fontAlgn="b"/>
+                      <a:r>
+                        <a:rPr lang="en-US" sz="1800" b="0" i="0" u="none" strike="noStrike" dirty="0">
+                          <a:solidFill>
+                            <a:srgbClr val="000000"/>
+                          </a:solidFill>
+                          <a:effectLst/>
+                          <a:latin typeface="Arial" panose="020B0604020202020204" pitchFamily="34" charset="0"/>
+                        </a:rPr>
+                        <a:t>797</a:t>
+                      </a:r>
+                    </a:p>
+                  </a:txBody>
+                  <a:tcPr marL="9525" marR="9525" marT="9525" marB="0" anchor="b"/>
+                </a:tc>
+                <a:tc>
+                  <a:txBody>
+                    <a:bodyPr/>
+                    <a:lstStyle/>
+                    <a:p>
+                      <a:pPr algn="ctr" fontAlgn="b"/>
+                      <a:r>
+                        <a:rPr lang="en-US" sz="1800" b="0" i="0" u="none" strike="noStrike" dirty="0">
+                          <a:solidFill>
+                            <a:srgbClr val="000000"/>
+                          </a:solidFill>
+                          <a:effectLst/>
+                          <a:latin typeface="Arial" panose="020B0604020202020204" pitchFamily="34" charset="0"/>
+                        </a:rPr>
+                        <a:t>1143</a:t>
+                      </a:r>
+                    </a:p>
+                  </a:txBody>
+                  <a:tcPr marL="9525" marR="9525" marT="9525" marB="0" anchor="b"/>
+                </a:tc>
+                <a:extLst>
+                  <a:ext uri="{0D108BD9-81ED-4DB2-BD59-A6C34878D82A}">
+                    <a16:rowId xmlns:a16="http://schemas.microsoft.com/office/drawing/2014/main" val="1823940534"/>
+                  </a:ext>
+                </a:extLst>
+              </a:tr>
+              <a:tr h="369711">
+                <a:tc>
+                  <a:txBody>
+                    <a:bodyPr/>
+                    <a:lstStyle/>
+                    <a:p>
+                      <a:r>
+                        <a:rPr lang="en-US" dirty="0"/>
+                        <a:t>HR Officer</a:t>
+                      </a:r>
+                    </a:p>
+                  </a:txBody>
+                  <a:tcPr/>
+                </a:tc>
+                <a:tc>
+                  <a:txBody>
+                    <a:bodyPr/>
+                    <a:lstStyle/>
+                    <a:p>
+                      <a:pPr algn="ctr" fontAlgn="b"/>
+                      <a:r>
+                        <a:rPr lang="en-US" sz="1800" b="0" i="0" u="none" strike="noStrike" dirty="0">
+                          <a:solidFill>
+                            <a:srgbClr val="000000"/>
+                          </a:solidFill>
+                          <a:effectLst/>
+                          <a:latin typeface="Arial" panose="020B0604020202020204" pitchFamily="34" charset="0"/>
+                        </a:rPr>
+                        <a:t>267</a:t>
+                      </a:r>
+                    </a:p>
+                  </a:txBody>
+                  <a:tcPr marL="9525" marR="9525" marT="9525" marB="0" anchor="b"/>
+                </a:tc>
+                <a:tc>
+                  <a:txBody>
+                    <a:bodyPr/>
+                    <a:lstStyle/>
+                    <a:p>
+                      <a:pPr algn="ctr" fontAlgn="b"/>
+                      <a:r>
+                        <a:rPr lang="en-US" sz="1800" b="0" i="0" u="none" strike="noStrike" dirty="0">
+                          <a:solidFill>
+                            <a:srgbClr val="000000"/>
+                          </a:solidFill>
+                          <a:effectLst/>
+                          <a:latin typeface="Arial" panose="020B0604020202020204" pitchFamily="34" charset="0"/>
+                        </a:rPr>
+                        <a:t>375</a:t>
+                      </a:r>
+                    </a:p>
+                  </a:txBody>
+                  <a:tcPr marL="9525" marR="9525" marT="9525" marB="0" anchor="b"/>
+                </a:tc>
+                <a:tc>
+                  <a:txBody>
+                    <a:bodyPr/>
+                    <a:lstStyle/>
+                    <a:p>
+                      <a:pPr algn="ctr" fontAlgn="b"/>
+                      <a:r>
+                        <a:rPr lang="en-US" sz="1800" b="0" i="0" u="none" strike="noStrike" dirty="0">
+                          <a:solidFill>
+                            <a:srgbClr val="000000"/>
+                          </a:solidFill>
+                          <a:effectLst/>
+                          <a:latin typeface="Arial" panose="020B0604020202020204" pitchFamily="34" charset="0"/>
+                        </a:rPr>
+                        <a:t>519</a:t>
+                      </a:r>
+                    </a:p>
+                  </a:txBody>
+                  <a:tcPr marL="9525" marR="9525" marT="9525" marB="0" anchor="b"/>
+                </a:tc>
+                <a:tc>
+                  <a:txBody>
+                    <a:bodyPr/>
+                    <a:lstStyle/>
+                    <a:p>
+                      <a:pPr algn="ctr" fontAlgn="b"/>
+                      <a:r>
+                        <a:rPr lang="en-US" sz="1800" b="0" i="0" u="none" strike="noStrike" dirty="0">
+                          <a:solidFill>
+                            <a:srgbClr val="000000"/>
+                          </a:solidFill>
+                          <a:effectLst/>
+                          <a:latin typeface="Arial" panose="020B0604020202020204" pitchFamily="34" charset="0"/>
+                        </a:rPr>
+                        <a:t>581</a:t>
+                      </a:r>
+                    </a:p>
+                  </a:txBody>
+                  <a:tcPr marL="9525" marR="9525" marT="9525" marB="0" anchor="b"/>
+                </a:tc>
+                <a:extLst>
+                  <a:ext uri="{0D108BD9-81ED-4DB2-BD59-A6C34878D82A}">
+                    <a16:rowId xmlns:a16="http://schemas.microsoft.com/office/drawing/2014/main" val="3492520678"/>
+                  </a:ext>
+                </a:extLst>
+              </a:tr>
+              <a:tr h="369711">
+                <a:tc>
+                  <a:txBody>
+                    <a:bodyPr/>
+                    <a:lstStyle/>
+                    <a:p>
+                      <a:r>
+                        <a:rPr lang="en-US" dirty="0"/>
+                        <a:t>Finance Officer</a:t>
+                      </a:r>
+                    </a:p>
+                  </a:txBody>
+                  <a:tcPr/>
+                </a:tc>
+                <a:tc>
+                  <a:txBody>
+                    <a:bodyPr/>
+                    <a:lstStyle/>
+                    <a:p>
+                      <a:pPr algn="ctr" fontAlgn="b"/>
+                      <a:r>
+                        <a:rPr lang="en-US" sz="1800" b="0" i="0" u="none" strike="noStrike" dirty="0">
+                          <a:solidFill>
+                            <a:srgbClr val="000000"/>
+                          </a:solidFill>
+                          <a:effectLst/>
+                          <a:latin typeface="Arial" panose="020B0604020202020204" pitchFamily="34" charset="0"/>
+                        </a:rPr>
+                        <a:t>276</a:t>
+                      </a:r>
+                    </a:p>
+                  </a:txBody>
+                  <a:tcPr marL="9525" marR="9525" marT="9525" marB="0" anchor="b"/>
+                </a:tc>
+                <a:tc>
+                  <a:txBody>
+                    <a:bodyPr/>
+                    <a:lstStyle/>
+                    <a:p>
+                      <a:pPr algn="ctr" fontAlgn="b"/>
+                      <a:r>
+                        <a:rPr lang="en-US" sz="1800" b="0" i="0" u="none" strike="noStrike" dirty="0">
+                          <a:solidFill>
+                            <a:srgbClr val="000000"/>
+                          </a:solidFill>
+                          <a:effectLst/>
+                          <a:latin typeface="Arial" panose="020B0604020202020204" pitchFamily="34" charset="0"/>
+                        </a:rPr>
+                        <a:t>348</a:t>
+                      </a:r>
+                    </a:p>
+                  </a:txBody>
+                  <a:tcPr marL="9525" marR="9525" marT="9525" marB="0" anchor="b"/>
+                </a:tc>
+                <a:tc>
+                  <a:txBody>
+                    <a:bodyPr/>
+                    <a:lstStyle/>
+                    <a:p>
+                      <a:pPr algn="ctr" fontAlgn="b"/>
+                      <a:r>
+                        <a:rPr lang="en-US" sz="1800" b="0" i="0" u="none" strike="noStrike" dirty="0">
+                          <a:solidFill>
+                            <a:srgbClr val="000000"/>
+                          </a:solidFill>
+                          <a:effectLst/>
+                          <a:latin typeface="Arial" panose="020B0604020202020204" pitchFamily="34" charset="0"/>
+                        </a:rPr>
+                        <a:t>435</a:t>
+                      </a:r>
+                    </a:p>
+                  </a:txBody>
+                  <a:tcPr marL="9525" marR="9525" marT="9525" marB="0" anchor="b"/>
+                </a:tc>
+                <a:tc>
+                  <a:txBody>
+                    <a:bodyPr/>
+                    <a:lstStyle/>
+                    <a:p>
+                      <a:pPr algn="ctr" fontAlgn="b"/>
+                      <a:r>
+                        <a:rPr lang="en-US" sz="1800" b="0" i="0" u="none" strike="noStrike" dirty="0">
+                          <a:solidFill>
+                            <a:srgbClr val="000000"/>
+                          </a:solidFill>
+                          <a:effectLst/>
+                          <a:latin typeface="Arial" panose="020B0604020202020204" pitchFamily="34" charset="0"/>
+                        </a:rPr>
+                        <a:t>599</a:t>
+                      </a:r>
+                    </a:p>
+                  </a:txBody>
+                  <a:tcPr marL="9525" marR="9525" marT="9525" marB="0" anchor="b"/>
+                </a:tc>
+                <a:extLst>
+                  <a:ext uri="{0D108BD9-81ED-4DB2-BD59-A6C34878D82A}">
+                    <a16:rowId xmlns:a16="http://schemas.microsoft.com/office/drawing/2014/main" val="2023878511"/>
+                  </a:ext>
+                </a:extLst>
+              </a:tr>
+              <a:tr h="369711">
+                <a:tc>
+                  <a:txBody>
+                    <a:bodyPr/>
+                    <a:lstStyle/>
+                    <a:p>
+                      <a:r>
+                        <a:rPr lang="en-US" dirty="0"/>
+                        <a:t>IT Officer</a:t>
+                      </a:r>
+                    </a:p>
+                  </a:txBody>
+                  <a:tcPr/>
+                </a:tc>
+                <a:tc>
+                  <a:txBody>
+                    <a:bodyPr/>
+                    <a:lstStyle/>
+                    <a:p>
+                      <a:pPr algn="ctr" fontAlgn="b"/>
+                      <a:r>
+                        <a:rPr lang="en-US" sz="1800" b="0" i="0" u="none" strike="noStrike" dirty="0">
+                          <a:solidFill>
+                            <a:srgbClr val="000000"/>
+                          </a:solidFill>
+                          <a:effectLst/>
+                          <a:latin typeface="Arial" panose="020B0604020202020204" pitchFamily="34" charset="0"/>
+                        </a:rPr>
+                        <a:t>298</a:t>
+                      </a:r>
+                    </a:p>
+                  </a:txBody>
+                  <a:tcPr marL="9525" marR="9525" marT="9525" marB="0" anchor="b"/>
+                </a:tc>
+                <a:tc>
+                  <a:txBody>
+                    <a:bodyPr/>
+                    <a:lstStyle/>
+                    <a:p>
+                      <a:pPr algn="ctr" fontAlgn="b"/>
+                      <a:r>
+                        <a:rPr lang="en-US" sz="1800" b="0" i="0" u="none" strike="noStrike" dirty="0">
+                          <a:solidFill>
+                            <a:srgbClr val="000000"/>
+                          </a:solidFill>
+                          <a:effectLst/>
+                          <a:latin typeface="Arial" panose="020B0604020202020204" pitchFamily="34" charset="0"/>
+                        </a:rPr>
+                        <a:t>357</a:t>
+                      </a:r>
+                    </a:p>
+                  </a:txBody>
+                  <a:tcPr marL="9525" marR="9525" marT="9525" marB="0" anchor="b"/>
+                </a:tc>
+                <a:tc>
+                  <a:txBody>
+                    <a:bodyPr/>
+                    <a:lstStyle/>
+                    <a:p>
+                      <a:pPr algn="ctr" fontAlgn="b"/>
+                      <a:r>
+                        <a:rPr lang="en-US" sz="1800" b="0" i="0" u="none" strike="noStrike" dirty="0">
+                          <a:solidFill>
+                            <a:srgbClr val="000000"/>
+                          </a:solidFill>
+                          <a:effectLst/>
+                          <a:latin typeface="Arial" panose="020B0604020202020204" pitchFamily="34" charset="0"/>
+                        </a:rPr>
+                        <a:t>488</a:t>
+                      </a:r>
+                    </a:p>
+                  </a:txBody>
+                  <a:tcPr marL="9525" marR="9525" marT="9525" marB="0" anchor="b"/>
+                </a:tc>
+                <a:tc>
+                  <a:txBody>
+                    <a:bodyPr/>
+                    <a:lstStyle/>
+                    <a:p>
+                      <a:pPr algn="ctr" fontAlgn="b"/>
+                      <a:r>
+                        <a:rPr lang="en-US" sz="1800" b="0" i="0" u="none" strike="noStrike" dirty="0">
+                          <a:solidFill>
+                            <a:srgbClr val="000000"/>
+                          </a:solidFill>
+                          <a:effectLst/>
+                          <a:latin typeface="Arial" panose="020B0604020202020204" pitchFamily="34" charset="0"/>
+                        </a:rPr>
+                        <a:t>587</a:t>
+                      </a:r>
+                    </a:p>
+                  </a:txBody>
+                  <a:tcPr marL="9525" marR="9525" marT="9525" marB="0" anchor="b"/>
+                </a:tc>
+                <a:extLst>
+                  <a:ext uri="{0D108BD9-81ED-4DB2-BD59-A6C34878D82A}">
+                    <a16:rowId xmlns:a16="http://schemas.microsoft.com/office/drawing/2014/main" val="2771850426"/>
+                  </a:ext>
+                </a:extLst>
+              </a:tr>
+              <a:tr h="369711">
+                <a:tc>
+                  <a:txBody>
+                    <a:bodyPr/>
+                    <a:lstStyle/>
+                    <a:p>
+                      <a:r>
+                        <a:rPr lang="en-US" dirty="0"/>
+                        <a:t>Admin Officer</a:t>
+                      </a:r>
+                    </a:p>
+                  </a:txBody>
+                  <a:tcPr/>
+                </a:tc>
+                <a:tc>
+                  <a:txBody>
+                    <a:bodyPr/>
+                    <a:lstStyle/>
+                    <a:p>
+                      <a:pPr algn="ctr" fontAlgn="b"/>
+                      <a:r>
+                        <a:rPr lang="en-US" sz="1800" b="0" i="0" u="none" strike="noStrike" dirty="0">
+                          <a:solidFill>
+                            <a:srgbClr val="000000"/>
+                          </a:solidFill>
+                          <a:effectLst/>
+                          <a:latin typeface="Arial" panose="020B0604020202020204" pitchFamily="34" charset="0"/>
+                        </a:rPr>
+                        <a:t>298</a:t>
+                      </a:r>
+                    </a:p>
+                  </a:txBody>
+                  <a:tcPr marL="9525" marR="9525" marT="9525" marB="0" anchor="b"/>
+                </a:tc>
+                <a:tc>
+                  <a:txBody>
+                    <a:bodyPr/>
+                    <a:lstStyle/>
+                    <a:p>
+                      <a:pPr algn="ctr" fontAlgn="b"/>
+                      <a:r>
+                        <a:rPr lang="en-US" sz="1800" b="0" i="0" u="none" strike="noStrike" dirty="0">
+                          <a:solidFill>
+                            <a:srgbClr val="000000"/>
+                          </a:solidFill>
+                          <a:effectLst/>
+                          <a:latin typeface="Arial" panose="020B0604020202020204" pitchFamily="34" charset="0"/>
+                        </a:rPr>
+                        <a:t>396</a:t>
+                      </a:r>
+                    </a:p>
+                  </a:txBody>
+                  <a:tcPr marL="9525" marR="9525" marT="9525" marB="0" anchor="b"/>
+                </a:tc>
+                <a:tc>
+                  <a:txBody>
+                    <a:bodyPr/>
+                    <a:lstStyle/>
+                    <a:p>
+                      <a:pPr algn="ctr" fontAlgn="b"/>
+                      <a:r>
+                        <a:rPr lang="en-US" sz="1800" b="0" i="0" u="none" strike="noStrike" dirty="0">
+                          <a:solidFill>
+                            <a:srgbClr val="000000"/>
+                          </a:solidFill>
+                          <a:effectLst/>
+                          <a:latin typeface="Arial" panose="020B0604020202020204" pitchFamily="34" charset="0"/>
+                        </a:rPr>
+                        <a:t>676</a:t>
+                      </a:r>
+                    </a:p>
+                  </a:txBody>
+                  <a:tcPr marL="9525" marR="9525" marT="9525" marB="0" anchor="b"/>
+                </a:tc>
+                <a:tc>
+                  <a:txBody>
+                    <a:bodyPr/>
+                    <a:lstStyle/>
+                    <a:p>
+                      <a:pPr algn="ctr" fontAlgn="b"/>
+                      <a:r>
+                        <a:rPr lang="en-US" sz="1800" b="0" i="0" u="none" strike="noStrike" dirty="0">
+                          <a:solidFill>
+                            <a:srgbClr val="000000"/>
+                          </a:solidFill>
+                          <a:effectLst/>
+                          <a:latin typeface="Arial" panose="020B0604020202020204" pitchFamily="34" charset="0"/>
+                        </a:rPr>
+                        <a:t>593</a:t>
+                      </a:r>
+                    </a:p>
+                  </a:txBody>
+                  <a:tcPr marL="9525" marR="9525" marT="9525" marB="0" anchor="b"/>
+                </a:tc>
+                <a:extLst>
+                  <a:ext uri="{0D108BD9-81ED-4DB2-BD59-A6C34878D82A}">
+                    <a16:rowId xmlns:a16="http://schemas.microsoft.com/office/drawing/2014/main" val="1464438257"/>
+                  </a:ext>
+                </a:extLst>
+              </a:tr>
+              <a:tr h="369711">
+                <a:tc>
+                  <a:txBody>
+                    <a:bodyPr/>
+                    <a:lstStyle/>
+                    <a:p>
+                      <a:r>
+                        <a:rPr lang="en-US" dirty="0"/>
+                        <a:t>Planning and Budget Analyst</a:t>
+                      </a:r>
+                    </a:p>
+                  </a:txBody>
+                  <a:tcPr/>
+                </a:tc>
+                <a:tc>
+                  <a:txBody>
+                    <a:bodyPr/>
+                    <a:lstStyle/>
+                    <a:p>
+                      <a:pPr algn="ctr" fontAlgn="b"/>
+                      <a:r>
+                        <a:rPr lang="en-US" sz="1800" b="0" i="0" u="none" strike="noStrike" dirty="0">
+                          <a:solidFill>
+                            <a:srgbClr val="000000"/>
+                          </a:solidFill>
+                          <a:effectLst/>
+                          <a:latin typeface="Arial" panose="020B0604020202020204" pitchFamily="34" charset="0"/>
+                        </a:rPr>
+                        <a:t>227</a:t>
+                      </a:r>
+                    </a:p>
+                  </a:txBody>
+                  <a:tcPr marL="9525" marR="9525" marT="9525" marB="0" anchor="b"/>
+                </a:tc>
+                <a:tc>
+                  <a:txBody>
+                    <a:bodyPr/>
+                    <a:lstStyle/>
+                    <a:p>
+                      <a:pPr algn="ctr" fontAlgn="b"/>
+                      <a:r>
+                        <a:rPr lang="en-US" sz="1800" b="0" i="0" u="none" strike="noStrike" dirty="0">
+                          <a:solidFill>
+                            <a:srgbClr val="000000"/>
+                          </a:solidFill>
+                          <a:effectLst/>
+                          <a:latin typeface="Arial" panose="020B0604020202020204" pitchFamily="34" charset="0"/>
+                        </a:rPr>
+                        <a:t>442</a:t>
+                      </a:r>
+                    </a:p>
+                  </a:txBody>
+                  <a:tcPr marL="9525" marR="9525" marT="9525" marB="0" anchor="b"/>
+                </a:tc>
+                <a:tc>
+                  <a:txBody>
+                    <a:bodyPr/>
+                    <a:lstStyle/>
+                    <a:p>
+                      <a:pPr algn="ctr" fontAlgn="b"/>
+                      <a:r>
+                        <a:rPr lang="en-US" sz="1800" b="0" i="0" u="none" strike="noStrike" dirty="0">
+                          <a:solidFill>
+                            <a:srgbClr val="000000"/>
+                          </a:solidFill>
+                          <a:effectLst/>
+                          <a:latin typeface="Arial" panose="020B0604020202020204" pitchFamily="34" charset="0"/>
+                        </a:rPr>
+                        <a:t>512</a:t>
+                      </a:r>
+                    </a:p>
+                  </a:txBody>
+                  <a:tcPr marL="9525" marR="9525" marT="9525" marB="0" anchor="b"/>
+                </a:tc>
+                <a:tc>
+                  <a:txBody>
+                    <a:bodyPr/>
+                    <a:lstStyle/>
+                    <a:p>
+                      <a:pPr algn="ctr" fontAlgn="b"/>
+                      <a:r>
+                        <a:rPr lang="en-US" sz="1800" b="0" i="0" u="none" strike="noStrike" dirty="0">
+                          <a:solidFill>
+                            <a:srgbClr val="000000"/>
+                          </a:solidFill>
+                          <a:effectLst/>
+                          <a:latin typeface="Arial" panose="020B0604020202020204" pitchFamily="34" charset="0"/>
+                        </a:rPr>
+                        <a:t>610</a:t>
+                      </a:r>
+                    </a:p>
+                  </a:txBody>
+                  <a:tcPr marL="9525" marR="9525" marT="9525" marB="0" anchor="b"/>
+                </a:tc>
+                <a:extLst>
+                  <a:ext uri="{0D108BD9-81ED-4DB2-BD59-A6C34878D82A}">
+                    <a16:rowId xmlns:a16="http://schemas.microsoft.com/office/drawing/2014/main" val="4254989133"/>
+                  </a:ext>
+                </a:extLst>
+              </a:tr>
+              <a:tr h="369711">
+                <a:tc>
+                  <a:txBody>
+                    <a:bodyPr/>
+                    <a:lstStyle/>
+                    <a:p>
+                      <a:r>
+                        <a:rPr lang="en-US" dirty="0"/>
+                        <a:t>Logistics Officer</a:t>
+                      </a:r>
+                    </a:p>
+                  </a:txBody>
+                  <a:tcPr/>
+                </a:tc>
+                <a:tc>
+                  <a:txBody>
+                    <a:bodyPr/>
+                    <a:lstStyle/>
+                    <a:p>
+                      <a:pPr algn="ctr" fontAlgn="b"/>
+                      <a:r>
+                        <a:rPr lang="en-US" sz="1800" b="0" i="0" u="none" strike="noStrike" dirty="0">
+                          <a:solidFill>
+                            <a:srgbClr val="000000"/>
+                          </a:solidFill>
+                          <a:effectLst/>
+                          <a:latin typeface="Arial" panose="020B0604020202020204" pitchFamily="34" charset="0"/>
+                        </a:rPr>
+                        <a:t>320</a:t>
+                      </a:r>
+                    </a:p>
+                  </a:txBody>
+                  <a:tcPr marL="9525" marR="9525" marT="9525" marB="0" anchor="b"/>
+                </a:tc>
+                <a:tc>
+                  <a:txBody>
+                    <a:bodyPr/>
+                    <a:lstStyle/>
+                    <a:p>
+                      <a:pPr algn="ctr" fontAlgn="b"/>
+                      <a:r>
+                        <a:rPr lang="en-US" sz="1800" b="0" i="0" u="none" strike="noStrike" dirty="0">
+                          <a:solidFill>
+                            <a:srgbClr val="000000"/>
+                          </a:solidFill>
+                          <a:effectLst/>
+                          <a:latin typeface="Arial" panose="020B0604020202020204" pitchFamily="34" charset="0"/>
+                        </a:rPr>
+                        <a:t>389</a:t>
+                      </a:r>
+                    </a:p>
+                  </a:txBody>
+                  <a:tcPr marL="9525" marR="9525" marT="9525" marB="0" anchor="b"/>
+                </a:tc>
+                <a:tc>
+                  <a:txBody>
+                    <a:bodyPr/>
+                    <a:lstStyle/>
+                    <a:p>
+                      <a:pPr algn="ctr" fontAlgn="b"/>
+                      <a:r>
+                        <a:rPr lang="en-US" sz="1800" b="0" i="0" u="none" strike="noStrike" dirty="0">
+                          <a:solidFill>
+                            <a:srgbClr val="000000"/>
+                          </a:solidFill>
+                          <a:effectLst/>
+                          <a:latin typeface="Arial" panose="020B0604020202020204" pitchFamily="34" charset="0"/>
+                        </a:rPr>
+                        <a:t>456</a:t>
+                      </a:r>
+                    </a:p>
+                  </a:txBody>
+                  <a:tcPr marL="9525" marR="9525" marT="9525" marB="0" anchor="b"/>
+                </a:tc>
+                <a:tc>
+                  <a:txBody>
+                    <a:bodyPr/>
+                    <a:lstStyle/>
+                    <a:p>
+                      <a:pPr algn="ctr" fontAlgn="b"/>
+                      <a:r>
+                        <a:rPr lang="en-US" sz="1800" b="0" i="0" u="none" strike="noStrike" dirty="0">
+                          <a:solidFill>
+                            <a:srgbClr val="000000"/>
+                          </a:solidFill>
+                          <a:effectLst/>
+                          <a:latin typeface="Arial" panose="020B0604020202020204" pitchFamily="34" charset="0"/>
+                        </a:rPr>
+                        <a:t>587</a:t>
+                      </a:r>
+                    </a:p>
+                  </a:txBody>
+                  <a:tcPr marL="9525" marR="9525" marT="9525" marB="0" anchor="b"/>
+                </a:tc>
+                <a:extLst>
+                  <a:ext uri="{0D108BD9-81ED-4DB2-BD59-A6C34878D82A}">
+                    <a16:rowId xmlns:a16="http://schemas.microsoft.com/office/drawing/2014/main" val="2499981119"/>
+                  </a:ext>
+                </a:extLst>
+              </a:tr>
+            </a:tbl>
+          </a:graphicData>
+        </a:graphic>
+      </p:graphicFrame>
+    </p:spTree>
+    <p:extLst>
+      <p:ext uri="{BB962C8B-B14F-4D97-AF65-F5344CB8AC3E}">
+        <p14:creationId xmlns:p14="http://schemas.microsoft.com/office/powerpoint/2010/main" val="3208103678"/>
+      </p:ext>
+    </p:extLst>
+  </p:cSld>
+  <p:clrMapOvr>
+    <a:masterClrMapping/>
+  </p:clrMapOvr>
+</p:sld>
+</file>
+
+<file path=ppt/slides/slide11.xml><?xml version="1.0" encoding="utf-8"?>
 <p:sld xmlns:a="http://schemas.openxmlformats.org/drawingml/2006/main" xmlns:r="http://schemas.openxmlformats.org/officeDocument/2006/relationships" xmlns:p="http://schemas.openxmlformats.org/presentationml/2006/main">
   <p:cSld>
     <p:spTree>
@@ -11744,7 +12813,7 @@
 </p:sld>
 </file>
 
-<file path=ppt/slides/slide11.xml><?xml version="1.0" encoding="utf-8"?>
+<file path=ppt/slides/slide12.xml><?xml version="1.0" encoding="utf-8"?>
 <p:sld xmlns:a="http://schemas.openxmlformats.org/drawingml/2006/main" xmlns:r="http://schemas.openxmlformats.org/officeDocument/2006/relationships" xmlns:p="http://schemas.openxmlformats.org/presentationml/2006/main">
   <p:cSld>
     <p:spTree>
@@ -12804,7 +13873,7 @@
 </p:sld>
 </file>
 
-<file path=ppt/slides/slide12.xml><?xml version="1.0" encoding="utf-8"?>
+<file path=ppt/slides/slide13.xml><?xml version="1.0" encoding="utf-8"?>
 <p:sld xmlns:a="http://schemas.openxmlformats.org/drawingml/2006/main" xmlns:r="http://schemas.openxmlformats.org/officeDocument/2006/relationships" xmlns:p="http://schemas.openxmlformats.org/presentationml/2006/main">
   <p:cSld>
     <p:spTree>
@@ -12881,8 +13950,8 @@
         </p:nvSpPr>
         <p:spPr>
           <a:xfrm>
-            <a:off x="5763216" y="116823"/>
-            <a:ext cx="665567" cy="769441"/>
+            <a:off x="3034084" y="46485"/>
+            <a:ext cx="6824304" cy="769441"/>
           </a:xfrm>
           <a:prstGeom prst="rect">
             <a:avLst/>
@@ -12903,7 +13972,7 @@
                 <a:latin typeface="Roboto" panose="02000000000000000000" pitchFamily="2" charset="0"/>
                 <a:ea typeface="Roboto" panose="02000000000000000000" pitchFamily="2" charset="0"/>
               </a:rPr>
-              <a:t>IT</a:t>
+              <a:t>IT And Telecommunication</a:t>
             </a:r>
           </a:p>
         </p:txBody>
@@ -14164,7 +15233,7 @@
 </p:sld>
 </file>
 
-<file path=ppt/slides/slide13.xml><?xml version="1.0" encoding="utf-8"?>
+<file path=ppt/slides/slide14.xml><?xml version="1.0" encoding="utf-8"?>
 <p:sld xmlns:a="http://schemas.openxmlformats.org/drawingml/2006/main" xmlns:r="http://schemas.openxmlformats.org/officeDocument/2006/relationships" xmlns:p="http://schemas.openxmlformats.org/presentationml/2006/main">
   <p:cSld>
     <p:spTree>
@@ -15224,7 +16293,7 @@
 </p:sld>
 </file>
 
-<file path=ppt/slides/slide14.xml><?xml version="1.0" encoding="utf-8"?>
+<file path=ppt/slides/slide15.xml><?xml version="1.0" encoding="utf-8"?>
 <p:sld xmlns:a="http://schemas.openxmlformats.org/drawingml/2006/main" xmlns:r="http://schemas.openxmlformats.org/officeDocument/2006/relationships" xmlns:p="http://schemas.openxmlformats.org/presentationml/2006/main">
   <p:cSld>
     <p:spTree>
@@ -16285,7 +17354,7 @@
 </p:sld>
 </file>
 
-<file path=ppt/slides/slide15.xml><?xml version="1.0" encoding="utf-8"?>
+<file path=ppt/slides/slide16.xml><?xml version="1.0" encoding="utf-8"?>
 <p:sld xmlns:a="http://schemas.openxmlformats.org/drawingml/2006/main" xmlns:r="http://schemas.openxmlformats.org/officeDocument/2006/relationships" xmlns:p="http://schemas.openxmlformats.org/presentationml/2006/main">
   <p:cSld>
     <p:spTree>
@@ -16362,8 +17431,8 @@
         </p:nvSpPr>
         <p:spPr>
           <a:xfrm>
-            <a:off x="5440443" y="58411"/>
-            <a:ext cx="1818126" cy="769441"/>
+            <a:off x="4573220" y="58411"/>
+            <a:ext cx="3552576" cy="769441"/>
           </a:xfrm>
           <a:prstGeom prst="rect">
             <a:avLst/>
@@ -16385,7 +17454,7 @@
                 <a:latin typeface="Roboto" panose="02000000000000000000" pitchFamily="2" charset="0"/>
                 <a:ea typeface="Roboto" panose="02000000000000000000" pitchFamily="2" charset="0"/>
               </a:rPr>
-              <a:t>Others</a:t>
+              <a:t>Other Sectors</a:t>
             </a:r>
           </a:p>
         </p:txBody>
@@ -17246,7 +18315,7 @@
 </p:sld>
 </file>
 
-<file path=ppt/slides/slide16.xml><?xml version="1.0" encoding="utf-8"?>
+<file path=ppt/slides/slide17.xml><?xml version="1.0" encoding="utf-8"?>
 <p:sld xmlns:a="http://schemas.openxmlformats.org/drawingml/2006/main" xmlns:r="http://schemas.openxmlformats.org/officeDocument/2006/relationships" xmlns:p="http://schemas.openxmlformats.org/presentationml/2006/main">
   <p:cSld>
     <p:spTree>
@@ -18407,7 +19476,7 @@
 </p:sld>
 </file>
 
-<file path=ppt/slides/slide17.xml><?xml version="1.0" encoding="utf-8"?>
+<file path=ppt/slides/slide18.xml><?xml version="1.0" encoding="utf-8"?>
 <p:sld xmlns:a="http://schemas.openxmlformats.org/drawingml/2006/main" xmlns:r="http://schemas.openxmlformats.org/officeDocument/2006/relationships" xmlns:p="http://schemas.openxmlformats.org/presentationml/2006/main">
   <p:cSld>
     <p:spTree>
@@ -19768,7 +20837,7 @@
 </p:sld>
 </file>
 
-<file path=ppt/slides/slide18.xml><?xml version="1.0" encoding="utf-8"?>
+<file path=ppt/slides/slide19.xml><?xml version="1.0" encoding="utf-8"?>
 <p:sld xmlns:a="http://schemas.openxmlformats.org/drawingml/2006/main" xmlns:r="http://schemas.openxmlformats.org/officeDocument/2006/relationships" xmlns:p="http://schemas.openxmlformats.org/presentationml/2006/main">
   <p:cSld>
     <p:spTree>
@@ -21120,1067 +22189,6 @@
     <p:extLst>
       <p:ext uri="{BB962C8B-B14F-4D97-AF65-F5344CB8AC3E}">
         <p14:creationId xmlns:p14="http://schemas.microsoft.com/office/powerpoint/2010/main" val="1156828821"/>
-      </p:ext>
-    </p:extLst>
-  </p:cSld>
-  <p:clrMapOvr>
-    <a:masterClrMapping/>
-  </p:clrMapOvr>
-</p:sld>
-</file>
-
-<file path=ppt/slides/slide19.xml><?xml version="1.0" encoding="utf-8"?>
-<p:sld xmlns:a="http://schemas.openxmlformats.org/drawingml/2006/main" xmlns:r="http://schemas.openxmlformats.org/officeDocument/2006/relationships" xmlns:p="http://schemas.openxmlformats.org/presentationml/2006/main">
-  <p:cSld>
-    <p:spTree>
-      <p:nvGrpSpPr>
-        <p:cNvPr id="1" name=""/>
-        <p:cNvGrpSpPr/>
-        <p:nvPr/>
-      </p:nvGrpSpPr>
-      <p:grpSpPr>
-        <a:xfrm>
-          <a:off x="0" y="0"/>
-          <a:ext cx="0" cy="0"/>
-          <a:chOff x="0" y="0"/>
-          <a:chExt cx="0" cy="0"/>
-        </a:xfrm>
-      </p:grpSpPr>
-      <p:sp>
-        <p:nvSpPr>
-          <p:cNvPr id="4" name="Rectangle 3">
-            <a:extLst>
-              <a:ext uri="{FF2B5EF4-FFF2-40B4-BE49-F238E27FC236}">
-                <a16:creationId xmlns:a16="http://schemas.microsoft.com/office/drawing/2014/main" id="{6E167D15-556D-4BCA-B6BE-DE301969366E}"/>
-              </a:ext>
-            </a:extLst>
-          </p:cNvPr>
-          <p:cNvSpPr/>
-          <p:nvPr/>
-        </p:nvSpPr>
-        <p:spPr>
-          <a:xfrm>
-            <a:off x="928468" y="0"/>
-            <a:ext cx="10100603" cy="886264"/>
-          </a:xfrm>
-          <a:prstGeom prst="rect">
-            <a:avLst/>
-          </a:prstGeom>
-        </p:spPr>
-        <p:style>
-          <a:lnRef idx="2">
-            <a:schemeClr val="accent1">
-              <a:shade val="50000"/>
-            </a:schemeClr>
-          </a:lnRef>
-          <a:fillRef idx="1">
-            <a:schemeClr val="accent1"/>
-          </a:fillRef>
-          <a:effectRef idx="0">
-            <a:schemeClr val="accent1"/>
-          </a:effectRef>
-          <a:fontRef idx="minor">
-            <a:schemeClr val="lt1"/>
-          </a:fontRef>
-        </p:style>
-        <p:txBody>
-          <a:bodyPr rtlCol="0" anchor="ctr"/>
-          <a:lstStyle/>
-          <a:p>
-            <a:pPr algn="ctr"/>
-            <a:endParaRPr lang="en-US"/>
-          </a:p>
-        </p:txBody>
-      </p:sp>
-      <p:sp>
-        <p:nvSpPr>
-          <p:cNvPr id="5" name="TextBox 4">
-            <a:extLst>
-              <a:ext uri="{FF2B5EF4-FFF2-40B4-BE49-F238E27FC236}">
-                <a16:creationId xmlns:a16="http://schemas.microsoft.com/office/drawing/2014/main" id="{A895F123-133F-4E0B-A890-87A48E29C7ED}"/>
-              </a:ext>
-            </a:extLst>
-          </p:cNvPr>
-          <p:cNvSpPr txBox="1"/>
-          <p:nvPr/>
-        </p:nvSpPr>
-        <p:spPr>
-          <a:xfrm>
-            <a:off x="5135879" y="58411"/>
-            <a:ext cx="2427268" cy="769441"/>
-          </a:xfrm>
-          <a:prstGeom prst="rect">
-            <a:avLst/>
-          </a:prstGeom>
-          <a:noFill/>
-        </p:spPr>
-        <p:txBody>
-          <a:bodyPr wrap="none" rtlCol="0">
-            <a:spAutoFit/>
-          </a:bodyPr>
-          <a:lstStyle/>
-          <a:p>
-            <a:pPr algn="ctr"/>
-            <a:r>
-              <a:rPr lang="en-US" sz="4400" b="1" dirty="0">
-                <a:solidFill>
-                  <a:schemeClr val="bg1"/>
-                </a:solidFill>
-                <a:latin typeface="Roboto" panose="02000000000000000000" pitchFamily="2" charset="0"/>
-                <a:ea typeface="Roboto" panose="02000000000000000000" pitchFamily="2" charset="0"/>
-              </a:rPr>
-              <a:t>Overview</a:t>
-            </a:r>
-          </a:p>
-        </p:txBody>
-      </p:sp>
-      <p:graphicFrame>
-        <p:nvGraphicFramePr>
-          <p:cNvPr id="6" name="Table 5">
-            <a:extLst>
-              <a:ext uri="{FF2B5EF4-FFF2-40B4-BE49-F238E27FC236}">
-                <a16:creationId xmlns:a16="http://schemas.microsoft.com/office/drawing/2014/main" id="{54EFA07A-658C-4CCF-B537-98AA5AF05EE1}"/>
-              </a:ext>
-            </a:extLst>
-          </p:cNvPr>
-          <p:cNvGraphicFramePr>
-            <a:graphicFrameLocks noGrp="1"/>
-          </p:cNvGraphicFramePr>
-          <p:nvPr>
-            <p:extLst>
-              <p:ext uri="{D42A27DB-BD31-4B8C-83A1-F6EECF244321}">
-                <p14:modId xmlns:p14="http://schemas.microsoft.com/office/powerpoint/2010/main" val="1028390350"/>
-              </p:ext>
-            </p:extLst>
-          </p:nvPr>
-        </p:nvGraphicFramePr>
-        <p:xfrm>
-          <a:off x="928468" y="1883350"/>
-          <a:ext cx="10142807" cy="3327399"/>
-        </p:xfrm>
-        <a:graphic>
-          <a:graphicData uri="http://schemas.openxmlformats.org/drawingml/2006/table">
-            <a:tbl>
-              <a:tblPr firstRow="1" bandRow="1">
-                <a:tableStyleId>{5C22544A-7EE6-4342-B048-85BDC9FD1C3A}</a:tableStyleId>
-              </a:tblPr>
-              <a:tblGrid>
-                <a:gridCol w="2236763">
-                  <a:extLst>
-                    <a:ext uri="{9D8B030D-6E8A-4147-A177-3AD203B41FA5}">
-                      <a16:colId xmlns:a16="http://schemas.microsoft.com/office/drawing/2014/main" val="2497592185"/>
-                    </a:ext>
-                  </a:extLst>
-                </a:gridCol>
-                <a:gridCol w="1793053">
-                  <a:extLst>
-                    <a:ext uri="{9D8B030D-6E8A-4147-A177-3AD203B41FA5}">
-                      <a16:colId xmlns:a16="http://schemas.microsoft.com/office/drawing/2014/main" val="2784781616"/>
-                    </a:ext>
-                  </a:extLst>
-                </a:gridCol>
-                <a:gridCol w="1921279">
-                  <a:extLst>
-                    <a:ext uri="{9D8B030D-6E8A-4147-A177-3AD203B41FA5}">
-                      <a16:colId xmlns:a16="http://schemas.microsoft.com/office/drawing/2014/main" val="1258935152"/>
-                    </a:ext>
-                  </a:extLst>
-                </a:gridCol>
-                <a:gridCol w="2011219">
-                  <a:extLst>
-                    <a:ext uri="{9D8B030D-6E8A-4147-A177-3AD203B41FA5}">
-                      <a16:colId xmlns:a16="http://schemas.microsoft.com/office/drawing/2014/main" val="3251926524"/>
-                    </a:ext>
-                  </a:extLst>
-                </a:gridCol>
-                <a:gridCol w="2180493">
-                  <a:extLst>
-                    <a:ext uri="{9D8B030D-6E8A-4147-A177-3AD203B41FA5}">
-                      <a16:colId xmlns:a16="http://schemas.microsoft.com/office/drawing/2014/main" val="3188416064"/>
-                    </a:ext>
-                  </a:extLst>
-                </a:gridCol>
-              </a:tblGrid>
-              <a:tr h="369711">
-                <a:tc>
-                  <a:txBody>
-                    <a:bodyPr/>
-                    <a:lstStyle/>
-                    <a:p>
-                      <a:r>
-                        <a:rPr lang="en-US" dirty="0"/>
-                        <a:t>Job Positions</a:t>
-                      </a:r>
-                    </a:p>
-                  </a:txBody>
-                  <a:tcPr/>
-                </a:tc>
-                <a:tc>
-                  <a:txBody>
-                    <a:bodyPr/>
-                    <a:lstStyle/>
-                    <a:p>
-                      <a:r>
-                        <a:rPr lang="en-US" dirty="0"/>
-                        <a:t>New Graduate</a:t>
-                      </a:r>
-                    </a:p>
-                  </a:txBody>
-                  <a:tcPr/>
-                </a:tc>
-                <a:tc>
-                  <a:txBody>
-                    <a:bodyPr/>
-                    <a:lstStyle/>
-                    <a:p>
-                      <a:r>
-                        <a:rPr lang="en-US" dirty="0"/>
-                        <a:t>Exp. 1-3 years</a:t>
-                      </a:r>
-                    </a:p>
-                  </a:txBody>
-                  <a:tcPr/>
-                </a:tc>
-                <a:tc>
-                  <a:txBody>
-                    <a:bodyPr/>
-                    <a:lstStyle/>
-                    <a:p>
-                      <a:r>
-                        <a:rPr lang="en-US" dirty="0"/>
-                        <a:t>Exp. 4-6 years</a:t>
-                      </a:r>
-                    </a:p>
-                  </a:txBody>
-                  <a:tcPr/>
-                </a:tc>
-                <a:tc>
-                  <a:txBody>
-                    <a:bodyPr/>
-                    <a:lstStyle/>
-                    <a:p>
-                      <a:r>
-                        <a:rPr lang="en-US" dirty="0"/>
-                        <a:t>Exp. 7 years and up</a:t>
-                      </a:r>
-                    </a:p>
-                  </a:txBody>
-                  <a:tcPr/>
-                </a:tc>
-                <a:extLst>
-                  <a:ext uri="{0D108BD9-81ED-4DB2-BD59-A6C34878D82A}">
-                    <a16:rowId xmlns:a16="http://schemas.microsoft.com/office/drawing/2014/main" val="3617081155"/>
-                  </a:ext>
-                </a:extLst>
-              </a:tr>
-              <a:tr h="369711">
-                <a:tc>
-                  <a:txBody>
-                    <a:bodyPr/>
-                    <a:lstStyle/>
-                    <a:p>
-                      <a:r>
-                        <a:rPr lang="en-US" dirty="0"/>
-                        <a:t>Web Designer</a:t>
-                      </a:r>
-                    </a:p>
-                  </a:txBody>
-                  <a:tcPr/>
-                </a:tc>
-                <a:tc>
-                  <a:txBody>
-                    <a:bodyPr/>
-                    <a:lstStyle/>
-                    <a:p>
-                      <a:pPr algn="r" fontAlgn="b"/>
-                      <a:r>
-                        <a:rPr lang="en-US" sz="1800" b="0" i="0" u="none" strike="noStrike">
-                          <a:solidFill>
-                            <a:srgbClr val="000000"/>
-                          </a:solidFill>
-                          <a:effectLst/>
-                          <a:latin typeface="Calibri" panose="020F0502020204030204" pitchFamily="34" charset="0"/>
-                        </a:rPr>
-                        <a:t>240</a:t>
-                      </a:r>
-                    </a:p>
-                  </a:txBody>
-                  <a:tcPr marL="9525" marR="9525" marT="9525" marB="0" anchor="b"/>
-                </a:tc>
-                <a:tc>
-                  <a:txBody>
-                    <a:bodyPr/>
-                    <a:lstStyle/>
-                    <a:p>
-                      <a:pPr algn="r" fontAlgn="b"/>
-                      <a:r>
-                        <a:rPr lang="en-US" sz="1800" b="0" i="0" u="none" strike="noStrike" dirty="0">
-                          <a:solidFill>
-                            <a:srgbClr val="000000"/>
-                          </a:solidFill>
-                          <a:effectLst/>
-                          <a:latin typeface="Calibri" panose="020F0502020204030204" pitchFamily="34" charset="0"/>
-                        </a:rPr>
-                        <a:t>367</a:t>
-                      </a:r>
-                    </a:p>
-                  </a:txBody>
-                  <a:tcPr marL="9525" marR="9525" marT="9525" marB="0" anchor="b"/>
-                </a:tc>
-                <a:tc>
-                  <a:txBody>
-                    <a:bodyPr/>
-                    <a:lstStyle/>
-                    <a:p>
-                      <a:pPr algn="r" fontAlgn="b"/>
-                      <a:r>
-                        <a:rPr lang="en-US" sz="1800" b="0" i="0" u="none" strike="noStrike" dirty="0">
-                          <a:solidFill>
-                            <a:srgbClr val="000000"/>
-                          </a:solidFill>
-                          <a:effectLst/>
-                          <a:latin typeface="Calibri" panose="020F0502020204030204" pitchFamily="34" charset="0"/>
-                        </a:rPr>
-                        <a:t>690</a:t>
-                      </a:r>
-                    </a:p>
-                  </a:txBody>
-                  <a:tcPr marL="9525" marR="9525" marT="9525" marB="0" anchor="b"/>
-                </a:tc>
-                <a:tc>
-                  <a:txBody>
-                    <a:bodyPr/>
-                    <a:lstStyle/>
-                    <a:p>
-                      <a:pPr algn="r" fontAlgn="b"/>
-                      <a:r>
-                        <a:rPr lang="en-US" sz="1800" b="0" i="0" u="none" strike="noStrike" dirty="0">
-                          <a:solidFill>
-                            <a:srgbClr val="000000"/>
-                          </a:solidFill>
-                          <a:effectLst/>
-                          <a:latin typeface="Calibri" panose="020F0502020204030204" pitchFamily="34" charset="0"/>
-                        </a:rPr>
-                        <a:t>1137</a:t>
-                      </a:r>
-                    </a:p>
-                  </a:txBody>
-                  <a:tcPr marL="9525" marR="9525" marT="9525" marB="0" anchor="b"/>
-                </a:tc>
-                <a:extLst>
-                  <a:ext uri="{0D108BD9-81ED-4DB2-BD59-A6C34878D82A}">
-                    <a16:rowId xmlns:a16="http://schemas.microsoft.com/office/drawing/2014/main" val="1061743433"/>
-                  </a:ext>
-                </a:extLst>
-              </a:tr>
-              <a:tr h="369711">
-                <a:tc>
-                  <a:txBody>
-                    <a:bodyPr/>
-                    <a:lstStyle/>
-                    <a:p>
-                      <a:r>
-                        <a:rPr lang="en-US" dirty="0"/>
-                        <a:t>Agent Officer</a:t>
-                      </a:r>
-                    </a:p>
-                  </a:txBody>
-                  <a:tcPr/>
-                </a:tc>
-                <a:tc>
-                  <a:txBody>
-                    <a:bodyPr/>
-                    <a:lstStyle/>
-                    <a:p>
-                      <a:pPr algn="r" fontAlgn="b"/>
-                      <a:r>
-                        <a:rPr lang="en-US" sz="1800" b="0" i="0" u="none" strike="noStrike">
-                          <a:solidFill>
-                            <a:srgbClr val="000000"/>
-                          </a:solidFill>
-                          <a:effectLst/>
-                          <a:latin typeface="Calibri" panose="020F0502020204030204" pitchFamily="34" charset="0"/>
-                        </a:rPr>
-                        <a:t>240</a:t>
-                      </a:r>
-                    </a:p>
-                  </a:txBody>
-                  <a:tcPr marL="9525" marR="9525" marT="9525" marB="0" anchor="b"/>
-                </a:tc>
-                <a:tc>
-                  <a:txBody>
-                    <a:bodyPr/>
-                    <a:lstStyle/>
-                    <a:p>
-                      <a:pPr algn="r" fontAlgn="b"/>
-                      <a:r>
-                        <a:rPr lang="en-US" sz="1800" b="0" i="0" u="none" strike="noStrike">
-                          <a:solidFill>
-                            <a:srgbClr val="000000"/>
-                          </a:solidFill>
-                          <a:effectLst/>
-                          <a:latin typeface="Calibri" panose="020F0502020204030204" pitchFamily="34" charset="0"/>
-                        </a:rPr>
-                        <a:t>300</a:t>
-                      </a:r>
-                    </a:p>
-                  </a:txBody>
-                  <a:tcPr marL="9525" marR="9525" marT="9525" marB="0" anchor="b"/>
-                </a:tc>
-                <a:tc>
-                  <a:txBody>
-                    <a:bodyPr/>
-                    <a:lstStyle/>
-                    <a:p>
-                      <a:pPr algn="r" fontAlgn="b"/>
-                      <a:r>
-                        <a:rPr lang="en-US" sz="1800" b="0" i="0" u="none" strike="noStrike">
-                          <a:solidFill>
-                            <a:srgbClr val="000000"/>
-                          </a:solidFill>
-                          <a:effectLst/>
-                          <a:latin typeface="Calibri" panose="020F0502020204030204" pitchFamily="34" charset="0"/>
-                        </a:rPr>
-                        <a:t>370</a:t>
-                      </a:r>
-                    </a:p>
-                  </a:txBody>
-                  <a:tcPr marL="9525" marR="9525" marT="9525" marB="0" anchor="b"/>
-                </a:tc>
-                <a:tc>
-                  <a:txBody>
-                    <a:bodyPr/>
-                    <a:lstStyle/>
-                    <a:p>
-                      <a:pPr algn="r" fontAlgn="b"/>
-                      <a:r>
-                        <a:rPr lang="en-US" sz="1800" b="0" i="0" u="none" strike="noStrike" dirty="0">
-                          <a:solidFill>
-                            <a:srgbClr val="000000"/>
-                          </a:solidFill>
-                          <a:effectLst/>
-                          <a:latin typeface="Calibri" panose="020F0502020204030204" pitchFamily="34" charset="0"/>
-                        </a:rPr>
-                        <a:t>1500</a:t>
-                      </a:r>
-                    </a:p>
-                  </a:txBody>
-                  <a:tcPr marL="9525" marR="9525" marT="9525" marB="0" anchor="b"/>
-                </a:tc>
-                <a:extLst>
-                  <a:ext uri="{0D108BD9-81ED-4DB2-BD59-A6C34878D82A}">
-                    <a16:rowId xmlns:a16="http://schemas.microsoft.com/office/drawing/2014/main" val="1149758969"/>
-                  </a:ext>
-                </a:extLst>
-              </a:tr>
-              <a:tr h="369711">
-                <a:tc>
-                  <a:txBody>
-                    <a:bodyPr/>
-                    <a:lstStyle/>
-                    <a:p>
-                      <a:r>
-                        <a:rPr lang="en-US" dirty="0"/>
-                        <a:t>Architect</a:t>
-                      </a:r>
-                    </a:p>
-                  </a:txBody>
-                  <a:tcPr/>
-                </a:tc>
-                <a:tc>
-                  <a:txBody>
-                    <a:bodyPr/>
-                    <a:lstStyle/>
-                    <a:p>
-                      <a:pPr algn="r" fontAlgn="b"/>
-                      <a:r>
-                        <a:rPr lang="en-US" sz="1800" b="0" i="0" u="none" strike="noStrike" dirty="0">
-                          <a:solidFill>
-                            <a:srgbClr val="000000"/>
-                          </a:solidFill>
-                          <a:effectLst/>
-                          <a:latin typeface="Calibri" panose="020F0502020204030204" pitchFamily="34" charset="0"/>
-                        </a:rPr>
-                        <a:t>241</a:t>
-                      </a:r>
-                    </a:p>
-                  </a:txBody>
-                  <a:tcPr marL="9525" marR="9525" marT="9525" marB="0" anchor="b"/>
-                </a:tc>
-                <a:tc>
-                  <a:txBody>
-                    <a:bodyPr/>
-                    <a:lstStyle/>
-                    <a:p>
-                      <a:pPr algn="r" fontAlgn="b"/>
-                      <a:r>
-                        <a:rPr lang="en-US" sz="1800" b="0" i="0" u="none" strike="noStrike" dirty="0">
-                          <a:solidFill>
-                            <a:srgbClr val="000000"/>
-                          </a:solidFill>
-                          <a:effectLst/>
-                          <a:latin typeface="Calibri" panose="020F0502020204030204" pitchFamily="34" charset="0"/>
-                        </a:rPr>
-                        <a:t>317</a:t>
-                      </a:r>
-                    </a:p>
-                  </a:txBody>
-                  <a:tcPr marL="9525" marR="9525" marT="9525" marB="0" anchor="b"/>
-                </a:tc>
-                <a:tc>
-                  <a:txBody>
-                    <a:bodyPr/>
-                    <a:lstStyle/>
-                    <a:p>
-                      <a:pPr algn="r" fontAlgn="b"/>
-                      <a:r>
-                        <a:rPr lang="en-US" sz="1800" b="0" i="0" u="none" strike="noStrike" dirty="0">
-                          <a:solidFill>
-                            <a:srgbClr val="000000"/>
-                          </a:solidFill>
-                          <a:effectLst/>
-                          <a:latin typeface="Calibri" panose="020F0502020204030204" pitchFamily="34" charset="0"/>
-                        </a:rPr>
-                        <a:t>426</a:t>
-                      </a:r>
-                    </a:p>
-                  </a:txBody>
-                  <a:tcPr marL="9525" marR="9525" marT="9525" marB="0" anchor="b"/>
-                </a:tc>
-                <a:tc>
-                  <a:txBody>
-                    <a:bodyPr/>
-                    <a:lstStyle/>
-                    <a:p>
-                      <a:pPr algn="r" fontAlgn="b"/>
-                      <a:r>
-                        <a:rPr lang="en-US" sz="1800" b="0" i="0" u="none" strike="noStrike" dirty="0">
-                          <a:solidFill>
-                            <a:srgbClr val="000000"/>
-                          </a:solidFill>
-                          <a:effectLst/>
-                          <a:latin typeface="Calibri" panose="020F0502020204030204" pitchFamily="34" charset="0"/>
-                        </a:rPr>
-                        <a:t>745</a:t>
-                      </a:r>
-                    </a:p>
-                  </a:txBody>
-                  <a:tcPr marL="9525" marR="9525" marT="9525" marB="0" anchor="b"/>
-                </a:tc>
-                <a:extLst>
-                  <a:ext uri="{0D108BD9-81ED-4DB2-BD59-A6C34878D82A}">
-                    <a16:rowId xmlns:a16="http://schemas.microsoft.com/office/drawing/2014/main" val="1823940534"/>
-                  </a:ext>
-                </a:extLst>
-              </a:tr>
-              <a:tr h="369711">
-                <a:tc>
-                  <a:txBody>
-                    <a:bodyPr/>
-                    <a:lstStyle/>
-                    <a:p>
-                      <a:r>
-                        <a:rPr lang="en-US" dirty="0"/>
-                        <a:t>Civil Engineer</a:t>
-                      </a:r>
-                    </a:p>
-                  </a:txBody>
-                  <a:tcPr/>
-                </a:tc>
-                <a:tc>
-                  <a:txBody>
-                    <a:bodyPr/>
-                    <a:lstStyle/>
-                    <a:p>
-                      <a:pPr algn="r" fontAlgn="b"/>
-                      <a:r>
-                        <a:rPr lang="en-US" sz="1800" b="0" i="0" u="none" strike="noStrike" dirty="0">
-                          <a:solidFill>
-                            <a:srgbClr val="000000"/>
-                          </a:solidFill>
-                          <a:effectLst/>
-                          <a:latin typeface="Calibri" panose="020F0502020204030204" pitchFamily="34" charset="0"/>
-                        </a:rPr>
-                        <a:t>263</a:t>
-                      </a:r>
-                    </a:p>
-                  </a:txBody>
-                  <a:tcPr marL="9525" marR="9525" marT="9525" marB="0" anchor="b"/>
-                </a:tc>
-                <a:tc>
-                  <a:txBody>
-                    <a:bodyPr/>
-                    <a:lstStyle/>
-                    <a:p>
-                      <a:pPr algn="r" fontAlgn="b"/>
-                      <a:r>
-                        <a:rPr lang="en-US" sz="1800" b="0" i="0" u="none" strike="noStrike" dirty="0">
-                          <a:solidFill>
-                            <a:srgbClr val="000000"/>
-                          </a:solidFill>
-                          <a:effectLst/>
-                          <a:latin typeface="Calibri" panose="020F0502020204030204" pitchFamily="34" charset="0"/>
-                        </a:rPr>
-                        <a:t>342</a:t>
-                      </a:r>
-                    </a:p>
-                  </a:txBody>
-                  <a:tcPr marL="9525" marR="9525" marT="9525" marB="0" anchor="b"/>
-                </a:tc>
-                <a:tc>
-                  <a:txBody>
-                    <a:bodyPr/>
-                    <a:lstStyle/>
-                    <a:p>
-                      <a:pPr algn="r" fontAlgn="b"/>
-                      <a:r>
-                        <a:rPr lang="en-US" sz="1800" b="0" i="0" u="none" strike="noStrike">
-                          <a:solidFill>
-                            <a:srgbClr val="000000"/>
-                          </a:solidFill>
-                          <a:effectLst/>
-                          <a:latin typeface="Calibri" panose="020F0502020204030204" pitchFamily="34" charset="0"/>
-                        </a:rPr>
-                        <a:t>439</a:t>
-                      </a:r>
-                    </a:p>
-                  </a:txBody>
-                  <a:tcPr marL="9525" marR="9525" marT="9525" marB="0" anchor="b"/>
-                </a:tc>
-                <a:tc>
-                  <a:txBody>
-                    <a:bodyPr/>
-                    <a:lstStyle/>
-                    <a:p>
-                      <a:pPr algn="r" fontAlgn="b"/>
-                      <a:r>
-                        <a:rPr lang="en-US" sz="1800" b="0" i="0" u="none" strike="noStrike" dirty="0">
-                          <a:solidFill>
-                            <a:srgbClr val="000000"/>
-                          </a:solidFill>
-                          <a:effectLst/>
-                          <a:latin typeface="Calibri" panose="020F0502020204030204" pitchFamily="34" charset="0"/>
-                        </a:rPr>
-                        <a:t>679</a:t>
-                      </a:r>
-                    </a:p>
-                  </a:txBody>
-                  <a:tcPr marL="9525" marR="9525" marT="9525" marB="0" anchor="b"/>
-                </a:tc>
-                <a:extLst>
-                  <a:ext uri="{0D108BD9-81ED-4DB2-BD59-A6C34878D82A}">
-                    <a16:rowId xmlns:a16="http://schemas.microsoft.com/office/drawing/2014/main" val="3492520678"/>
-                  </a:ext>
-                </a:extLst>
-              </a:tr>
-              <a:tr h="369711">
-                <a:tc>
-                  <a:txBody>
-                    <a:bodyPr/>
-                    <a:lstStyle/>
-                    <a:p>
-                      <a:r>
-                        <a:rPr lang="en-US" dirty="0"/>
-                        <a:t>Site Engineer</a:t>
-                      </a:r>
-                    </a:p>
-                  </a:txBody>
-                  <a:tcPr/>
-                </a:tc>
-                <a:tc>
-                  <a:txBody>
-                    <a:bodyPr/>
-                    <a:lstStyle/>
-                    <a:p>
-                      <a:pPr algn="r" fontAlgn="b"/>
-                      <a:r>
-                        <a:rPr lang="en-US" sz="1800" b="0" i="0" u="none" strike="noStrike">
-                          <a:solidFill>
-                            <a:srgbClr val="000000"/>
-                          </a:solidFill>
-                          <a:effectLst/>
-                          <a:latin typeface="Calibri" panose="020F0502020204030204" pitchFamily="34" charset="0"/>
-                        </a:rPr>
-                        <a:t>280</a:t>
-                      </a:r>
-                    </a:p>
-                  </a:txBody>
-                  <a:tcPr marL="9525" marR="9525" marT="9525" marB="0" anchor="b"/>
-                </a:tc>
-                <a:tc>
-                  <a:txBody>
-                    <a:bodyPr/>
-                    <a:lstStyle/>
-                    <a:p>
-                      <a:pPr algn="r" fontAlgn="b"/>
-                      <a:r>
-                        <a:rPr lang="en-US" sz="1800" b="0" i="0" u="none" strike="noStrike">
-                          <a:solidFill>
-                            <a:srgbClr val="000000"/>
-                          </a:solidFill>
-                          <a:effectLst/>
-                          <a:latin typeface="Calibri" panose="020F0502020204030204" pitchFamily="34" charset="0"/>
-                        </a:rPr>
-                        <a:t>364</a:t>
-                      </a:r>
-                    </a:p>
-                  </a:txBody>
-                  <a:tcPr marL="9525" marR="9525" marT="9525" marB="0" anchor="b"/>
-                </a:tc>
-                <a:tc>
-                  <a:txBody>
-                    <a:bodyPr/>
-                    <a:lstStyle/>
-                    <a:p>
-                      <a:pPr algn="r" fontAlgn="b"/>
-                      <a:r>
-                        <a:rPr lang="en-US" sz="1800" b="0" i="0" u="none" strike="noStrike" dirty="0">
-                          <a:solidFill>
-                            <a:srgbClr val="000000"/>
-                          </a:solidFill>
-                          <a:effectLst/>
-                          <a:latin typeface="Calibri" panose="020F0502020204030204" pitchFamily="34" charset="0"/>
-                        </a:rPr>
-                        <a:t>481</a:t>
-                      </a:r>
-                    </a:p>
-                  </a:txBody>
-                  <a:tcPr marL="9525" marR="9525" marT="9525" marB="0" anchor="b"/>
-                </a:tc>
-                <a:tc>
-                  <a:txBody>
-                    <a:bodyPr/>
-                    <a:lstStyle/>
-                    <a:p>
-                      <a:pPr algn="r" fontAlgn="b"/>
-                      <a:r>
-                        <a:rPr lang="en-US" sz="1800" b="0" i="0" u="none" strike="noStrike" dirty="0">
-                          <a:solidFill>
-                            <a:srgbClr val="000000"/>
-                          </a:solidFill>
-                          <a:effectLst/>
-                          <a:latin typeface="Calibri" panose="020F0502020204030204" pitchFamily="34" charset="0"/>
-                        </a:rPr>
-                        <a:t>797</a:t>
-                      </a:r>
-                    </a:p>
-                  </a:txBody>
-                  <a:tcPr marL="9525" marR="9525" marT="9525" marB="0" anchor="b"/>
-                </a:tc>
-                <a:extLst>
-                  <a:ext uri="{0D108BD9-81ED-4DB2-BD59-A6C34878D82A}">
-                    <a16:rowId xmlns:a16="http://schemas.microsoft.com/office/drawing/2014/main" val="2023878511"/>
-                  </a:ext>
-                </a:extLst>
-              </a:tr>
-              <a:tr h="369711">
-                <a:tc>
-                  <a:txBody>
-                    <a:bodyPr/>
-                    <a:lstStyle/>
-                    <a:p>
-                      <a:r>
-                        <a:rPr lang="en-US" dirty="0"/>
-                        <a:t>Drafter</a:t>
-                      </a:r>
-                    </a:p>
-                  </a:txBody>
-                  <a:tcPr/>
-                </a:tc>
-                <a:tc>
-                  <a:txBody>
-                    <a:bodyPr/>
-                    <a:lstStyle/>
-                    <a:p>
-                      <a:pPr algn="r" fontAlgn="b"/>
-                      <a:r>
-                        <a:rPr lang="en-US" sz="1800" b="0" i="0" u="none" strike="noStrike" dirty="0">
-                          <a:solidFill>
-                            <a:srgbClr val="000000"/>
-                          </a:solidFill>
-                          <a:effectLst/>
-                          <a:latin typeface="Calibri" panose="020F0502020204030204" pitchFamily="34" charset="0"/>
-                        </a:rPr>
-                        <a:t>302</a:t>
-                      </a:r>
-                    </a:p>
-                  </a:txBody>
-                  <a:tcPr marL="9525" marR="9525" marT="9525" marB="0" anchor="b"/>
-                </a:tc>
-                <a:tc>
-                  <a:txBody>
-                    <a:bodyPr/>
-                    <a:lstStyle/>
-                    <a:p>
-                      <a:pPr algn="r" fontAlgn="b"/>
-                      <a:r>
-                        <a:rPr lang="en-US" sz="1800" b="0" i="0" u="none" strike="noStrike">
-                          <a:solidFill>
-                            <a:srgbClr val="000000"/>
-                          </a:solidFill>
-                          <a:effectLst/>
-                          <a:latin typeface="Calibri" panose="020F0502020204030204" pitchFamily="34" charset="0"/>
-                        </a:rPr>
-                        <a:t>439</a:t>
-                      </a:r>
-                    </a:p>
-                  </a:txBody>
-                  <a:tcPr marL="9525" marR="9525" marT="9525" marB="0" anchor="b"/>
-                </a:tc>
-                <a:tc>
-                  <a:txBody>
-                    <a:bodyPr/>
-                    <a:lstStyle/>
-                    <a:p>
-                      <a:pPr algn="r" fontAlgn="b"/>
-                      <a:r>
-                        <a:rPr lang="en-US" sz="1800" b="0" i="0" u="none" strike="noStrike" dirty="0">
-                          <a:solidFill>
-                            <a:srgbClr val="000000"/>
-                          </a:solidFill>
-                          <a:effectLst/>
-                          <a:latin typeface="Calibri" panose="020F0502020204030204" pitchFamily="34" charset="0"/>
-                        </a:rPr>
-                        <a:t>606</a:t>
-                      </a:r>
-                    </a:p>
-                  </a:txBody>
-                  <a:tcPr marL="9525" marR="9525" marT="9525" marB="0" anchor="b"/>
-                </a:tc>
-                <a:tc>
-                  <a:txBody>
-                    <a:bodyPr/>
-                    <a:lstStyle/>
-                    <a:p>
-                      <a:pPr algn="r" fontAlgn="b"/>
-                      <a:r>
-                        <a:rPr lang="en-US" sz="1800" b="0" i="0" u="none" strike="noStrike" dirty="0">
-                          <a:solidFill>
-                            <a:srgbClr val="000000"/>
-                          </a:solidFill>
-                          <a:effectLst/>
-                          <a:latin typeface="Calibri" panose="020F0502020204030204" pitchFamily="34" charset="0"/>
-                        </a:rPr>
-                        <a:t>860</a:t>
-                      </a:r>
-                    </a:p>
-                  </a:txBody>
-                  <a:tcPr marL="9525" marR="9525" marT="9525" marB="0" anchor="b"/>
-                </a:tc>
-                <a:extLst>
-                  <a:ext uri="{0D108BD9-81ED-4DB2-BD59-A6C34878D82A}">
-                    <a16:rowId xmlns:a16="http://schemas.microsoft.com/office/drawing/2014/main" val="2771850426"/>
-                  </a:ext>
-                </a:extLst>
-              </a:tr>
-              <a:tr h="369711">
-                <a:tc>
-                  <a:txBody>
-                    <a:bodyPr/>
-                    <a:lstStyle/>
-                    <a:p>
-                      <a:r>
-                        <a:rPr lang="en-US" dirty="0"/>
-                        <a:t>Foreman</a:t>
-                      </a:r>
-                    </a:p>
-                  </a:txBody>
-                  <a:tcPr/>
-                </a:tc>
-                <a:tc>
-                  <a:txBody>
-                    <a:bodyPr/>
-                    <a:lstStyle/>
-                    <a:p>
-                      <a:pPr algn="r" fontAlgn="b"/>
-                      <a:r>
-                        <a:rPr lang="en-US" sz="1800" b="0" i="0" u="none" strike="noStrike" dirty="0">
-                          <a:solidFill>
-                            <a:srgbClr val="000000"/>
-                          </a:solidFill>
-                          <a:effectLst/>
-                          <a:latin typeface="Calibri" panose="020F0502020204030204" pitchFamily="34" charset="0"/>
-                        </a:rPr>
-                        <a:t>283</a:t>
-                      </a:r>
-                    </a:p>
-                  </a:txBody>
-                  <a:tcPr marL="9525" marR="9525" marT="9525" marB="0" anchor="b"/>
-                </a:tc>
-                <a:tc>
-                  <a:txBody>
-                    <a:bodyPr/>
-                    <a:lstStyle/>
-                    <a:p>
-                      <a:pPr algn="r" fontAlgn="b"/>
-                      <a:r>
-                        <a:rPr lang="en-US" sz="1800" b="0" i="0" u="none" strike="noStrike" dirty="0">
-                          <a:solidFill>
-                            <a:srgbClr val="000000"/>
-                          </a:solidFill>
-                          <a:effectLst/>
-                          <a:latin typeface="Calibri" panose="020F0502020204030204" pitchFamily="34" charset="0"/>
-                        </a:rPr>
-                        <a:t>375</a:t>
-                      </a:r>
-                    </a:p>
-                  </a:txBody>
-                  <a:tcPr marL="9525" marR="9525" marT="9525" marB="0" anchor="b"/>
-                </a:tc>
-                <a:tc>
-                  <a:txBody>
-                    <a:bodyPr/>
-                    <a:lstStyle/>
-                    <a:p>
-                      <a:pPr algn="r" fontAlgn="b"/>
-                      <a:r>
-                        <a:rPr lang="en-US" sz="1800" b="0" i="0" u="none" strike="noStrike" dirty="0">
-                          <a:solidFill>
-                            <a:srgbClr val="000000"/>
-                          </a:solidFill>
-                          <a:effectLst/>
-                          <a:latin typeface="Calibri" panose="020F0502020204030204" pitchFamily="34" charset="0"/>
-                        </a:rPr>
-                        <a:t>579</a:t>
-                      </a:r>
-                    </a:p>
-                  </a:txBody>
-                  <a:tcPr marL="9525" marR="9525" marT="9525" marB="0" anchor="b"/>
-                </a:tc>
-                <a:tc>
-                  <a:txBody>
-                    <a:bodyPr/>
-                    <a:lstStyle/>
-                    <a:p>
-                      <a:pPr algn="r" fontAlgn="b"/>
-                      <a:r>
-                        <a:rPr lang="en-US" sz="1800" b="0" i="0" u="none" strike="noStrike" dirty="0">
-                          <a:solidFill>
-                            <a:srgbClr val="000000"/>
-                          </a:solidFill>
-                          <a:effectLst/>
-                          <a:latin typeface="Calibri" panose="020F0502020204030204" pitchFamily="34" charset="0"/>
-                        </a:rPr>
-                        <a:t>783</a:t>
-                      </a:r>
-                    </a:p>
-                  </a:txBody>
-                  <a:tcPr marL="9525" marR="9525" marT="9525" marB="0" anchor="b"/>
-                </a:tc>
-                <a:extLst>
-                  <a:ext uri="{0D108BD9-81ED-4DB2-BD59-A6C34878D82A}">
-                    <a16:rowId xmlns:a16="http://schemas.microsoft.com/office/drawing/2014/main" val="1464438257"/>
-                  </a:ext>
-                </a:extLst>
-              </a:tr>
-              <a:tr h="369711">
-                <a:tc>
-                  <a:txBody>
-                    <a:bodyPr/>
-                    <a:lstStyle/>
-                    <a:p>
-                      <a:r>
-                        <a:rPr lang="en-US" dirty="0"/>
-                        <a:t>Logistics Officer</a:t>
-                      </a:r>
-                    </a:p>
-                  </a:txBody>
-                  <a:tcPr/>
-                </a:tc>
-                <a:tc>
-                  <a:txBody>
-                    <a:bodyPr/>
-                    <a:lstStyle/>
-                    <a:p>
-                      <a:pPr algn="r" fontAlgn="b"/>
-                      <a:r>
-                        <a:rPr lang="en-US" sz="1800" b="0" i="0" u="none" strike="noStrike" dirty="0">
-                          <a:solidFill>
-                            <a:srgbClr val="000000"/>
-                          </a:solidFill>
-                          <a:effectLst/>
-                          <a:latin typeface="Calibri" panose="020F0502020204030204" pitchFamily="34" charset="0"/>
-                        </a:rPr>
-                        <a:t>320</a:t>
-                      </a:r>
-                    </a:p>
-                  </a:txBody>
-                  <a:tcPr marL="9525" marR="9525" marT="9525" marB="0" anchor="b"/>
-                </a:tc>
-                <a:tc>
-                  <a:txBody>
-                    <a:bodyPr/>
-                    <a:lstStyle/>
-                    <a:p>
-                      <a:pPr algn="r" fontAlgn="b"/>
-                      <a:r>
-                        <a:rPr lang="en-US" sz="1800" b="0" i="0" u="none" strike="noStrike" dirty="0">
-                          <a:solidFill>
-                            <a:srgbClr val="000000"/>
-                          </a:solidFill>
-                          <a:effectLst/>
-                          <a:latin typeface="Calibri" panose="020F0502020204030204" pitchFamily="34" charset="0"/>
-                        </a:rPr>
-                        <a:t>389</a:t>
-                      </a:r>
-                    </a:p>
-                  </a:txBody>
-                  <a:tcPr marL="9525" marR="9525" marT="9525" marB="0" anchor="b"/>
-                </a:tc>
-                <a:tc>
-                  <a:txBody>
-                    <a:bodyPr/>
-                    <a:lstStyle/>
-                    <a:p>
-                      <a:pPr algn="r" fontAlgn="b"/>
-                      <a:r>
-                        <a:rPr lang="en-US" sz="1800" b="0" i="0" u="none" strike="noStrike" dirty="0">
-                          <a:solidFill>
-                            <a:srgbClr val="000000"/>
-                          </a:solidFill>
-                          <a:effectLst/>
-                          <a:latin typeface="Calibri" panose="020F0502020204030204" pitchFamily="34" charset="0"/>
-                        </a:rPr>
-                        <a:t>456</a:t>
-                      </a:r>
-                    </a:p>
-                  </a:txBody>
-                  <a:tcPr marL="9525" marR="9525" marT="9525" marB="0" anchor="b"/>
-                </a:tc>
-                <a:tc>
-                  <a:txBody>
-                    <a:bodyPr/>
-                    <a:lstStyle/>
-                    <a:p>
-                      <a:pPr algn="r" fontAlgn="b"/>
-                      <a:r>
-                        <a:rPr lang="en-US" sz="1800" b="0" i="0" u="none" strike="noStrike" dirty="0">
-                          <a:solidFill>
-                            <a:srgbClr val="000000"/>
-                          </a:solidFill>
-                          <a:effectLst/>
-                          <a:latin typeface="Calibri" panose="020F0502020204030204" pitchFamily="34" charset="0"/>
-                        </a:rPr>
-                        <a:t>587</a:t>
-                      </a:r>
-                    </a:p>
-                  </a:txBody>
-                  <a:tcPr marL="9525" marR="9525" marT="9525" marB="0" anchor="b"/>
-                </a:tc>
-                <a:extLst>
-                  <a:ext uri="{0D108BD9-81ED-4DB2-BD59-A6C34878D82A}">
-                    <a16:rowId xmlns:a16="http://schemas.microsoft.com/office/drawing/2014/main" val="3570486530"/>
-                  </a:ext>
-                </a:extLst>
-              </a:tr>
-            </a:tbl>
-          </a:graphicData>
-        </a:graphic>
-      </p:graphicFrame>
-    </p:spTree>
-    <p:extLst>
-      <p:ext uri="{BB962C8B-B14F-4D97-AF65-F5344CB8AC3E}">
-        <p14:creationId xmlns:p14="http://schemas.microsoft.com/office/powerpoint/2010/main" val="1993173200"/>
       </p:ext>
     </p:extLst>
   </p:cSld>
@@ -22517,6 +22525,1067 @@
         </p:nvSpPr>
         <p:spPr>
           <a:xfrm>
+            <a:off x="5135879" y="58411"/>
+            <a:ext cx="2427268" cy="769441"/>
+          </a:xfrm>
+          <a:prstGeom prst="rect">
+            <a:avLst/>
+          </a:prstGeom>
+          <a:noFill/>
+        </p:spPr>
+        <p:txBody>
+          <a:bodyPr wrap="none" rtlCol="0">
+            <a:spAutoFit/>
+          </a:bodyPr>
+          <a:lstStyle/>
+          <a:p>
+            <a:pPr algn="ctr"/>
+            <a:r>
+              <a:rPr lang="en-US" sz="4400" b="1" dirty="0">
+                <a:solidFill>
+                  <a:schemeClr val="bg1"/>
+                </a:solidFill>
+                <a:latin typeface="Roboto" panose="02000000000000000000" pitchFamily="2" charset="0"/>
+                <a:ea typeface="Roboto" panose="02000000000000000000" pitchFamily="2" charset="0"/>
+              </a:rPr>
+              <a:t>Overview</a:t>
+            </a:r>
+          </a:p>
+        </p:txBody>
+      </p:sp>
+      <p:graphicFrame>
+        <p:nvGraphicFramePr>
+          <p:cNvPr id="6" name="Table 5">
+            <a:extLst>
+              <a:ext uri="{FF2B5EF4-FFF2-40B4-BE49-F238E27FC236}">
+                <a16:creationId xmlns:a16="http://schemas.microsoft.com/office/drawing/2014/main" id="{54EFA07A-658C-4CCF-B537-98AA5AF05EE1}"/>
+              </a:ext>
+            </a:extLst>
+          </p:cNvPr>
+          <p:cNvGraphicFramePr>
+            <a:graphicFrameLocks noGrp="1"/>
+          </p:cNvGraphicFramePr>
+          <p:nvPr>
+            <p:extLst>
+              <p:ext uri="{D42A27DB-BD31-4B8C-83A1-F6EECF244321}">
+                <p14:modId xmlns:p14="http://schemas.microsoft.com/office/powerpoint/2010/main" val="1028390350"/>
+              </p:ext>
+            </p:extLst>
+          </p:nvPr>
+        </p:nvGraphicFramePr>
+        <p:xfrm>
+          <a:off x="928468" y="1883350"/>
+          <a:ext cx="10142807" cy="3327399"/>
+        </p:xfrm>
+        <a:graphic>
+          <a:graphicData uri="http://schemas.openxmlformats.org/drawingml/2006/table">
+            <a:tbl>
+              <a:tblPr firstRow="1" bandRow="1">
+                <a:tableStyleId>{5C22544A-7EE6-4342-B048-85BDC9FD1C3A}</a:tableStyleId>
+              </a:tblPr>
+              <a:tblGrid>
+                <a:gridCol w="2236763">
+                  <a:extLst>
+                    <a:ext uri="{9D8B030D-6E8A-4147-A177-3AD203B41FA5}">
+                      <a16:colId xmlns:a16="http://schemas.microsoft.com/office/drawing/2014/main" val="2497592185"/>
+                    </a:ext>
+                  </a:extLst>
+                </a:gridCol>
+                <a:gridCol w="1793053">
+                  <a:extLst>
+                    <a:ext uri="{9D8B030D-6E8A-4147-A177-3AD203B41FA5}">
+                      <a16:colId xmlns:a16="http://schemas.microsoft.com/office/drawing/2014/main" val="2784781616"/>
+                    </a:ext>
+                  </a:extLst>
+                </a:gridCol>
+                <a:gridCol w="1921279">
+                  <a:extLst>
+                    <a:ext uri="{9D8B030D-6E8A-4147-A177-3AD203B41FA5}">
+                      <a16:colId xmlns:a16="http://schemas.microsoft.com/office/drawing/2014/main" val="1258935152"/>
+                    </a:ext>
+                  </a:extLst>
+                </a:gridCol>
+                <a:gridCol w="2011219">
+                  <a:extLst>
+                    <a:ext uri="{9D8B030D-6E8A-4147-A177-3AD203B41FA5}">
+                      <a16:colId xmlns:a16="http://schemas.microsoft.com/office/drawing/2014/main" val="3251926524"/>
+                    </a:ext>
+                  </a:extLst>
+                </a:gridCol>
+                <a:gridCol w="2180493">
+                  <a:extLst>
+                    <a:ext uri="{9D8B030D-6E8A-4147-A177-3AD203B41FA5}">
+                      <a16:colId xmlns:a16="http://schemas.microsoft.com/office/drawing/2014/main" val="3188416064"/>
+                    </a:ext>
+                  </a:extLst>
+                </a:gridCol>
+              </a:tblGrid>
+              <a:tr h="369711">
+                <a:tc>
+                  <a:txBody>
+                    <a:bodyPr/>
+                    <a:lstStyle/>
+                    <a:p>
+                      <a:r>
+                        <a:rPr lang="en-US" dirty="0"/>
+                        <a:t>Job Positions</a:t>
+                      </a:r>
+                    </a:p>
+                  </a:txBody>
+                  <a:tcPr/>
+                </a:tc>
+                <a:tc>
+                  <a:txBody>
+                    <a:bodyPr/>
+                    <a:lstStyle/>
+                    <a:p>
+                      <a:r>
+                        <a:rPr lang="en-US" dirty="0"/>
+                        <a:t>New Graduate</a:t>
+                      </a:r>
+                    </a:p>
+                  </a:txBody>
+                  <a:tcPr/>
+                </a:tc>
+                <a:tc>
+                  <a:txBody>
+                    <a:bodyPr/>
+                    <a:lstStyle/>
+                    <a:p>
+                      <a:r>
+                        <a:rPr lang="en-US" dirty="0"/>
+                        <a:t>Exp. 1-3 years</a:t>
+                      </a:r>
+                    </a:p>
+                  </a:txBody>
+                  <a:tcPr/>
+                </a:tc>
+                <a:tc>
+                  <a:txBody>
+                    <a:bodyPr/>
+                    <a:lstStyle/>
+                    <a:p>
+                      <a:r>
+                        <a:rPr lang="en-US" dirty="0"/>
+                        <a:t>Exp. 4-6 years</a:t>
+                      </a:r>
+                    </a:p>
+                  </a:txBody>
+                  <a:tcPr/>
+                </a:tc>
+                <a:tc>
+                  <a:txBody>
+                    <a:bodyPr/>
+                    <a:lstStyle/>
+                    <a:p>
+                      <a:r>
+                        <a:rPr lang="en-US" dirty="0"/>
+                        <a:t>Exp. 7 years and up</a:t>
+                      </a:r>
+                    </a:p>
+                  </a:txBody>
+                  <a:tcPr/>
+                </a:tc>
+                <a:extLst>
+                  <a:ext uri="{0D108BD9-81ED-4DB2-BD59-A6C34878D82A}">
+                    <a16:rowId xmlns:a16="http://schemas.microsoft.com/office/drawing/2014/main" val="3617081155"/>
+                  </a:ext>
+                </a:extLst>
+              </a:tr>
+              <a:tr h="369711">
+                <a:tc>
+                  <a:txBody>
+                    <a:bodyPr/>
+                    <a:lstStyle/>
+                    <a:p>
+                      <a:r>
+                        <a:rPr lang="en-US" dirty="0"/>
+                        <a:t>Web Designer</a:t>
+                      </a:r>
+                    </a:p>
+                  </a:txBody>
+                  <a:tcPr/>
+                </a:tc>
+                <a:tc>
+                  <a:txBody>
+                    <a:bodyPr/>
+                    <a:lstStyle/>
+                    <a:p>
+                      <a:pPr algn="r" fontAlgn="b"/>
+                      <a:r>
+                        <a:rPr lang="en-US" sz="1800" b="0" i="0" u="none" strike="noStrike">
+                          <a:solidFill>
+                            <a:srgbClr val="000000"/>
+                          </a:solidFill>
+                          <a:effectLst/>
+                          <a:latin typeface="Calibri" panose="020F0502020204030204" pitchFamily="34" charset="0"/>
+                        </a:rPr>
+                        <a:t>240</a:t>
+                      </a:r>
+                    </a:p>
+                  </a:txBody>
+                  <a:tcPr marL="9525" marR="9525" marT="9525" marB="0" anchor="b"/>
+                </a:tc>
+                <a:tc>
+                  <a:txBody>
+                    <a:bodyPr/>
+                    <a:lstStyle/>
+                    <a:p>
+                      <a:pPr algn="r" fontAlgn="b"/>
+                      <a:r>
+                        <a:rPr lang="en-US" sz="1800" b="0" i="0" u="none" strike="noStrike" dirty="0">
+                          <a:solidFill>
+                            <a:srgbClr val="000000"/>
+                          </a:solidFill>
+                          <a:effectLst/>
+                          <a:latin typeface="Calibri" panose="020F0502020204030204" pitchFamily="34" charset="0"/>
+                        </a:rPr>
+                        <a:t>367</a:t>
+                      </a:r>
+                    </a:p>
+                  </a:txBody>
+                  <a:tcPr marL="9525" marR="9525" marT="9525" marB="0" anchor="b"/>
+                </a:tc>
+                <a:tc>
+                  <a:txBody>
+                    <a:bodyPr/>
+                    <a:lstStyle/>
+                    <a:p>
+                      <a:pPr algn="r" fontAlgn="b"/>
+                      <a:r>
+                        <a:rPr lang="en-US" sz="1800" b="0" i="0" u="none" strike="noStrike" dirty="0">
+                          <a:solidFill>
+                            <a:srgbClr val="000000"/>
+                          </a:solidFill>
+                          <a:effectLst/>
+                          <a:latin typeface="Calibri" panose="020F0502020204030204" pitchFamily="34" charset="0"/>
+                        </a:rPr>
+                        <a:t>690</a:t>
+                      </a:r>
+                    </a:p>
+                  </a:txBody>
+                  <a:tcPr marL="9525" marR="9525" marT="9525" marB="0" anchor="b"/>
+                </a:tc>
+                <a:tc>
+                  <a:txBody>
+                    <a:bodyPr/>
+                    <a:lstStyle/>
+                    <a:p>
+                      <a:pPr algn="r" fontAlgn="b"/>
+                      <a:r>
+                        <a:rPr lang="en-US" sz="1800" b="0" i="0" u="none" strike="noStrike" dirty="0">
+                          <a:solidFill>
+                            <a:srgbClr val="000000"/>
+                          </a:solidFill>
+                          <a:effectLst/>
+                          <a:latin typeface="Calibri" panose="020F0502020204030204" pitchFamily="34" charset="0"/>
+                        </a:rPr>
+                        <a:t>1137</a:t>
+                      </a:r>
+                    </a:p>
+                  </a:txBody>
+                  <a:tcPr marL="9525" marR="9525" marT="9525" marB="0" anchor="b"/>
+                </a:tc>
+                <a:extLst>
+                  <a:ext uri="{0D108BD9-81ED-4DB2-BD59-A6C34878D82A}">
+                    <a16:rowId xmlns:a16="http://schemas.microsoft.com/office/drawing/2014/main" val="1061743433"/>
+                  </a:ext>
+                </a:extLst>
+              </a:tr>
+              <a:tr h="369711">
+                <a:tc>
+                  <a:txBody>
+                    <a:bodyPr/>
+                    <a:lstStyle/>
+                    <a:p>
+                      <a:r>
+                        <a:rPr lang="en-US" dirty="0"/>
+                        <a:t>Agent Officer</a:t>
+                      </a:r>
+                    </a:p>
+                  </a:txBody>
+                  <a:tcPr/>
+                </a:tc>
+                <a:tc>
+                  <a:txBody>
+                    <a:bodyPr/>
+                    <a:lstStyle/>
+                    <a:p>
+                      <a:pPr algn="r" fontAlgn="b"/>
+                      <a:r>
+                        <a:rPr lang="en-US" sz="1800" b="0" i="0" u="none" strike="noStrike">
+                          <a:solidFill>
+                            <a:srgbClr val="000000"/>
+                          </a:solidFill>
+                          <a:effectLst/>
+                          <a:latin typeface="Calibri" panose="020F0502020204030204" pitchFamily="34" charset="0"/>
+                        </a:rPr>
+                        <a:t>240</a:t>
+                      </a:r>
+                    </a:p>
+                  </a:txBody>
+                  <a:tcPr marL="9525" marR="9525" marT="9525" marB="0" anchor="b"/>
+                </a:tc>
+                <a:tc>
+                  <a:txBody>
+                    <a:bodyPr/>
+                    <a:lstStyle/>
+                    <a:p>
+                      <a:pPr algn="r" fontAlgn="b"/>
+                      <a:r>
+                        <a:rPr lang="en-US" sz="1800" b="0" i="0" u="none" strike="noStrike">
+                          <a:solidFill>
+                            <a:srgbClr val="000000"/>
+                          </a:solidFill>
+                          <a:effectLst/>
+                          <a:latin typeface="Calibri" panose="020F0502020204030204" pitchFamily="34" charset="0"/>
+                        </a:rPr>
+                        <a:t>300</a:t>
+                      </a:r>
+                    </a:p>
+                  </a:txBody>
+                  <a:tcPr marL="9525" marR="9525" marT="9525" marB="0" anchor="b"/>
+                </a:tc>
+                <a:tc>
+                  <a:txBody>
+                    <a:bodyPr/>
+                    <a:lstStyle/>
+                    <a:p>
+                      <a:pPr algn="r" fontAlgn="b"/>
+                      <a:r>
+                        <a:rPr lang="en-US" sz="1800" b="0" i="0" u="none" strike="noStrike">
+                          <a:solidFill>
+                            <a:srgbClr val="000000"/>
+                          </a:solidFill>
+                          <a:effectLst/>
+                          <a:latin typeface="Calibri" panose="020F0502020204030204" pitchFamily="34" charset="0"/>
+                        </a:rPr>
+                        <a:t>370</a:t>
+                      </a:r>
+                    </a:p>
+                  </a:txBody>
+                  <a:tcPr marL="9525" marR="9525" marT="9525" marB="0" anchor="b"/>
+                </a:tc>
+                <a:tc>
+                  <a:txBody>
+                    <a:bodyPr/>
+                    <a:lstStyle/>
+                    <a:p>
+                      <a:pPr algn="r" fontAlgn="b"/>
+                      <a:r>
+                        <a:rPr lang="en-US" sz="1800" b="0" i="0" u="none" strike="noStrike" dirty="0">
+                          <a:solidFill>
+                            <a:srgbClr val="000000"/>
+                          </a:solidFill>
+                          <a:effectLst/>
+                          <a:latin typeface="Calibri" panose="020F0502020204030204" pitchFamily="34" charset="0"/>
+                        </a:rPr>
+                        <a:t>1500</a:t>
+                      </a:r>
+                    </a:p>
+                  </a:txBody>
+                  <a:tcPr marL="9525" marR="9525" marT="9525" marB="0" anchor="b"/>
+                </a:tc>
+                <a:extLst>
+                  <a:ext uri="{0D108BD9-81ED-4DB2-BD59-A6C34878D82A}">
+                    <a16:rowId xmlns:a16="http://schemas.microsoft.com/office/drawing/2014/main" val="1149758969"/>
+                  </a:ext>
+                </a:extLst>
+              </a:tr>
+              <a:tr h="369711">
+                <a:tc>
+                  <a:txBody>
+                    <a:bodyPr/>
+                    <a:lstStyle/>
+                    <a:p>
+                      <a:r>
+                        <a:rPr lang="en-US" dirty="0"/>
+                        <a:t>Architect</a:t>
+                      </a:r>
+                    </a:p>
+                  </a:txBody>
+                  <a:tcPr/>
+                </a:tc>
+                <a:tc>
+                  <a:txBody>
+                    <a:bodyPr/>
+                    <a:lstStyle/>
+                    <a:p>
+                      <a:pPr algn="r" fontAlgn="b"/>
+                      <a:r>
+                        <a:rPr lang="en-US" sz="1800" b="0" i="0" u="none" strike="noStrike" dirty="0">
+                          <a:solidFill>
+                            <a:srgbClr val="000000"/>
+                          </a:solidFill>
+                          <a:effectLst/>
+                          <a:latin typeface="Calibri" panose="020F0502020204030204" pitchFamily="34" charset="0"/>
+                        </a:rPr>
+                        <a:t>241</a:t>
+                      </a:r>
+                    </a:p>
+                  </a:txBody>
+                  <a:tcPr marL="9525" marR="9525" marT="9525" marB="0" anchor="b"/>
+                </a:tc>
+                <a:tc>
+                  <a:txBody>
+                    <a:bodyPr/>
+                    <a:lstStyle/>
+                    <a:p>
+                      <a:pPr algn="r" fontAlgn="b"/>
+                      <a:r>
+                        <a:rPr lang="en-US" sz="1800" b="0" i="0" u="none" strike="noStrike" dirty="0">
+                          <a:solidFill>
+                            <a:srgbClr val="000000"/>
+                          </a:solidFill>
+                          <a:effectLst/>
+                          <a:latin typeface="Calibri" panose="020F0502020204030204" pitchFamily="34" charset="0"/>
+                        </a:rPr>
+                        <a:t>317</a:t>
+                      </a:r>
+                    </a:p>
+                  </a:txBody>
+                  <a:tcPr marL="9525" marR="9525" marT="9525" marB="0" anchor="b"/>
+                </a:tc>
+                <a:tc>
+                  <a:txBody>
+                    <a:bodyPr/>
+                    <a:lstStyle/>
+                    <a:p>
+                      <a:pPr algn="r" fontAlgn="b"/>
+                      <a:r>
+                        <a:rPr lang="en-US" sz="1800" b="0" i="0" u="none" strike="noStrike" dirty="0">
+                          <a:solidFill>
+                            <a:srgbClr val="000000"/>
+                          </a:solidFill>
+                          <a:effectLst/>
+                          <a:latin typeface="Calibri" panose="020F0502020204030204" pitchFamily="34" charset="0"/>
+                        </a:rPr>
+                        <a:t>426</a:t>
+                      </a:r>
+                    </a:p>
+                  </a:txBody>
+                  <a:tcPr marL="9525" marR="9525" marT="9525" marB="0" anchor="b"/>
+                </a:tc>
+                <a:tc>
+                  <a:txBody>
+                    <a:bodyPr/>
+                    <a:lstStyle/>
+                    <a:p>
+                      <a:pPr algn="r" fontAlgn="b"/>
+                      <a:r>
+                        <a:rPr lang="en-US" sz="1800" b="0" i="0" u="none" strike="noStrike" dirty="0">
+                          <a:solidFill>
+                            <a:srgbClr val="000000"/>
+                          </a:solidFill>
+                          <a:effectLst/>
+                          <a:latin typeface="Calibri" panose="020F0502020204030204" pitchFamily="34" charset="0"/>
+                        </a:rPr>
+                        <a:t>745</a:t>
+                      </a:r>
+                    </a:p>
+                  </a:txBody>
+                  <a:tcPr marL="9525" marR="9525" marT="9525" marB="0" anchor="b"/>
+                </a:tc>
+                <a:extLst>
+                  <a:ext uri="{0D108BD9-81ED-4DB2-BD59-A6C34878D82A}">
+                    <a16:rowId xmlns:a16="http://schemas.microsoft.com/office/drawing/2014/main" val="1823940534"/>
+                  </a:ext>
+                </a:extLst>
+              </a:tr>
+              <a:tr h="369711">
+                <a:tc>
+                  <a:txBody>
+                    <a:bodyPr/>
+                    <a:lstStyle/>
+                    <a:p>
+                      <a:r>
+                        <a:rPr lang="en-US" dirty="0"/>
+                        <a:t>Civil Engineer</a:t>
+                      </a:r>
+                    </a:p>
+                  </a:txBody>
+                  <a:tcPr/>
+                </a:tc>
+                <a:tc>
+                  <a:txBody>
+                    <a:bodyPr/>
+                    <a:lstStyle/>
+                    <a:p>
+                      <a:pPr algn="r" fontAlgn="b"/>
+                      <a:r>
+                        <a:rPr lang="en-US" sz="1800" b="0" i="0" u="none" strike="noStrike" dirty="0">
+                          <a:solidFill>
+                            <a:srgbClr val="000000"/>
+                          </a:solidFill>
+                          <a:effectLst/>
+                          <a:latin typeface="Calibri" panose="020F0502020204030204" pitchFamily="34" charset="0"/>
+                        </a:rPr>
+                        <a:t>263</a:t>
+                      </a:r>
+                    </a:p>
+                  </a:txBody>
+                  <a:tcPr marL="9525" marR="9525" marT="9525" marB="0" anchor="b"/>
+                </a:tc>
+                <a:tc>
+                  <a:txBody>
+                    <a:bodyPr/>
+                    <a:lstStyle/>
+                    <a:p>
+                      <a:pPr algn="r" fontAlgn="b"/>
+                      <a:r>
+                        <a:rPr lang="en-US" sz="1800" b="0" i="0" u="none" strike="noStrike" dirty="0">
+                          <a:solidFill>
+                            <a:srgbClr val="000000"/>
+                          </a:solidFill>
+                          <a:effectLst/>
+                          <a:latin typeface="Calibri" panose="020F0502020204030204" pitchFamily="34" charset="0"/>
+                        </a:rPr>
+                        <a:t>342</a:t>
+                      </a:r>
+                    </a:p>
+                  </a:txBody>
+                  <a:tcPr marL="9525" marR="9525" marT="9525" marB="0" anchor="b"/>
+                </a:tc>
+                <a:tc>
+                  <a:txBody>
+                    <a:bodyPr/>
+                    <a:lstStyle/>
+                    <a:p>
+                      <a:pPr algn="r" fontAlgn="b"/>
+                      <a:r>
+                        <a:rPr lang="en-US" sz="1800" b="0" i="0" u="none" strike="noStrike">
+                          <a:solidFill>
+                            <a:srgbClr val="000000"/>
+                          </a:solidFill>
+                          <a:effectLst/>
+                          <a:latin typeface="Calibri" panose="020F0502020204030204" pitchFamily="34" charset="0"/>
+                        </a:rPr>
+                        <a:t>439</a:t>
+                      </a:r>
+                    </a:p>
+                  </a:txBody>
+                  <a:tcPr marL="9525" marR="9525" marT="9525" marB="0" anchor="b"/>
+                </a:tc>
+                <a:tc>
+                  <a:txBody>
+                    <a:bodyPr/>
+                    <a:lstStyle/>
+                    <a:p>
+                      <a:pPr algn="r" fontAlgn="b"/>
+                      <a:r>
+                        <a:rPr lang="en-US" sz="1800" b="0" i="0" u="none" strike="noStrike" dirty="0">
+                          <a:solidFill>
+                            <a:srgbClr val="000000"/>
+                          </a:solidFill>
+                          <a:effectLst/>
+                          <a:latin typeface="Calibri" panose="020F0502020204030204" pitchFamily="34" charset="0"/>
+                        </a:rPr>
+                        <a:t>679</a:t>
+                      </a:r>
+                    </a:p>
+                  </a:txBody>
+                  <a:tcPr marL="9525" marR="9525" marT="9525" marB="0" anchor="b"/>
+                </a:tc>
+                <a:extLst>
+                  <a:ext uri="{0D108BD9-81ED-4DB2-BD59-A6C34878D82A}">
+                    <a16:rowId xmlns:a16="http://schemas.microsoft.com/office/drawing/2014/main" val="3492520678"/>
+                  </a:ext>
+                </a:extLst>
+              </a:tr>
+              <a:tr h="369711">
+                <a:tc>
+                  <a:txBody>
+                    <a:bodyPr/>
+                    <a:lstStyle/>
+                    <a:p>
+                      <a:r>
+                        <a:rPr lang="en-US" dirty="0"/>
+                        <a:t>Site Engineer</a:t>
+                      </a:r>
+                    </a:p>
+                  </a:txBody>
+                  <a:tcPr/>
+                </a:tc>
+                <a:tc>
+                  <a:txBody>
+                    <a:bodyPr/>
+                    <a:lstStyle/>
+                    <a:p>
+                      <a:pPr algn="r" fontAlgn="b"/>
+                      <a:r>
+                        <a:rPr lang="en-US" sz="1800" b="0" i="0" u="none" strike="noStrike">
+                          <a:solidFill>
+                            <a:srgbClr val="000000"/>
+                          </a:solidFill>
+                          <a:effectLst/>
+                          <a:latin typeface="Calibri" panose="020F0502020204030204" pitchFamily="34" charset="0"/>
+                        </a:rPr>
+                        <a:t>280</a:t>
+                      </a:r>
+                    </a:p>
+                  </a:txBody>
+                  <a:tcPr marL="9525" marR="9525" marT="9525" marB="0" anchor="b"/>
+                </a:tc>
+                <a:tc>
+                  <a:txBody>
+                    <a:bodyPr/>
+                    <a:lstStyle/>
+                    <a:p>
+                      <a:pPr algn="r" fontAlgn="b"/>
+                      <a:r>
+                        <a:rPr lang="en-US" sz="1800" b="0" i="0" u="none" strike="noStrike">
+                          <a:solidFill>
+                            <a:srgbClr val="000000"/>
+                          </a:solidFill>
+                          <a:effectLst/>
+                          <a:latin typeface="Calibri" panose="020F0502020204030204" pitchFamily="34" charset="0"/>
+                        </a:rPr>
+                        <a:t>364</a:t>
+                      </a:r>
+                    </a:p>
+                  </a:txBody>
+                  <a:tcPr marL="9525" marR="9525" marT="9525" marB="0" anchor="b"/>
+                </a:tc>
+                <a:tc>
+                  <a:txBody>
+                    <a:bodyPr/>
+                    <a:lstStyle/>
+                    <a:p>
+                      <a:pPr algn="r" fontAlgn="b"/>
+                      <a:r>
+                        <a:rPr lang="en-US" sz="1800" b="0" i="0" u="none" strike="noStrike" dirty="0">
+                          <a:solidFill>
+                            <a:srgbClr val="000000"/>
+                          </a:solidFill>
+                          <a:effectLst/>
+                          <a:latin typeface="Calibri" panose="020F0502020204030204" pitchFamily="34" charset="0"/>
+                        </a:rPr>
+                        <a:t>481</a:t>
+                      </a:r>
+                    </a:p>
+                  </a:txBody>
+                  <a:tcPr marL="9525" marR="9525" marT="9525" marB="0" anchor="b"/>
+                </a:tc>
+                <a:tc>
+                  <a:txBody>
+                    <a:bodyPr/>
+                    <a:lstStyle/>
+                    <a:p>
+                      <a:pPr algn="r" fontAlgn="b"/>
+                      <a:r>
+                        <a:rPr lang="en-US" sz="1800" b="0" i="0" u="none" strike="noStrike" dirty="0">
+                          <a:solidFill>
+                            <a:srgbClr val="000000"/>
+                          </a:solidFill>
+                          <a:effectLst/>
+                          <a:latin typeface="Calibri" panose="020F0502020204030204" pitchFamily="34" charset="0"/>
+                        </a:rPr>
+                        <a:t>797</a:t>
+                      </a:r>
+                    </a:p>
+                  </a:txBody>
+                  <a:tcPr marL="9525" marR="9525" marT="9525" marB="0" anchor="b"/>
+                </a:tc>
+                <a:extLst>
+                  <a:ext uri="{0D108BD9-81ED-4DB2-BD59-A6C34878D82A}">
+                    <a16:rowId xmlns:a16="http://schemas.microsoft.com/office/drawing/2014/main" val="2023878511"/>
+                  </a:ext>
+                </a:extLst>
+              </a:tr>
+              <a:tr h="369711">
+                <a:tc>
+                  <a:txBody>
+                    <a:bodyPr/>
+                    <a:lstStyle/>
+                    <a:p>
+                      <a:r>
+                        <a:rPr lang="en-US" dirty="0"/>
+                        <a:t>Drafter</a:t>
+                      </a:r>
+                    </a:p>
+                  </a:txBody>
+                  <a:tcPr/>
+                </a:tc>
+                <a:tc>
+                  <a:txBody>
+                    <a:bodyPr/>
+                    <a:lstStyle/>
+                    <a:p>
+                      <a:pPr algn="r" fontAlgn="b"/>
+                      <a:r>
+                        <a:rPr lang="en-US" sz="1800" b="0" i="0" u="none" strike="noStrike" dirty="0">
+                          <a:solidFill>
+                            <a:srgbClr val="000000"/>
+                          </a:solidFill>
+                          <a:effectLst/>
+                          <a:latin typeface="Calibri" panose="020F0502020204030204" pitchFamily="34" charset="0"/>
+                        </a:rPr>
+                        <a:t>302</a:t>
+                      </a:r>
+                    </a:p>
+                  </a:txBody>
+                  <a:tcPr marL="9525" marR="9525" marT="9525" marB="0" anchor="b"/>
+                </a:tc>
+                <a:tc>
+                  <a:txBody>
+                    <a:bodyPr/>
+                    <a:lstStyle/>
+                    <a:p>
+                      <a:pPr algn="r" fontAlgn="b"/>
+                      <a:r>
+                        <a:rPr lang="en-US" sz="1800" b="0" i="0" u="none" strike="noStrike">
+                          <a:solidFill>
+                            <a:srgbClr val="000000"/>
+                          </a:solidFill>
+                          <a:effectLst/>
+                          <a:latin typeface="Calibri" panose="020F0502020204030204" pitchFamily="34" charset="0"/>
+                        </a:rPr>
+                        <a:t>439</a:t>
+                      </a:r>
+                    </a:p>
+                  </a:txBody>
+                  <a:tcPr marL="9525" marR="9525" marT="9525" marB="0" anchor="b"/>
+                </a:tc>
+                <a:tc>
+                  <a:txBody>
+                    <a:bodyPr/>
+                    <a:lstStyle/>
+                    <a:p>
+                      <a:pPr algn="r" fontAlgn="b"/>
+                      <a:r>
+                        <a:rPr lang="en-US" sz="1800" b="0" i="0" u="none" strike="noStrike" dirty="0">
+                          <a:solidFill>
+                            <a:srgbClr val="000000"/>
+                          </a:solidFill>
+                          <a:effectLst/>
+                          <a:latin typeface="Calibri" panose="020F0502020204030204" pitchFamily="34" charset="0"/>
+                        </a:rPr>
+                        <a:t>606</a:t>
+                      </a:r>
+                    </a:p>
+                  </a:txBody>
+                  <a:tcPr marL="9525" marR="9525" marT="9525" marB="0" anchor="b"/>
+                </a:tc>
+                <a:tc>
+                  <a:txBody>
+                    <a:bodyPr/>
+                    <a:lstStyle/>
+                    <a:p>
+                      <a:pPr algn="r" fontAlgn="b"/>
+                      <a:r>
+                        <a:rPr lang="en-US" sz="1800" b="0" i="0" u="none" strike="noStrike" dirty="0">
+                          <a:solidFill>
+                            <a:srgbClr val="000000"/>
+                          </a:solidFill>
+                          <a:effectLst/>
+                          <a:latin typeface="Calibri" panose="020F0502020204030204" pitchFamily="34" charset="0"/>
+                        </a:rPr>
+                        <a:t>860</a:t>
+                      </a:r>
+                    </a:p>
+                  </a:txBody>
+                  <a:tcPr marL="9525" marR="9525" marT="9525" marB="0" anchor="b"/>
+                </a:tc>
+                <a:extLst>
+                  <a:ext uri="{0D108BD9-81ED-4DB2-BD59-A6C34878D82A}">
+                    <a16:rowId xmlns:a16="http://schemas.microsoft.com/office/drawing/2014/main" val="2771850426"/>
+                  </a:ext>
+                </a:extLst>
+              </a:tr>
+              <a:tr h="369711">
+                <a:tc>
+                  <a:txBody>
+                    <a:bodyPr/>
+                    <a:lstStyle/>
+                    <a:p>
+                      <a:r>
+                        <a:rPr lang="en-US" dirty="0"/>
+                        <a:t>Foreman</a:t>
+                      </a:r>
+                    </a:p>
+                  </a:txBody>
+                  <a:tcPr/>
+                </a:tc>
+                <a:tc>
+                  <a:txBody>
+                    <a:bodyPr/>
+                    <a:lstStyle/>
+                    <a:p>
+                      <a:pPr algn="r" fontAlgn="b"/>
+                      <a:r>
+                        <a:rPr lang="en-US" sz="1800" b="0" i="0" u="none" strike="noStrike" dirty="0">
+                          <a:solidFill>
+                            <a:srgbClr val="000000"/>
+                          </a:solidFill>
+                          <a:effectLst/>
+                          <a:latin typeface="Calibri" panose="020F0502020204030204" pitchFamily="34" charset="0"/>
+                        </a:rPr>
+                        <a:t>283</a:t>
+                      </a:r>
+                    </a:p>
+                  </a:txBody>
+                  <a:tcPr marL="9525" marR="9525" marT="9525" marB="0" anchor="b"/>
+                </a:tc>
+                <a:tc>
+                  <a:txBody>
+                    <a:bodyPr/>
+                    <a:lstStyle/>
+                    <a:p>
+                      <a:pPr algn="r" fontAlgn="b"/>
+                      <a:r>
+                        <a:rPr lang="en-US" sz="1800" b="0" i="0" u="none" strike="noStrike" dirty="0">
+                          <a:solidFill>
+                            <a:srgbClr val="000000"/>
+                          </a:solidFill>
+                          <a:effectLst/>
+                          <a:latin typeface="Calibri" panose="020F0502020204030204" pitchFamily="34" charset="0"/>
+                        </a:rPr>
+                        <a:t>375</a:t>
+                      </a:r>
+                    </a:p>
+                  </a:txBody>
+                  <a:tcPr marL="9525" marR="9525" marT="9525" marB="0" anchor="b"/>
+                </a:tc>
+                <a:tc>
+                  <a:txBody>
+                    <a:bodyPr/>
+                    <a:lstStyle/>
+                    <a:p>
+                      <a:pPr algn="r" fontAlgn="b"/>
+                      <a:r>
+                        <a:rPr lang="en-US" sz="1800" b="0" i="0" u="none" strike="noStrike" dirty="0">
+                          <a:solidFill>
+                            <a:srgbClr val="000000"/>
+                          </a:solidFill>
+                          <a:effectLst/>
+                          <a:latin typeface="Calibri" panose="020F0502020204030204" pitchFamily="34" charset="0"/>
+                        </a:rPr>
+                        <a:t>579</a:t>
+                      </a:r>
+                    </a:p>
+                  </a:txBody>
+                  <a:tcPr marL="9525" marR="9525" marT="9525" marB="0" anchor="b"/>
+                </a:tc>
+                <a:tc>
+                  <a:txBody>
+                    <a:bodyPr/>
+                    <a:lstStyle/>
+                    <a:p>
+                      <a:pPr algn="r" fontAlgn="b"/>
+                      <a:r>
+                        <a:rPr lang="en-US" sz="1800" b="0" i="0" u="none" strike="noStrike" dirty="0">
+                          <a:solidFill>
+                            <a:srgbClr val="000000"/>
+                          </a:solidFill>
+                          <a:effectLst/>
+                          <a:latin typeface="Calibri" panose="020F0502020204030204" pitchFamily="34" charset="0"/>
+                        </a:rPr>
+                        <a:t>783</a:t>
+                      </a:r>
+                    </a:p>
+                  </a:txBody>
+                  <a:tcPr marL="9525" marR="9525" marT="9525" marB="0" anchor="b"/>
+                </a:tc>
+                <a:extLst>
+                  <a:ext uri="{0D108BD9-81ED-4DB2-BD59-A6C34878D82A}">
+                    <a16:rowId xmlns:a16="http://schemas.microsoft.com/office/drawing/2014/main" val="1464438257"/>
+                  </a:ext>
+                </a:extLst>
+              </a:tr>
+              <a:tr h="369711">
+                <a:tc>
+                  <a:txBody>
+                    <a:bodyPr/>
+                    <a:lstStyle/>
+                    <a:p>
+                      <a:r>
+                        <a:rPr lang="en-US" dirty="0"/>
+                        <a:t>Logistics Officer</a:t>
+                      </a:r>
+                    </a:p>
+                  </a:txBody>
+                  <a:tcPr/>
+                </a:tc>
+                <a:tc>
+                  <a:txBody>
+                    <a:bodyPr/>
+                    <a:lstStyle/>
+                    <a:p>
+                      <a:pPr algn="r" fontAlgn="b"/>
+                      <a:r>
+                        <a:rPr lang="en-US" sz="1800" b="0" i="0" u="none" strike="noStrike" dirty="0">
+                          <a:solidFill>
+                            <a:srgbClr val="000000"/>
+                          </a:solidFill>
+                          <a:effectLst/>
+                          <a:latin typeface="Calibri" panose="020F0502020204030204" pitchFamily="34" charset="0"/>
+                        </a:rPr>
+                        <a:t>320</a:t>
+                      </a:r>
+                    </a:p>
+                  </a:txBody>
+                  <a:tcPr marL="9525" marR="9525" marT="9525" marB="0" anchor="b"/>
+                </a:tc>
+                <a:tc>
+                  <a:txBody>
+                    <a:bodyPr/>
+                    <a:lstStyle/>
+                    <a:p>
+                      <a:pPr algn="r" fontAlgn="b"/>
+                      <a:r>
+                        <a:rPr lang="en-US" sz="1800" b="0" i="0" u="none" strike="noStrike" dirty="0">
+                          <a:solidFill>
+                            <a:srgbClr val="000000"/>
+                          </a:solidFill>
+                          <a:effectLst/>
+                          <a:latin typeface="Calibri" panose="020F0502020204030204" pitchFamily="34" charset="0"/>
+                        </a:rPr>
+                        <a:t>389</a:t>
+                      </a:r>
+                    </a:p>
+                  </a:txBody>
+                  <a:tcPr marL="9525" marR="9525" marT="9525" marB="0" anchor="b"/>
+                </a:tc>
+                <a:tc>
+                  <a:txBody>
+                    <a:bodyPr/>
+                    <a:lstStyle/>
+                    <a:p>
+                      <a:pPr algn="r" fontAlgn="b"/>
+                      <a:r>
+                        <a:rPr lang="en-US" sz="1800" b="0" i="0" u="none" strike="noStrike" dirty="0">
+                          <a:solidFill>
+                            <a:srgbClr val="000000"/>
+                          </a:solidFill>
+                          <a:effectLst/>
+                          <a:latin typeface="Calibri" panose="020F0502020204030204" pitchFamily="34" charset="0"/>
+                        </a:rPr>
+                        <a:t>456</a:t>
+                      </a:r>
+                    </a:p>
+                  </a:txBody>
+                  <a:tcPr marL="9525" marR="9525" marT="9525" marB="0" anchor="b"/>
+                </a:tc>
+                <a:tc>
+                  <a:txBody>
+                    <a:bodyPr/>
+                    <a:lstStyle/>
+                    <a:p>
+                      <a:pPr algn="r" fontAlgn="b"/>
+                      <a:r>
+                        <a:rPr lang="en-US" sz="1800" b="0" i="0" u="none" strike="noStrike" dirty="0">
+                          <a:solidFill>
+                            <a:srgbClr val="000000"/>
+                          </a:solidFill>
+                          <a:effectLst/>
+                          <a:latin typeface="Calibri" panose="020F0502020204030204" pitchFamily="34" charset="0"/>
+                        </a:rPr>
+                        <a:t>587</a:t>
+                      </a:r>
+                    </a:p>
+                  </a:txBody>
+                  <a:tcPr marL="9525" marR="9525" marT="9525" marB="0" anchor="b"/>
+                </a:tc>
+                <a:extLst>
+                  <a:ext uri="{0D108BD9-81ED-4DB2-BD59-A6C34878D82A}">
+                    <a16:rowId xmlns:a16="http://schemas.microsoft.com/office/drawing/2014/main" val="3570486530"/>
+                  </a:ext>
+                </a:extLst>
+              </a:tr>
+            </a:tbl>
+          </a:graphicData>
+        </a:graphic>
+      </p:graphicFrame>
+    </p:spTree>
+    <p:extLst>
+      <p:ext uri="{BB962C8B-B14F-4D97-AF65-F5344CB8AC3E}">
+        <p14:creationId xmlns:p14="http://schemas.microsoft.com/office/powerpoint/2010/main" val="1993173200"/>
+      </p:ext>
+    </p:extLst>
+  </p:cSld>
+  <p:clrMapOvr>
+    <a:masterClrMapping/>
+  </p:clrMapOvr>
+</p:sld>
+</file>
+
+<file path=ppt/slides/slide21.xml><?xml version="1.0" encoding="utf-8"?>
+<p:sld xmlns:a="http://schemas.openxmlformats.org/drawingml/2006/main" xmlns:r="http://schemas.openxmlformats.org/officeDocument/2006/relationships" xmlns:p="http://schemas.openxmlformats.org/presentationml/2006/main">
+  <p:cSld>
+    <p:spTree>
+      <p:nvGrpSpPr>
+        <p:cNvPr id="1" name=""/>
+        <p:cNvGrpSpPr/>
+        <p:nvPr/>
+      </p:nvGrpSpPr>
+      <p:grpSpPr>
+        <a:xfrm>
+          <a:off x="0" y="0"/>
+          <a:ext cx="0" cy="0"/>
+          <a:chOff x="0" y="0"/>
+          <a:chExt cx="0" cy="0"/>
+        </a:xfrm>
+      </p:grpSpPr>
+      <p:sp>
+        <p:nvSpPr>
+          <p:cNvPr id="4" name="Rectangle 3">
+            <a:extLst>
+              <a:ext uri="{FF2B5EF4-FFF2-40B4-BE49-F238E27FC236}">
+                <a16:creationId xmlns:a16="http://schemas.microsoft.com/office/drawing/2014/main" id="{6E167D15-556D-4BCA-B6BE-DE301969366E}"/>
+              </a:ext>
+            </a:extLst>
+          </p:cNvPr>
+          <p:cNvSpPr/>
+          <p:nvPr/>
+        </p:nvSpPr>
+        <p:spPr>
+          <a:xfrm>
+            <a:off x="928468" y="0"/>
+            <a:ext cx="10100603" cy="886264"/>
+          </a:xfrm>
+          <a:prstGeom prst="rect">
+            <a:avLst/>
+          </a:prstGeom>
+        </p:spPr>
+        <p:style>
+          <a:lnRef idx="2">
+            <a:schemeClr val="accent1">
+              <a:shade val="50000"/>
+            </a:schemeClr>
+          </a:lnRef>
+          <a:fillRef idx="1">
+            <a:schemeClr val="accent1"/>
+          </a:fillRef>
+          <a:effectRef idx="0">
+            <a:schemeClr val="accent1"/>
+          </a:effectRef>
+          <a:fontRef idx="minor">
+            <a:schemeClr val="lt1"/>
+          </a:fontRef>
+        </p:style>
+        <p:txBody>
+          <a:bodyPr rtlCol="0" anchor="ctr"/>
+          <a:lstStyle/>
+          <a:p>
+            <a:pPr algn="ctr"/>
+            <a:endParaRPr lang="en-US"/>
+          </a:p>
+        </p:txBody>
+      </p:sp>
+      <p:sp>
+        <p:nvSpPr>
+          <p:cNvPr id="5" name="TextBox 4">
+            <a:extLst>
+              <a:ext uri="{FF2B5EF4-FFF2-40B4-BE49-F238E27FC236}">
+                <a16:creationId xmlns:a16="http://schemas.microsoft.com/office/drawing/2014/main" id="{A895F123-133F-4E0B-A890-87A48E29C7ED}"/>
+              </a:ext>
+            </a:extLst>
+          </p:cNvPr>
+          <p:cNvSpPr txBox="1"/>
+          <p:nvPr/>
+        </p:nvSpPr>
+        <p:spPr>
+          <a:xfrm>
             <a:off x="4908257" y="58411"/>
             <a:ext cx="2882520" cy="769441"/>
           </a:xfrm>
@@ -22588,7 +23657,7 @@
 </p:sld>
 </file>
 
-<file path=ppt/slides/slide21.xml><?xml version="1.0" encoding="utf-8"?>
+<file path=ppt/slides/slide22.xml><?xml version="1.0" encoding="utf-8"?>
 <p:sld xmlns:a="http://schemas.openxmlformats.org/drawingml/2006/main" xmlns:r="http://schemas.openxmlformats.org/officeDocument/2006/relationships" xmlns:p="http://schemas.openxmlformats.org/presentationml/2006/main">
   <p:cSld>
     <p:spTree>
@@ -22736,7 +23805,7 @@
 </p:sld>
 </file>
 
-<file path=ppt/slides/slide22.xml><?xml version="1.0" encoding="utf-8"?>
+<file path=ppt/slides/slide23.xml><?xml version="1.0" encoding="utf-8"?>
 <p:sld xmlns:a="http://schemas.openxmlformats.org/drawingml/2006/main" xmlns:r="http://schemas.openxmlformats.org/officeDocument/2006/relationships" xmlns:p="http://schemas.openxmlformats.org/presentationml/2006/main">
   <p:cSld>
     <p:spTree>
@@ -22884,7 +23953,7 @@
 </p:sld>
 </file>
 
-<file path=ppt/slides/slide23.xml><?xml version="1.0" encoding="utf-8"?>
+<file path=ppt/slides/slide24.xml><?xml version="1.0" encoding="utf-8"?>
 <p:sld xmlns:a="http://schemas.openxmlformats.org/drawingml/2006/main" xmlns:r="http://schemas.openxmlformats.org/officeDocument/2006/relationships" xmlns:p="http://schemas.openxmlformats.org/presentationml/2006/main">
   <p:cSld>
     <p:spTree>
@@ -23033,6 +24102,210 @@
 </file>
 
 <file path=ppt/slides/slide3.xml><?xml version="1.0" encoding="utf-8"?>
+<p:sld xmlns:a="http://schemas.openxmlformats.org/drawingml/2006/main" xmlns:r="http://schemas.openxmlformats.org/officeDocument/2006/relationships" xmlns:p="http://schemas.openxmlformats.org/presentationml/2006/main">
+  <p:cSld>
+    <p:spTree>
+      <p:nvGrpSpPr>
+        <p:cNvPr id="1" name=""/>
+        <p:cNvGrpSpPr/>
+        <p:nvPr/>
+      </p:nvGrpSpPr>
+      <p:grpSpPr>
+        <a:xfrm>
+          <a:off x="0" y="0"/>
+          <a:ext cx="0" cy="0"/>
+          <a:chOff x="0" y="0"/>
+          <a:chExt cx="0" cy="0"/>
+        </a:xfrm>
+      </p:grpSpPr>
+      <p:sp>
+        <p:nvSpPr>
+          <p:cNvPr id="4" name="Rectangle 3">
+            <a:extLst>
+              <a:ext uri="{FF2B5EF4-FFF2-40B4-BE49-F238E27FC236}">
+                <a16:creationId xmlns:a16="http://schemas.microsoft.com/office/drawing/2014/main" id="{E03E359A-C884-4B7E-9F35-08ABC7418B75}"/>
+              </a:ext>
+            </a:extLst>
+          </p:cNvPr>
+          <p:cNvSpPr/>
+          <p:nvPr/>
+        </p:nvSpPr>
+        <p:spPr>
+          <a:xfrm>
+            <a:off x="928468" y="0"/>
+            <a:ext cx="10100603" cy="886264"/>
+          </a:xfrm>
+          <a:prstGeom prst="rect">
+            <a:avLst/>
+          </a:prstGeom>
+        </p:spPr>
+        <p:style>
+          <a:lnRef idx="2">
+            <a:schemeClr val="accent1">
+              <a:shade val="50000"/>
+            </a:schemeClr>
+          </a:lnRef>
+          <a:fillRef idx="1">
+            <a:schemeClr val="accent1"/>
+          </a:fillRef>
+          <a:effectRef idx="0">
+            <a:schemeClr val="accent1"/>
+          </a:effectRef>
+          <a:fontRef idx="minor">
+            <a:schemeClr val="lt1"/>
+          </a:fontRef>
+        </p:style>
+        <p:txBody>
+          <a:bodyPr rtlCol="0" anchor="ctr"/>
+          <a:lstStyle/>
+          <a:p>
+            <a:pPr algn="ctr"/>
+            <a:endParaRPr lang="en-US"/>
+          </a:p>
+        </p:txBody>
+      </p:sp>
+      <p:sp>
+        <p:nvSpPr>
+          <p:cNvPr id="5" name="TextBox 4">
+            <a:extLst>
+              <a:ext uri="{FF2B5EF4-FFF2-40B4-BE49-F238E27FC236}">
+                <a16:creationId xmlns:a16="http://schemas.microsoft.com/office/drawing/2014/main" id="{22CE48CC-53EB-4572-AB14-DCF599875626}"/>
+              </a:ext>
+            </a:extLst>
+          </p:cNvPr>
+          <p:cNvSpPr txBox="1"/>
+          <p:nvPr/>
+        </p:nvSpPr>
+        <p:spPr>
+          <a:xfrm>
+            <a:off x="4267513" y="58411"/>
+            <a:ext cx="3595856" cy="769441"/>
+          </a:xfrm>
+          <a:prstGeom prst="rect">
+            <a:avLst/>
+          </a:prstGeom>
+          <a:noFill/>
+        </p:spPr>
+        <p:txBody>
+          <a:bodyPr wrap="none" rtlCol="0">
+            <a:spAutoFit/>
+          </a:bodyPr>
+          <a:lstStyle/>
+          <a:p>
+            <a:r>
+              <a:rPr lang="en-US" sz="4400" b="1" dirty="0">
+                <a:solidFill>
+                  <a:schemeClr val="bg1"/>
+                </a:solidFill>
+                <a:latin typeface="Roboto" panose="02000000000000000000" pitchFamily="2" charset="0"/>
+                <a:ea typeface="Roboto" panose="02000000000000000000" pitchFamily="2" charset="0"/>
+              </a:rPr>
+              <a:t>CEO’s Speech</a:t>
+            </a:r>
+          </a:p>
+        </p:txBody>
+      </p:sp>
+      <p:sp>
+        <p:nvSpPr>
+          <p:cNvPr id="6" name="Rectangle 5">
+            <a:extLst>
+              <a:ext uri="{FF2B5EF4-FFF2-40B4-BE49-F238E27FC236}">
+                <a16:creationId xmlns:a16="http://schemas.microsoft.com/office/drawing/2014/main" id="{50AB0D83-5B4B-4BF5-B3AB-38DC708DA363}"/>
+              </a:ext>
+            </a:extLst>
+          </p:cNvPr>
+          <p:cNvSpPr/>
+          <p:nvPr/>
+        </p:nvSpPr>
+        <p:spPr>
+          <a:xfrm>
+            <a:off x="1094936" y="2019679"/>
+            <a:ext cx="10002128" cy="2451953"/>
+          </a:xfrm>
+          <a:prstGeom prst="rect">
+            <a:avLst/>
+          </a:prstGeom>
+        </p:spPr>
+        <p:txBody>
+          <a:bodyPr wrap="square">
+            <a:spAutoFit/>
+          </a:bodyPr>
+          <a:lstStyle/>
+          <a:p>
+            <a:pPr>
+              <a:spcAft>
+                <a:spcPts val="800"/>
+              </a:spcAft>
+            </a:pPr>
+            <a:r>
+              <a:rPr lang="en-US" sz="2000" dirty="0">
+                <a:solidFill>
+                  <a:srgbClr val="222222"/>
+                </a:solidFill>
+                <a:latin typeface="Roboto" panose="02000000000000000000" pitchFamily="2" charset="0"/>
+                <a:ea typeface="Roboto" panose="02000000000000000000" pitchFamily="2" charset="0"/>
+              </a:rPr>
+              <a:t>“ We, 108-1009 Group Co. Ltd (108Jobs), are conducting an annual salary study to make a report based on the collection of the basic information about Hiring, Compensation, Benefit and required skills for various positions in different industries.</a:t>
+            </a:r>
+          </a:p>
+          <a:p>
+            <a:pPr>
+              <a:spcAft>
+                <a:spcPts val="800"/>
+              </a:spcAft>
+            </a:pPr>
+            <a:r>
+              <a:rPr lang="en-US" sz="2000" dirty="0">
+                <a:solidFill>
+                  <a:srgbClr val="222222"/>
+                </a:solidFill>
+                <a:latin typeface="Roboto" panose="02000000000000000000" pitchFamily="2" charset="0"/>
+                <a:ea typeface="Roboto" panose="02000000000000000000" pitchFamily="2" charset="0"/>
+              </a:rPr>
+              <a:t>Your participation in this study will be completely anonymous. All of your information will be kept confidentially and will be reported only in aggregated form.</a:t>
+            </a:r>
+          </a:p>
+          <a:p>
+            <a:pPr>
+              <a:spcAft>
+                <a:spcPts val="800"/>
+              </a:spcAft>
+            </a:pPr>
+            <a:r>
+              <a:rPr lang="en-US" sz="2000" dirty="0">
+                <a:solidFill>
+                  <a:srgbClr val="222222"/>
+                </a:solidFill>
+                <a:latin typeface="Roboto" panose="02000000000000000000" pitchFamily="2" charset="0"/>
+                <a:ea typeface="Roboto" panose="02000000000000000000" pitchFamily="2" charset="0"/>
+              </a:rPr>
+              <a:t>In return, the result or the full final report of this study will be given to those who take part in this study ”</a:t>
+            </a:r>
+            <a:endParaRPr lang="en-US" sz="2000" b="0" i="0" dirty="0">
+              <a:solidFill>
+                <a:srgbClr val="222222"/>
+              </a:solidFill>
+              <a:effectLst/>
+              <a:latin typeface="Roboto" panose="02000000000000000000" pitchFamily="2" charset="0"/>
+              <a:ea typeface="Roboto" panose="02000000000000000000" pitchFamily="2" charset="0"/>
+            </a:endParaRPr>
+          </a:p>
+        </p:txBody>
+      </p:sp>
+    </p:spTree>
+    <p:extLst>
+      <p:ext uri="{BB962C8B-B14F-4D97-AF65-F5344CB8AC3E}">
+        <p14:creationId xmlns:p14="http://schemas.microsoft.com/office/powerpoint/2010/main" val="1006079358"/>
+      </p:ext>
+    </p:extLst>
+  </p:cSld>
+  <p:clrMapOvr>
+    <a:masterClrMapping/>
+  </p:clrMapOvr>
+</p:sld>
+</file>
+
+<file path=ppt/slides/slide4.xml><?xml version="1.0" encoding="utf-8"?>
 <p:sld xmlns:a="http://schemas.openxmlformats.org/drawingml/2006/main" xmlns:r="http://schemas.openxmlformats.org/officeDocument/2006/relationships" xmlns:p="http://schemas.openxmlformats.org/presentationml/2006/main">
   <p:cSld>
     <p:spTree>
@@ -23363,7 +24636,7 @@
 </p:sld>
 </file>
 
-<file path=ppt/slides/slide4.xml><?xml version="1.0" encoding="utf-8"?>
+<file path=ppt/slides/slide5.xml><?xml version="1.0" encoding="utf-8"?>
 <p:sld xmlns:a="http://schemas.openxmlformats.org/drawingml/2006/main" xmlns:r="http://schemas.openxmlformats.org/officeDocument/2006/relationships" xmlns:p="http://schemas.openxmlformats.org/presentationml/2006/main">
   <p:cSld>
     <p:spTree>
@@ -23664,7 +24937,7 @@
                 <a:latin typeface="Roboto" panose="02000000000000000000" pitchFamily="2" charset="0"/>
                 <a:ea typeface="Roboto" panose="02000000000000000000" pitchFamily="2" charset="0"/>
               </a:rPr>
-              <a:t>The respondents were ask to fill out the forms with basic monthly salary of each job position, hiring plan and skillset they want from employee.</a:t>
+              <a:t>The respondents were asked to fill out the forms with basic monthly salary of each job position, hiring plan and skillset they want from employee.</a:t>
             </a:r>
           </a:p>
           <a:p>
@@ -23700,7 +24973,7 @@
 </p:sld>
 </file>
 
-<file path=ppt/slides/slide5.xml><?xml version="1.0" encoding="utf-8"?>
+<file path=ppt/slides/slide6.xml><?xml version="1.0" encoding="utf-8"?>
 <p:sld xmlns:a="http://schemas.openxmlformats.org/drawingml/2006/main" xmlns:r="http://schemas.openxmlformats.org/officeDocument/2006/relationships" xmlns:p="http://schemas.openxmlformats.org/presentationml/2006/main">
   <p:cSld>
     <p:spTree>
@@ -23952,7 +25225,7 @@
 </p:sld>
 </file>
 
-<file path=ppt/slides/slide6.xml><?xml version="1.0" encoding="utf-8"?>
+<file path=ppt/slides/slide7.xml><?xml version="1.0" encoding="utf-8"?>
 <p:sld xmlns:a="http://schemas.openxmlformats.org/drawingml/2006/main" xmlns:r="http://schemas.openxmlformats.org/officeDocument/2006/relationships" xmlns:p="http://schemas.openxmlformats.org/presentationml/2006/main">
   <p:cSld>
     <p:spTree>
@@ -25016,7 +26289,7 @@
 </p:sld>
 </file>
 
-<file path=ppt/slides/slide7.xml><?xml version="1.0" encoding="utf-8"?>
+<file path=ppt/slides/slide8.xml><?xml version="1.0" encoding="utf-8"?>
 <p:sld xmlns:a="http://schemas.openxmlformats.org/drawingml/2006/main" xmlns:r="http://schemas.openxmlformats.org/officeDocument/2006/relationships" xmlns:p="http://schemas.openxmlformats.org/presentationml/2006/main">
   <p:cSld>
     <p:spTree>
@@ -26076,7 +27349,7 @@
 </p:sld>
 </file>
 
-<file path=ppt/slides/slide8.xml><?xml version="1.0" encoding="utf-8"?>
+<file path=ppt/slides/slide9.xml><?xml version="1.0" encoding="utf-8"?>
 <p:sld xmlns:a="http://schemas.openxmlformats.org/drawingml/2006/main" xmlns:r="http://schemas.openxmlformats.org/officeDocument/2006/relationships" xmlns:p="http://schemas.openxmlformats.org/presentationml/2006/main">
   <p:cSld>
     <p:spTree>
@@ -27227,1166 +28500,6 @@
     <p:extLst>
       <p:ext uri="{BB962C8B-B14F-4D97-AF65-F5344CB8AC3E}">
         <p14:creationId xmlns:p14="http://schemas.microsoft.com/office/powerpoint/2010/main" val="3905992212"/>
-      </p:ext>
-    </p:extLst>
-  </p:cSld>
-  <p:clrMapOvr>
-    <a:masterClrMapping/>
-  </p:clrMapOvr>
-</p:sld>
-</file>
-
-<file path=ppt/slides/slide9.xml><?xml version="1.0" encoding="utf-8"?>
-<p:sld xmlns:a="http://schemas.openxmlformats.org/drawingml/2006/main" xmlns:r="http://schemas.openxmlformats.org/officeDocument/2006/relationships" xmlns:p="http://schemas.openxmlformats.org/presentationml/2006/main">
-  <p:cSld>
-    <p:spTree>
-      <p:nvGrpSpPr>
-        <p:cNvPr id="1" name=""/>
-        <p:cNvGrpSpPr/>
-        <p:nvPr/>
-      </p:nvGrpSpPr>
-      <p:grpSpPr>
-        <a:xfrm>
-          <a:off x="0" y="0"/>
-          <a:ext cx="0" cy="0"/>
-          <a:chOff x="0" y="0"/>
-          <a:chExt cx="0" cy="0"/>
-        </a:xfrm>
-      </p:grpSpPr>
-      <p:sp>
-        <p:nvSpPr>
-          <p:cNvPr id="4" name="Rectangle 3">
-            <a:extLst>
-              <a:ext uri="{FF2B5EF4-FFF2-40B4-BE49-F238E27FC236}">
-                <a16:creationId xmlns:a16="http://schemas.microsoft.com/office/drawing/2014/main" id="{6E167D15-556D-4BCA-B6BE-DE301969366E}"/>
-              </a:ext>
-            </a:extLst>
-          </p:cNvPr>
-          <p:cNvSpPr/>
-          <p:nvPr/>
-        </p:nvSpPr>
-        <p:spPr>
-          <a:xfrm>
-            <a:off x="928468" y="0"/>
-            <a:ext cx="10100603" cy="886264"/>
-          </a:xfrm>
-          <a:prstGeom prst="rect">
-            <a:avLst/>
-          </a:prstGeom>
-        </p:spPr>
-        <p:style>
-          <a:lnRef idx="2">
-            <a:schemeClr val="accent1">
-              <a:shade val="50000"/>
-            </a:schemeClr>
-          </a:lnRef>
-          <a:fillRef idx="1">
-            <a:schemeClr val="accent1"/>
-          </a:fillRef>
-          <a:effectRef idx="0">
-            <a:schemeClr val="accent1"/>
-          </a:effectRef>
-          <a:fontRef idx="minor">
-            <a:schemeClr val="lt1"/>
-          </a:fontRef>
-        </p:style>
-        <p:txBody>
-          <a:bodyPr rtlCol="0" anchor="ctr"/>
-          <a:lstStyle/>
-          <a:p>
-            <a:pPr algn="ctr"/>
-            <a:endParaRPr lang="en-US"/>
-          </a:p>
-        </p:txBody>
-      </p:sp>
-      <p:sp>
-        <p:nvSpPr>
-          <p:cNvPr id="5" name="TextBox 4">
-            <a:extLst>
-              <a:ext uri="{FF2B5EF4-FFF2-40B4-BE49-F238E27FC236}">
-                <a16:creationId xmlns:a16="http://schemas.microsoft.com/office/drawing/2014/main" id="{A895F123-133F-4E0B-A890-87A48E29C7ED}"/>
-              </a:ext>
-            </a:extLst>
-          </p:cNvPr>
-          <p:cNvSpPr txBox="1"/>
-          <p:nvPr/>
-        </p:nvSpPr>
-        <p:spPr>
-          <a:xfrm>
-            <a:off x="3168567" y="60552"/>
-            <a:ext cx="6203942" cy="769441"/>
-          </a:xfrm>
-          <a:prstGeom prst="rect">
-            <a:avLst/>
-          </a:prstGeom>
-          <a:noFill/>
-        </p:spPr>
-        <p:txBody>
-          <a:bodyPr wrap="none" rtlCol="0">
-            <a:spAutoFit/>
-          </a:bodyPr>
-          <a:lstStyle/>
-          <a:p>
-            <a:r>
-              <a:rPr lang="en-US" sz="4400" b="1" dirty="0">
-                <a:solidFill>
-                  <a:schemeClr val="bg1"/>
-                </a:solidFill>
-                <a:latin typeface="Roboto" panose="02000000000000000000" pitchFamily="2" charset="0"/>
-                <a:ea typeface="Roboto" panose="02000000000000000000" pitchFamily="2" charset="0"/>
-              </a:rPr>
-              <a:t>Hydro-power and Mining</a:t>
-            </a:r>
-          </a:p>
-        </p:txBody>
-      </p:sp>
-      <p:graphicFrame>
-        <p:nvGraphicFramePr>
-          <p:cNvPr id="6" name="Table 5">
-            <a:extLst>
-              <a:ext uri="{FF2B5EF4-FFF2-40B4-BE49-F238E27FC236}">
-                <a16:creationId xmlns:a16="http://schemas.microsoft.com/office/drawing/2014/main" id="{54EFA07A-658C-4CCF-B537-98AA5AF05EE1}"/>
-              </a:ext>
-            </a:extLst>
-          </p:cNvPr>
-          <p:cNvGraphicFramePr>
-            <a:graphicFrameLocks noGrp="1"/>
-          </p:cNvGraphicFramePr>
-          <p:nvPr>
-            <p:extLst>
-              <p:ext uri="{D42A27DB-BD31-4B8C-83A1-F6EECF244321}">
-                <p14:modId xmlns:p14="http://schemas.microsoft.com/office/powerpoint/2010/main" val="407192224"/>
-              </p:ext>
-            </p:extLst>
-          </p:nvPr>
-        </p:nvGraphicFramePr>
-        <p:xfrm>
-          <a:off x="928468" y="1662201"/>
-          <a:ext cx="10142807" cy="3967479"/>
-        </p:xfrm>
-        <a:graphic>
-          <a:graphicData uri="http://schemas.openxmlformats.org/drawingml/2006/table">
-            <a:tbl>
-              <a:tblPr firstRow="1" bandRow="1">
-                <a:tableStyleId>{5C22544A-7EE6-4342-B048-85BDC9FD1C3A}</a:tableStyleId>
-              </a:tblPr>
-              <a:tblGrid>
-                <a:gridCol w="2236763">
-                  <a:extLst>
-                    <a:ext uri="{9D8B030D-6E8A-4147-A177-3AD203B41FA5}">
-                      <a16:colId xmlns:a16="http://schemas.microsoft.com/office/drawing/2014/main" val="2497592185"/>
-                    </a:ext>
-                  </a:extLst>
-                </a:gridCol>
-                <a:gridCol w="1793053">
-                  <a:extLst>
-                    <a:ext uri="{9D8B030D-6E8A-4147-A177-3AD203B41FA5}">
-                      <a16:colId xmlns:a16="http://schemas.microsoft.com/office/drawing/2014/main" val="2784781616"/>
-                    </a:ext>
-                  </a:extLst>
-                </a:gridCol>
-                <a:gridCol w="1921279">
-                  <a:extLst>
-                    <a:ext uri="{9D8B030D-6E8A-4147-A177-3AD203B41FA5}">
-                      <a16:colId xmlns:a16="http://schemas.microsoft.com/office/drawing/2014/main" val="1258935152"/>
-                    </a:ext>
-                  </a:extLst>
-                </a:gridCol>
-                <a:gridCol w="2011219">
-                  <a:extLst>
-                    <a:ext uri="{9D8B030D-6E8A-4147-A177-3AD203B41FA5}">
-                      <a16:colId xmlns:a16="http://schemas.microsoft.com/office/drawing/2014/main" val="3251926524"/>
-                    </a:ext>
-                  </a:extLst>
-                </a:gridCol>
-                <a:gridCol w="2180493">
-                  <a:extLst>
-                    <a:ext uri="{9D8B030D-6E8A-4147-A177-3AD203B41FA5}">
-                      <a16:colId xmlns:a16="http://schemas.microsoft.com/office/drawing/2014/main" val="3188416064"/>
-                    </a:ext>
-                  </a:extLst>
-                </a:gridCol>
-              </a:tblGrid>
-              <a:tr h="369711">
-                <a:tc>
-                  <a:txBody>
-                    <a:bodyPr/>
-                    <a:lstStyle/>
-                    <a:p>
-                      <a:r>
-                        <a:rPr lang="en-US" dirty="0"/>
-                        <a:t>Job Positions</a:t>
-                      </a:r>
-                    </a:p>
-                  </a:txBody>
-                  <a:tcPr/>
-                </a:tc>
-                <a:tc>
-                  <a:txBody>
-                    <a:bodyPr/>
-                    <a:lstStyle/>
-                    <a:p>
-                      <a:r>
-                        <a:rPr lang="en-US" dirty="0"/>
-                        <a:t>New Graduate</a:t>
-                      </a:r>
-                    </a:p>
-                  </a:txBody>
-                  <a:tcPr/>
-                </a:tc>
-                <a:tc>
-                  <a:txBody>
-                    <a:bodyPr/>
-                    <a:lstStyle/>
-                    <a:p>
-                      <a:r>
-                        <a:rPr lang="en-US" dirty="0"/>
-                        <a:t>Exp. 1-3 years</a:t>
-                      </a:r>
-                    </a:p>
-                  </a:txBody>
-                  <a:tcPr/>
-                </a:tc>
-                <a:tc>
-                  <a:txBody>
-                    <a:bodyPr/>
-                    <a:lstStyle/>
-                    <a:p>
-                      <a:r>
-                        <a:rPr lang="en-US" dirty="0"/>
-                        <a:t>Exp. 4-6 years</a:t>
-                      </a:r>
-                    </a:p>
-                  </a:txBody>
-                  <a:tcPr/>
-                </a:tc>
-                <a:tc>
-                  <a:txBody>
-                    <a:bodyPr/>
-                    <a:lstStyle/>
-                    <a:p>
-                      <a:r>
-                        <a:rPr lang="en-US" dirty="0"/>
-                        <a:t>Exp. 7 years and up</a:t>
-                      </a:r>
-                    </a:p>
-                  </a:txBody>
-                  <a:tcPr/>
-                </a:tc>
-                <a:extLst>
-                  <a:ext uri="{0D108BD9-81ED-4DB2-BD59-A6C34878D82A}">
-                    <a16:rowId xmlns:a16="http://schemas.microsoft.com/office/drawing/2014/main" val="3617081155"/>
-                  </a:ext>
-                </a:extLst>
-              </a:tr>
-              <a:tr h="369711">
-                <a:tc>
-                  <a:txBody>
-                    <a:bodyPr/>
-                    <a:lstStyle/>
-                    <a:p>
-                      <a:r>
-                        <a:rPr lang="en-US" dirty="0"/>
-                        <a:t>Project manager</a:t>
-                      </a:r>
-                    </a:p>
-                  </a:txBody>
-                  <a:tcPr/>
-                </a:tc>
-                <a:tc>
-                  <a:txBody>
-                    <a:bodyPr/>
-                    <a:lstStyle/>
-                    <a:p>
-                      <a:pPr algn="ctr" fontAlgn="b"/>
-                      <a:r>
-                        <a:rPr lang="en-US" sz="1800" b="0" i="0" u="none" strike="noStrike" dirty="0">
-                          <a:solidFill>
-                            <a:srgbClr val="000000"/>
-                          </a:solidFill>
-                          <a:effectLst/>
-                          <a:latin typeface="Arial" panose="020B0604020202020204" pitchFamily="34" charset="0"/>
-                        </a:rPr>
-                        <a:t>572</a:t>
-                      </a:r>
-                    </a:p>
-                  </a:txBody>
-                  <a:tcPr marL="9525" marR="9525" marT="9525" marB="0" anchor="b"/>
-                </a:tc>
-                <a:tc>
-                  <a:txBody>
-                    <a:bodyPr/>
-                    <a:lstStyle/>
-                    <a:p>
-                      <a:pPr algn="ctr" fontAlgn="b"/>
-                      <a:r>
-                        <a:rPr lang="en-US" sz="1800" b="0" i="0" u="none" strike="noStrike" dirty="0">
-                          <a:solidFill>
-                            <a:srgbClr val="000000"/>
-                          </a:solidFill>
-                          <a:effectLst/>
-                          <a:latin typeface="Arial" panose="020B0604020202020204" pitchFamily="34" charset="0"/>
-                        </a:rPr>
-                        <a:t>757</a:t>
-                      </a:r>
-                    </a:p>
-                  </a:txBody>
-                  <a:tcPr marL="9525" marR="9525" marT="9525" marB="0" anchor="b"/>
-                </a:tc>
-                <a:tc>
-                  <a:txBody>
-                    <a:bodyPr/>
-                    <a:lstStyle/>
-                    <a:p>
-                      <a:pPr algn="ctr" fontAlgn="b"/>
-                      <a:r>
-                        <a:rPr lang="en-US" sz="1800" b="0" i="0" u="none" strike="noStrike" dirty="0">
-                          <a:solidFill>
-                            <a:srgbClr val="000000"/>
-                          </a:solidFill>
-                          <a:effectLst/>
-                          <a:latin typeface="Arial" panose="020B0604020202020204" pitchFamily="34" charset="0"/>
-                        </a:rPr>
-                        <a:t>728</a:t>
-                      </a:r>
-                    </a:p>
-                  </a:txBody>
-                  <a:tcPr marL="9525" marR="9525" marT="9525" marB="0" anchor="b"/>
-                </a:tc>
-                <a:tc>
-                  <a:txBody>
-                    <a:bodyPr/>
-                    <a:lstStyle/>
-                    <a:p>
-                      <a:pPr algn="ctr" fontAlgn="b"/>
-                      <a:r>
-                        <a:rPr lang="en-US" sz="1800" b="0" i="0" u="none" strike="noStrike" dirty="0">
-                          <a:solidFill>
-                            <a:srgbClr val="000000"/>
-                          </a:solidFill>
-                          <a:effectLst/>
-                          <a:latin typeface="Arial" panose="020B0604020202020204" pitchFamily="34" charset="0"/>
-                        </a:rPr>
-                        <a:t>994</a:t>
-                      </a:r>
-                    </a:p>
-                  </a:txBody>
-                  <a:tcPr marL="9525" marR="9525" marT="9525" marB="0" anchor="b"/>
-                </a:tc>
-                <a:extLst>
-                  <a:ext uri="{0D108BD9-81ED-4DB2-BD59-A6C34878D82A}">
-                    <a16:rowId xmlns:a16="http://schemas.microsoft.com/office/drawing/2014/main" val="1061743433"/>
-                  </a:ext>
-                </a:extLst>
-              </a:tr>
-              <a:tr h="369711">
-                <a:tc>
-                  <a:txBody>
-                    <a:bodyPr/>
-                    <a:lstStyle/>
-                    <a:p>
-                      <a:r>
-                        <a:rPr lang="en-US" dirty="0"/>
-                        <a:t>Safety Officer</a:t>
-                      </a:r>
-                    </a:p>
-                  </a:txBody>
-                  <a:tcPr/>
-                </a:tc>
-                <a:tc>
-                  <a:txBody>
-                    <a:bodyPr/>
-                    <a:lstStyle/>
-                    <a:p>
-                      <a:pPr algn="ctr" fontAlgn="b"/>
-                      <a:r>
-                        <a:rPr lang="en-US" sz="1800" b="0" i="0" u="none" strike="noStrike" dirty="0">
-                          <a:solidFill>
-                            <a:srgbClr val="000000"/>
-                          </a:solidFill>
-                          <a:effectLst/>
-                          <a:latin typeface="Arial" panose="020B0604020202020204" pitchFamily="34" charset="0"/>
-                        </a:rPr>
-                        <a:t>247</a:t>
-                      </a:r>
-                    </a:p>
-                  </a:txBody>
-                  <a:tcPr marL="9525" marR="9525" marT="9525" marB="0" anchor="b"/>
-                </a:tc>
-                <a:tc>
-                  <a:txBody>
-                    <a:bodyPr/>
-                    <a:lstStyle/>
-                    <a:p>
-                      <a:pPr algn="ctr" fontAlgn="b"/>
-                      <a:r>
-                        <a:rPr lang="en-US" sz="1800" b="0" i="0" u="none" strike="noStrike" dirty="0">
-                          <a:solidFill>
-                            <a:srgbClr val="000000"/>
-                          </a:solidFill>
-                          <a:effectLst/>
-                          <a:latin typeface="Arial" panose="020B0604020202020204" pitchFamily="34" charset="0"/>
-                        </a:rPr>
-                        <a:t>332</a:t>
-                      </a:r>
-                    </a:p>
-                  </a:txBody>
-                  <a:tcPr marL="9525" marR="9525" marT="9525" marB="0" anchor="b"/>
-                </a:tc>
-                <a:tc>
-                  <a:txBody>
-                    <a:bodyPr/>
-                    <a:lstStyle/>
-                    <a:p>
-                      <a:pPr algn="ctr" fontAlgn="b"/>
-                      <a:r>
-                        <a:rPr lang="en-US" sz="1800" b="0" i="0" u="none" strike="noStrike" dirty="0">
-                          <a:solidFill>
-                            <a:srgbClr val="000000"/>
-                          </a:solidFill>
-                          <a:effectLst/>
-                          <a:latin typeface="Arial" panose="020B0604020202020204" pitchFamily="34" charset="0"/>
-                        </a:rPr>
-                        <a:t>442</a:t>
-                      </a:r>
-                    </a:p>
-                  </a:txBody>
-                  <a:tcPr marL="9525" marR="9525" marT="9525" marB="0" anchor="b"/>
-                </a:tc>
-                <a:tc>
-                  <a:txBody>
-                    <a:bodyPr/>
-                    <a:lstStyle/>
-                    <a:p>
-                      <a:pPr algn="ctr" fontAlgn="b"/>
-                      <a:r>
-                        <a:rPr lang="en-US" sz="1800" b="0" i="0" u="none" strike="noStrike" dirty="0">
-                          <a:solidFill>
-                            <a:srgbClr val="000000"/>
-                          </a:solidFill>
-                          <a:effectLst/>
-                          <a:latin typeface="Arial" panose="020B0604020202020204" pitchFamily="34" charset="0"/>
-                        </a:rPr>
-                        <a:t>541</a:t>
-                      </a:r>
-                    </a:p>
-                  </a:txBody>
-                  <a:tcPr marL="9525" marR="9525" marT="9525" marB="0" anchor="b"/>
-                </a:tc>
-                <a:extLst>
-                  <a:ext uri="{0D108BD9-81ED-4DB2-BD59-A6C34878D82A}">
-                    <a16:rowId xmlns:a16="http://schemas.microsoft.com/office/drawing/2014/main" val="1149758969"/>
-                  </a:ext>
-                </a:extLst>
-              </a:tr>
-              <a:tr h="369711">
-                <a:tc>
-                  <a:txBody>
-                    <a:bodyPr/>
-                    <a:lstStyle/>
-                    <a:p>
-                      <a:r>
-                        <a:rPr lang="en-US" dirty="0"/>
-                        <a:t>Mining Engineer</a:t>
-                      </a:r>
-                    </a:p>
-                  </a:txBody>
-                  <a:tcPr/>
-                </a:tc>
-                <a:tc>
-                  <a:txBody>
-                    <a:bodyPr/>
-                    <a:lstStyle/>
-                    <a:p>
-                      <a:pPr algn="ctr" fontAlgn="b"/>
-                      <a:r>
-                        <a:rPr lang="en-US" sz="1800" b="0" i="0" u="none" strike="noStrike" dirty="0">
-                          <a:solidFill>
-                            <a:srgbClr val="000000"/>
-                          </a:solidFill>
-                          <a:effectLst/>
-                          <a:latin typeface="Arial" panose="020B0604020202020204" pitchFamily="34" charset="0"/>
-                        </a:rPr>
-                        <a:t>386</a:t>
-                      </a:r>
-                    </a:p>
-                  </a:txBody>
-                  <a:tcPr marL="9525" marR="9525" marT="9525" marB="0" anchor="b"/>
-                </a:tc>
-                <a:tc>
-                  <a:txBody>
-                    <a:bodyPr/>
-                    <a:lstStyle/>
-                    <a:p>
-                      <a:pPr algn="ctr" fontAlgn="b"/>
-                      <a:r>
-                        <a:rPr lang="en-US" sz="1800" b="0" i="0" u="none" strike="noStrike" dirty="0">
-                          <a:solidFill>
-                            <a:srgbClr val="000000"/>
-                          </a:solidFill>
-                          <a:effectLst/>
-                          <a:latin typeface="Arial" panose="020B0604020202020204" pitchFamily="34" charset="0"/>
-                        </a:rPr>
-                        <a:t>500</a:t>
-                      </a:r>
-                    </a:p>
-                  </a:txBody>
-                  <a:tcPr marL="9525" marR="9525" marT="9525" marB="0" anchor="b"/>
-                </a:tc>
-                <a:tc>
-                  <a:txBody>
-                    <a:bodyPr/>
-                    <a:lstStyle/>
-                    <a:p>
-                      <a:pPr algn="ctr" fontAlgn="b"/>
-                      <a:r>
-                        <a:rPr lang="en-US" sz="1800" b="0" i="0" u="none" strike="noStrike" dirty="0">
-                          <a:solidFill>
-                            <a:srgbClr val="000000"/>
-                          </a:solidFill>
-                          <a:effectLst/>
-                          <a:latin typeface="Arial" panose="020B0604020202020204" pitchFamily="34" charset="0"/>
-                        </a:rPr>
-                        <a:t>797</a:t>
-                      </a:r>
-                    </a:p>
-                  </a:txBody>
-                  <a:tcPr marL="9525" marR="9525" marT="9525" marB="0" anchor="b"/>
-                </a:tc>
-                <a:tc>
-                  <a:txBody>
-                    <a:bodyPr/>
-                    <a:lstStyle/>
-                    <a:p>
-                      <a:pPr algn="ctr" fontAlgn="b"/>
-                      <a:r>
-                        <a:rPr lang="en-US" sz="1800" b="0" i="0" u="none" strike="noStrike" dirty="0">
-                          <a:solidFill>
-                            <a:srgbClr val="000000"/>
-                          </a:solidFill>
-                          <a:effectLst/>
-                          <a:latin typeface="Arial" panose="020B0604020202020204" pitchFamily="34" charset="0"/>
-                        </a:rPr>
-                        <a:t>1143</a:t>
-                      </a:r>
-                    </a:p>
-                  </a:txBody>
-                  <a:tcPr marL="9525" marR="9525" marT="9525" marB="0" anchor="b"/>
-                </a:tc>
-                <a:extLst>
-                  <a:ext uri="{0D108BD9-81ED-4DB2-BD59-A6C34878D82A}">
-                    <a16:rowId xmlns:a16="http://schemas.microsoft.com/office/drawing/2014/main" val="1823940534"/>
-                  </a:ext>
-                </a:extLst>
-              </a:tr>
-              <a:tr h="369711">
-                <a:tc>
-                  <a:txBody>
-                    <a:bodyPr/>
-                    <a:lstStyle/>
-                    <a:p>
-                      <a:r>
-                        <a:rPr lang="en-US" dirty="0"/>
-                        <a:t>HR Officer</a:t>
-                      </a:r>
-                    </a:p>
-                  </a:txBody>
-                  <a:tcPr/>
-                </a:tc>
-                <a:tc>
-                  <a:txBody>
-                    <a:bodyPr/>
-                    <a:lstStyle/>
-                    <a:p>
-                      <a:pPr algn="ctr" fontAlgn="b"/>
-                      <a:r>
-                        <a:rPr lang="en-US" sz="1800" b="0" i="0" u="none" strike="noStrike" dirty="0">
-                          <a:solidFill>
-                            <a:srgbClr val="000000"/>
-                          </a:solidFill>
-                          <a:effectLst/>
-                          <a:latin typeface="Arial" panose="020B0604020202020204" pitchFamily="34" charset="0"/>
-                        </a:rPr>
-                        <a:t>267</a:t>
-                      </a:r>
-                    </a:p>
-                  </a:txBody>
-                  <a:tcPr marL="9525" marR="9525" marT="9525" marB="0" anchor="b"/>
-                </a:tc>
-                <a:tc>
-                  <a:txBody>
-                    <a:bodyPr/>
-                    <a:lstStyle/>
-                    <a:p>
-                      <a:pPr algn="ctr" fontAlgn="b"/>
-                      <a:r>
-                        <a:rPr lang="en-US" sz="1800" b="0" i="0" u="none" strike="noStrike" dirty="0">
-                          <a:solidFill>
-                            <a:srgbClr val="000000"/>
-                          </a:solidFill>
-                          <a:effectLst/>
-                          <a:latin typeface="Arial" panose="020B0604020202020204" pitchFamily="34" charset="0"/>
-                        </a:rPr>
-                        <a:t>375</a:t>
-                      </a:r>
-                    </a:p>
-                  </a:txBody>
-                  <a:tcPr marL="9525" marR="9525" marT="9525" marB="0" anchor="b"/>
-                </a:tc>
-                <a:tc>
-                  <a:txBody>
-                    <a:bodyPr/>
-                    <a:lstStyle/>
-                    <a:p>
-                      <a:pPr algn="ctr" fontAlgn="b"/>
-                      <a:r>
-                        <a:rPr lang="en-US" sz="1800" b="0" i="0" u="none" strike="noStrike" dirty="0">
-                          <a:solidFill>
-                            <a:srgbClr val="000000"/>
-                          </a:solidFill>
-                          <a:effectLst/>
-                          <a:latin typeface="Arial" panose="020B0604020202020204" pitchFamily="34" charset="0"/>
-                        </a:rPr>
-                        <a:t>519</a:t>
-                      </a:r>
-                    </a:p>
-                  </a:txBody>
-                  <a:tcPr marL="9525" marR="9525" marT="9525" marB="0" anchor="b"/>
-                </a:tc>
-                <a:tc>
-                  <a:txBody>
-                    <a:bodyPr/>
-                    <a:lstStyle/>
-                    <a:p>
-                      <a:pPr algn="ctr" fontAlgn="b"/>
-                      <a:r>
-                        <a:rPr lang="en-US" sz="1800" b="0" i="0" u="none" strike="noStrike" dirty="0">
-                          <a:solidFill>
-                            <a:srgbClr val="000000"/>
-                          </a:solidFill>
-                          <a:effectLst/>
-                          <a:latin typeface="Arial" panose="020B0604020202020204" pitchFamily="34" charset="0"/>
-                        </a:rPr>
-                        <a:t>581</a:t>
-                      </a:r>
-                    </a:p>
-                  </a:txBody>
-                  <a:tcPr marL="9525" marR="9525" marT="9525" marB="0" anchor="b"/>
-                </a:tc>
-                <a:extLst>
-                  <a:ext uri="{0D108BD9-81ED-4DB2-BD59-A6C34878D82A}">
-                    <a16:rowId xmlns:a16="http://schemas.microsoft.com/office/drawing/2014/main" val="3492520678"/>
-                  </a:ext>
-                </a:extLst>
-              </a:tr>
-              <a:tr h="369711">
-                <a:tc>
-                  <a:txBody>
-                    <a:bodyPr/>
-                    <a:lstStyle/>
-                    <a:p>
-                      <a:r>
-                        <a:rPr lang="en-US" dirty="0"/>
-                        <a:t>Finance Officer</a:t>
-                      </a:r>
-                    </a:p>
-                  </a:txBody>
-                  <a:tcPr/>
-                </a:tc>
-                <a:tc>
-                  <a:txBody>
-                    <a:bodyPr/>
-                    <a:lstStyle/>
-                    <a:p>
-                      <a:pPr algn="ctr" fontAlgn="b"/>
-                      <a:r>
-                        <a:rPr lang="en-US" sz="1800" b="0" i="0" u="none" strike="noStrike" dirty="0">
-                          <a:solidFill>
-                            <a:srgbClr val="000000"/>
-                          </a:solidFill>
-                          <a:effectLst/>
-                          <a:latin typeface="Arial" panose="020B0604020202020204" pitchFamily="34" charset="0"/>
-                        </a:rPr>
-                        <a:t>276</a:t>
-                      </a:r>
-                    </a:p>
-                  </a:txBody>
-                  <a:tcPr marL="9525" marR="9525" marT="9525" marB="0" anchor="b"/>
-                </a:tc>
-                <a:tc>
-                  <a:txBody>
-                    <a:bodyPr/>
-                    <a:lstStyle/>
-                    <a:p>
-                      <a:pPr algn="ctr" fontAlgn="b"/>
-                      <a:r>
-                        <a:rPr lang="en-US" sz="1800" b="0" i="0" u="none" strike="noStrike" dirty="0">
-                          <a:solidFill>
-                            <a:srgbClr val="000000"/>
-                          </a:solidFill>
-                          <a:effectLst/>
-                          <a:latin typeface="Arial" panose="020B0604020202020204" pitchFamily="34" charset="0"/>
-                        </a:rPr>
-                        <a:t>348</a:t>
-                      </a:r>
-                    </a:p>
-                  </a:txBody>
-                  <a:tcPr marL="9525" marR="9525" marT="9525" marB="0" anchor="b"/>
-                </a:tc>
-                <a:tc>
-                  <a:txBody>
-                    <a:bodyPr/>
-                    <a:lstStyle/>
-                    <a:p>
-                      <a:pPr algn="ctr" fontAlgn="b"/>
-                      <a:r>
-                        <a:rPr lang="en-US" sz="1800" b="0" i="0" u="none" strike="noStrike" dirty="0">
-                          <a:solidFill>
-                            <a:srgbClr val="000000"/>
-                          </a:solidFill>
-                          <a:effectLst/>
-                          <a:latin typeface="Arial" panose="020B0604020202020204" pitchFamily="34" charset="0"/>
-                        </a:rPr>
-                        <a:t>435</a:t>
-                      </a:r>
-                    </a:p>
-                  </a:txBody>
-                  <a:tcPr marL="9525" marR="9525" marT="9525" marB="0" anchor="b"/>
-                </a:tc>
-                <a:tc>
-                  <a:txBody>
-                    <a:bodyPr/>
-                    <a:lstStyle/>
-                    <a:p>
-                      <a:pPr algn="ctr" fontAlgn="b"/>
-                      <a:r>
-                        <a:rPr lang="en-US" sz="1800" b="0" i="0" u="none" strike="noStrike" dirty="0">
-                          <a:solidFill>
-                            <a:srgbClr val="000000"/>
-                          </a:solidFill>
-                          <a:effectLst/>
-                          <a:latin typeface="Arial" panose="020B0604020202020204" pitchFamily="34" charset="0"/>
-                        </a:rPr>
-                        <a:t>599</a:t>
-                      </a:r>
-                    </a:p>
-                  </a:txBody>
-                  <a:tcPr marL="9525" marR="9525" marT="9525" marB="0" anchor="b"/>
-                </a:tc>
-                <a:extLst>
-                  <a:ext uri="{0D108BD9-81ED-4DB2-BD59-A6C34878D82A}">
-                    <a16:rowId xmlns:a16="http://schemas.microsoft.com/office/drawing/2014/main" val="2023878511"/>
-                  </a:ext>
-                </a:extLst>
-              </a:tr>
-              <a:tr h="369711">
-                <a:tc>
-                  <a:txBody>
-                    <a:bodyPr/>
-                    <a:lstStyle/>
-                    <a:p>
-                      <a:r>
-                        <a:rPr lang="en-US" dirty="0"/>
-                        <a:t>IT Officer</a:t>
-                      </a:r>
-                    </a:p>
-                  </a:txBody>
-                  <a:tcPr/>
-                </a:tc>
-                <a:tc>
-                  <a:txBody>
-                    <a:bodyPr/>
-                    <a:lstStyle/>
-                    <a:p>
-                      <a:pPr algn="ctr" fontAlgn="b"/>
-                      <a:r>
-                        <a:rPr lang="en-US" sz="1800" b="0" i="0" u="none" strike="noStrike" dirty="0">
-                          <a:solidFill>
-                            <a:srgbClr val="000000"/>
-                          </a:solidFill>
-                          <a:effectLst/>
-                          <a:latin typeface="Arial" panose="020B0604020202020204" pitchFamily="34" charset="0"/>
-                        </a:rPr>
-                        <a:t>298</a:t>
-                      </a:r>
-                    </a:p>
-                  </a:txBody>
-                  <a:tcPr marL="9525" marR="9525" marT="9525" marB="0" anchor="b"/>
-                </a:tc>
-                <a:tc>
-                  <a:txBody>
-                    <a:bodyPr/>
-                    <a:lstStyle/>
-                    <a:p>
-                      <a:pPr algn="ctr" fontAlgn="b"/>
-                      <a:r>
-                        <a:rPr lang="en-US" sz="1800" b="0" i="0" u="none" strike="noStrike" dirty="0">
-                          <a:solidFill>
-                            <a:srgbClr val="000000"/>
-                          </a:solidFill>
-                          <a:effectLst/>
-                          <a:latin typeface="Arial" panose="020B0604020202020204" pitchFamily="34" charset="0"/>
-                        </a:rPr>
-                        <a:t>357</a:t>
-                      </a:r>
-                    </a:p>
-                  </a:txBody>
-                  <a:tcPr marL="9525" marR="9525" marT="9525" marB="0" anchor="b"/>
-                </a:tc>
-                <a:tc>
-                  <a:txBody>
-                    <a:bodyPr/>
-                    <a:lstStyle/>
-                    <a:p>
-                      <a:pPr algn="ctr" fontAlgn="b"/>
-                      <a:r>
-                        <a:rPr lang="en-US" sz="1800" b="0" i="0" u="none" strike="noStrike" dirty="0">
-                          <a:solidFill>
-                            <a:srgbClr val="000000"/>
-                          </a:solidFill>
-                          <a:effectLst/>
-                          <a:latin typeface="Arial" panose="020B0604020202020204" pitchFamily="34" charset="0"/>
-                        </a:rPr>
-                        <a:t>488</a:t>
-                      </a:r>
-                    </a:p>
-                  </a:txBody>
-                  <a:tcPr marL="9525" marR="9525" marT="9525" marB="0" anchor="b"/>
-                </a:tc>
-                <a:tc>
-                  <a:txBody>
-                    <a:bodyPr/>
-                    <a:lstStyle/>
-                    <a:p>
-                      <a:pPr algn="ctr" fontAlgn="b"/>
-                      <a:r>
-                        <a:rPr lang="en-US" sz="1800" b="0" i="0" u="none" strike="noStrike" dirty="0">
-                          <a:solidFill>
-                            <a:srgbClr val="000000"/>
-                          </a:solidFill>
-                          <a:effectLst/>
-                          <a:latin typeface="Arial" panose="020B0604020202020204" pitchFamily="34" charset="0"/>
-                        </a:rPr>
-                        <a:t>587</a:t>
-                      </a:r>
-                    </a:p>
-                  </a:txBody>
-                  <a:tcPr marL="9525" marR="9525" marT="9525" marB="0" anchor="b"/>
-                </a:tc>
-                <a:extLst>
-                  <a:ext uri="{0D108BD9-81ED-4DB2-BD59-A6C34878D82A}">
-                    <a16:rowId xmlns:a16="http://schemas.microsoft.com/office/drawing/2014/main" val="2771850426"/>
-                  </a:ext>
-                </a:extLst>
-              </a:tr>
-              <a:tr h="369711">
-                <a:tc>
-                  <a:txBody>
-                    <a:bodyPr/>
-                    <a:lstStyle/>
-                    <a:p>
-                      <a:r>
-                        <a:rPr lang="en-US" dirty="0"/>
-                        <a:t>Admin Officer</a:t>
-                      </a:r>
-                    </a:p>
-                  </a:txBody>
-                  <a:tcPr/>
-                </a:tc>
-                <a:tc>
-                  <a:txBody>
-                    <a:bodyPr/>
-                    <a:lstStyle/>
-                    <a:p>
-                      <a:pPr algn="ctr" fontAlgn="b"/>
-                      <a:r>
-                        <a:rPr lang="en-US" sz="1800" b="0" i="0" u="none" strike="noStrike" dirty="0">
-                          <a:solidFill>
-                            <a:srgbClr val="000000"/>
-                          </a:solidFill>
-                          <a:effectLst/>
-                          <a:latin typeface="Arial" panose="020B0604020202020204" pitchFamily="34" charset="0"/>
-                        </a:rPr>
-                        <a:t>298</a:t>
-                      </a:r>
-                    </a:p>
-                  </a:txBody>
-                  <a:tcPr marL="9525" marR="9525" marT="9525" marB="0" anchor="b"/>
-                </a:tc>
-                <a:tc>
-                  <a:txBody>
-                    <a:bodyPr/>
-                    <a:lstStyle/>
-                    <a:p>
-                      <a:pPr algn="ctr" fontAlgn="b"/>
-                      <a:r>
-                        <a:rPr lang="en-US" sz="1800" b="0" i="0" u="none" strike="noStrike" dirty="0">
-                          <a:solidFill>
-                            <a:srgbClr val="000000"/>
-                          </a:solidFill>
-                          <a:effectLst/>
-                          <a:latin typeface="Arial" panose="020B0604020202020204" pitchFamily="34" charset="0"/>
-                        </a:rPr>
-                        <a:t>396</a:t>
-                      </a:r>
-                    </a:p>
-                  </a:txBody>
-                  <a:tcPr marL="9525" marR="9525" marT="9525" marB="0" anchor="b"/>
-                </a:tc>
-                <a:tc>
-                  <a:txBody>
-                    <a:bodyPr/>
-                    <a:lstStyle/>
-                    <a:p>
-                      <a:pPr algn="ctr" fontAlgn="b"/>
-                      <a:r>
-                        <a:rPr lang="en-US" sz="1800" b="0" i="0" u="none" strike="noStrike" dirty="0">
-                          <a:solidFill>
-                            <a:srgbClr val="000000"/>
-                          </a:solidFill>
-                          <a:effectLst/>
-                          <a:latin typeface="Arial" panose="020B0604020202020204" pitchFamily="34" charset="0"/>
-                        </a:rPr>
-                        <a:t>676</a:t>
-                      </a:r>
-                    </a:p>
-                  </a:txBody>
-                  <a:tcPr marL="9525" marR="9525" marT="9525" marB="0" anchor="b"/>
-                </a:tc>
-                <a:tc>
-                  <a:txBody>
-                    <a:bodyPr/>
-                    <a:lstStyle/>
-                    <a:p>
-                      <a:pPr algn="ctr" fontAlgn="b"/>
-                      <a:r>
-                        <a:rPr lang="en-US" sz="1800" b="0" i="0" u="none" strike="noStrike" dirty="0">
-                          <a:solidFill>
-                            <a:srgbClr val="000000"/>
-                          </a:solidFill>
-                          <a:effectLst/>
-                          <a:latin typeface="Arial" panose="020B0604020202020204" pitchFamily="34" charset="0"/>
-                        </a:rPr>
-                        <a:t>593</a:t>
-                      </a:r>
-                    </a:p>
-                  </a:txBody>
-                  <a:tcPr marL="9525" marR="9525" marT="9525" marB="0" anchor="b"/>
-                </a:tc>
-                <a:extLst>
-                  <a:ext uri="{0D108BD9-81ED-4DB2-BD59-A6C34878D82A}">
-                    <a16:rowId xmlns:a16="http://schemas.microsoft.com/office/drawing/2014/main" val="1464438257"/>
-                  </a:ext>
-                </a:extLst>
-              </a:tr>
-              <a:tr h="369711">
-                <a:tc>
-                  <a:txBody>
-                    <a:bodyPr/>
-                    <a:lstStyle/>
-                    <a:p>
-                      <a:r>
-                        <a:rPr lang="en-US" dirty="0"/>
-                        <a:t>Planning and Budget Analyst</a:t>
-                      </a:r>
-                    </a:p>
-                  </a:txBody>
-                  <a:tcPr/>
-                </a:tc>
-                <a:tc>
-                  <a:txBody>
-                    <a:bodyPr/>
-                    <a:lstStyle/>
-                    <a:p>
-                      <a:pPr algn="ctr" fontAlgn="b"/>
-                      <a:r>
-                        <a:rPr lang="en-US" sz="1800" b="0" i="0" u="none" strike="noStrike" dirty="0">
-                          <a:solidFill>
-                            <a:srgbClr val="000000"/>
-                          </a:solidFill>
-                          <a:effectLst/>
-                          <a:latin typeface="Arial" panose="020B0604020202020204" pitchFamily="34" charset="0"/>
-                        </a:rPr>
-                        <a:t>227</a:t>
-                      </a:r>
-                    </a:p>
-                  </a:txBody>
-                  <a:tcPr marL="9525" marR="9525" marT="9525" marB="0" anchor="b"/>
-                </a:tc>
-                <a:tc>
-                  <a:txBody>
-                    <a:bodyPr/>
-                    <a:lstStyle/>
-                    <a:p>
-                      <a:pPr algn="ctr" fontAlgn="b"/>
-                      <a:r>
-                        <a:rPr lang="en-US" sz="1800" b="0" i="0" u="none" strike="noStrike" dirty="0">
-                          <a:solidFill>
-                            <a:srgbClr val="000000"/>
-                          </a:solidFill>
-                          <a:effectLst/>
-                          <a:latin typeface="Arial" panose="020B0604020202020204" pitchFamily="34" charset="0"/>
-                        </a:rPr>
-                        <a:t>442</a:t>
-                      </a:r>
-                    </a:p>
-                  </a:txBody>
-                  <a:tcPr marL="9525" marR="9525" marT="9525" marB="0" anchor="b"/>
-                </a:tc>
-                <a:tc>
-                  <a:txBody>
-                    <a:bodyPr/>
-                    <a:lstStyle/>
-                    <a:p>
-                      <a:pPr algn="ctr" fontAlgn="b"/>
-                      <a:r>
-                        <a:rPr lang="en-US" sz="1800" b="0" i="0" u="none" strike="noStrike" dirty="0">
-                          <a:solidFill>
-                            <a:srgbClr val="000000"/>
-                          </a:solidFill>
-                          <a:effectLst/>
-                          <a:latin typeface="Arial" panose="020B0604020202020204" pitchFamily="34" charset="0"/>
-                        </a:rPr>
-                        <a:t>512</a:t>
-                      </a:r>
-                    </a:p>
-                  </a:txBody>
-                  <a:tcPr marL="9525" marR="9525" marT="9525" marB="0" anchor="b"/>
-                </a:tc>
-                <a:tc>
-                  <a:txBody>
-                    <a:bodyPr/>
-                    <a:lstStyle/>
-                    <a:p>
-                      <a:pPr algn="ctr" fontAlgn="b"/>
-                      <a:r>
-                        <a:rPr lang="en-US" sz="1800" b="0" i="0" u="none" strike="noStrike" dirty="0">
-                          <a:solidFill>
-                            <a:srgbClr val="000000"/>
-                          </a:solidFill>
-                          <a:effectLst/>
-                          <a:latin typeface="Arial" panose="020B0604020202020204" pitchFamily="34" charset="0"/>
-                        </a:rPr>
-                        <a:t>610</a:t>
-                      </a:r>
-                    </a:p>
-                  </a:txBody>
-                  <a:tcPr marL="9525" marR="9525" marT="9525" marB="0" anchor="b"/>
-                </a:tc>
-                <a:extLst>
-                  <a:ext uri="{0D108BD9-81ED-4DB2-BD59-A6C34878D82A}">
-                    <a16:rowId xmlns:a16="http://schemas.microsoft.com/office/drawing/2014/main" val="4254989133"/>
-                  </a:ext>
-                </a:extLst>
-              </a:tr>
-              <a:tr h="369711">
-                <a:tc>
-                  <a:txBody>
-                    <a:bodyPr/>
-                    <a:lstStyle/>
-                    <a:p>
-                      <a:r>
-                        <a:rPr lang="en-US" dirty="0"/>
-                        <a:t>Logistics Officer</a:t>
-                      </a:r>
-                    </a:p>
-                  </a:txBody>
-                  <a:tcPr/>
-                </a:tc>
-                <a:tc>
-                  <a:txBody>
-                    <a:bodyPr/>
-                    <a:lstStyle/>
-                    <a:p>
-                      <a:pPr algn="ctr" fontAlgn="b"/>
-                      <a:r>
-                        <a:rPr lang="en-US" sz="1800" b="0" i="0" u="none" strike="noStrike" dirty="0">
-                          <a:solidFill>
-                            <a:srgbClr val="000000"/>
-                          </a:solidFill>
-                          <a:effectLst/>
-                          <a:latin typeface="Arial" panose="020B0604020202020204" pitchFamily="34" charset="0"/>
-                        </a:rPr>
-                        <a:t>320</a:t>
-                      </a:r>
-                    </a:p>
-                  </a:txBody>
-                  <a:tcPr marL="9525" marR="9525" marT="9525" marB="0" anchor="b"/>
-                </a:tc>
-                <a:tc>
-                  <a:txBody>
-                    <a:bodyPr/>
-                    <a:lstStyle/>
-                    <a:p>
-                      <a:pPr algn="ctr" fontAlgn="b"/>
-                      <a:r>
-                        <a:rPr lang="en-US" sz="1800" b="0" i="0" u="none" strike="noStrike" dirty="0">
-                          <a:solidFill>
-                            <a:srgbClr val="000000"/>
-                          </a:solidFill>
-                          <a:effectLst/>
-                          <a:latin typeface="Arial" panose="020B0604020202020204" pitchFamily="34" charset="0"/>
-                        </a:rPr>
-                        <a:t>389</a:t>
-                      </a:r>
-                    </a:p>
-                  </a:txBody>
-                  <a:tcPr marL="9525" marR="9525" marT="9525" marB="0" anchor="b"/>
-                </a:tc>
-                <a:tc>
-                  <a:txBody>
-                    <a:bodyPr/>
-                    <a:lstStyle/>
-                    <a:p>
-                      <a:pPr algn="ctr" fontAlgn="b"/>
-                      <a:r>
-                        <a:rPr lang="en-US" sz="1800" b="0" i="0" u="none" strike="noStrike" dirty="0">
-                          <a:solidFill>
-                            <a:srgbClr val="000000"/>
-                          </a:solidFill>
-                          <a:effectLst/>
-                          <a:latin typeface="Arial" panose="020B0604020202020204" pitchFamily="34" charset="0"/>
-                        </a:rPr>
-                        <a:t>456</a:t>
-                      </a:r>
-                    </a:p>
-                  </a:txBody>
-                  <a:tcPr marL="9525" marR="9525" marT="9525" marB="0" anchor="b"/>
-                </a:tc>
-                <a:tc>
-                  <a:txBody>
-                    <a:bodyPr/>
-                    <a:lstStyle/>
-                    <a:p>
-                      <a:pPr algn="ctr" fontAlgn="b"/>
-                      <a:r>
-                        <a:rPr lang="en-US" sz="1800" b="0" i="0" u="none" strike="noStrike" dirty="0">
-                          <a:solidFill>
-                            <a:srgbClr val="000000"/>
-                          </a:solidFill>
-                          <a:effectLst/>
-                          <a:latin typeface="Arial" panose="020B0604020202020204" pitchFamily="34" charset="0"/>
-                        </a:rPr>
-                        <a:t>587</a:t>
-                      </a:r>
-                    </a:p>
-                  </a:txBody>
-                  <a:tcPr marL="9525" marR="9525" marT="9525" marB="0" anchor="b"/>
-                </a:tc>
-                <a:extLst>
-                  <a:ext uri="{0D108BD9-81ED-4DB2-BD59-A6C34878D82A}">
-                    <a16:rowId xmlns:a16="http://schemas.microsoft.com/office/drawing/2014/main" val="2499981119"/>
-                  </a:ext>
-                </a:extLst>
-              </a:tr>
-            </a:tbl>
-          </a:graphicData>
-        </a:graphic>
-      </p:graphicFrame>
-    </p:spTree>
-    <p:extLst>
-      <p:ext uri="{BB962C8B-B14F-4D97-AF65-F5344CB8AC3E}">
-        <p14:creationId xmlns:p14="http://schemas.microsoft.com/office/powerpoint/2010/main" val="3208103678"/>
       </p:ext>
     </p:extLst>
   </p:cSld>

--- a/Presentation/Presentation.pptx
+++ b/Presentation/Presentation.pptx
@@ -41,6 +41,7 @@
     <p:sldId id="306" r:id="rId35"/>
     <p:sldId id="305" r:id="rId36"/>
     <p:sldId id="307" r:id="rId37"/>
+    <p:sldId id="308" r:id="rId38"/>
   </p:sldIdLst>
   <p:sldSz cx="12192000" cy="6858000"/>
   <p:notesSz cx="6858000" cy="9144000"/>
@@ -5959,7 +5960,7 @@
           <a:p>
             <a:fld id="{971A37A0-98A2-4046-9ECD-FCF836B52C03}" type="datetimeFigureOut">
               <a:rPr lang="en-US" smtClean="0"/>
-              <a:t>7/29/2019</a:t>
+              <a:t>7/30/2019</a:t>
             </a:fld>
             <a:endParaRPr lang="en-US"/>
           </a:p>
@@ -6157,7 +6158,7 @@
           <a:p>
             <a:fld id="{971A37A0-98A2-4046-9ECD-FCF836B52C03}" type="datetimeFigureOut">
               <a:rPr lang="en-US" smtClean="0"/>
-              <a:t>7/29/2019</a:t>
+              <a:t>7/30/2019</a:t>
             </a:fld>
             <a:endParaRPr lang="en-US"/>
           </a:p>
@@ -6365,7 +6366,7 @@
           <a:p>
             <a:fld id="{971A37A0-98A2-4046-9ECD-FCF836B52C03}" type="datetimeFigureOut">
               <a:rPr lang="en-US" smtClean="0"/>
-              <a:t>7/29/2019</a:t>
+              <a:t>7/30/2019</a:t>
             </a:fld>
             <a:endParaRPr lang="en-US"/>
           </a:p>
@@ -6563,7 +6564,7 @@
           <a:p>
             <a:fld id="{971A37A0-98A2-4046-9ECD-FCF836B52C03}" type="datetimeFigureOut">
               <a:rPr lang="en-US" smtClean="0"/>
-              <a:t>7/29/2019</a:t>
+              <a:t>7/30/2019</a:t>
             </a:fld>
             <a:endParaRPr lang="en-US"/>
           </a:p>
@@ -6838,7 +6839,7 @@
           <a:p>
             <a:fld id="{971A37A0-98A2-4046-9ECD-FCF836B52C03}" type="datetimeFigureOut">
               <a:rPr lang="en-US" smtClean="0"/>
-              <a:t>7/29/2019</a:t>
+              <a:t>7/30/2019</a:t>
             </a:fld>
             <a:endParaRPr lang="en-US"/>
           </a:p>
@@ -7103,7 +7104,7 @@
           <a:p>
             <a:fld id="{971A37A0-98A2-4046-9ECD-FCF836B52C03}" type="datetimeFigureOut">
               <a:rPr lang="en-US" smtClean="0"/>
-              <a:t>7/29/2019</a:t>
+              <a:t>7/30/2019</a:t>
             </a:fld>
             <a:endParaRPr lang="en-US"/>
           </a:p>
@@ -7515,7 +7516,7 @@
           <a:p>
             <a:fld id="{971A37A0-98A2-4046-9ECD-FCF836B52C03}" type="datetimeFigureOut">
               <a:rPr lang="en-US" smtClean="0"/>
-              <a:t>7/29/2019</a:t>
+              <a:t>7/30/2019</a:t>
             </a:fld>
             <a:endParaRPr lang="en-US"/>
           </a:p>
@@ -7656,7 +7657,7 @@
           <a:p>
             <a:fld id="{971A37A0-98A2-4046-9ECD-FCF836B52C03}" type="datetimeFigureOut">
               <a:rPr lang="en-US" smtClean="0"/>
-              <a:t>7/29/2019</a:t>
+              <a:t>7/30/2019</a:t>
             </a:fld>
             <a:endParaRPr lang="en-US"/>
           </a:p>
@@ -7769,7 +7770,7 @@
           <a:p>
             <a:fld id="{971A37A0-98A2-4046-9ECD-FCF836B52C03}" type="datetimeFigureOut">
               <a:rPr lang="en-US" smtClean="0"/>
-              <a:t>7/29/2019</a:t>
+              <a:t>7/30/2019</a:t>
             </a:fld>
             <a:endParaRPr lang="en-US"/>
           </a:p>
@@ -8080,7 +8081,7 @@
           <a:p>
             <a:fld id="{971A37A0-98A2-4046-9ECD-FCF836B52C03}" type="datetimeFigureOut">
               <a:rPr lang="en-US" smtClean="0"/>
-              <a:t>7/29/2019</a:t>
+              <a:t>7/30/2019</a:t>
             </a:fld>
             <a:endParaRPr lang="en-US"/>
           </a:p>
@@ -8368,7 +8369,7 @@
           <a:p>
             <a:fld id="{971A37A0-98A2-4046-9ECD-FCF836B52C03}" type="datetimeFigureOut">
               <a:rPr lang="en-US" smtClean="0"/>
-              <a:t>7/29/2019</a:t>
+              <a:t>7/30/2019</a:t>
             </a:fld>
             <a:endParaRPr lang="en-US"/>
           </a:p>
@@ -8618,7 +8619,7 @@
           <a:p>
             <a:fld id="{971A37A0-98A2-4046-9ECD-FCF836B52C03}" type="datetimeFigureOut">
               <a:rPr lang="en-US" smtClean="0"/>
-              <a:t>7/29/2019</a:t>
+              <a:t>7/30/2019</a:t>
             </a:fld>
             <a:endParaRPr lang="en-US"/>
           </a:p>
@@ -10335,6 +10336,44 @@
           </a:p>
         </p:txBody>
       </p:sp>
+      <p:sp>
+        <p:nvSpPr>
+          <p:cNvPr id="8" name="TextBox 7">
+            <a:extLst>
+              <a:ext uri="{FF2B5EF4-FFF2-40B4-BE49-F238E27FC236}">
+                <a16:creationId xmlns:a16="http://schemas.microsoft.com/office/drawing/2014/main" id="{E9FE4D7D-8452-4163-A7FF-300CC8AA81CE}"/>
+              </a:ext>
+            </a:extLst>
+          </p:cNvPr>
+          <p:cNvSpPr txBox="1"/>
+          <p:nvPr/>
+        </p:nvSpPr>
+        <p:spPr>
+          <a:xfrm>
+            <a:off x="7073701" y="1309248"/>
+            <a:ext cx="4156907" cy="369332"/>
+          </a:xfrm>
+          <a:prstGeom prst="rect">
+            <a:avLst/>
+          </a:prstGeom>
+          <a:noFill/>
+        </p:spPr>
+        <p:txBody>
+          <a:bodyPr wrap="none" rtlCol="0">
+            <a:spAutoFit/>
+          </a:bodyPr>
+          <a:lstStyle/>
+          <a:p>
+            <a:r>
+              <a:rPr lang="en-US" dirty="0">
+                <a:latin typeface="Roboto" panose="02000000000000000000" pitchFamily="2" charset="0"/>
+                <a:ea typeface="Roboto" panose="02000000000000000000" pitchFamily="2" charset="0"/>
+              </a:rPr>
+              <a:t>Number of Participating Companies: 6 </a:t>
+            </a:r>
+          </a:p>
+        </p:txBody>
+      </p:sp>
     </p:spTree>
     <p:extLst>
       <p:ext uri="{BB962C8B-B14F-4D97-AF65-F5344CB8AC3E}">
@@ -11595,6 +11634,44 @@
                 <a:ea typeface="Roboto" panose="02000000000000000000" pitchFamily="2" charset="0"/>
               </a:rPr>
               <a:t>Currency: USD</a:t>
+            </a:r>
+          </a:p>
+        </p:txBody>
+      </p:sp>
+      <p:sp>
+        <p:nvSpPr>
+          <p:cNvPr id="8" name="TextBox 7">
+            <a:extLst>
+              <a:ext uri="{FF2B5EF4-FFF2-40B4-BE49-F238E27FC236}">
+                <a16:creationId xmlns:a16="http://schemas.microsoft.com/office/drawing/2014/main" id="{8AA9A6A8-1147-4EF9-826A-59B519CFCA6E}"/>
+              </a:ext>
+            </a:extLst>
+          </p:cNvPr>
+          <p:cNvSpPr txBox="1"/>
+          <p:nvPr/>
+        </p:nvSpPr>
+        <p:spPr>
+          <a:xfrm>
+            <a:off x="7083180" y="1164335"/>
+            <a:ext cx="4156907" cy="369332"/>
+          </a:xfrm>
+          <a:prstGeom prst="rect">
+            <a:avLst/>
+          </a:prstGeom>
+          <a:noFill/>
+        </p:spPr>
+        <p:txBody>
+          <a:bodyPr wrap="none" rtlCol="0">
+            <a:spAutoFit/>
+          </a:bodyPr>
+          <a:lstStyle/>
+          <a:p>
+            <a:r>
+              <a:rPr lang="en-US" dirty="0">
+                <a:latin typeface="Roboto" panose="02000000000000000000" pitchFamily="2" charset="0"/>
+                <a:ea typeface="Roboto" panose="02000000000000000000" pitchFamily="2" charset="0"/>
+              </a:rPr>
+              <a:t>Number of Participating Companies: 4 </a:t>
             </a:r>
           </a:p>
         </p:txBody>
@@ -12763,6 +12840,44 @@
           </a:p>
         </p:txBody>
       </p:sp>
+      <p:sp>
+        <p:nvSpPr>
+          <p:cNvPr id="8" name="TextBox 7">
+            <a:extLst>
+              <a:ext uri="{FF2B5EF4-FFF2-40B4-BE49-F238E27FC236}">
+                <a16:creationId xmlns:a16="http://schemas.microsoft.com/office/drawing/2014/main" id="{40B5CDD0-C7FC-48DA-A8F4-1A8499FB7A35}"/>
+              </a:ext>
+            </a:extLst>
+          </p:cNvPr>
+          <p:cNvSpPr txBox="1"/>
+          <p:nvPr/>
+        </p:nvSpPr>
+        <p:spPr>
+          <a:xfrm>
+            <a:off x="7083184" y="1234675"/>
+            <a:ext cx="4156907" cy="369332"/>
+          </a:xfrm>
+          <a:prstGeom prst="rect">
+            <a:avLst/>
+          </a:prstGeom>
+          <a:noFill/>
+        </p:spPr>
+        <p:txBody>
+          <a:bodyPr wrap="none" rtlCol="0">
+            <a:spAutoFit/>
+          </a:bodyPr>
+          <a:lstStyle/>
+          <a:p>
+            <a:r>
+              <a:rPr lang="en-US" dirty="0">
+                <a:latin typeface="Roboto" panose="02000000000000000000" pitchFamily="2" charset="0"/>
+                <a:ea typeface="Roboto" panose="02000000000000000000" pitchFamily="2" charset="0"/>
+              </a:rPr>
+              <a:t>Number of Participating Companies: 2 </a:t>
+            </a:r>
+          </a:p>
+        </p:txBody>
+      </p:sp>
     </p:spTree>
     <p:extLst>
       <p:ext uri="{BB962C8B-B14F-4D97-AF65-F5344CB8AC3E}">
@@ -13927,6 +14042,44 @@
           </a:p>
         </p:txBody>
       </p:sp>
+      <p:sp>
+        <p:nvSpPr>
+          <p:cNvPr id="8" name="TextBox 7">
+            <a:extLst>
+              <a:ext uri="{FF2B5EF4-FFF2-40B4-BE49-F238E27FC236}">
+                <a16:creationId xmlns:a16="http://schemas.microsoft.com/office/drawing/2014/main" id="{0012476C-A63B-4B6F-95EF-6F2881991850}"/>
+              </a:ext>
+            </a:extLst>
+          </p:cNvPr>
+          <p:cNvSpPr txBox="1"/>
+          <p:nvPr/>
+        </p:nvSpPr>
+        <p:spPr>
+          <a:xfrm>
+            <a:off x="6801824" y="1164335"/>
+            <a:ext cx="4416594" cy="369332"/>
+          </a:xfrm>
+          <a:prstGeom prst="rect">
+            <a:avLst/>
+          </a:prstGeom>
+          <a:noFill/>
+        </p:spPr>
+        <p:txBody>
+          <a:bodyPr wrap="none" rtlCol="0">
+            <a:spAutoFit/>
+          </a:bodyPr>
+          <a:lstStyle/>
+          <a:p>
+            <a:r>
+              <a:rPr lang="en-US" dirty="0">
+                <a:latin typeface="Roboto" panose="02000000000000000000" pitchFamily="2" charset="0"/>
+                <a:ea typeface="Roboto" panose="02000000000000000000" pitchFamily="2" charset="0"/>
+              </a:rPr>
+              <a:t>Number of Participating Organizations: 7 </a:t>
+            </a:r>
+          </a:p>
+        </p:txBody>
+      </p:sp>
     </p:spTree>
     <p:extLst>
       <p:ext uri="{BB962C8B-B14F-4D97-AF65-F5344CB8AC3E}">
@@ -14125,7 +14278,7 @@
           <p:nvPr>
             <p:extLst>
               <p:ext uri="{D42A27DB-BD31-4B8C-83A1-F6EECF244321}">
-                <p14:modId xmlns:p14="http://schemas.microsoft.com/office/powerpoint/2010/main" val="975891855"/>
+                <p14:modId xmlns:p14="http://schemas.microsoft.com/office/powerpoint/2010/main" val="1498068420"/>
               </p:ext>
             </p:extLst>
           </p:nvPr>
@@ -14337,7 +14490,7 @@
                           <a:effectLst/>
                           <a:latin typeface="Arial" panose="020B0604020202020204" pitchFamily="34" charset="0"/>
                         </a:rPr>
-                        <a:t>1120</a:t>
+                        <a:t>1314</a:t>
                       </a:r>
                     </a:p>
                   </a:txBody>
@@ -15387,6 +15540,44 @@
                 <a:ea typeface="Roboto" panose="02000000000000000000" pitchFamily="2" charset="0"/>
               </a:rPr>
               <a:t>Currency: USD</a:t>
+            </a:r>
+          </a:p>
+        </p:txBody>
+      </p:sp>
+      <p:sp>
+        <p:nvSpPr>
+          <p:cNvPr id="8" name="TextBox 7">
+            <a:extLst>
+              <a:ext uri="{FF2B5EF4-FFF2-40B4-BE49-F238E27FC236}">
+                <a16:creationId xmlns:a16="http://schemas.microsoft.com/office/drawing/2014/main" id="{D2D26D8E-22C8-4F66-9678-5B3FE79F8C92}"/>
+              </a:ext>
+            </a:extLst>
+          </p:cNvPr>
+          <p:cNvSpPr txBox="1"/>
+          <p:nvPr/>
+        </p:nvSpPr>
+        <p:spPr>
+          <a:xfrm>
+            <a:off x="7083181" y="1053732"/>
+            <a:ext cx="4156907" cy="369332"/>
+          </a:xfrm>
+          <a:prstGeom prst="rect">
+            <a:avLst/>
+          </a:prstGeom>
+          <a:noFill/>
+        </p:spPr>
+        <p:txBody>
+          <a:bodyPr wrap="none" rtlCol="0">
+            <a:spAutoFit/>
+          </a:bodyPr>
+          <a:lstStyle/>
+          <a:p>
+            <a:r>
+              <a:rPr lang="en-US" dirty="0">
+                <a:latin typeface="Roboto" panose="02000000000000000000" pitchFamily="2" charset="0"/>
+                <a:ea typeface="Roboto" panose="02000000000000000000" pitchFamily="2" charset="0"/>
+              </a:rPr>
+              <a:t>Number of Participating Companies: 8 </a:t>
             </a:r>
           </a:p>
         </p:txBody>
@@ -16805,6 +16996,44 @@
           </a:p>
         </p:txBody>
       </p:sp>
+      <p:sp>
+        <p:nvSpPr>
+          <p:cNvPr id="8" name="TextBox 7">
+            <a:extLst>
+              <a:ext uri="{FF2B5EF4-FFF2-40B4-BE49-F238E27FC236}">
+                <a16:creationId xmlns:a16="http://schemas.microsoft.com/office/drawing/2014/main" id="{5C8B17D1-F59B-4451-944D-131AE7CA930C}"/>
+              </a:ext>
+            </a:extLst>
+          </p:cNvPr>
+          <p:cNvSpPr txBox="1"/>
+          <p:nvPr/>
+        </p:nvSpPr>
+        <p:spPr>
+          <a:xfrm>
+            <a:off x="7083180" y="1169994"/>
+            <a:ext cx="4156907" cy="369332"/>
+          </a:xfrm>
+          <a:prstGeom prst="rect">
+            <a:avLst/>
+          </a:prstGeom>
+          <a:noFill/>
+        </p:spPr>
+        <p:txBody>
+          <a:bodyPr wrap="none" rtlCol="0">
+            <a:spAutoFit/>
+          </a:bodyPr>
+          <a:lstStyle/>
+          <a:p>
+            <a:r>
+              <a:rPr lang="en-US" dirty="0">
+                <a:latin typeface="Roboto" panose="02000000000000000000" pitchFamily="2" charset="0"/>
+                <a:ea typeface="Roboto" panose="02000000000000000000" pitchFamily="2" charset="0"/>
+              </a:rPr>
+              <a:t>Number of Participating Companies: 2 </a:t>
+            </a:r>
+          </a:p>
+        </p:txBody>
+      </p:sp>
     </p:spTree>
     <p:extLst>
       <p:ext uri="{BB962C8B-B14F-4D97-AF65-F5344CB8AC3E}">
@@ -17966,6 +18195,44 @@
                 <a:ea typeface="Roboto" panose="02000000000000000000" pitchFamily="2" charset="0"/>
               </a:rPr>
               <a:t>Currency: USD</a:t>
+            </a:r>
+          </a:p>
+        </p:txBody>
+      </p:sp>
+      <p:sp>
+        <p:nvSpPr>
+          <p:cNvPr id="8" name="TextBox 7">
+            <a:extLst>
+              <a:ext uri="{FF2B5EF4-FFF2-40B4-BE49-F238E27FC236}">
+                <a16:creationId xmlns:a16="http://schemas.microsoft.com/office/drawing/2014/main" id="{B98C0912-D2D4-4D1E-A12C-24352484E173}"/>
+              </a:ext>
+            </a:extLst>
+          </p:cNvPr>
+          <p:cNvSpPr txBox="1"/>
+          <p:nvPr/>
+        </p:nvSpPr>
+        <p:spPr>
+          <a:xfrm>
+            <a:off x="7083184" y="1164335"/>
+            <a:ext cx="4156907" cy="369332"/>
+          </a:xfrm>
+          <a:prstGeom prst="rect">
+            <a:avLst/>
+          </a:prstGeom>
+          <a:noFill/>
+        </p:spPr>
+        <p:txBody>
+          <a:bodyPr wrap="none" rtlCol="0">
+            <a:spAutoFit/>
+          </a:bodyPr>
+          <a:lstStyle/>
+          <a:p>
+            <a:r>
+              <a:rPr lang="en-US" dirty="0">
+                <a:latin typeface="Roboto" panose="02000000000000000000" pitchFamily="2" charset="0"/>
+                <a:ea typeface="Roboto" panose="02000000000000000000" pitchFamily="2" charset="0"/>
+              </a:rPr>
+              <a:t>Number of Participating Companies: 6</a:t>
             </a:r>
           </a:p>
         </p:txBody>
@@ -19031,6 +19298,44 @@
                 <a:ea typeface="Roboto" panose="02000000000000000000" pitchFamily="2" charset="0"/>
               </a:rPr>
               <a:t>Currency: USD</a:t>
+            </a:r>
+          </a:p>
+        </p:txBody>
+      </p:sp>
+      <p:sp>
+        <p:nvSpPr>
+          <p:cNvPr id="8" name="TextBox 7">
+            <a:extLst>
+              <a:ext uri="{FF2B5EF4-FFF2-40B4-BE49-F238E27FC236}">
+                <a16:creationId xmlns:a16="http://schemas.microsoft.com/office/drawing/2014/main" id="{331E82A8-3E0D-485E-8E9B-945C85C65452}"/>
+              </a:ext>
+            </a:extLst>
+          </p:cNvPr>
+          <p:cNvSpPr txBox="1"/>
+          <p:nvPr/>
+        </p:nvSpPr>
+        <p:spPr>
+          <a:xfrm>
+            <a:off x="6970640" y="1206539"/>
+            <a:ext cx="4229043" cy="369332"/>
+          </a:xfrm>
+          <a:prstGeom prst="rect">
+            <a:avLst/>
+          </a:prstGeom>
+          <a:noFill/>
+        </p:spPr>
+        <p:txBody>
+          <a:bodyPr wrap="none" rtlCol="0">
+            <a:spAutoFit/>
+          </a:bodyPr>
+          <a:lstStyle/>
+          <a:p>
+            <a:r>
+              <a:rPr lang="en-US" dirty="0">
+                <a:latin typeface="Roboto" panose="02000000000000000000" pitchFamily="2" charset="0"/>
+                <a:ea typeface="Roboto" panose="02000000000000000000" pitchFamily="2" charset="0"/>
+              </a:rPr>
+              <a:t>Number of Participating Companies: 21</a:t>
             </a:r>
           </a:p>
         </p:txBody>
@@ -23342,7 +23647,7 @@
                 <a:latin typeface="Roboto" panose="02000000000000000000" pitchFamily="2" charset="0"/>
                 <a:ea typeface="Roboto" panose="02000000000000000000" pitchFamily="2" charset="0"/>
               </a:rPr>
-              <a:t>The survey covered 65 Companies from different industry sectors in Laos. Only the private sectors and the full-time employed were surveyed.</a:t>
+              <a:t>The survey covered 66 Companies from different industry sectors in Laos. Only the private sectors and the full-time employed were surveyed.</a:t>
             </a:r>
           </a:p>
           <a:p>
@@ -25266,6 +25571,148 @@
 </p:sld>
 </file>
 
+<file path=ppt/slides/slide37.xml><?xml version="1.0" encoding="utf-8"?>
+<p:sld xmlns:a="http://schemas.openxmlformats.org/drawingml/2006/main" xmlns:r="http://schemas.openxmlformats.org/officeDocument/2006/relationships" xmlns:p="http://schemas.openxmlformats.org/presentationml/2006/main">
+  <p:cSld>
+    <p:spTree>
+      <p:nvGrpSpPr>
+        <p:cNvPr id="1" name=""/>
+        <p:cNvGrpSpPr/>
+        <p:nvPr/>
+      </p:nvGrpSpPr>
+      <p:grpSpPr>
+        <a:xfrm>
+          <a:off x="0" y="0"/>
+          <a:ext cx="0" cy="0"/>
+          <a:chOff x="0" y="0"/>
+          <a:chExt cx="0" cy="0"/>
+        </a:xfrm>
+      </p:grpSpPr>
+      <p:pic>
+        <p:nvPicPr>
+          <p:cNvPr id="7" name="Picture 6">
+            <a:extLst>
+              <a:ext uri="{FF2B5EF4-FFF2-40B4-BE49-F238E27FC236}">
+                <a16:creationId xmlns:a16="http://schemas.microsoft.com/office/drawing/2014/main" id="{0A5785B3-401F-4373-9355-540DA8A8D4F6}"/>
+              </a:ext>
+            </a:extLst>
+          </p:cNvPr>
+          <p:cNvPicPr>
+            <a:picLocks noChangeAspect="1"/>
+          </p:cNvPicPr>
+          <p:nvPr/>
+        </p:nvPicPr>
+        <p:blipFill>
+          <a:blip r:embed="rId2">
+            <a:extLst>
+              <a:ext uri="{28A0092B-C50C-407E-A947-70E740481C1C}">
+                <a14:useLocalDpi xmlns:a14="http://schemas.microsoft.com/office/drawing/2010/main" val="0"/>
+              </a:ext>
+            </a:extLst>
+          </a:blip>
+          <a:stretch>
+            <a:fillRect/>
+          </a:stretch>
+        </p:blipFill>
+        <p:spPr>
+          <a:xfrm>
+            <a:off x="3896613" y="390672"/>
+            <a:ext cx="4398773" cy="3038328"/>
+          </a:xfrm>
+          <a:prstGeom prst="rect">
+            <a:avLst/>
+          </a:prstGeom>
+        </p:spPr>
+      </p:pic>
+      <p:sp>
+        <p:nvSpPr>
+          <p:cNvPr id="8" name="Rectangle 7">
+            <a:extLst>
+              <a:ext uri="{FF2B5EF4-FFF2-40B4-BE49-F238E27FC236}">
+                <a16:creationId xmlns:a16="http://schemas.microsoft.com/office/drawing/2014/main" id="{3C6EC4D9-2D4B-4B48-B845-8D23BCA90504}"/>
+              </a:ext>
+            </a:extLst>
+          </p:cNvPr>
+          <p:cNvSpPr/>
+          <p:nvPr/>
+        </p:nvSpPr>
+        <p:spPr>
+          <a:xfrm>
+            <a:off x="1289537" y="3429000"/>
+            <a:ext cx="10456985" cy="1815882"/>
+          </a:xfrm>
+          <a:prstGeom prst="rect">
+            <a:avLst/>
+          </a:prstGeom>
+        </p:spPr>
+        <p:txBody>
+          <a:bodyPr wrap="square">
+            <a:spAutoFit/>
+          </a:bodyPr>
+          <a:lstStyle/>
+          <a:p>
+            <a:r>
+              <a:rPr lang="en-US" sz="2800" dirty="0">
+                <a:latin typeface="Roboto" panose="02000000000000000000" pitchFamily="2" charset="0"/>
+                <a:ea typeface="Roboto" panose="02000000000000000000" pitchFamily="2" charset="0"/>
+              </a:rPr>
+              <a:t>(856) 21 254349, (856) 21 254709 and (856) 2028811009 </a:t>
+            </a:r>
+            <a:br>
+              <a:rPr lang="en-US" sz="2800" dirty="0">
+                <a:latin typeface="Roboto" panose="02000000000000000000" pitchFamily="2" charset="0"/>
+                <a:ea typeface="Roboto" panose="02000000000000000000" pitchFamily="2" charset="0"/>
+              </a:rPr>
+            </a:br>
+            <a:r>
+              <a:rPr lang="en-US" sz="2800" dirty="0">
+                <a:latin typeface="Roboto" panose="02000000000000000000" pitchFamily="2" charset="0"/>
+                <a:ea typeface="Roboto" panose="02000000000000000000" pitchFamily="2" charset="0"/>
+              </a:rPr>
+              <a:t>Mon - Fri, 8:30 am - 5:30 pm </a:t>
+            </a:r>
+            <a:br>
+              <a:rPr lang="en-US" sz="2800" dirty="0">
+                <a:latin typeface="Roboto" panose="02000000000000000000" pitchFamily="2" charset="0"/>
+                <a:ea typeface="Roboto" panose="02000000000000000000" pitchFamily="2" charset="0"/>
+              </a:rPr>
+            </a:br>
+            <a:r>
+              <a:rPr lang="en-US" sz="2800" dirty="0">
+                <a:latin typeface="Roboto" panose="02000000000000000000" pitchFamily="2" charset="0"/>
+                <a:ea typeface="Roboto" panose="02000000000000000000" pitchFamily="2" charset="0"/>
+              </a:rPr>
+              <a:t>Sat 8:30am - 12:00am </a:t>
+            </a:r>
+            <a:br>
+              <a:rPr lang="en-US" sz="2800" dirty="0">
+                <a:latin typeface="Roboto" panose="02000000000000000000" pitchFamily="2" charset="0"/>
+                <a:ea typeface="Roboto" panose="02000000000000000000" pitchFamily="2" charset="0"/>
+              </a:rPr>
+            </a:br>
+            <a:r>
+              <a:rPr lang="en-US" sz="2800" dirty="0">
+                <a:latin typeface="Roboto" panose="02000000000000000000" pitchFamily="2" charset="0"/>
+                <a:ea typeface="Roboto" panose="02000000000000000000" pitchFamily="2" charset="0"/>
+              </a:rPr>
+              <a:t>E-mail: info@108.jobs</a:t>
+            </a:r>
+          </a:p>
+        </p:txBody>
+      </p:sp>
+    </p:spTree>
+    <p:extLst>
+      <p:ext uri="{BB962C8B-B14F-4D97-AF65-F5344CB8AC3E}">
+        <p14:creationId xmlns:p14="http://schemas.microsoft.com/office/powerpoint/2010/main" val="1263516072"/>
+      </p:ext>
+    </p:extLst>
+  </p:cSld>
+  <p:clrMapOvr>
+    <a:masterClrMapping/>
+  </p:clrMapOvr>
+</p:sld>
+</file>
+
 <file path=ppt/slides/slide4.xml><?xml version="1.0" encoding="utf-8"?>
 <p:sld xmlns:a="http://schemas.openxmlformats.org/drawingml/2006/main" xmlns:r="http://schemas.openxmlformats.org/officeDocument/2006/relationships" xmlns:p="http://schemas.openxmlformats.org/presentationml/2006/main">
   <p:cSld>
@@ -25773,7 +26220,7 @@
           <a:p>
             <a:r>
               <a:rPr lang="en-US" dirty="0"/>
-              <a:t>(No. of Participating Companies and Organizations = 65)</a:t>
+              <a:t>(No. of Participating Companies and Organizations = 66)</a:t>
             </a:r>
           </a:p>
         </p:txBody>
@@ -25792,7 +26239,7 @@
         </p:nvSpPr>
         <p:spPr>
           <a:xfrm>
-            <a:off x="1703844" y="5792121"/>
+            <a:off x="1703844" y="5820257"/>
             <a:ext cx="1801262" cy="369332"/>
           </a:xfrm>
           <a:prstGeom prst="rect">
@@ -27006,6 +27453,44 @@
                 <a:ea typeface="Roboto" panose="02000000000000000000" pitchFamily="2" charset="0"/>
               </a:rPr>
               <a:t>Currency: USD</a:t>
+            </a:r>
+          </a:p>
+        </p:txBody>
+      </p:sp>
+      <p:sp>
+        <p:nvSpPr>
+          <p:cNvPr id="10" name="TextBox 9">
+            <a:extLst>
+              <a:ext uri="{FF2B5EF4-FFF2-40B4-BE49-F238E27FC236}">
+                <a16:creationId xmlns:a16="http://schemas.microsoft.com/office/drawing/2014/main" id="{6E900CDC-EEE5-4618-A706-F4F8D7B37168}"/>
+              </a:ext>
+            </a:extLst>
+          </p:cNvPr>
+          <p:cNvSpPr txBox="1"/>
+          <p:nvPr/>
+        </p:nvSpPr>
+        <p:spPr>
+          <a:xfrm>
+            <a:off x="7087770" y="1130664"/>
+            <a:ext cx="4156907" cy="369332"/>
+          </a:xfrm>
+          <a:prstGeom prst="rect">
+            <a:avLst/>
+          </a:prstGeom>
+          <a:noFill/>
+        </p:spPr>
+        <p:txBody>
+          <a:bodyPr wrap="none" rtlCol="0">
+            <a:spAutoFit/>
+          </a:bodyPr>
+          <a:lstStyle/>
+          <a:p>
+            <a:r>
+              <a:rPr lang="en-US" dirty="0">
+                <a:latin typeface="Roboto" panose="02000000000000000000" pitchFamily="2" charset="0"/>
+                <a:ea typeface="Roboto" panose="02000000000000000000" pitchFamily="2" charset="0"/>
+              </a:rPr>
+              <a:t>Number of Participating Companies: 6 </a:t>
             </a:r>
           </a:p>
         </p:txBody>
@@ -28170,6 +28655,44 @@
                 <a:ea typeface="Roboto" panose="02000000000000000000" pitchFamily="2" charset="0"/>
               </a:rPr>
               <a:t>Currency: USD</a:t>
+            </a:r>
+          </a:p>
+        </p:txBody>
+      </p:sp>
+      <p:sp>
+        <p:nvSpPr>
+          <p:cNvPr id="8" name="TextBox 7">
+            <a:extLst>
+              <a:ext uri="{FF2B5EF4-FFF2-40B4-BE49-F238E27FC236}">
+                <a16:creationId xmlns:a16="http://schemas.microsoft.com/office/drawing/2014/main" id="{7423BB9B-3E44-4AEC-BBD9-AB2AB7B34D42}"/>
+              </a:ext>
+            </a:extLst>
+          </p:cNvPr>
+          <p:cNvSpPr txBox="1"/>
+          <p:nvPr/>
+        </p:nvSpPr>
+        <p:spPr>
+          <a:xfrm>
+            <a:off x="7031501" y="1374238"/>
+            <a:ext cx="4156907" cy="369332"/>
+          </a:xfrm>
+          <a:prstGeom prst="rect">
+            <a:avLst/>
+          </a:prstGeom>
+          <a:noFill/>
+        </p:spPr>
+        <p:txBody>
+          <a:bodyPr wrap="none" rtlCol="0">
+            <a:spAutoFit/>
+          </a:bodyPr>
+          <a:lstStyle/>
+          <a:p>
+            <a:r>
+              <a:rPr lang="en-US" dirty="0">
+                <a:latin typeface="Roboto" panose="02000000000000000000" pitchFamily="2" charset="0"/>
+                <a:ea typeface="Roboto" panose="02000000000000000000" pitchFamily="2" charset="0"/>
+              </a:rPr>
+              <a:t>Number of Participating Companies: 4</a:t>
             </a:r>
           </a:p>
         </p:txBody>
